--- a/refining_refinements.pptx
+++ b/refining_refinements.pptx
@@ -5,7 +5,7 @@
     <p:sldMasterId id="2147483684" r:id="rId1"/>
   </p:sldMasterIdLst>
   <p:notesMasterIdLst>
-    <p:notesMasterId r:id="rId28"/>
+    <p:notesMasterId r:id="rId27"/>
   </p:notesMasterIdLst>
   <p:sldIdLst>
     <p:sldId id="256" r:id="rId2"/>
@@ -17,23 +17,22 @@
     <p:sldId id="327" r:id="rId8"/>
     <p:sldId id="331" r:id="rId9"/>
     <p:sldId id="329" r:id="rId10"/>
-    <p:sldId id="330" r:id="rId11"/>
-    <p:sldId id="332" r:id="rId12"/>
-    <p:sldId id="333" r:id="rId13"/>
-    <p:sldId id="335" r:id="rId14"/>
-    <p:sldId id="334" r:id="rId15"/>
-    <p:sldId id="336" r:id="rId16"/>
-    <p:sldId id="346" r:id="rId17"/>
-    <p:sldId id="337" r:id="rId18"/>
-    <p:sldId id="338" r:id="rId19"/>
-    <p:sldId id="339" r:id="rId20"/>
-    <p:sldId id="340" r:id="rId21"/>
-    <p:sldId id="341" r:id="rId22"/>
-    <p:sldId id="343" r:id="rId23"/>
-    <p:sldId id="345" r:id="rId24"/>
-    <p:sldId id="344" r:id="rId25"/>
-    <p:sldId id="342" r:id="rId26"/>
-    <p:sldId id="328" r:id="rId27"/>
+    <p:sldId id="332" r:id="rId11"/>
+    <p:sldId id="333" r:id="rId12"/>
+    <p:sldId id="335" r:id="rId13"/>
+    <p:sldId id="334" r:id="rId14"/>
+    <p:sldId id="336" r:id="rId15"/>
+    <p:sldId id="346" r:id="rId16"/>
+    <p:sldId id="337" r:id="rId17"/>
+    <p:sldId id="338" r:id="rId18"/>
+    <p:sldId id="339" r:id="rId19"/>
+    <p:sldId id="340" r:id="rId20"/>
+    <p:sldId id="341" r:id="rId21"/>
+    <p:sldId id="343" r:id="rId22"/>
+    <p:sldId id="345" r:id="rId23"/>
+    <p:sldId id="344" r:id="rId24"/>
+    <p:sldId id="342" r:id="rId25"/>
+    <p:sldId id="328" r:id="rId26"/>
   </p:sldIdLst>
   <p:sldSz cx="9144000" cy="6858000" type="screen4x3"/>
   <p:notesSz cx="6858000" cy="9144000"/>
@@ -233,7 +232,7 @@
           <a:p>
             <a:fld id="{2824A956-B84A-4963-A5A1-07FF5674870B}" type="datetimeFigureOut">
               <a:rPr kumimoji="1" lang="ja-JP" altLang="en-US" smtClean="0"/>
-              <a:t>2013/5/16</a:t>
+              <a:t>2013/5/20</a:t>
             </a:fld>
             <a:endParaRPr kumimoji="1" lang="ja-JP" altLang="en-US"/>
           </a:p>
@@ -726,7 +725,7 @@
           <a:p>
             <a:fld id="{BEB2A44C-4838-48A1-8CCC-56B31324CD36}" type="datetime1">
               <a:rPr kumimoji="1" lang="ja-JP" altLang="en-US" smtClean="0"/>
-              <a:t>2013/5/16</a:t>
+              <a:t>2013/5/20</a:t>
             </a:fld>
             <a:endParaRPr kumimoji="1" lang="ja-JP" altLang="en-US"/>
           </a:p>
@@ -1116,7 +1115,7 @@
           <a:p>
             <a:fld id="{D6055D4B-96D3-4275-B22A-7550BE743D12}" type="datetime1">
               <a:rPr kumimoji="1" lang="ja-JP" altLang="en-US" smtClean="0"/>
-              <a:t>2013/5/16</a:t>
+              <a:t>2013/5/20</a:t>
             </a:fld>
             <a:endParaRPr kumimoji="1" lang="ja-JP" altLang="en-US"/>
           </a:p>
@@ -1413,7 +1412,7 @@
           <a:p>
             <a:fld id="{F09345D9-E47B-41FE-9D53-8206BA0721AD}" type="datetime1">
               <a:rPr kumimoji="1" lang="ja-JP" altLang="en-US" smtClean="0"/>
-              <a:t>2013/5/16</a:t>
+              <a:t>2013/5/20</a:t>
             </a:fld>
             <a:endParaRPr kumimoji="1" lang="ja-JP" altLang="en-US"/>
           </a:p>
@@ -1632,7 +1631,7 @@
           <a:p>
             <a:fld id="{203475DF-70B1-4C70-B488-86679E08279F}" type="datetime1">
               <a:rPr kumimoji="1" lang="ja-JP" altLang="en-US" smtClean="0"/>
-              <a:t>2013/5/16</a:t>
+              <a:t>2013/5/20</a:t>
             </a:fld>
             <a:endParaRPr kumimoji="1" lang="ja-JP" altLang="en-US"/>
           </a:p>
@@ -1845,7 +1844,7 @@
           <a:p>
             <a:fld id="{A6300FBA-32EC-48A0-B846-53E50F22EDC6}" type="datetime1">
               <a:rPr kumimoji="1" lang="ja-JP" altLang="en-US" smtClean="0"/>
-              <a:t>2013/5/16</a:t>
+              <a:t>2013/5/20</a:t>
             </a:fld>
             <a:endParaRPr kumimoji="1" lang="ja-JP" altLang="en-US"/>
           </a:p>
@@ -2066,7 +2065,7 @@
           <a:p>
             <a:fld id="{5F48B954-E802-41CF-A23B-AF4001D9A985}" type="datetime1">
               <a:rPr kumimoji="1" lang="ja-JP" altLang="en-US" smtClean="0"/>
-              <a:t>2013/5/16</a:t>
+              <a:t>2013/5/20</a:t>
             </a:fld>
             <a:endParaRPr kumimoji="1" lang="ja-JP" altLang="en-US"/>
           </a:p>
@@ -2339,7 +2338,7 @@
           <a:p>
             <a:fld id="{9E7B2D17-F2F6-4F58-A5BA-B4327B220303}" type="datetime1">
               <a:rPr kumimoji="1" lang="ja-JP" altLang="en-US" smtClean="0"/>
-              <a:t>2013/5/16</a:t>
+              <a:t>2013/5/20</a:t>
             </a:fld>
             <a:endParaRPr kumimoji="1" lang="ja-JP" altLang="en-US"/>
           </a:p>
@@ -2705,7 +2704,7 @@
           <a:p>
             <a:fld id="{A9E9C874-8A2A-417D-8190-0EEAE08A6CBC}" type="datetime1">
               <a:rPr kumimoji="1" lang="ja-JP" altLang="en-US" smtClean="0"/>
-              <a:t>2013/5/16</a:t>
+              <a:t>2013/5/20</a:t>
             </a:fld>
             <a:endParaRPr kumimoji="1" lang="ja-JP" altLang="en-US"/>
           </a:p>
@@ -3220,7 +3219,7 @@
           <a:p>
             <a:fld id="{A55BE7E1-4417-46D1-A1D7-5676DF5662EE}" type="datetime1">
               <a:rPr kumimoji="1" lang="ja-JP" altLang="en-US" smtClean="0"/>
-              <a:t>2013/5/16</a:t>
+              <a:t>2013/5/20</a:t>
             </a:fld>
             <a:endParaRPr kumimoji="1" lang="ja-JP" altLang="en-US"/>
           </a:p>
@@ -3345,7 +3344,7 @@
           <a:p>
             <a:fld id="{FE11AAFE-9511-4B75-BEE3-5AB426959440}" type="datetime1">
               <a:rPr kumimoji="1" lang="ja-JP" altLang="en-US" smtClean="0"/>
-              <a:t>2013/5/16</a:t>
+              <a:t>2013/5/20</a:t>
             </a:fld>
             <a:endParaRPr kumimoji="1" lang="ja-JP" altLang="en-US"/>
           </a:p>
@@ -3447,7 +3446,7 @@
           <a:p>
             <a:fld id="{BE67106B-0A95-46B3-B66A-1A5A0A78CD79}" type="datetime1">
               <a:rPr kumimoji="1" lang="ja-JP" altLang="en-US" smtClean="0"/>
-              <a:t>2013/5/16</a:t>
+              <a:t>2013/5/20</a:t>
             </a:fld>
             <a:endParaRPr kumimoji="1" lang="ja-JP" altLang="en-US"/>
           </a:p>
@@ -3733,7 +3732,7 @@
           <a:p>
             <a:fld id="{FDD83BBB-F8BD-4C2C-A7A1-30EF8887FC58}" type="datetime1">
               <a:rPr kumimoji="1" lang="ja-JP" altLang="en-US" smtClean="0"/>
-              <a:t>2013/5/16</a:t>
+              <a:t>2013/5/20</a:t>
             </a:fld>
             <a:endParaRPr kumimoji="1" lang="ja-JP" altLang="en-US"/>
           </a:p>
@@ -4006,7 +4005,7 @@
           <a:p>
             <a:fld id="{BB5A1D04-C170-4F36-A596-1B147592CAD8}" type="datetime1">
               <a:rPr kumimoji="1" lang="ja-JP" altLang="en-US" smtClean="0"/>
-              <a:t>2013/5/16</a:t>
+              <a:t>2013/5/20</a:t>
             </a:fld>
             <a:endParaRPr kumimoji="1" lang="ja-JP" altLang="en-US"/>
           </a:p>
@@ -4697,50 +4696,53 @@
           <a:p>
             <a:r>
               <a:rPr kumimoji="1" lang="en-US" altLang="ja-JP" dirty="0" smtClean="0"/>
-              <a:t>What’s </a:t>
+              <a:t>Packrat </a:t>
+            </a:r>
+            <a:r>
+              <a:rPr lang="en-US" altLang="ja-JP" dirty="0" smtClean="0"/>
+              <a:t>parser</a:t>
+            </a:r>
+            <a:endParaRPr kumimoji="1" lang="ja-JP" altLang="en-US" dirty="0"/>
+          </a:p>
+        </p:txBody>
+      </p:sp>
+      <p:sp>
+        <p:nvSpPr>
+          <p:cNvPr id="3" name="コンテンツ プレースホルダー 2"/>
+          <p:cNvSpPr>
+            <a:spLocks noGrp="1"/>
+          </p:cNvSpPr>
+          <p:nvPr>
+            <p:ph idx="1"/>
+          </p:nvPr>
+        </p:nvSpPr>
+        <p:spPr/>
+        <p:txBody>
+          <a:bodyPr/>
+          <a:lstStyle/>
+          <a:p>
+            <a:r>
+              <a:rPr kumimoji="1" lang="en-US" altLang="ja-JP" dirty="0" smtClean="0"/>
+              <a:t>Top-down parser</a:t>
+            </a:r>
+          </a:p>
+          <a:p>
+            <a:pPr lvl="1"/>
+            <a:r>
+              <a:rPr lang="en-US" altLang="ja-JP" dirty="0" smtClean="0"/>
+              <a:t>with backtracking</a:t>
+            </a:r>
+          </a:p>
+          <a:p>
+            <a:pPr lvl="1"/>
+            <a:r>
+              <a:rPr kumimoji="1" lang="en-US" altLang="ja-JP" dirty="0" smtClean="0"/>
+              <a:t>and </a:t>
             </a:r>
             <a:r>
               <a:rPr kumimoji="1" lang="en-US" altLang="ja-JP" dirty="0" err="1" smtClean="0"/>
-              <a:t>radd_djur</a:t>
-            </a:r>
-            <a:r>
-              <a:rPr kumimoji="1" lang="en-US" altLang="ja-JP" dirty="0" smtClean="0"/>
-              <a:t>?</a:t>
-            </a:r>
-            <a:endParaRPr kumimoji="1" lang="ja-JP" altLang="en-US" dirty="0"/>
-          </a:p>
-        </p:txBody>
-      </p:sp>
-      <p:sp>
-        <p:nvSpPr>
-          <p:cNvPr id="3" name="コンテンツ プレースホルダー 2"/>
-          <p:cNvSpPr>
-            <a:spLocks noGrp="1"/>
-          </p:cNvSpPr>
-          <p:nvPr>
-            <p:ph idx="1"/>
-          </p:nvPr>
-        </p:nvSpPr>
-        <p:spPr/>
-        <p:txBody>
-          <a:bodyPr/>
-          <a:lstStyle/>
-          <a:p>
-            <a:r>
-              <a:rPr lang="en-US" altLang="ja-JP" dirty="0" smtClean="0"/>
-              <a:t>Monadic packrat parser </a:t>
-            </a:r>
-            <a:r>
-              <a:rPr lang="en-US" altLang="ja-JP" dirty="0" err="1" smtClean="0"/>
-              <a:t>combinator</a:t>
-            </a:r>
-            <a:r>
-              <a:rPr lang="en-US" altLang="ja-JP" dirty="0" smtClean="0"/>
-              <a:t> library</a:t>
-            </a:r>
-            <a:endParaRPr lang="en-US" altLang="ja-JP" dirty="0" smtClean="0"/>
-          </a:p>
-          <a:p>
+              <a:t>memoization</a:t>
+            </a:r>
             <a:endParaRPr kumimoji="1" lang="ja-JP" altLang="en-US" dirty="0"/>
           </a:p>
         </p:txBody>
@@ -4771,7 +4773,7 @@
     </p:spTree>
     <p:extLst>
       <p:ext uri="{BB962C8B-B14F-4D97-AF65-F5344CB8AC3E}">
-        <p14:creationId xmlns:p14="http://schemas.microsoft.com/office/powerpoint/2010/main" val="1316026151"/>
+        <p14:creationId xmlns:p14="http://schemas.microsoft.com/office/powerpoint/2010/main" val="3111114967"/>
       </p:ext>
     </p:extLst>
   </p:cSld>
@@ -4830,52 +4832,62 @@
           <a:p>
             <a:r>
               <a:rPr kumimoji="1" lang="en-US" altLang="ja-JP" dirty="0" smtClean="0"/>
-              <a:t>Packrat </a:t>
-            </a:r>
+              <a:t>Parser </a:t>
+            </a:r>
+            <a:r>
+              <a:rPr kumimoji="1" lang="en-US" altLang="ja-JP" dirty="0" err="1" smtClean="0"/>
+              <a:t>combinator</a:t>
+            </a:r>
+            <a:endParaRPr kumimoji="1" lang="ja-JP" altLang="en-US" dirty="0"/>
+          </a:p>
+        </p:txBody>
+      </p:sp>
+      <p:sp>
+        <p:nvSpPr>
+          <p:cNvPr id="3" name="コンテンツ プレースホルダー 2"/>
+          <p:cNvSpPr>
+            <a:spLocks noGrp="1"/>
+          </p:cNvSpPr>
+          <p:nvPr>
+            <p:ph idx="1"/>
+          </p:nvPr>
+        </p:nvSpPr>
+        <p:spPr/>
+        <p:txBody>
+          <a:bodyPr/>
+          <a:lstStyle/>
+          <a:p>
+            <a:r>
+              <a:rPr kumimoji="1" lang="en-US" altLang="ja-JP" dirty="0" smtClean="0"/>
+              <a:t>Allows </a:t>
+            </a:r>
+            <a:r>
+              <a:rPr kumimoji="1" lang="en-US" altLang="ja-JP" dirty="0" smtClean="0"/>
+              <a:t>you to combine small parsers into one big parser</a:t>
+            </a:r>
+          </a:p>
+          <a:p>
             <a:r>
               <a:rPr lang="en-US" altLang="ja-JP" dirty="0" smtClean="0"/>
-              <a:t>parser</a:t>
-            </a:r>
-            <a:endParaRPr kumimoji="1" lang="ja-JP" altLang="en-US" dirty="0"/>
-          </a:p>
-        </p:txBody>
-      </p:sp>
-      <p:sp>
-        <p:nvSpPr>
-          <p:cNvPr id="3" name="コンテンツ プレースホルダー 2"/>
-          <p:cNvSpPr>
-            <a:spLocks noGrp="1"/>
-          </p:cNvSpPr>
-          <p:nvPr>
-            <p:ph idx="1"/>
-          </p:nvPr>
-        </p:nvSpPr>
-        <p:spPr/>
-        <p:txBody>
-          <a:bodyPr/>
-          <a:lstStyle/>
-          <a:p>
+              <a:t>Each parser is a monad</a:t>
+            </a:r>
+            <a:endParaRPr kumimoji="1" lang="en-US" altLang="ja-JP" dirty="0" smtClean="0"/>
+          </a:p>
+          <a:p>
+            <a:r>
+              <a:rPr lang="en-US" altLang="ja-JP" dirty="0" smtClean="0"/>
+              <a:t>What's a monad</a:t>
+            </a:r>
+            <a:r>
+              <a:rPr lang="en-US" altLang="ja-JP" dirty="0" smtClean="0"/>
+              <a:t>?</a:t>
+            </a:r>
+          </a:p>
+          <a:p>
+            <a:pPr lvl="1"/>
             <a:r>
               <a:rPr kumimoji="1" lang="en-US" altLang="ja-JP" dirty="0" smtClean="0"/>
-              <a:t>Top-down parser</a:t>
-            </a:r>
-          </a:p>
-          <a:p>
-            <a:pPr lvl="1"/>
-            <a:r>
-              <a:rPr lang="en-US" altLang="ja-JP" dirty="0" smtClean="0"/>
-              <a:t>with backtracking</a:t>
-            </a:r>
-          </a:p>
-          <a:p>
-            <a:pPr lvl="1"/>
-            <a:r>
-              <a:rPr kumimoji="1" lang="en-US" altLang="ja-JP" dirty="0" smtClean="0"/>
-              <a:t>and </a:t>
-            </a:r>
-            <a:r>
-              <a:rPr kumimoji="1" lang="en-US" altLang="ja-JP" dirty="0" err="1" smtClean="0"/>
-              <a:t>memoization</a:t>
+              <a:t>Ask Haskell guys</a:t>
             </a:r>
             <a:endParaRPr kumimoji="1" lang="ja-JP" altLang="en-US" dirty="0"/>
           </a:p>
@@ -4907,18 +4919,18 @@
     </p:spTree>
     <p:extLst>
       <p:ext uri="{BB962C8B-B14F-4D97-AF65-F5344CB8AC3E}">
-        <p14:creationId xmlns:p14="http://schemas.microsoft.com/office/powerpoint/2010/main" val="3111114967"/>
+        <p14:creationId xmlns:p14="http://schemas.microsoft.com/office/powerpoint/2010/main" val="4224257703"/>
       </p:ext>
     </p:extLst>
   </p:cSld>
   <p:clrMapOvr>
     <a:masterClrMapping/>
   </p:clrMapOvr>
-  <mc:AlternateContent xmlns:mc="http://schemas.openxmlformats.org/markup-compatibility/2006">
-    <mc:Choice xmlns:p14="http://schemas.microsoft.com/office/powerpoint/2010/main" Requires="p14">
+  <mc:AlternateContent xmlns:mc="http://schemas.openxmlformats.org/markup-compatibility/2006" xmlns:p14="http://schemas.microsoft.com/office/powerpoint/2010/main">
+    <mc:Choice Requires="p14">
       <p:transition p14:dur="0"/>
     </mc:Choice>
-    <mc:Fallback>
+    <mc:Fallback xmlns="">
       <p:transition/>
     </mc:Fallback>
   </mc:AlternateContent>
@@ -4965,74 +4977,44 @@
           <a:lstStyle/>
           <a:p>
             <a:r>
+              <a:rPr lang="en-US" altLang="ja-JP" dirty="0" smtClean="0"/>
+              <a:t>PEG</a:t>
+            </a:r>
+            <a:endParaRPr kumimoji="1" lang="ja-JP" altLang="en-US" dirty="0"/>
+          </a:p>
+        </p:txBody>
+      </p:sp>
+      <p:sp>
+        <p:nvSpPr>
+          <p:cNvPr id="3" name="コンテンツ プレースホルダー 2"/>
+          <p:cNvSpPr>
+            <a:spLocks noGrp="1"/>
+          </p:cNvSpPr>
+          <p:nvPr>
+            <p:ph idx="1"/>
+          </p:nvPr>
+        </p:nvSpPr>
+        <p:spPr/>
+        <p:txBody>
+          <a:bodyPr/>
+          <a:lstStyle/>
+          <a:p>
+            <a:r>
               <a:rPr kumimoji="1" lang="en-US" altLang="ja-JP" dirty="0" smtClean="0"/>
-              <a:t>Monadic parser </a:t>
-            </a:r>
-            <a:r>
-              <a:rPr kumimoji="1" lang="en-US" altLang="ja-JP" dirty="0" err="1" smtClean="0"/>
-              <a:t>combinator</a:t>
-            </a:r>
-            <a:endParaRPr kumimoji="1" lang="ja-JP" altLang="en-US" dirty="0"/>
-          </a:p>
-        </p:txBody>
-      </p:sp>
-      <p:sp>
-        <p:nvSpPr>
-          <p:cNvPr id="3" name="コンテンツ プレースホルダー 2"/>
-          <p:cNvSpPr>
-            <a:spLocks noGrp="1"/>
-          </p:cNvSpPr>
-          <p:nvPr>
-            <p:ph idx="1"/>
-          </p:nvPr>
-        </p:nvSpPr>
-        <p:spPr/>
-        <p:txBody>
-          <a:bodyPr/>
-          <a:lstStyle/>
+              <a:t>Parsing Expression Grammar</a:t>
+            </a:r>
+          </a:p>
           <a:p>
             <a:r>
               <a:rPr lang="en-US" altLang="ja-JP" dirty="0" smtClean="0"/>
-              <a:t>Parser </a:t>
-            </a:r>
-            <a:r>
-              <a:rPr lang="en-US" altLang="ja-JP" dirty="0" err="1" smtClean="0"/>
-              <a:t>c</a:t>
-            </a:r>
-            <a:r>
-              <a:rPr kumimoji="1" lang="en-US" altLang="ja-JP" dirty="0" err="1" smtClean="0"/>
-              <a:t>ombinator</a:t>
-            </a:r>
-            <a:endParaRPr kumimoji="1" lang="en-US" altLang="ja-JP" dirty="0" smtClean="0"/>
-          </a:p>
-          <a:p>
-            <a:pPr lvl="1"/>
+              <a:t>Formal grammar</a:t>
+            </a:r>
+          </a:p>
+          <a:p>
             <a:r>
               <a:rPr kumimoji="1" lang="en-US" altLang="ja-JP" dirty="0" smtClean="0"/>
-              <a:t>Allows you to combine small parsers into one big parser</a:t>
-            </a:r>
-          </a:p>
-          <a:p>
-            <a:pPr lvl="1"/>
-            <a:r>
-              <a:rPr lang="en-US" altLang="ja-JP" dirty="0" smtClean="0"/>
-              <a:t>Each parser is a monad</a:t>
-            </a:r>
-            <a:endParaRPr kumimoji="1" lang="en-US" altLang="ja-JP" dirty="0" smtClean="0"/>
-          </a:p>
-          <a:p>
-            <a:r>
-              <a:rPr lang="en-US" altLang="ja-JP" dirty="0" smtClean="0"/>
-              <a:t>Monad?</a:t>
-            </a:r>
-          </a:p>
-          <a:p>
-            <a:pPr lvl="1"/>
-            <a:r>
-              <a:rPr kumimoji="1" lang="en-US" altLang="ja-JP" dirty="0" smtClean="0"/>
-              <a:t>Ask Haskell guys</a:t>
-            </a:r>
-            <a:endParaRPr kumimoji="1" lang="ja-JP" altLang="en-US" dirty="0"/>
+              <a:t>Ambiguity free</a:t>
+            </a:r>
           </a:p>
         </p:txBody>
       </p:sp>
@@ -5062,18 +5044,18 @@
     </p:spTree>
     <p:extLst>
       <p:ext uri="{BB962C8B-B14F-4D97-AF65-F5344CB8AC3E}">
-        <p14:creationId xmlns:p14="http://schemas.microsoft.com/office/powerpoint/2010/main" val="4224257703"/>
+        <p14:creationId xmlns:p14="http://schemas.microsoft.com/office/powerpoint/2010/main" val="1192087574"/>
       </p:ext>
     </p:extLst>
   </p:cSld>
   <p:clrMapOvr>
     <a:masterClrMapping/>
   </p:clrMapOvr>
-  <mc:AlternateContent xmlns:mc="http://schemas.openxmlformats.org/markup-compatibility/2006">
-    <mc:Choice xmlns:p14="http://schemas.microsoft.com/office/powerpoint/2010/main" Requires="p14">
+  <mc:AlternateContent xmlns:mc="http://schemas.openxmlformats.org/markup-compatibility/2006" xmlns:p14="http://schemas.microsoft.com/office/powerpoint/2010/main">
+    <mc:Choice Requires="p14">
       <p:transition p14:dur="0"/>
     </mc:Choice>
-    <mc:Fallback>
+    <mc:Fallback xmlns="">
       <p:transition/>
     </mc:Fallback>
   </mc:AlternateContent>
@@ -5120,44 +5102,10 @@
           <a:lstStyle/>
           <a:p>
             <a:r>
-              <a:rPr lang="en-US" altLang="ja-JP" dirty="0" smtClean="0"/>
-              <a:t>PEG</a:t>
+              <a:rPr kumimoji="1" lang="en-US" altLang="ja-JP" dirty="0" smtClean="0"/>
+              <a:t>Example of PEG</a:t>
             </a:r>
             <a:endParaRPr kumimoji="1" lang="ja-JP" altLang="en-US" dirty="0"/>
-          </a:p>
-        </p:txBody>
-      </p:sp>
-      <p:sp>
-        <p:nvSpPr>
-          <p:cNvPr id="3" name="コンテンツ プレースホルダー 2"/>
-          <p:cNvSpPr>
-            <a:spLocks noGrp="1"/>
-          </p:cNvSpPr>
-          <p:nvPr>
-            <p:ph idx="1"/>
-          </p:nvPr>
-        </p:nvSpPr>
-        <p:spPr/>
-        <p:txBody>
-          <a:bodyPr/>
-          <a:lstStyle/>
-          <a:p>
-            <a:r>
-              <a:rPr kumimoji="1" lang="en-US" altLang="ja-JP" dirty="0" smtClean="0"/>
-              <a:t>Parsing Expression Grammar</a:t>
-            </a:r>
-          </a:p>
-          <a:p>
-            <a:r>
-              <a:rPr lang="en-US" altLang="ja-JP" dirty="0" smtClean="0"/>
-              <a:t>Formal grammar</a:t>
-            </a:r>
-          </a:p>
-          <a:p>
-            <a:r>
-              <a:rPr kumimoji="1" lang="en-US" altLang="ja-JP" dirty="0" smtClean="0"/>
-              <a:t>Ambiguity free</a:t>
-            </a:r>
           </a:p>
         </p:txBody>
       </p:sp>
@@ -5179,97 +5127,6 @@
             <a:fld id="{D2D8002D-B5B0-4BAC-B1F6-782DDCCE6D9C}" type="slidenum">
               <a:rPr kumimoji="1" lang="ja-JP" altLang="en-US" smtClean="0"/>
               <a:t>12</a:t>
-            </a:fld>
-            <a:endParaRPr kumimoji="1" lang="ja-JP" altLang="en-US" dirty="0"/>
-          </a:p>
-        </p:txBody>
-      </p:sp>
-    </p:spTree>
-    <p:extLst>
-      <p:ext uri="{BB962C8B-B14F-4D97-AF65-F5344CB8AC3E}">
-        <p14:creationId xmlns:p14="http://schemas.microsoft.com/office/powerpoint/2010/main" val="1192087574"/>
-      </p:ext>
-    </p:extLst>
-  </p:cSld>
-  <p:clrMapOvr>
-    <a:masterClrMapping/>
-  </p:clrMapOvr>
-  <mc:AlternateContent xmlns:mc="http://schemas.openxmlformats.org/markup-compatibility/2006">
-    <mc:Choice xmlns:p14="http://schemas.microsoft.com/office/powerpoint/2010/main" Requires="p14">
-      <p:transition p14:dur="0"/>
-    </mc:Choice>
-    <mc:Fallback>
-      <p:transition/>
-    </mc:Fallback>
-  </mc:AlternateContent>
-  <p:timing>
-    <p:tnLst>
-      <p:par>
-        <p:cTn id="1" dur="indefinite" restart="never" nodeType="tmRoot"/>
-      </p:par>
-    </p:tnLst>
-  </p:timing>
-</p:sld>
-</file>
-
-<file path=ppt/slides/slide14.xml><?xml version="1.0" encoding="utf-8"?>
-<p:sld xmlns:a="http://schemas.openxmlformats.org/drawingml/2006/main" xmlns:r="http://schemas.openxmlformats.org/officeDocument/2006/relationships" xmlns:p="http://schemas.openxmlformats.org/presentationml/2006/main">
-  <p:cSld>
-    <p:spTree>
-      <p:nvGrpSpPr>
-        <p:cNvPr id="1" name=""/>
-        <p:cNvGrpSpPr/>
-        <p:nvPr/>
-      </p:nvGrpSpPr>
-      <p:grpSpPr>
-        <a:xfrm>
-          <a:off x="0" y="0"/>
-          <a:ext cx="0" cy="0"/>
-          <a:chOff x="0" y="0"/>
-          <a:chExt cx="0" cy="0"/>
-        </a:xfrm>
-      </p:grpSpPr>
-      <p:sp>
-        <p:nvSpPr>
-          <p:cNvPr id="2" name="タイトル 1"/>
-          <p:cNvSpPr>
-            <a:spLocks noGrp="1"/>
-          </p:cNvSpPr>
-          <p:nvPr>
-            <p:ph type="title"/>
-          </p:nvPr>
-        </p:nvSpPr>
-        <p:spPr/>
-        <p:txBody>
-          <a:bodyPr/>
-          <a:lstStyle/>
-          <a:p>
-            <a:r>
-              <a:rPr kumimoji="1" lang="en-US" altLang="ja-JP" dirty="0" smtClean="0"/>
-              <a:t>Example of PEG</a:t>
-            </a:r>
-            <a:endParaRPr kumimoji="1" lang="ja-JP" altLang="en-US" dirty="0"/>
-          </a:p>
-        </p:txBody>
-      </p:sp>
-      <p:sp>
-        <p:nvSpPr>
-          <p:cNvPr id="4" name="スライド番号プレースホルダー 3"/>
-          <p:cNvSpPr>
-            <a:spLocks noGrp="1"/>
-          </p:cNvSpPr>
-          <p:nvPr>
-            <p:ph type="sldNum" sz="quarter" idx="12"/>
-          </p:nvPr>
-        </p:nvSpPr>
-        <p:spPr/>
-        <p:txBody>
-          <a:bodyPr/>
-          <a:lstStyle/>
-          <a:p>
-            <a:fld id="{D2D8002D-B5B0-4BAC-B1F6-782DDCCE6D9C}" type="slidenum">
-              <a:rPr kumimoji="1" lang="ja-JP" altLang="en-US" smtClean="0"/>
-              <a:t>13</a:t>
             </a:fld>
             <a:endParaRPr kumimoji="1" lang="ja-JP" altLang="en-US" dirty="0"/>
           </a:p>
@@ -5502,14 +5359,7 @@
                 <a:latin typeface="Courier New" pitchFamily="49" charset="0"/>
                 <a:cs typeface="Courier New" pitchFamily="49" charset="0"/>
               </a:rPr>
-              <a:t>        </a:t>
-            </a:r>
-            <a:r>
-              <a:rPr lang="en-US" altLang="ja-JP" dirty="0" smtClean="0">
-                <a:latin typeface="Courier New" pitchFamily="49" charset="0"/>
-                <a:cs typeface="Courier New" pitchFamily="49" charset="0"/>
-              </a:rPr>
-              <a:t>  / </a:t>
+              <a:t>          / </a:t>
             </a:r>
             <a:r>
               <a:rPr lang="en-US" altLang="ja-JP" dirty="0" err="1" smtClean="0">
@@ -5609,11 +5459,11 @@
   <p:clrMapOvr>
     <a:masterClrMapping/>
   </p:clrMapOvr>
-  <mc:AlternateContent xmlns:mc="http://schemas.openxmlformats.org/markup-compatibility/2006">
-    <mc:Choice xmlns:p14="http://schemas.microsoft.com/office/powerpoint/2010/main" Requires="p14">
+  <mc:AlternateContent xmlns:mc="http://schemas.openxmlformats.org/markup-compatibility/2006" xmlns:p14="http://schemas.microsoft.com/office/powerpoint/2010/main">
+    <mc:Choice Requires="p14">
       <p:transition p14:dur="10"/>
     </mc:Choice>
-    <mc:Fallback>
+    <mc:Fallback xmlns="">
       <p:transition/>
     </mc:Fallback>
   </mc:AlternateContent>
@@ -5627,7 +5477,7 @@
 </p:sld>
 </file>
 
-<file path=ppt/slides/slide15.xml><?xml version="1.0" encoding="utf-8"?>
+<file path=ppt/slides/slide14.xml><?xml version="1.0" encoding="utf-8"?>
 <p:sld xmlns:a="http://schemas.openxmlformats.org/drawingml/2006/main" xmlns:r="http://schemas.openxmlformats.org/officeDocument/2006/relationships" xmlns:p="http://schemas.openxmlformats.org/presentationml/2006/main">
   <p:cSld>
     <p:spTree>
@@ -5684,7 +5534,7 @@
           <a:p>
             <a:fld id="{D2D8002D-B5B0-4BAC-B1F6-782DDCCE6D9C}" type="slidenum">
               <a:rPr kumimoji="1" lang="ja-JP" altLang="en-US" smtClean="0"/>
-              <a:t>14</a:t>
+              <a:t>13</a:t>
             </a:fld>
             <a:endParaRPr kumimoji="1" lang="ja-JP" altLang="en-US" dirty="0"/>
           </a:p>
@@ -6739,11 +6589,11 @@
   <p:clrMapOvr>
     <a:masterClrMapping/>
   </p:clrMapOvr>
-  <mc:AlternateContent xmlns:mc="http://schemas.openxmlformats.org/markup-compatibility/2006">
-    <mc:Choice xmlns:p14="http://schemas.microsoft.com/office/powerpoint/2010/main" Requires="p14">
+  <mc:AlternateContent xmlns:mc="http://schemas.openxmlformats.org/markup-compatibility/2006" xmlns:p14="http://schemas.microsoft.com/office/powerpoint/2010/main">
+    <mc:Choice Requires="p14">
       <p:transition p14:dur="10"/>
     </mc:Choice>
-    <mc:Fallback>
+    <mc:Fallback xmlns="">
       <p:transition/>
     </mc:Fallback>
   </mc:AlternateContent>
@@ -7374,7 +7224,7 @@
 </p:sld>
 </file>
 
-<file path=ppt/slides/slide16.xml><?xml version="1.0" encoding="utf-8"?>
+<file path=ppt/slides/slide15.xml><?xml version="1.0" encoding="utf-8"?>
 <p:sld xmlns:a="http://schemas.openxmlformats.org/drawingml/2006/main" xmlns:r="http://schemas.openxmlformats.org/officeDocument/2006/relationships" xmlns:p="http://schemas.openxmlformats.org/presentationml/2006/main">
   <p:cSld>
     <p:spTree>
@@ -7429,9 +7279,26 @@
           <a:bodyPr/>
           <a:lstStyle/>
           <a:p>
+            <a:endParaRPr kumimoji="1" lang="en-US" altLang="ja-JP" dirty="0" smtClean="0"/>
+          </a:p>
+          <a:p>
+            <a:endParaRPr lang="en-US" altLang="ja-JP" dirty="0"/>
+          </a:p>
+          <a:p>
+            <a:endParaRPr kumimoji="1" lang="en-US" altLang="ja-JP" dirty="0" smtClean="0"/>
+          </a:p>
+          <a:p>
+            <a:r>
+              <a:rPr lang="en-US" altLang="ja-JP" dirty="0"/>
+              <a:t>D</a:t>
+            </a:r>
             <a:r>
               <a:rPr kumimoji="1" lang="en-US" altLang="ja-JP" dirty="0" smtClean="0"/>
-              <a:t>define a new nonterminal and its rule</a:t>
+              <a:t>efine </a:t>
+            </a:r>
+            <a:r>
+              <a:rPr kumimoji="1" lang="en-US" altLang="ja-JP" dirty="0" smtClean="0"/>
+              <a:t>a new nonterminal and its rule</a:t>
             </a:r>
             <a:endParaRPr kumimoji="1" lang="ja-JP" altLang="en-US" dirty="0"/>
           </a:p>
@@ -7454,196 +7321,15 @@
           <a:p>
             <a:fld id="{D2D8002D-B5B0-4BAC-B1F6-782DDCCE6D9C}" type="slidenum">
               <a:rPr kumimoji="1" lang="ja-JP" altLang="en-US" smtClean="0"/>
-              <a:t>15</a:t>
+              <a:t>14</a:t>
             </a:fld>
             <a:endParaRPr kumimoji="1" lang="ja-JP" altLang="en-US" dirty="0"/>
           </a:p>
         </p:txBody>
       </p:sp>
-    </p:spTree>
-    <p:extLst>
-      <p:ext uri="{BB962C8B-B14F-4D97-AF65-F5344CB8AC3E}">
-        <p14:creationId xmlns:p14="http://schemas.microsoft.com/office/powerpoint/2010/main" val="4141763514"/>
-      </p:ext>
-    </p:extLst>
-  </p:cSld>
-  <p:clrMapOvr>
-    <a:masterClrMapping/>
-  </p:clrMapOvr>
-  <mc:AlternateContent xmlns:mc="http://schemas.openxmlformats.org/markup-compatibility/2006">
-    <mc:Choice xmlns:p14="http://schemas.microsoft.com/office/powerpoint/2010/main" Requires="p14">
-      <p:transition p14:dur="0"/>
-    </mc:Choice>
-    <mc:Fallback>
-      <p:transition/>
-    </mc:Fallback>
-  </mc:AlternateContent>
-  <p:timing>
-    <p:tnLst>
-      <p:par>
-        <p:cTn id="1" dur="indefinite" restart="never" nodeType="tmRoot"/>
-      </p:par>
-    </p:tnLst>
-  </p:timing>
-</p:sld>
-</file>
-
-<file path=ppt/slides/slide17.xml><?xml version="1.0" encoding="utf-8"?>
-<p:sld xmlns:a="http://schemas.openxmlformats.org/drawingml/2006/main" xmlns:r="http://schemas.openxmlformats.org/officeDocument/2006/relationships" xmlns:p="http://schemas.openxmlformats.org/presentationml/2006/main">
-  <p:cSld>
-    <p:spTree>
-      <p:nvGrpSpPr>
-        <p:cNvPr id="1" name=""/>
-        <p:cNvGrpSpPr/>
-        <p:nvPr/>
-      </p:nvGrpSpPr>
-      <p:grpSpPr>
-        <a:xfrm>
-          <a:off x="0" y="0"/>
-          <a:ext cx="0" cy="0"/>
-          <a:chOff x="0" y="0"/>
-          <a:chExt cx="0" cy="0"/>
-        </a:xfrm>
-      </p:grpSpPr>
-      <p:sp>
-        <p:nvSpPr>
-          <p:cNvPr id="2" name="タイトル 1"/>
-          <p:cNvSpPr>
-            <a:spLocks noGrp="1"/>
-          </p:cNvSpPr>
-          <p:nvPr>
-            <p:ph type="title"/>
-          </p:nvPr>
-        </p:nvSpPr>
-        <p:spPr/>
-        <p:txBody>
-          <a:bodyPr/>
-          <a:lstStyle/>
-          <a:p>
-            <a:r>
-              <a:rPr kumimoji="1" lang="en-US" altLang="ja-JP" dirty="0" smtClean="0"/>
-              <a:t>bind</a:t>
-            </a:r>
-            <a:endParaRPr kumimoji="1" lang="ja-JP" altLang="en-US" dirty="0"/>
-          </a:p>
-        </p:txBody>
-      </p:sp>
-      <p:sp>
-        <p:nvSpPr>
-          <p:cNvPr id="3" name="コンテンツ プレースホルダー 2"/>
-          <p:cNvSpPr>
-            <a:spLocks noGrp="1"/>
-          </p:cNvSpPr>
-          <p:nvPr>
-            <p:ph idx="1"/>
-          </p:nvPr>
-        </p:nvSpPr>
-        <p:spPr/>
-        <p:txBody>
-          <a:bodyPr/>
-          <a:lstStyle/>
-          <a:p>
-            <a:r>
-              <a:rPr lang="en-US" altLang="ja-JP" dirty="0" smtClean="0">
-                <a:solidFill>
-                  <a:schemeClr val="tx2"/>
-                </a:solidFill>
-              </a:rPr>
-              <a:t>&gt;&gt;= (bind) </a:t>
-            </a:r>
-            <a:r>
-              <a:rPr lang="en-US" altLang="ja-JP" dirty="0" smtClean="0"/>
-              <a:t>in Haskell</a:t>
-            </a:r>
-          </a:p>
-          <a:p>
-            <a:r>
-              <a:rPr lang="en-US" altLang="ja-JP" dirty="0">
-                <a:solidFill>
-                  <a:schemeClr val="tx2"/>
-                </a:solidFill>
-              </a:rPr>
-              <a:t>sequence</a:t>
-            </a:r>
-            <a:r>
-              <a:rPr lang="en-US" altLang="ja-JP" dirty="0"/>
-              <a:t> in </a:t>
-            </a:r>
-            <a:r>
-              <a:rPr lang="en-US" altLang="ja-JP" dirty="0" smtClean="0"/>
-              <a:t>PEG (e.g., a b)</a:t>
-            </a:r>
-          </a:p>
-          <a:p>
-            <a:r>
-              <a:rPr lang="en-US" altLang="ja-JP" dirty="0" smtClean="0"/>
-              <a:t>Example:</a:t>
-            </a:r>
-          </a:p>
-          <a:p>
-            <a:endParaRPr lang="en-US" altLang="ja-JP" dirty="0"/>
-          </a:p>
-          <a:p>
-            <a:endParaRPr lang="en-US" altLang="ja-JP" dirty="0" smtClean="0"/>
-          </a:p>
-          <a:p>
-            <a:pPr lvl="1"/>
-            <a:r>
-              <a:rPr lang="en-US" altLang="ja-JP" dirty="0" smtClean="0"/>
-              <a:t>First, invoke the parser a</a:t>
-            </a:r>
-          </a:p>
-          <a:p>
-            <a:pPr lvl="1"/>
-            <a:r>
-              <a:rPr lang="en-US" altLang="ja-JP" dirty="0" smtClean="0"/>
-              <a:t>If succeeded, invoke the parser b </a:t>
-            </a:r>
-            <a:r>
-              <a:rPr lang="en-US" altLang="ja-JP" dirty="0"/>
-              <a:t>on the remainder of the input string left unconsumed by </a:t>
-            </a:r>
-            <a:r>
-              <a:rPr lang="en-US" altLang="ja-JP" dirty="0" smtClean="0"/>
-              <a:t>a</a:t>
-            </a:r>
-          </a:p>
-          <a:p>
-            <a:pPr lvl="1"/>
-            <a:r>
-              <a:rPr lang="en-US" altLang="ja-JP" dirty="0" smtClean="0"/>
-              <a:t>If succeeded, return the result</a:t>
-            </a:r>
-            <a:endParaRPr lang="en-US" altLang="ja-JP" dirty="0"/>
-          </a:p>
-        </p:txBody>
-      </p:sp>
-      <p:sp>
-        <p:nvSpPr>
-          <p:cNvPr id="4" name="スライド番号プレースホルダー 3"/>
-          <p:cNvSpPr>
-            <a:spLocks noGrp="1"/>
-          </p:cNvSpPr>
-          <p:nvPr>
-            <p:ph type="sldNum" sz="quarter" idx="12"/>
-          </p:nvPr>
-        </p:nvSpPr>
-        <p:spPr/>
-        <p:txBody>
-          <a:bodyPr/>
-          <a:lstStyle/>
-          <a:p>
-            <a:fld id="{D2D8002D-B5B0-4BAC-B1F6-782DDCCE6D9C}" type="slidenum">
-              <a:rPr kumimoji="1" lang="ja-JP" altLang="en-US" smtClean="0"/>
-              <a:t>16</a:t>
-            </a:fld>
-            <a:endParaRPr kumimoji="1" lang="ja-JP" altLang="en-US" dirty="0"/>
-          </a:p>
-        </p:txBody>
-      </p:sp>
-      <p:sp>
-        <p:nvSpPr>
-          <p:cNvPr id="5" name="コンテンツ プレースホルダー 2"/>
+      <p:sp>
+        <p:nvSpPr>
+          <p:cNvPr id="6" name="コンテンツ プレースホルダー 2"/>
           <p:cNvSpPr txBox="1">
             <a:spLocks/>
           </p:cNvSpPr>
@@ -7651,8 +7337,8 @@
         </p:nvSpPr>
         <p:spPr>
           <a:xfrm>
-            <a:off x="584388" y="3212975"/>
-            <a:ext cx="7130752" cy="576065"/>
+            <a:off x="584388" y="1628800"/>
+            <a:ext cx="7130752" cy="1152128"/>
           </a:xfrm>
           <a:prstGeom prst="rect">
             <a:avLst/>
@@ -7834,32 +7520,20 @@
           </a:lstStyle>
           <a:p>
             <a:r>
-              <a:rPr lang="en-US" altLang="ja-JP" dirty="0" err="1" smtClean="0">
-                <a:latin typeface="Courier New" pitchFamily="49" charset="0"/>
-                <a:cs typeface="Courier New" pitchFamily="49" charset="0"/>
-              </a:rPr>
-              <a:t>a.bind</a:t>
-            </a:r>
-            <a:r>
               <a:rPr lang="en-US" altLang="ja-JP" dirty="0" smtClean="0">
                 <a:latin typeface="Courier New" pitchFamily="49" charset="0"/>
                 <a:cs typeface="Courier New" pitchFamily="49" charset="0"/>
               </a:rPr>
-              <a:t> { |x| </a:t>
-            </a:r>
-            <a:r>
-              <a:rPr lang="en-US" altLang="ja-JP" dirty="0" err="1" smtClean="0">
-                <a:latin typeface="Courier New" pitchFamily="49" charset="0"/>
-                <a:cs typeface="Courier New" pitchFamily="49" charset="0"/>
-              </a:rPr>
-              <a:t>b.bind</a:t>
-            </a:r>
+              <a:t>define(name, parser)</a:t>
+            </a:r>
+          </a:p>
+          <a:p>
             <a:r>
               <a:rPr lang="en-US" altLang="ja-JP" dirty="0" smtClean="0">
                 <a:latin typeface="Courier New" pitchFamily="49" charset="0"/>
                 <a:cs typeface="Courier New" pitchFamily="49" charset="0"/>
               </a:rPr>
-              <a:t> { |y| ret [x, y] }</a:t>
+              <a:t>define(name) { parser }</a:t>
             </a:r>
             <a:endParaRPr lang="en-US" altLang="ja-JP" dirty="0">
               <a:latin typeface="Courier New" pitchFamily="49" charset="0"/>
@@ -7871,18 +7545,18 @@
     </p:spTree>
     <p:extLst>
       <p:ext uri="{BB962C8B-B14F-4D97-AF65-F5344CB8AC3E}">
-        <p14:creationId xmlns:p14="http://schemas.microsoft.com/office/powerpoint/2010/main" val="1236998442"/>
+        <p14:creationId xmlns:p14="http://schemas.microsoft.com/office/powerpoint/2010/main" val="4141763514"/>
       </p:ext>
     </p:extLst>
   </p:cSld>
   <p:clrMapOvr>
     <a:masterClrMapping/>
   </p:clrMapOvr>
-  <mc:AlternateContent xmlns:mc="http://schemas.openxmlformats.org/markup-compatibility/2006">
-    <mc:Choice xmlns:p14="http://schemas.microsoft.com/office/powerpoint/2010/main" Requires="p14">
+  <mc:AlternateContent xmlns:mc="http://schemas.openxmlformats.org/markup-compatibility/2006" xmlns:p14="http://schemas.microsoft.com/office/powerpoint/2010/main">
+    <mc:Choice Requires="p14">
       <p:transition p14:dur="0"/>
     </mc:Choice>
-    <mc:Fallback>
+    <mc:Fallback xmlns="">
       <p:transition/>
     </mc:Fallback>
   </mc:AlternateContent>
@@ -7896,7 +7570,7 @@
 </p:sld>
 </file>
 
-<file path=ppt/slides/slide18.xml><?xml version="1.0" encoding="utf-8"?>
+<file path=ppt/slides/slide16.xml><?xml version="1.0" encoding="utf-8"?>
 <p:sld xmlns:a="http://schemas.openxmlformats.org/drawingml/2006/main" xmlns:r="http://schemas.openxmlformats.org/officeDocument/2006/relationships" xmlns:p="http://schemas.openxmlformats.org/presentationml/2006/main">
   <p:cSld>
     <p:spTree>
@@ -7930,7 +7604,7 @@
           <a:p>
             <a:r>
               <a:rPr kumimoji="1" lang="en-US" altLang="ja-JP" dirty="0" smtClean="0"/>
-              <a:t>ret</a:t>
+              <a:t>bind</a:t>
             </a:r>
             <a:endParaRPr kumimoji="1" lang="ja-JP" altLang="en-US" dirty="0"/>
           </a:p>
@@ -7957,200 +7631,72 @@
                   <a:schemeClr val="tx2"/>
                 </a:solidFill>
               </a:rPr>
-              <a:t>return</a:t>
+              <a:t>&gt;&gt;= (bind) </a:t>
             </a:r>
             <a:r>
               <a:rPr lang="en-US" altLang="ja-JP" dirty="0" smtClean="0"/>
-              <a:t> in Haskell</a:t>
-            </a:r>
-          </a:p>
-          <a:p>
-            <a:r>
-              <a:rPr lang="en-US" altLang="ja-JP" dirty="0"/>
-              <a:t>U</a:t>
-            </a:r>
-            <a:r>
-              <a:rPr lang="en-US" altLang="ja-JP" dirty="0" smtClean="0"/>
-              <a:t>sed to return the parsing result</a:t>
-            </a:r>
-            <a:endParaRPr lang="ja-JP" altLang="en-US" dirty="0"/>
-          </a:p>
-        </p:txBody>
-      </p:sp>
-      <p:sp>
-        <p:nvSpPr>
-          <p:cNvPr id="4" name="スライド番号プレースホルダー 3"/>
-          <p:cNvSpPr>
-            <a:spLocks noGrp="1"/>
-          </p:cNvSpPr>
-          <p:nvPr>
-            <p:ph type="sldNum" sz="quarter" idx="12"/>
-          </p:nvPr>
-        </p:nvSpPr>
-        <p:spPr/>
-        <p:txBody>
-          <a:bodyPr/>
-          <a:lstStyle/>
-          <a:p>
-            <a:fld id="{D2D8002D-B5B0-4BAC-B1F6-782DDCCE6D9C}" type="slidenum">
-              <a:rPr kumimoji="1" lang="ja-JP" altLang="en-US" smtClean="0"/>
-              <a:t>17</a:t>
-            </a:fld>
-            <a:endParaRPr kumimoji="1" lang="ja-JP" altLang="en-US" dirty="0"/>
-          </a:p>
-        </p:txBody>
-      </p:sp>
-    </p:spTree>
-    <p:extLst>
-      <p:ext uri="{BB962C8B-B14F-4D97-AF65-F5344CB8AC3E}">
-        <p14:creationId xmlns:p14="http://schemas.microsoft.com/office/powerpoint/2010/main" val="1126654010"/>
-      </p:ext>
-    </p:extLst>
-  </p:cSld>
-  <p:clrMapOvr>
-    <a:masterClrMapping/>
-  </p:clrMapOvr>
-  <mc:AlternateContent xmlns:mc="http://schemas.openxmlformats.org/markup-compatibility/2006">
-    <mc:Choice xmlns:p14="http://schemas.microsoft.com/office/powerpoint/2010/main" Requires="p14">
-      <p:transition p14:dur="0"/>
-    </mc:Choice>
-    <mc:Fallback>
-      <p:transition/>
-    </mc:Fallback>
-  </mc:AlternateContent>
-  <p:timing>
-    <p:tnLst>
-      <p:par>
-        <p:cTn id="1" dur="indefinite" restart="never" nodeType="tmRoot"/>
-      </p:par>
-    </p:tnLst>
-  </p:timing>
-</p:sld>
-</file>
-
-<file path=ppt/slides/slide19.xml><?xml version="1.0" encoding="utf-8"?>
-<p:sld xmlns:a="http://schemas.openxmlformats.org/drawingml/2006/main" xmlns:r="http://schemas.openxmlformats.org/officeDocument/2006/relationships" xmlns:p="http://schemas.openxmlformats.org/presentationml/2006/main">
-  <p:cSld>
-    <p:spTree>
-      <p:nvGrpSpPr>
-        <p:cNvPr id="1" name=""/>
-        <p:cNvGrpSpPr/>
-        <p:nvPr/>
-      </p:nvGrpSpPr>
-      <p:grpSpPr>
-        <a:xfrm>
-          <a:off x="0" y="0"/>
-          <a:ext cx="0" cy="0"/>
-          <a:chOff x="0" y="0"/>
-          <a:chExt cx="0" cy="0"/>
-        </a:xfrm>
-      </p:grpSpPr>
-      <p:sp>
-        <p:nvSpPr>
-          <p:cNvPr id="2" name="タイトル 1"/>
-          <p:cNvSpPr>
-            <a:spLocks noGrp="1"/>
-          </p:cNvSpPr>
-          <p:nvPr>
-            <p:ph type="title"/>
-          </p:nvPr>
-        </p:nvSpPr>
-        <p:spPr/>
-        <p:txBody>
-          <a:bodyPr/>
-          <a:lstStyle/>
-          <a:p>
-            <a:r>
-              <a:rPr kumimoji="1" lang="en-US" altLang="ja-JP" dirty="0" smtClean="0"/>
-              <a:t>/</a:t>
-            </a:r>
-            <a:endParaRPr kumimoji="1" lang="ja-JP" altLang="en-US" dirty="0"/>
-          </a:p>
-        </p:txBody>
-      </p:sp>
-      <p:sp>
-        <p:nvSpPr>
-          <p:cNvPr id="3" name="コンテンツ プレースホルダー 2"/>
-          <p:cNvSpPr>
-            <a:spLocks noGrp="1"/>
-          </p:cNvSpPr>
-          <p:nvPr>
-            <p:ph idx="1"/>
-          </p:nvPr>
-        </p:nvSpPr>
-        <p:spPr/>
-        <p:txBody>
-          <a:bodyPr/>
-          <a:lstStyle/>
-          <a:p>
-            <a:r>
-              <a:rPr lang="en-US" altLang="ja-JP" dirty="0" smtClean="0">
+              <a:t>in Haskell</a:t>
+            </a:r>
+          </a:p>
+          <a:p>
+            <a:r>
+              <a:rPr lang="en-US" altLang="ja-JP" dirty="0">
                 <a:solidFill>
                   <a:schemeClr val="tx2"/>
                 </a:solidFill>
               </a:rPr>
-              <a:t>/</a:t>
+              <a:t>sequence</a:t>
+            </a:r>
+            <a:r>
+              <a:rPr lang="en-US" altLang="ja-JP" dirty="0"/>
+              <a:t> in </a:t>
             </a:r>
             <a:r>
               <a:rPr lang="en-US" altLang="ja-JP" dirty="0" smtClean="0"/>
-              <a:t> </a:t>
+              <a:t>PEG (e.g., a b)</a:t>
+            </a:r>
+          </a:p>
+          <a:p>
+            <a:r>
+              <a:rPr lang="en-US" altLang="ja-JP" dirty="0" smtClean="0"/>
+              <a:t>Example:</a:t>
+            </a:r>
+          </a:p>
+          <a:p>
+            <a:endParaRPr lang="en-US" altLang="ja-JP" dirty="0"/>
+          </a:p>
+          <a:p>
+            <a:endParaRPr lang="en-US" altLang="ja-JP" dirty="0" smtClean="0"/>
+          </a:p>
+          <a:p>
+            <a:pPr lvl="1"/>
+            <a:r>
+              <a:rPr lang="en-US" altLang="ja-JP" dirty="0" smtClean="0"/>
+              <a:t>First, invoke the parser a</a:t>
+            </a:r>
+          </a:p>
+          <a:p>
+            <a:pPr lvl="1"/>
+            <a:r>
+              <a:rPr lang="en-US" altLang="ja-JP" dirty="0" smtClean="0"/>
+              <a:t>If succeeded, invoke the parser b </a:t>
             </a:r>
             <a:r>
               <a:rPr lang="en-US" altLang="ja-JP" dirty="0"/>
-              <a:t>in PEG (e.g., </a:t>
+              <a:t>on the remainder of the input string left unconsumed by </a:t>
             </a:r>
             <a:r>
               <a:rPr lang="en-US" altLang="ja-JP" dirty="0" smtClean="0"/>
-              <a:t>a / </a:t>
-            </a:r>
-            <a:r>
-              <a:rPr lang="en-US" altLang="ja-JP" dirty="0"/>
-              <a:t>b)</a:t>
-            </a:r>
-          </a:p>
-          <a:p>
-            <a:r>
-              <a:rPr kumimoji="1" lang="en-US" altLang="ja-JP" dirty="0" smtClean="0"/>
-              <a:t>Example:</a:t>
-            </a:r>
-          </a:p>
-          <a:p>
+              <a:t>a</a:t>
+            </a:r>
+          </a:p>
+          <a:p>
+            <a:pPr lvl="1"/>
+            <a:r>
+              <a:rPr lang="en-US" altLang="ja-JP" dirty="0" smtClean="0"/>
+              <a:t>If succeeded, return the result</a:t>
+            </a:r>
             <a:endParaRPr lang="en-US" altLang="ja-JP" dirty="0"/>
-          </a:p>
-          <a:p>
-            <a:endParaRPr kumimoji="1" lang="en-US" altLang="ja-JP" dirty="0" smtClean="0"/>
-          </a:p>
-          <a:p>
-            <a:pPr lvl="1"/>
-            <a:r>
-              <a:rPr lang="en-US" altLang="ja-JP" dirty="0" smtClean="0"/>
-              <a:t>First invoke the parser a</a:t>
-            </a:r>
-          </a:p>
-          <a:p>
-            <a:pPr lvl="1"/>
-            <a:r>
-              <a:rPr lang="en-US" altLang="ja-JP" dirty="0" smtClean="0"/>
-              <a:t>If succeeded, return a's result</a:t>
-            </a:r>
-          </a:p>
-          <a:p>
-            <a:pPr lvl="1"/>
-            <a:r>
-              <a:rPr lang="en-US" altLang="ja-JP" dirty="0" smtClean="0"/>
-              <a:t>Otherwise, invoke the parser b</a:t>
-            </a:r>
-          </a:p>
-          <a:p>
-            <a:pPr lvl="1"/>
-            <a:r>
-              <a:rPr lang="en-US" altLang="ja-JP" dirty="0" smtClean="0"/>
-              <a:t>If succeeded, return b's result</a:t>
-            </a:r>
-          </a:p>
-          <a:p>
-            <a:pPr lvl="1"/>
-            <a:endParaRPr kumimoji="1" lang="ja-JP" altLang="en-US" dirty="0"/>
           </a:p>
         </p:txBody>
       </p:sp>
@@ -8171,7 +7717,7 @@
           <a:p>
             <a:fld id="{D2D8002D-B5B0-4BAC-B1F6-782DDCCE6D9C}" type="slidenum">
               <a:rPr kumimoji="1" lang="ja-JP" altLang="en-US" smtClean="0"/>
-              <a:t>18</a:t>
+              <a:t>15</a:t>
             </a:fld>
             <a:endParaRPr kumimoji="1" lang="ja-JP" altLang="en-US" dirty="0"/>
           </a:p>
@@ -8187,7 +7733,7 @@
         </p:nvSpPr>
         <p:spPr>
           <a:xfrm>
-            <a:off x="584388" y="2780927"/>
+            <a:off x="584388" y="3212975"/>
             <a:ext cx="7130752" cy="576065"/>
           </a:xfrm>
           <a:prstGeom prst="rect">
@@ -8370,11 +7916,32 @@
           </a:lstStyle>
           <a:p>
             <a:r>
+              <a:rPr lang="en-US" altLang="ja-JP" dirty="0" err="1" smtClean="0">
+                <a:latin typeface="Courier New" pitchFamily="49" charset="0"/>
+                <a:cs typeface="Courier New" pitchFamily="49" charset="0"/>
+              </a:rPr>
+              <a:t>a.bind</a:t>
+            </a:r>
+            <a:r>
               <a:rPr lang="en-US" altLang="ja-JP" dirty="0" smtClean="0">
                 <a:latin typeface="Courier New" pitchFamily="49" charset="0"/>
                 <a:cs typeface="Courier New" pitchFamily="49" charset="0"/>
               </a:rPr>
-              <a:t>a / b</a:t>
+              <a:t> { |x| </a:t>
+            </a:r>
+            <a:r>
+              <a:rPr lang="en-US" altLang="ja-JP" dirty="0" err="1" smtClean="0">
+                <a:latin typeface="Courier New" pitchFamily="49" charset="0"/>
+                <a:cs typeface="Courier New" pitchFamily="49" charset="0"/>
+              </a:rPr>
+              <a:t>b.bind</a:t>
+            </a:r>
+            <a:r>
+              <a:rPr lang="en-US" altLang="ja-JP" dirty="0" smtClean="0">
+                <a:latin typeface="Courier New" pitchFamily="49" charset="0"/>
+                <a:cs typeface="Courier New" pitchFamily="49" charset="0"/>
+              </a:rPr>
+              <a:t> { |y| ret [x, y] }</a:t>
             </a:r>
             <a:endParaRPr lang="en-US" altLang="ja-JP" dirty="0">
               <a:latin typeface="Courier New" pitchFamily="49" charset="0"/>
@@ -8386,137 +7953,7 @@
     </p:spTree>
     <p:extLst>
       <p:ext uri="{BB962C8B-B14F-4D97-AF65-F5344CB8AC3E}">
-        <p14:creationId xmlns:p14="http://schemas.microsoft.com/office/powerpoint/2010/main" val="1623896168"/>
-      </p:ext>
-    </p:extLst>
-  </p:cSld>
-  <p:clrMapOvr>
-    <a:masterClrMapping/>
-  </p:clrMapOvr>
-  <mc:AlternateContent xmlns:mc="http://schemas.openxmlformats.org/markup-compatibility/2006">
-    <mc:Choice xmlns:p14="http://schemas.microsoft.com/office/powerpoint/2010/main" Requires="p14">
-      <p:transition p14:dur="0"/>
-    </mc:Choice>
-    <mc:Fallback>
-      <p:transition/>
-    </mc:Fallback>
-  </mc:AlternateContent>
-  <p:timing>
-    <p:tnLst>
-      <p:par>
-        <p:cTn id="1" dur="indefinite" restart="never" nodeType="tmRoot"/>
-      </p:par>
-    </p:tnLst>
-  </p:timing>
-</p:sld>
-</file>
-
-<file path=ppt/slides/slide2.xml><?xml version="1.0" encoding="utf-8"?>
-<p:sld xmlns:a="http://schemas.openxmlformats.org/drawingml/2006/main" xmlns:r="http://schemas.openxmlformats.org/officeDocument/2006/relationships" xmlns:p="http://schemas.openxmlformats.org/presentationml/2006/main">
-  <p:cSld>
-    <p:spTree>
-      <p:nvGrpSpPr>
-        <p:cNvPr id="1" name=""/>
-        <p:cNvGrpSpPr/>
-        <p:nvPr/>
-      </p:nvGrpSpPr>
-      <p:grpSpPr>
-        <a:xfrm>
-          <a:off x="0" y="0"/>
-          <a:ext cx="0" cy="0"/>
-          <a:chOff x="0" y="0"/>
-          <a:chExt cx="0" cy="0"/>
-        </a:xfrm>
-      </p:grpSpPr>
-      <p:sp>
-        <p:nvSpPr>
-          <p:cNvPr id="2" name="タイトル 1"/>
-          <p:cNvSpPr>
-            <a:spLocks noGrp="1"/>
-          </p:cNvSpPr>
-          <p:nvPr>
-            <p:ph type="title"/>
-          </p:nvPr>
-        </p:nvSpPr>
-        <p:spPr/>
-        <p:txBody>
-          <a:bodyPr/>
-          <a:lstStyle/>
-          <a:p>
-            <a:r>
-              <a:rPr kumimoji="1" lang="en-US" altLang="ja-JP" dirty="0" smtClean="0"/>
-              <a:t>What are refinements?</a:t>
-            </a:r>
-            <a:endParaRPr kumimoji="1" lang="ja-JP" altLang="en-US" dirty="0"/>
-          </a:p>
-        </p:txBody>
-      </p:sp>
-      <p:sp>
-        <p:nvSpPr>
-          <p:cNvPr id="3" name="コンテンツ プレースホルダー 2"/>
-          <p:cNvSpPr>
-            <a:spLocks noGrp="1"/>
-          </p:cNvSpPr>
-          <p:nvPr>
-            <p:ph idx="1"/>
-          </p:nvPr>
-        </p:nvSpPr>
-        <p:spPr/>
-        <p:txBody>
-          <a:bodyPr/>
-          <a:lstStyle/>
-          <a:p>
-            <a:r>
-              <a:rPr kumimoji="1" lang="en-US" altLang="ja-JP" dirty="0" smtClean="0"/>
-              <a:t>Local class extensions</a:t>
-            </a:r>
-          </a:p>
-          <a:p>
-            <a:pPr lvl="1"/>
-            <a:r>
-              <a:rPr lang="en-US" altLang="ja-JP" dirty="0" smtClean="0"/>
-              <a:t>Adding methods to, or changing methods in existing classes</a:t>
-            </a:r>
-          </a:p>
-          <a:p>
-            <a:pPr lvl="1"/>
-            <a:r>
-              <a:rPr kumimoji="1" lang="en-US" altLang="ja-JP" dirty="0" smtClean="0"/>
-              <a:t>Activated in a local scope</a:t>
-            </a:r>
-          </a:p>
-          <a:p>
-            <a:endParaRPr kumimoji="1" lang="ja-JP" altLang="en-US" dirty="0"/>
-          </a:p>
-        </p:txBody>
-      </p:sp>
-      <p:sp>
-        <p:nvSpPr>
-          <p:cNvPr id="4" name="スライド番号プレースホルダー 3"/>
-          <p:cNvSpPr>
-            <a:spLocks noGrp="1"/>
-          </p:cNvSpPr>
-          <p:nvPr>
-            <p:ph type="sldNum" sz="quarter" idx="12"/>
-          </p:nvPr>
-        </p:nvSpPr>
-        <p:spPr/>
-        <p:txBody>
-          <a:bodyPr/>
-          <a:lstStyle/>
-          <a:p>
-            <a:fld id="{D2D8002D-B5B0-4BAC-B1F6-782DDCCE6D9C}" type="slidenum">
-              <a:rPr kumimoji="1" lang="ja-JP" altLang="en-US" smtClean="0"/>
-              <a:t>1</a:t>
-            </a:fld>
-            <a:endParaRPr kumimoji="1" lang="ja-JP" altLang="en-US"/>
-          </a:p>
-        </p:txBody>
-      </p:sp>
-    </p:spTree>
-    <p:extLst>
-      <p:ext uri="{BB962C8B-B14F-4D97-AF65-F5344CB8AC3E}">
-        <p14:creationId xmlns:p14="http://schemas.microsoft.com/office/powerpoint/2010/main" val="3172327005"/>
+        <p14:creationId xmlns:p14="http://schemas.microsoft.com/office/powerpoint/2010/main" val="1236998442"/>
       </p:ext>
     </p:extLst>
   </p:cSld>
@@ -8541,7 +7978,7 @@
 </p:sld>
 </file>
 
-<file path=ppt/slides/slide20.xml><?xml version="1.0" encoding="utf-8"?>
+<file path=ppt/slides/slide17.xml><?xml version="1.0" encoding="utf-8"?>
 <p:sld xmlns:a="http://schemas.openxmlformats.org/drawingml/2006/main" xmlns:r="http://schemas.openxmlformats.org/officeDocument/2006/relationships" xmlns:p="http://schemas.openxmlformats.org/presentationml/2006/main">
   <p:cSld>
     <p:spTree>
@@ -8575,7 +8012,7 @@
           <a:p>
             <a:r>
               <a:rPr kumimoji="1" lang="en-US" altLang="ja-JP" dirty="0" smtClean="0"/>
-              <a:t>Parser literals</a:t>
+              <a:t>ret</a:t>
             </a:r>
             <a:endParaRPr kumimoji="1" lang="ja-JP" altLang="en-US" dirty="0"/>
           </a:p>
@@ -8597,68 +8034,28 @@
           <a:lstStyle/>
           <a:p>
             <a:r>
-              <a:rPr kumimoji="1" lang="en-US" altLang="ja-JP" dirty="0" smtClean="0"/>
-              <a:t>Symbol</a:t>
-            </a:r>
-          </a:p>
-          <a:p>
-            <a:pPr lvl="1"/>
+              <a:rPr lang="en-US" altLang="ja-JP" dirty="0" smtClean="0">
+                <a:solidFill>
+                  <a:schemeClr val="tx2"/>
+                </a:solidFill>
+              </a:rPr>
+              <a:t>return</a:t>
+            </a:r>
             <a:r>
               <a:rPr lang="en-US" altLang="ja-JP" dirty="0" smtClean="0"/>
-              <a:t>Parser for nonterminal symbols</a:t>
-            </a:r>
-          </a:p>
-          <a:p>
-            <a:pPr lvl="2"/>
+              <a:t> in Haskell</a:t>
+            </a:r>
+          </a:p>
+          <a:p>
+            <a:r>
+              <a:rPr lang="en-US" altLang="ja-JP" dirty="0"/>
+              <a:t>U</a:t>
+            </a:r>
             <a:r>
               <a:rPr lang="en-US" altLang="ja-JP" dirty="0" smtClean="0"/>
-              <a:t>e.g., :additive, :</a:t>
-            </a:r>
-            <a:r>
-              <a:rPr lang="en-US" altLang="ja-JP" dirty="0" err="1" smtClean="0"/>
-              <a:t>multitive</a:t>
-            </a:r>
-            <a:endParaRPr lang="en-US" altLang="ja-JP" dirty="0" smtClean="0"/>
-          </a:p>
-          <a:p>
-            <a:r>
-              <a:rPr kumimoji="1" lang="en-US" altLang="ja-JP" dirty="0" smtClean="0"/>
-              <a:t>String</a:t>
-            </a:r>
-          </a:p>
-          <a:p>
-            <a:pPr lvl="1"/>
-            <a:r>
-              <a:rPr lang="en-US" altLang="ja-JP" dirty="0" smtClean="0"/>
-              <a:t>Parser for terminal symbols</a:t>
-            </a:r>
-          </a:p>
-          <a:p>
-            <a:pPr lvl="2"/>
-            <a:r>
-              <a:rPr lang="en-US" altLang="ja-JP" dirty="0" smtClean="0"/>
-              <a:t>e.g., "+", "lambda"</a:t>
-            </a:r>
-          </a:p>
-          <a:p>
-            <a:r>
-              <a:rPr kumimoji="1" lang="en-US" altLang="ja-JP" dirty="0" smtClean="0"/>
-              <a:t>Range</a:t>
-            </a:r>
-          </a:p>
-          <a:p>
-            <a:pPr lvl="1"/>
-            <a:r>
-              <a:rPr lang="en-US" altLang="ja-JP" dirty="0" smtClean="0"/>
-              <a:t>Parser for characters within the specified range</a:t>
-            </a:r>
-          </a:p>
-          <a:p>
-            <a:pPr lvl="2"/>
-            <a:r>
-              <a:rPr lang="en-US" altLang="ja-JP" dirty="0" smtClean="0"/>
-              <a:t>e.g., ?0..?9</a:t>
-            </a:r>
+              <a:t>sed to return the parsing result</a:t>
+            </a:r>
+            <a:endParaRPr lang="ja-JP" altLang="en-US" dirty="0"/>
           </a:p>
         </p:txBody>
       </p:sp>
@@ -8679,7 +8076,7 @@
           <a:p>
             <a:fld id="{D2D8002D-B5B0-4BAC-B1F6-782DDCCE6D9C}" type="slidenum">
               <a:rPr kumimoji="1" lang="ja-JP" altLang="en-US" smtClean="0"/>
-              <a:t>19</a:t>
+              <a:t>16</a:t>
             </a:fld>
             <a:endParaRPr kumimoji="1" lang="ja-JP" altLang="en-US" dirty="0"/>
           </a:p>
@@ -8688,671 +8085,7 @@
     </p:spTree>
     <p:extLst>
       <p:ext uri="{BB962C8B-B14F-4D97-AF65-F5344CB8AC3E}">
-        <p14:creationId xmlns:p14="http://schemas.microsoft.com/office/powerpoint/2010/main" val="1803854185"/>
-      </p:ext>
-    </p:extLst>
-  </p:cSld>
-  <p:clrMapOvr>
-    <a:masterClrMapping/>
-  </p:clrMapOvr>
-  <mc:AlternateContent xmlns:mc="http://schemas.openxmlformats.org/markup-compatibility/2006">
-    <mc:Choice xmlns:p14="http://schemas.microsoft.com/office/powerpoint/2010/main" Requires="p14">
-      <p:transition p14:dur="0"/>
-    </mc:Choice>
-    <mc:Fallback>
-      <p:transition/>
-    </mc:Fallback>
-  </mc:AlternateContent>
-  <p:timing>
-    <p:tnLst>
-      <p:par>
-        <p:cTn id="1" dur="indefinite" restart="never" nodeType="tmRoot"/>
-      </p:par>
-    </p:tnLst>
-  </p:timing>
-</p:sld>
-</file>
-
-<file path=ppt/slides/slide21.xml><?xml version="1.0" encoding="utf-8"?>
-<p:sld xmlns:a="http://schemas.openxmlformats.org/drawingml/2006/main" xmlns:r="http://schemas.openxmlformats.org/officeDocument/2006/relationships" xmlns:p="http://schemas.openxmlformats.org/presentationml/2006/main">
-  <p:cSld>
-    <p:spTree>
-      <p:nvGrpSpPr>
-        <p:cNvPr id="1" name=""/>
-        <p:cNvGrpSpPr/>
-        <p:nvPr/>
-      </p:nvGrpSpPr>
-      <p:grpSpPr>
-        <a:xfrm>
-          <a:off x="0" y="0"/>
-          <a:ext cx="0" cy="0"/>
-          <a:chOff x="0" y="0"/>
-          <a:chExt cx="0" cy="0"/>
-        </a:xfrm>
-      </p:grpSpPr>
-      <p:sp>
-        <p:nvSpPr>
-          <p:cNvPr id="2" name="タイトル 1"/>
-          <p:cNvSpPr>
-            <a:spLocks noGrp="1"/>
-          </p:cNvSpPr>
-          <p:nvPr>
-            <p:ph type="title"/>
-          </p:nvPr>
-        </p:nvSpPr>
-        <p:spPr/>
-        <p:txBody>
-          <a:bodyPr/>
-          <a:lstStyle/>
-          <a:p>
-            <a:r>
-              <a:rPr kumimoji="1" lang="en-US" altLang="ja-JP" dirty="0" smtClean="0"/>
-              <a:t>Implementation of parser literals</a:t>
-            </a:r>
-            <a:endParaRPr kumimoji="1" lang="ja-JP" altLang="en-US" dirty="0"/>
-          </a:p>
-        </p:txBody>
-      </p:sp>
-      <p:sp>
-        <p:nvSpPr>
-          <p:cNvPr id="3" name="コンテンツ プレースホルダー 2"/>
-          <p:cNvSpPr>
-            <a:spLocks noGrp="1"/>
-          </p:cNvSpPr>
-          <p:nvPr>
-            <p:ph idx="1"/>
-          </p:nvPr>
-        </p:nvSpPr>
-        <p:spPr/>
-        <p:txBody>
-          <a:bodyPr/>
-          <a:lstStyle/>
-          <a:p>
-            <a:endParaRPr kumimoji="1" lang="ja-JP" altLang="en-US"/>
-          </a:p>
-        </p:txBody>
-      </p:sp>
-      <p:sp>
-        <p:nvSpPr>
-          <p:cNvPr id="4" name="スライド番号プレースホルダー 3"/>
-          <p:cNvSpPr>
-            <a:spLocks noGrp="1"/>
-          </p:cNvSpPr>
-          <p:nvPr>
-            <p:ph type="sldNum" sz="quarter" idx="12"/>
-          </p:nvPr>
-        </p:nvSpPr>
-        <p:spPr/>
-        <p:txBody>
-          <a:bodyPr/>
-          <a:lstStyle/>
-          <a:p>
-            <a:fld id="{D2D8002D-B5B0-4BAC-B1F6-782DDCCE6D9C}" type="slidenum">
-              <a:rPr kumimoji="1" lang="ja-JP" altLang="en-US" smtClean="0"/>
-              <a:t>20</a:t>
-            </a:fld>
-            <a:endParaRPr kumimoji="1" lang="ja-JP" altLang="en-US" dirty="0"/>
-          </a:p>
-        </p:txBody>
-      </p:sp>
-    </p:spTree>
-    <p:extLst>
-      <p:ext uri="{BB962C8B-B14F-4D97-AF65-F5344CB8AC3E}">
-        <p14:creationId xmlns:p14="http://schemas.microsoft.com/office/powerpoint/2010/main" val="160942261"/>
-      </p:ext>
-    </p:extLst>
-  </p:cSld>
-  <p:clrMapOvr>
-    <a:masterClrMapping/>
-  </p:clrMapOvr>
-  <mc:AlternateContent xmlns:mc="http://schemas.openxmlformats.org/markup-compatibility/2006">
-    <mc:Choice xmlns:p14="http://schemas.microsoft.com/office/powerpoint/2010/main" Requires="p14">
-      <p:transition p14:dur="0"/>
-    </mc:Choice>
-    <mc:Fallback>
-      <p:transition/>
-    </mc:Fallback>
-  </mc:AlternateContent>
-  <p:timing>
-    <p:tnLst>
-      <p:par>
-        <p:cTn id="1" dur="indefinite" restart="never" nodeType="tmRoot"/>
-      </p:par>
-    </p:tnLst>
-  </p:timing>
-</p:sld>
-</file>
-
-<file path=ppt/slides/slide22.xml><?xml version="1.0" encoding="utf-8"?>
-<p:sld xmlns:a="http://schemas.openxmlformats.org/drawingml/2006/main" xmlns:r="http://schemas.openxmlformats.org/officeDocument/2006/relationships" xmlns:p="http://schemas.openxmlformats.org/presentationml/2006/main">
-  <p:cSld>
-    <p:spTree>
-      <p:nvGrpSpPr>
-        <p:cNvPr id="1" name=""/>
-        <p:cNvGrpSpPr/>
-        <p:nvPr/>
-      </p:nvGrpSpPr>
-      <p:grpSpPr>
-        <a:xfrm>
-          <a:off x="0" y="0"/>
-          <a:ext cx="0" cy="0"/>
-          <a:chOff x="0" y="0"/>
-          <a:chExt cx="0" cy="0"/>
-        </a:xfrm>
-      </p:grpSpPr>
-      <p:sp>
-        <p:nvSpPr>
-          <p:cNvPr id="2" name="タイトル 1"/>
-          <p:cNvSpPr>
-            <a:spLocks noGrp="1"/>
-          </p:cNvSpPr>
-          <p:nvPr>
-            <p:ph type="title"/>
-          </p:nvPr>
-        </p:nvSpPr>
-        <p:spPr/>
-        <p:txBody>
-          <a:bodyPr/>
-          <a:lstStyle/>
-          <a:p>
-            <a:r>
-              <a:rPr lang="en-US" altLang="ja-JP" dirty="0" smtClean="0"/>
-              <a:t>Limitations of refinements</a:t>
-            </a:r>
-            <a:endParaRPr kumimoji="1" lang="ja-JP" altLang="en-US" dirty="0"/>
-          </a:p>
-        </p:txBody>
-      </p:sp>
-      <p:sp>
-        <p:nvSpPr>
-          <p:cNvPr id="3" name="コンテンツ プレースホルダー 2"/>
-          <p:cNvSpPr>
-            <a:spLocks noGrp="1"/>
-          </p:cNvSpPr>
-          <p:nvPr>
-            <p:ph idx="1"/>
-          </p:nvPr>
-        </p:nvSpPr>
-        <p:spPr/>
-        <p:txBody>
-          <a:bodyPr/>
-          <a:lstStyle/>
-          <a:p>
-            <a:endParaRPr kumimoji="1" lang="ja-JP" altLang="en-US" dirty="0"/>
-          </a:p>
-        </p:txBody>
-      </p:sp>
-      <p:sp>
-        <p:nvSpPr>
-          <p:cNvPr id="4" name="スライド番号プレースホルダー 3"/>
-          <p:cNvSpPr>
-            <a:spLocks noGrp="1"/>
-          </p:cNvSpPr>
-          <p:nvPr>
-            <p:ph type="sldNum" sz="quarter" idx="12"/>
-          </p:nvPr>
-        </p:nvSpPr>
-        <p:spPr/>
-        <p:txBody>
-          <a:bodyPr/>
-          <a:lstStyle/>
-          <a:p>
-            <a:fld id="{D2D8002D-B5B0-4BAC-B1F6-782DDCCE6D9C}" type="slidenum">
-              <a:rPr kumimoji="1" lang="ja-JP" altLang="en-US" smtClean="0"/>
-              <a:t>21</a:t>
-            </a:fld>
-            <a:endParaRPr kumimoji="1" lang="ja-JP" altLang="en-US" dirty="0"/>
-          </a:p>
-        </p:txBody>
-      </p:sp>
-    </p:spTree>
-    <p:extLst>
-      <p:ext uri="{BB962C8B-B14F-4D97-AF65-F5344CB8AC3E}">
-        <p14:creationId xmlns:p14="http://schemas.microsoft.com/office/powerpoint/2010/main" val="4181145715"/>
-      </p:ext>
-    </p:extLst>
-  </p:cSld>
-  <p:clrMapOvr>
-    <a:masterClrMapping/>
-  </p:clrMapOvr>
-  <mc:AlternateContent xmlns:mc="http://schemas.openxmlformats.org/markup-compatibility/2006">
-    <mc:Choice xmlns:p14="http://schemas.microsoft.com/office/powerpoint/2010/main" Requires="p14">
-      <p:transition p14:dur="0"/>
-    </mc:Choice>
-    <mc:Fallback>
-      <p:transition/>
-    </mc:Fallback>
-  </mc:AlternateContent>
-  <p:timing>
-    <p:tnLst>
-      <p:par>
-        <p:cTn id="1" dur="indefinite" restart="never" nodeType="tmRoot"/>
-      </p:par>
-    </p:tnLst>
-  </p:timing>
-</p:sld>
-</file>
-
-<file path=ppt/slides/slide23.xml><?xml version="1.0" encoding="utf-8"?>
-<p:sld xmlns:a="http://schemas.openxmlformats.org/drawingml/2006/main" xmlns:r="http://schemas.openxmlformats.org/officeDocument/2006/relationships" xmlns:p="http://schemas.openxmlformats.org/presentationml/2006/main">
-  <p:cSld>
-    <p:spTree>
-      <p:nvGrpSpPr>
-        <p:cNvPr id="1" name=""/>
-        <p:cNvGrpSpPr/>
-        <p:nvPr/>
-      </p:nvGrpSpPr>
-      <p:grpSpPr>
-        <a:xfrm>
-          <a:off x="0" y="0"/>
-          <a:ext cx="0" cy="0"/>
-          <a:chOff x="0" y="0"/>
-          <a:chExt cx="0" cy="0"/>
-        </a:xfrm>
-      </p:grpSpPr>
-      <p:sp>
-        <p:nvSpPr>
-          <p:cNvPr id="2" name="タイトル 1"/>
-          <p:cNvSpPr>
-            <a:spLocks noGrp="1"/>
-          </p:cNvSpPr>
-          <p:nvPr>
-            <p:ph type="title"/>
-          </p:nvPr>
-        </p:nvSpPr>
-        <p:spPr/>
-        <p:txBody>
-          <a:bodyPr/>
-          <a:lstStyle/>
-          <a:p>
-            <a:r>
-              <a:rPr kumimoji="1" lang="en-US" altLang="ja-JP" dirty="0" smtClean="0"/>
-              <a:t>Future of refinements</a:t>
-            </a:r>
-            <a:endParaRPr kumimoji="1" lang="ja-JP" altLang="en-US" dirty="0"/>
-          </a:p>
-        </p:txBody>
-      </p:sp>
-      <p:sp>
-        <p:nvSpPr>
-          <p:cNvPr id="3" name="コンテンツ プレースホルダー 2"/>
-          <p:cNvSpPr>
-            <a:spLocks noGrp="1"/>
-          </p:cNvSpPr>
-          <p:nvPr>
-            <p:ph idx="1"/>
-          </p:nvPr>
-        </p:nvSpPr>
-        <p:spPr/>
-        <p:txBody>
-          <a:bodyPr/>
-          <a:lstStyle/>
-          <a:p>
-            <a:endParaRPr kumimoji="1" lang="ja-JP" altLang="en-US"/>
-          </a:p>
-        </p:txBody>
-      </p:sp>
-      <p:sp>
-        <p:nvSpPr>
-          <p:cNvPr id="4" name="スライド番号プレースホルダー 3"/>
-          <p:cNvSpPr>
-            <a:spLocks noGrp="1"/>
-          </p:cNvSpPr>
-          <p:nvPr>
-            <p:ph type="sldNum" sz="quarter" idx="12"/>
-          </p:nvPr>
-        </p:nvSpPr>
-        <p:spPr/>
-        <p:txBody>
-          <a:bodyPr/>
-          <a:lstStyle/>
-          <a:p>
-            <a:fld id="{D2D8002D-B5B0-4BAC-B1F6-782DDCCE6D9C}" type="slidenum">
-              <a:rPr kumimoji="1" lang="ja-JP" altLang="en-US" smtClean="0"/>
-              <a:t>22</a:t>
-            </a:fld>
-            <a:endParaRPr kumimoji="1" lang="ja-JP" altLang="en-US" dirty="0"/>
-          </a:p>
-        </p:txBody>
-      </p:sp>
-    </p:spTree>
-    <p:extLst>
-      <p:ext uri="{BB962C8B-B14F-4D97-AF65-F5344CB8AC3E}">
-        <p14:creationId xmlns:p14="http://schemas.microsoft.com/office/powerpoint/2010/main" val="3970479005"/>
-      </p:ext>
-    </p:extLst>
-  </p:cSld>
-  <p:clrMapOvr>
-    <a:masterClrMapping/>
-  </p:clrMapOvr>
-  <mc:AlternateContent xmlns:mc="http://schemas.openxmlformats.org/markup-compatibility/2006">
-    <mc:Choice xmlns:p14="http://schemas.microsoft.com/office/powerpoint/2010/main" Requires="p14">
-      <p:transition p14:dur="0"/>
-    </mc:Choice>
-    <mc:Fallback>
-      <p:transition/>
-    </mc:Fallback>
-  </mc:AlternateContent>
-  <p:timing>
-    <p:tnLst>
-      <p:par>
-        <p:cTn id="1" dur="indefinite" restart="never" nodeType="tmRoot"/>
-      </p:par>
-    </p:tnLst>
-  </p:timing>
-</p:sld>
-</file>
-
-<file path=ppt/slides/slide24.xml><?xml version="1.0" encoding="utf-8"?>
-<p:sld xmlns:a="http://schemas.openxmlformats.org/drawingml/2006/main" xmlns:r="http://schemas.openxmlformats.org/officeDocument/2006/relationships" xmlns:p="http://schemas.openxmlformats.org/presentationml/2006/main">
-  <p:cSld>
-    <p:spTree>
-      <p:nvGrpSpPr>
-        <p:cNvPr id="1" name=""/>
-        <p:cNvGrpSpPr/>
-        <p:nvPr/>
-      </p:nvGrpSpPr>
-      <p:grpSpPr>
-        <a:xfrm>
-          <a:off x="0" y="0"/>
-          <a:ext cx="0" cy="0"/>
-          <a:chOff x="0" y="0"/>
-          <a:chExt cx="0" cy="0"/>
-        </a:xfrm>
-      </p:grpSpPr>
-      <p:sp>
-        <p:nvSpPr>
-          <p:cNvPr id="2" name="タイトル 1"/>
-          <p:cNvSpPr>
-            <a:spLocks noGrp="1"/>
-          </p:cNvSpPr>
-          <p:nvPr>
-            <p:ph type="title"/>
-          </p:nvPr>
-        </p:nvSpPr>
-        <p:spPr/>
-        <p:txBody>
-          <a:bodyPr/>
-          <a:lstStyle/>
-          <a:p>
-            <a:r>
-              <a:rPr kumimoji="1" lang="en-US" altLang="ja-JP" dirty="0" smtClean="0"/>
-              <a:t>Problems other than refinements</a:t>
-            </a:r>
-            <a:endParaRPr kumimoji="1" lang="ja-JP" altLang="en-US" dirty="0"/>
-          </a:p>
-        </p:txBody>
-      </p:sp>
-      <p:sp>
-        <p:nvSpPr>
-          <p:cNvPr id="3" name="コンテンツ プレースホルダー 2"/>
-          <p:cNvSpPr>
-            <a:spLocks noGrp="1"/>
-          </p:cNvSpPr>
-          <p:nvPr>
-            <p:ph idx="1"/>
-          </p:nvPr>
-        </p:nvSpPr>
-        <p:spPr/>
-        <p:txBody>
-          <a:bodyPr/>
-          <a:lstStyle/>
-          <a:p>
-            <a:endParaRPr kumimoji="1" lang="ja-JP" altLang="en-US"/>
-          </a:p>
-        </p:txBody>
-      </p:sp>
-      <p:sp>
-        <p:nvSpPr>
-          <p:cNvPr id="4" name="スライド番号プレースホルダー 3"/>
-          <p:cNvSpPr>
-            <a:spLocks noGrp="1"/>
-          </p:cNvSpPr>
-          <p:nvPr>
-            <p:ph type="sldNum" sz="quarter" idx="12"/>
-          </p:nvPr>
-        </p:nvSpPr>
-        <p:spPr/>
-        <p:txBody>
-          <a:bodyPr/>
-          <a:lstStyle/>
-          <a:p>
-            <a:fld id="{D2D8002D-B5B0-4BAC-B1F6-782DDCCE6D9C}" type="slidenum">
-              <a:rPr kumimoji="1" lang="ja-JP" altLang="en-US" smtClean="0"/>
-              <a:t>23</a:t>
-            </a:fld>
-            <a:endParaRPr kumimoji="1" lang="ja-JP" altLang="en-US" dirty="0"/>
-          </a:p>
-        </p:txBody>
-      </p:sp>
-    </p:spTree>
-    <p:extLst>
-      <p:ext uri="{BB962C8B-B14F-4D97-AF65-F5344CB8AC3E}">
-        <p14:creationId xmlns:p14="http://schemas.microsoft.com/office/powerpoint/2010/main" val="2331218378"/>
-      </p:ext>
-    </p:extLst>
-  </p:cSld>
-  <p:clrMapOvr>
-    <a:masterClrMapping/>
-  </p:clrMapOvr>
-  <mc:AlternateContent xmlns:mc="http://schemas.openxmlformats.org/markup-compatibility/2006">
-    <mc:Choice xmlns:p14="http://schemas.microsoft.com/office/powerpoint/2010/main" Requires="p14">
-      <p:transition p14:dur="0"/>
-    </mc:Choice>
-    <mc:Fallback>
-      <p:transition/>
-    </mc:Fallback>
-  </mc:AlternateContent>
-  <p:timing>
-    <p:tnLst>
-      <p:par>
-        <p:cTn id="1" dur="indefinite" restart="never" nodeType="tmRoot"/>
-      </p:par>
-    </p:tnLst>
-  </p:timing>
-</p:sld>
-</file>
-
-<file path=ppt/slides/slide25.xml><?xml version="1.0" encoding="utf-8"?>
-<p:sld xmlns:a="http://schemas.openxmlformats.org/drawingml/2006/main" xmlns:r="http://schemas.openxmlformats.org/officeDocument/2006/relationships" xmlns:p="http://schemas.openxmlformats.org/presentationml/2006/main">
-  <p:cSld>
-    <p:spTree>
-      <p:nvGrpSpPr>
-        <p:cNvPr id="1" name=""/>
-        <p:cNvGrpSpPr/>
-        <p:nvPr/>
-      </p:nvGrpSpPr>
-      <p:grpSpPr>
-        <a:xfrm>
-          <a:off x="0" y="0"/>
-          <a:ext cx="0" cy="0"/>
-          <a:chOff x="0" y="0"/>
-          <a:chExt cx="0" cy="0"/>
-        </a:xfrm>
-      </p:grpSpPr>
-      <p:sp>
-        <p:nvSpPr>
-          <p:cNvPr id="2" name="タイトル 1"/>
-          <p:cNvSpPr>
-            <a:spLocks noGrp="1"/>
-          </p:cNvSpPr>
-          <p:nvPr>
-            <p:ph type="title"/>
-          </p:nvPr>
-        </p:nvSpPr>
-        <p:spPr/>
-        <p:txBody>
-          <a:bodyPr/>
-          <a:lstStyle/>
-          <a:p>
-            <a:r>
-              <a:rPr kumimoji="1" lang="en-US" altLang="ja-JP" dirty="0" smtClean="0"/>
-              <a:t>Conclusion</a:t>
-            </a:r>
-            <a:endParaRPr kumimoji="1" lang="ja-JP" altLang="en-US" dirty="0"/>
-          </a:p>
-        </p:txBody>
-      </p:sp>
-      <p:sp>
-        <p:nvSpPr>
-          <p:cNvPr id="3" name="コンテンツ プレースホルダー 2"/>
-          <p:cNvSpPr>
-            <a:spLocks noGrp="1"/>
-          </p:cNvSpPr>
-          <p:nvPr>
-            <p:ph idx="1"/>
-          </p:nvPr>
-        </p:nvSpPr>
-        <p:spPr/>
-        <p:txBody>
-          <a:bodyPr/>
-          <a:lstStyle/>
-          <a:p>
-            <a:endParaRPr kumimoji="1" lang="ja-JP" altLang="en-US"/>
-          </a:p>
-        </p:txBody>
-      </p:sp>
-      <p:sp>
-        <p:nvSpPr>
-          <p:cNvPr id="4" name="スライド番号プレースホルダー 3"/>
-          <p:cNvSpPr>
-            <a:spLocks noGrp="1"/>
-          </p:cNvSpPr>
-          <p:nvPr>
-            <p:ph type="sldNum" sz="quarter" idx="12"/>
-          </p:nvPr>
-        </p:nvSpPr>
-        <p:spPr/>
-        <p:txBody>
-          <a:bodyPr/>
-          <a:lstStyle/>
-          <a:p>
-            <a:fld id="{D2D8002D-B5B0-4BAC-B1F6-782DDCCE6D9C}" type="slidenum">
-              <a:rPr kumimoji="1" lang="ja-JP" altLang="en-US" smtClean="0"/>
-              <a:t>24</a:t>
-            </a:fld>
-            <a:endParaRPr kumimoji="1" lang="ja-JP" altLang="en-US" dirty="0"/>
-          </a:p>
-        </p:txBody>
-      </p:sp>
-    </p:spTree>
-    <p:extLst>
-      <p:ext uri="{BB962C8B-B14F-4D97-AF65-F5344CB8AC3E}">
-        <p14:creationId xmlns:p14="http://schemas.microsoft.com/office/powerpoint/2010/main" val="1077620214"/>
-      </p:ext>
-    </p:extLst>
-  </p:cSld>
-  <p:clrMapOvr>
-    <a:masterClrMapping/>
-  </p:clrMapOvr>
-  <mc:AlternateContent xmlns:mc="http://schemas.openxmlformats.org/markup-compatibility/2006">
-    <mc:Choice xmlns:p14="http://schemas.microsoft.com/office/powerpoint/2010/main" Requires="p14">
-      <p:transition p14:dur="0"/>
-    </mc:Choice>
-    <mc:Fallback>
-      <p:transition/>
-    </mc:Fallback>
-  </mc:AlternateContent>
-  <p:timing>
-    <p:tnLst>
-      <p:par>
-        <p:cTn id="1" dur="indefinite" restart="never" nodeType="tmRoot"/>
-      </p:par>
-    </p:tnLst>
-  </p:timing>
-</p:sld>
-</file>
-
-<file path=ppt/slides/slide26.xml><?xml version="1.0" encoding="utf-8"?>
-<p:sld xmlns:a="http://schemas.openxmlformats.org/drawingml/2006/main" xmlns:r="http://schemas.openxmlformats.org/officeDocument/2006/relationships" xmlns:p="http://schemas.openxmlformats.org/presentationml/2006/main">
-  <p:cSld>
-    <p:spTree>
-      <p:nvGrpSpPr>
-        <p:cNvPr id="1" name=""/>
-        <p:cNvGrpSpPr/>
-        <p:nvPr/>
-      </p:nvGrpSpPr>
-      <p:grpSpPr>
-        <a:xfrm>
-          <a:off x="0" y="0"/>
-          <a:ext cx="0" cy="0"/>
-          <a:chOff x="0" y="0"/>
-          <a:chExt cx="0" cy="0"/>
-        </a:xfrm>
-      </p:grpSpPr>
-      <p:sp>
-        <p:nvSpPr>
-          <p:cNvPr id="2" name="タイトル 1"/>
-          <p:cNvSpPr>
-            <a:spLocks noGrp="1"/>
-          </p:cNvSpPr>
-          <p:nvPr>
-            <p:ph type="title"/>
-          </p:nvPr>
-        </p:nvSpPr>
-        <p:spPr/>
-        <p:txBody>
-          <a:bodyPr/>
-          <a:lstStyle/>
-          <a:p>
-            <a:r>
-              <a:rPr kumimoji="1" lang="en-US" altLang="ja-JP" dirty="0" smtClean="0"/>
-              <a:t>Thank you!</a:t>
-            </a:r>
-            <a:endParaRPr kumimoji="1" lang="ja-JP" altLang="en-US" dirty="0"/>
-          </a:p>
-        </p:txBody>
-      </p:sp>
-      <p:sp>
-        <p:nvSpPr>
-          <p:cNvPr id="3" name="コンテンツ プレースホルダー 2"/>
-          <p:cNvSpPr>
-            <a:spLocks noGrp="1"/>
-          </p:cNvSpPr>
-          <p:nvPr>
-            <p:ph idx="1"/>
-          </p:nvPr>
-        </p:nvSpPr>
-        <p:spPr/>
-        <p:txBody>
-          <a:bodyPr/>
-          <a:lstStyle/>
-          <a:p>
-            <a:r>
-              <a:rPr kumimoji="1" lang="en-US" altLang="ja-JP" dirty="0" smtClean="0"/>
-              <a:t>Any questions?</a:t>
-            </a:r>
-            <a:endParaRPr kumimoji="1" lang="ja-JP" altLang="en-US" dirty="0"/>
-          </a:p>
-        </p:txBody>
-      </p:sp>
-      <p:sp>
-        <p:nvSpPr>
-          <p:cNvPr id="4" name="スライド番号プレースホルダー 3"/>
-          <p:cNvSpPr>
-            <a:spLocks noGrp="1"/>
-          </p:cNvSpPr>
-          <p:nvPr>
-            <p:ph type="sldNum" sz="quarter" idx="12"/>
-          </p:nvPr>
-        </p:nvSpPr>
-        <p:spPr/>
-        <p:txBody>
-          <a:bodyPr/>
-          <a:lstStyle/>
-          <a:p>
-            <a:fld id="{D2D8002D-B5B0-4BAC-B1F6-782DDCCE6D9C}" type="slidenum">
-              <a:rPr kumimoji="1" lang="ja-JP" altLang="en-US" smtClean="0"/>
-              <a:t>25</a:t>
-            </a:fld>
-            <a:endParaRPr kumimoji="1" lang="ja-JP" altLang="en-US" dirty="0"/>
-          </a:p>
-        </p:txBody>
-      </p:sp>
-    </p:spTree>
-    <p:extLst>
-      <p:ext uri="{BB962C8B-B14F-4D97-AF65-F5344CB8AC3E}">
-        <p14:creationId xmlns:p14="http://schemas.microsoft.com/office/powerpoint/2010/main" val="671822625"/>
+        <p14:creationId xmlns:p14="http://schemas.microsoft.com/office/powerpoint/2010/main" val="1126654010"/>
       </p:ext>
     </p:extLst>
   </p:cSld>
@@ -9377,7 +8110,7 @@
 </p:sld>
 </file>
 
-<file path=ppt/slides/slide3.xml><?xml version="1.0" encoding="utf-8"?>
+<file path=ppt/slides/slide18.xml><?xml version="1.0" encoding="utf-8"?>
 <p:sld xmlns:a="http://schemas.openxmlformats.org/drawingml/2006/main" xmlns:r="http://schemas.openxmlformats.org/officeDocument/2006/relationships" xmlns:p="http://schemas.openxmlformats.org/presentationml/2006/main">
   <p:cSld>
     <p:spTree>
@@ -9411,7 +8144,7 @@
           <a:p>
             <a:r>
               <a:rPr kumimoji="1" lang="en-US" altLang="ja-JP" dirty="0" smtClean="0"/>
-              <a:t>Example</a:t>
+              <a:t>/</a:t>
             </a:r>
             <a:endParaRPr kumimoji="1" lang="ja-JP" altLang="en-US" dirty="0"/>
           </a:p>
@@ -9419,7 +8152,93 @@
       </p:sp>
       <p:sp>
         <p:nvSpPr>
-          <p:cNvPr id="3" name="スライド番号プレースホルダー 2"/>
+          <p:cNvPr id="3" name="コンテンツ プレースホルダー 2"/>
+          <p:cNvSpPr>
+            <a:spLocks noGrp="1"/>
+          </p:cNvSpPr>
+          <p:nvPr>
+            <p:ph idx="1"/>
+          </p:nvPr>
+        </p:nvSpPr>
+        <p:spPr/>
+        <p:txBody>
+          <a:bodyPr/>
+          <a:lstStyle/>
+          <a:p>
+            <a:r>
+              <a:rPr lang="en-US" altLang="ja-JP" dirty="0" smtClean="0">
+                <a:solidFill>
+                  <a:schemeClr val="tx2"/>
+                </a:solidFill>
+              </a:rPr>
+              <a:t>/</a:t>
+            </a:r>
+            <a:r>
+              <a:rPr lang="en-US" altLang="ja-JP" dirty="0" smtClean="0"/>
+              <a:t> </a:t>
+            </a:r>
+            <a:r>
+              <a:rPr lang="en-US" altLang="ja-JP" dirty="0"/>
+              <a:t>in PEG (e.g., </a:t>
+            </a:r>
+            <a:r>
+              <a:rPr lang="en-US" altLang="ja-JP" dirty="0" smtClean="0"/>
+              <a:t>a / </a:t>
+            </a:r>
+            <a:r>
+              <a:rPr lang="en-US" altLang="ja-JP" dirty="0"/>
+              <a:t>b)</a:t>
+            </a:r>
+          </a:p>
+          <a:p>
+            <a:r>
+              <a:rPr kumimoji="1" lang="en-US" altLang="ja-JP" dirty="0" smtClean="0"/>
+              <a:t>Example:</a:t>
+            </a:r>
+          </a:p>
+          <a:p>
+            <a:endParaRPr lang="en-US" altLang="ja-JP" dirty="0"/>
+          </a:p>
+          <a:p>
+            <a:endParaRPr kumimoji="1" lang="en-US" altLang="ja-JP" dirty="0" smtClean="0"/>
+          </a:p>
+          <a:p>
+            <a:pPr lvl="1"/>
+            <a:r>
+              <a:rPr lang="en-US" altLang="ja-JP" dirty="0" smtClean="0"/>
+              <a:t>First invoke the parser a</a:t>
+            </a:r>
+          </a:p>
+          <a:p>
+            <a:pPr lvl="1"/>
+            <a:r>
+              <a:rPr lang="en-US" altLang="ja-JP" dirty="0" smtClean="0"/>
+              <a:t>If succeeded, return a's result</a:t>
+            </a:r>
+          </a:p>
+          <a:p>
+            <a:pPr lvl="1"/>
+            <a:r>
+              <a:rPr lang="en-US" altLang="ja-JP" dirty="0" smtClean="0"/>
+              <a:t>Otherwise, invoke the parser b</a:t>
+            </a:r>
+          </a:p>
+          <a:p>
+            <a:pPr lvl="1"/>
+            <a:r>
+              <a:rPr lang="en-US" altLang="ja-JP" dirty="0" smtClean="0"/>
+              <a:t>If succeeded, return b's result</a:t>
+            </a:r>
+          </a:p>
+          <a:p>
+            <a:pPr lvl="1"/>
+            <a:endParaRPr kumimoji="1" lang="ja-JP" altLang="en-US" dirty="0"/>
+          </a:p>
+        </p:txBody>
+      </p:sp>
+      <p:sp>
+        <p:nvSpPr>
+          <p:cNvPr id="4" name="スライド番号プレースホルダー 3"/>
           <p:cNvSpPr>
             <a:spLocks noGrp="1"/>
           </p:cNvSpPr>
@@ -9434,7 +8253,7 @@
           <a:p>
             <a:fld id="{D2D8002D-B5B0-4BAC-B1F6-782DDCCE6D9C}" type="slidenum">
               <a:rPr kumimoji="1" lang="ja-JP" altLang="en-US" smtClean="0"/>
-              <a:t>2</a:t>
+              <a:t>17</a:t>
             </a:fld>
             <a:endParaRPr kumimoji="1" lang="ja-JP" altLang="en-US" dirty="0"/>
           </a:p>
@@ -9442,7 +8261,7 @@
       </p:sp>
       <p:sp>
         <p:nvSpPr>
-          <p:cNvPr id="7" name="コンテンツ プレースホルダー 2"/>
+          <p:cNvPr id="5" name="コンテンツ プレースホルダー 2"/>
           <p:cNvSpPr txBox="1">
             <a:spLocks/>
           </p:cNvSpPr>
@@ -9450,8 +8269,8 @@
         </p:nvSpPr>
         <p:spPr>
           <a:xfrm>
-            <a:off x="584388" y="1628800"/>
-            <a:ext cx="7130752" cy="4248472"/>
+            <a:off x="584388" y="2780927"/>
+            <a:ext cx="7130752" cy="576065"/>
           </a:xfrm>
           <a:prstGeom prst="rect">
             <a:avLst/>
@@ -9637,6 +8456,1269 @@
                 <a:latin typeface="Courier New" pitchFamily="49" charset="0"/>
                 <a:cs typeface="Courier New" pitchFamily="49" charset="0"/>
               </a:rPr>
+              <a:t>a / b</a:t>
+            </a:r>
+            <a:endParaRPr lang="en-US" altLang="ja-JP" dirty="0">
+              <a:latin typeface="Courier New" pitchFamily="49" charset="0"/>
+              <a:cs typeface="Courier New" pitchFamily="49" charset="0"/>
+            </a:endParaRPr>
+          </a:p>
+        </p:txBody>
+      </p:sp>
+    </p:spTree>
+    <p:extLst>
+      <p:ext uri="{BB962C8B-B14F-4D97-AF65-F5344CB8AC3E}">
+        <p14:creationId xmlns:p14="http://schemas.microsoft.com/office/powerpoint/2010/main" val="1623896168"/>
+      </p:ext>
+    </p:extLst>
+  </p:cSld>
+  <p:clrMapOvr>
+    <a:masterClrMapping/>
+  </p:clrMapOvr>
+  <mc:AlternateContent xmlns:mc="http://schemas.openxmlformats.org/markup-compatibility/2006" xmlns:p14="http://schemas.microsoft.com/office/powerpoint/2010/main">
+    <mc:Choice Requires="p14">
+      <p:transition p14:dur="0"/>
+    </mc:Choice>
+    <mc:Fallback xmlns="">
+      <p:transition/>
+    </mc:Fallback>
+  </mc:AlternateContent>
+  <p:timing>
+    <p:tnLst>
+      <p:par>
+        <p:cTn id="1" dur="indefinite" restart="never" nodeType="tmRoot"/>
+      </p:par>
+    </p:tnLst>
+  </p:timing>
+</p:sld>
+</file>
+
+<file path=ppt/slides/slide19.xml><?xml version="1.0" encoding="utf-8"?>
+<p:sld xmlns:a="http://schemas.openxmlformats.org/drawingml/2006/main" xmlns:r="http://schemas.openxmlformats.org/officeDocument/2006/relationships" xmlns:p="http://schemas.openxmlformats.org/presentationml/2006/main">
+  <p:cSld>
+    <p:spTree>
+      <p:nvGrpSpPr>
+        <p:cNvPr id="1" name=""/>
+        <p:cNvGrpSpPr/>
+        <p:nvPr/>
+      </p:nvGrpSpPr>
+      <p:grpSpPr>
+        <a:xfrm>
+          <a:off x="0" y="0"/>
+          <a:ext cx="0" cy="0"/>
+          <a:chOff x="0" y="0"/>
+          <a:chExt cx="0" cy="0"/>
+        </a:xfrm>
+      </p:grpSpPr>
+      <p:sp>
+        <p:nvSpPr>
+          <p:cNvPr id="2" name="タイトル 1"/>
+          <p:cNvSpPr>
+            <a:spLocks noGrp="1"/>
+          </p:cNvSpPr>
+          <p:nvPr>
+            <p:ph type="title"/>
+          </p:nvPr>
+        </p:nvSpPr>
+        <p:spPr/>
+        <p:txBody>
+          <a:bodyPr/>
+          <a:lstStyle/>
+          <a:p>
+            <a:r>
+              <a:rPr kumimoji="1" lang="en-US" altLang="ja-JP" dirty="0" smtClean="0"/>
+              <a:t>Parser literals</a:t>
+            </a:r>
+            <a:endParaRPr kumimoji="1" lang="ja-JP" altLang="en-US" dirty="0"/>
+          </a:p>
+        </p:txBody>
+      </p:sp>
+      <p:sp>
+        <p:nvSpPr>
+          <p:cNvPr id="3" name="コンテンツ プレースホルダー 2"/>
+          <p:cNvSpPr>
+            <a:spLocks noGrp="1"/>
+          </p:cNvSpPr>
+          <p:nvPr>
+            <p:ph idx="1"/>
+          </p:nvPr>
+        </p:nvSpPr>
+        <p:spPr/>
+        <p:txBody>
+          <a:bodyPr/>
+          <a:lstStyle/>
+          <a:p>
+            <a:r>
+              <a:rPr kumimoji="1" lang="en-US" altLang="ja-JP" dirty="0" smtClean="0"/>
+              <a:t>Symbol</a:t>
+            </a:r>
+          </a:p>
+          <a:p>
+            <a:pPr lvl="1"/>
+            <a:r>
+              <a:rPr lang="en-US" altLang="ja-JP" dirty="0" smtClean="0"/>
+              <a:t>Parser for nonterminal symbols</a:t>
+            </a:r>
+          </a:p>
+          <a:p>
+            <a:pPr lvl="2"/>
+            <a:r>
+              <a:rPr lang="en-US" altLang="ja-JP" dirty="0" smtClean="0"/>
+              <a:t>e.g., :additive, :</a:t>
+            </a:r>
+            <a:r>
+              <a:rPr lang="en-US" altLang="ja-JP" dirty="0" err="1" smtClean="0"/>
+              <a:t>multitive</a:t>
+            </a:r>
+            <a:endParaRPr lang="en-US" altLang="ja-JP" dirty="0" smtClean="0"/>
+          </a:p>
+          <a:p>
+            <a:r>
+              <a:rPr kumimoji="1" lang="en-US" altLang="ja-JP" dirty="0" smtClean="0"/>
+              <a:t>String</a:t>
+            </a:r>
+          </a:p>
+          <a:p>
+            <a:pPr lvl="1"/>
+            <a:r>
+              <a:rPr lang="en-US" altLang="ja-JP" dirty="0" smtClean="0"/>
+              <a:t>Parser for terminal symbols</a:t>
+            </a:r>
+          </a:p>
+          <a:p>
+            <a:pPr lvl="2"/>
+            <a:r>
+              <a:rPr lang="en-US" altLang="ja-JP" dirty="0" smtClean="0"/>
+              <a:t>e.g., "+", "lambda"</a:t>
+            </a:r>
+          </a:p>
+          <a:p>
+            <a:r>
+              <a:rPr kumimoji="1" lang="en-US" altLang="ja-JP" dirty="0" smtClean="0"/>
+              <a:t>Range</a:t>
+            </a:r>
+          </a:p>
+          <a:p>
+            <a:pPr lvl="1"/>
+            <a:r>
+              <a:rPr lang="en-US" altLang="ja-JP" dirty="0" smtClean="0"/>
+              <a:t>Parser for characters within the specified range</a:t>
+            </a:r>
+          </a:p>
+          <a:p>
+            <a:pPr lvl="2"/>
+            <a:r>
+              <a:rPr lang="en-US" altLang="ja-JP" dirty="0" smtClean="0"/>
+              <a:t>e.g., ?0..?9</a:t>
+            </a:r>
+          </a:p>
+        </p:txBody>
+      </p:sp>
+      <p:sp>
+        <p:nvSpPr>
+          <p:cNvPr id="4" name="スライド番号プレースホルダー 3"/>
+          <p:cNvSpPr>
+            <a:spLocks noGrp="1"/>
+          </p:cNvSpPr>
+          <p:nvPr>
+            <p:ph type="sldNum" sz="quarter" idx="12"/>
+          </p:nvPr>
+        </p:nvSpPr>
+        <p:spPr/>
+        <p:txBody>
+          <a:bodyPr/>
+          <a:lstStyle/>
+          <a:p>
+            <a:fld id="{D2D8002D-B5B0-4BAC-B1F6-782DDCCE6D9C}" type="slidenum">
+              <a:rPr kumimoji="1" lang="ja-JP" altLang="en-US" smtClean="0"/>
+              <a:t>18</a:t>
+            </a:fld>
+            <a:endParaRPr kumimoji="1" lang="ja-JP" altLang="en-US" dirty="0"/>
+          </a:p>
+        </p:txBody>
+      </p:sp>
+    </p:spTree>
+    <p:extLst>
+      <p:ext uri="{BB962C8B-B14F-4D97-AF65-F5344CB8AC3E}">
+        <p14:creationId xmlns:p14="http://schemas.microsoft.com/office/powerpoint/2010/main" val="1803854185"/>
+      </p:ext>
+    </p:extLst>
+  </p:cSld>
+  <p:clrMapOvr>
+    <a:masterClrMapping/>
+  </p:clrMapOvr>
+  <mc:AlternateContent xmlns:mc="http://schemas.openxmlformats.org/markup-compatibility/2006" xmlns:p14="http://schemas.microsoft.com/office/powerpoint/2010/main">
+    <mc:Choice Requires="p14">
+      <p:transition p14:dur="0"/>
+    </mc:Choice>
+    <mc:Fallback xmlns="">
+      <p:transition/>
+    </mc:Fallback>
+  </mc:AlternateContent>
+  <p:timing>
+    <p:tnLst>
+      <p:par>
+        <p:cTn id="1" dur="indefinite" restart="never" nodeType="tmRoot"/>
+      </p:par>
+    </p:tnLst>
+  </p:timing>
+</p:sld>
+</file>
+
+<file path=ppt/slides/slide2.xml><?xml version="1.0" encoding="utf-8"?>
+<p:sld xmlns:a="http://schemas.openxmlformats.org/drawingml/2006/main" xmlns:r="http://schemas.openxmlformats.org/officeDocument/2006/relationships" xmlns:p="http://schemas.openxmlformats.org/presentationml/2006/main">
+  <p:cSld>
+    <p:spTree>
+      <p:nvGrpSpPr>
+        <p:cNvPr id="1" name=""/>
+        <p:cNvGrpSpPr/>
+        <p:nvPr/>
+      </p:nvGrpSpPr>
+      <p:grpSpPr>
+        <a:xfrm>
+          <a:off x="0" y="0"/>
+          <a:ext cx="0" cy="0"/>
+          <a:chOff x="0" y="0"/>
+          <a:chExt cx="0" cy="0"/>
+        </a:xfrm>
+      </p:grpSpPr>
+      <p:sp>
+        <p:nvSpPr>
+          <p:cNvPr id="2" name="タイトル 1"/>
+          <p:cNvSpPr>
+            <a:spLocks noGrp="1"/>
+          </p:cNvSpPr>
+          <p:nvPr>
+            <p:ph type="title"/>
+          </p:nvPr>
+        </p:nvSpPr>
+        <p:spPr/>
+        <p:txBody>
+          <a:bodyPr/>
+          <a:lstStyle/>
+          <a:p>
+            <a:r>
+              <a:rPr kumimoji="1" lang="en-US" altLang="ja-JP" dirty="0" smtClean="0"/>
+              <a:t>What are refinements?</a:t>
+            </a:r>
+            <a:endParaRPr kumimoji="1" lang="ja-JP" altLang="en-US" dirty="0"/>
+          </a:p>
+        </p:txBody>
+      </p:sp>
+      <p:sp>
+        <p:nvSpPr>
+          <p:cNvPr id="3" name="コンテンツ プレースホルダー 2"/>
+          <p:cNvSpPr>
+            <a:spLocks noGrp="1"/>
+          </p:cNvSpPr>
+          <p:nvPr>
+            <p:ph idx="1"/>
+          </p:nvPr>
+        </p:nvSpPr>
+        <p:spPr/>
+        <p:txBody>
+          <a:bodyPr/>
+          <a:lstStyle/>
+          <a:p>
+            <a:r>
+              <a:rPr kumimoji="1" lang="en-US" altLang="ja-JP" dirty="0" smtClean="0"/>
+              <a:t>Local class extensions</a:t>
+            </a:r>
+          </a:p>
+          <a:p>
+            <a:pPr lvl="1"/>
+            <a:r>
+              <a:rPr lang="en-US" altLang="ja-JP" dirty="0" smtClean="0"/>
+              <a:t>Adding methods to, or changing methods in existing classes</a:t>
+            </a:r>
+          </a:p>
+          <a:p>
+            <a:pPr lvl="1"/>
+            <a:r>
+              <a:rPr kumimoji="1" lang="en-US" altLang="ja-JP" dirty="0" smtClean="0"/>
+              <a:t>Activated in a local scope</a:t>
+            </a:r>
+          </a:p>
+          <a:p>
+            <a:endParaRPr kumimoji="1" lang="ja-JP" altLang="en-US" dirty="0"/>
+          </a:p>
+        </p:txBody>
+      </p:sp>
+      <p:sp>
+        <p:nvSpPr>
+          <p:cNvPr id="4" name="スライド番号プレースホルダー 3"/>
+          <p:cNvSpPr>
+            <a:spLocks noGrp="1"/>
+          </p:cNvSpPr>
+          <p:nvPr>
+            <p:ph type="sldNum" sz="quarter" idx="12"/>
+          </p:nvPr>
+        </p:nvSpPr>
+        <p:spPr/>
+        <p:txBody>
+          <a:bodyPr/>
+          <a:lstStyle/>
+          <a:p>
+            <a:fld id="{D2D8002D-B5B0-4BAC-B1F6-782DDCCE6D9C}" type="slidenum">
+              <a:rPr kumimoji="1" lang="ja-JP" altLang="en-US" smtClean="0"/>
+              <a:t>1</a:t>
+            </a:fld>
+            <a:endParaRPr kumimoji="1" lang="ja-JP" altLang="en-US"/>
+          </a:p>
+        </p:txBody>
+      </p:sp>
+    </p:spTree>
+    <p:extLst>
+      <p:ext uri="{BB962C8B-B14F-4D97-AF65-F5344CB8AC3E}">
+        <p14:creationId xmlns:p14="http://schemas.microsoft.com/office/powerpoint/2010/main" val="3172327005"/>
+      </p:ext>
+    </p:extLst>
+  </p:cSld>
+  <p:clrMapOvr>
+    <a:masterClrMapping/>
+  </p:clrMapOvr>
+  <mc:AlternateContent xmlns:mc="http://schemas.openxmlformats.org/markup-compatibility/2006" xmlns:p14="http://schemas.microsoft.com/office/powerpoint/2010/main">
+    <mc:Choice Requires="p14">
+      <p:transition p14:dur="0"/>
+    </mc:Choice>
+    <mc:Fallback xmlns="">
+      <p:transition/>
+    </mc:Fallback>
+  </mc:AlternateContent>
+  <p:timing>
+    <p:tnLst>
+      <p:par>
+        <p:cTn id="1" dur="indefinite" restart="never" nodeType="tmRoot"/>
+      </p:par>
+    </p:tnLst>
+  </p:timing>
+</p:sld>
+</file>
+
+<file path=ppt/slides/slide20.xml><?xml version="1.0" encoding="utf-8"?>
+<p:sld xmlns:a="http://schemas.openxmlformats.org/drawingml/2006/main" xmlns:r="http://schemas.openxmlformats.org/officeDocument/2006/relationships" xmlns:p="http://schemas.openxmlformats.org/presentationml/2006/main">
+  <p:cSld>
+    <p:spTree>
+      <p:nvGrpSpPr>
+        <p:cNvPr id="1" name=""/>
+        <p:cNvGrpSpPr/>
+        <p:nvPr/>
+      </p:nvGrpSpPr>
+      <p:grpSpPr>
+        <a:xfrm>
+          <a:off x="0" y="0"/>
+          <a:ext cx="0" cy="0"/>
+          <a:chOff x="0" y="0"/>
+          <a:chExt cx="0" cy="0"/>
+        </a:xfrm>
+      </p:grpSpPr>
+      <p:sp>
+        <p:nvSpPr>
+          <p:cNvPr id="2" name="タイトル 1"/>
+          <p:cNvSpPr>
+            <a:spLocks noGrp="1"/>
+          </p:cNvSpPr>
+          <p:nvPr>
+            <p:ph type="title"/>
+          </p:nvPr>
+        </p:nvSpPr>
+        <p:spPr/>
+        <p:txBody>
+          <a:bodyPr/>
+          <a:lstStyle/>
+          <a:p>
+            <a:r>
+              <a:rPr kumimoji="1" lang="en-US" altLang="ja-JP" dirty="0" smtClean="0"/>
+              <a:t>Implementation of parser literals</a:t>
+            </a:r>
+            <a:endParaRPr kumimoji="1" lang="ja-JP" altLang="en-US" dirty="0"/>
+          </a:p>
+        </p:txBody>
+      </p:sp>
+      <p:sp>
+        <p:nvSpPr>
+          <p:cNvPr id="3" name="コンテンツ プレースホルダー 2"/>
+          <p:cNvSpPr>
+            <a:spLocks noGrp="1"/>
+          </p:cNvSpPr>
+          <p:nvPr>
+            <p:ph idx="1"/>
+          </p:nvPr>
+        </p:nvSpPr>
+        <p:spPr/>
+        <p:txBody>
+          <a:bodyPr/>
+          <a:lstStyle/>
+          <a:p>
+            <a:endParaRPr kumimoji="1" lang="ja-JP" altLang="en-US"/>
+          </a:p>
+        </p:txBody>
+      </p:sp>
+      <p:sp>
+        <p:nvSpPr>
+          <p:cNvPr id="4" name="スライド番号プレースホルダー 3"/>
+          <p:cNvSpPr>
+            <a:spLocks noGrp="1"/>
+          </p:cNvSpPr>
+          <p:nvPr>
+            <p:ph type="sldNum" sz="quarter" idx="12"/>
+          </p:nvPr>
+        </p:nvSpPr>
+        <p:spPr/>
+        <p:txBody>
+          <a:bodyPr/>
+          <a:lstStyle/>
+          <a:p>
+            <a:fld id="{D2D8002D-B5B0-4BAC-B1F6-782DDCCE6D9C}" type="slidenum">
+              <a:rPr kumimoji="1" lang="ja-JP" altLang="en-US" smtClean="0"/>
+              <a:t>19</a:t>
+            </a:fld>
+            <a:endParaRPr kumimoji="1" lang="ja-JP" altLang="en-US" dirty="0"/>
+          </a:p>
+        </p:txBody>
+      </p:sp>
+    </p:spTree>
+    <p:extLst>
+      <p:ext uri="{BB962C8B-B14F-4D97-AF65-F5344CB8AC3E}">
+        <p14:creationId xmlns:p14="http://schemas.microsoft.com/office/powerpoint/2010/main" val="160942261"/>
+      </p:ext>
+    </p:extLst>
+  </p:cSld>
+  <p:clrMapOvr>
+    <a:masterClrMapping/>
+  </p:clrMapOvr>
+  <mc:AlternateContent xmlns:mc="http://schemas.openxmlformats.org/markup-compatibility/2006" xmlns:p14="http://schemas.microsoft.com/office/powerpoint/2010/main">
+    <mc:Choice Requires="p14">
+      <p:transition p14:dur="0"/>
+    </mc:Choice>
+    <mc:Fallback xmlns="">
+      <p:transition/>
+    </mc:Fallback>
+  </mc:AlternateContent>
+  <p:timing>
+    <p:tnLst>
+      <p:par>
+        <p:cTn id="1" dur="indefinite" restart="never" nodeType="tmRoot"/>
+      </p:par>
+    </p:tnLst>
+  </p:timing>
+</p:sld>
+</file>
+
+<file path=ppt/slides/slide21.xml><?xml version="1.0" encoding="utf-8"?>
+<p:sld xmlns:a="http://schemas.openxmlformats.org/drawingml/2006/main" xmlns:r="http://schemas.openxmlformats.org/officeDocument/2006/relationships" xmlns:p="http://schemas.openxmlformats.org/presentationml/2006/main">
+  <p:cSld>
+    <p:spTree>
+      <p:nvGrpSpPr>
+        <p:cNvPr id="1" name=""/>
+        <p:cNvGrpSpPr/>
+        <p:nvPr/>
+      </p:nvGrpSpPr>
+      <p:grpSpPr>
+        <a:xfrm>
+          <a:off x="0" y="0"/>
+          <a:ext cx="0" cy="0"/>
+          <a:chOff x="0" y="0"/>
+          <a:chExt cx="0" cy="0"/>
+        </a:xfrm>
+      </p:grpSpPr>
+      <p:sp>
+        <p:nvSpPr>
+          <p:cNvPr id="2" name="タイトル 1"/>
+          <p:cNvSpPr>
+            <a:spLocks noGrp="1"/>
+          </p:cNvSpPr>
+          <p:nvPr>
+            <p:ph type="title"/>
+          </p:nvPr>
+        </p:nvSpPr>
+        <p:spPr/>
+        <p:txBody>
+          <a:bodyPr/>
+          <a:lstStyle/>
+          <a:p>
+            <a:r>
+              <a:rPr lang="en-US" altLang="ja-JP" dirty="0" smtClean="0"/>
+              <a:t>Limitations of refinements</a:t>
+            </a:r>
+            <a:endParaRPr kumimoji="1" lang="ja-JP" altLang="en-US" dirty="0"/>
+          </a:p>
+        </p:txBody>
+      </p:sp>
+      <p:sp>
+        <p:nvSpPr>
+          <p:cNvPr id="3" name="コンテンツ プレースホルダー 2"/>
+          <p:cNvSpPr>
+            <a:spLocks noGrp="1"/>
+          </p:cNvSpPr>
+          <p:nvPr>
+            <p:ph idx="1"/>
+          </p:nvPr>
+        </p:nvSpPr>
+        <p:spPr/>
+        <p:txBody>
+          <a:bodyPr/>
+          <a:lstStyle/>
+          <a:p>
+            <a:endParaRPr kumimoji="1" lang="ja-JP" altLang="en-US" dirty="0"/>
+          </a:p>
+        </p:txBody>
+      </p:sp>
+      <p:sp>
+        <p:nvSpPr>
+          <p:cNvPr id="4" name="スライド番号プレースホルダー 3"/>
+          <p:cNvSpPr>
+            <a:spLocks noGrp="1"/>
+          </p:cNvSpPr>
+          <p:nvPr>
+            <p:ph type="sldNum" sz="quarter" idx="12"/>
+          </p:nvPr>
+        </p:nvSpPr>
+        <p:spPr/>
+        <p:txBody>
+          <a:bodyPr/>
+          <a:lstStyle/>
+          <a:p>
+            <a:fld id="{D2D8002D-B5B0-4BAC-B1F6-782DDCCE6D9C}" type="slidenum">
+              <a:rPr kumimoji="1" lang="ja-JP" altLang="en-US" smtClean="0"/>
+              <a:t>20</a:t>
+            </a:fld>
+            <a:endParaRPr kumimoji="1" lang="ja-JP" altLang="en-US" dirty="0"/>
+          </a:p>
+        </p:txBody>
+      </p:sp>
+    </p:spTree>
+    <p:extLst>
+      <p:ext uri="{BB962C8B-B14F-4D97-AF65-F5344CB8AC3E}">
+        <p14:creationId xmlns:p14="http://schemas.microsoft.com/office/powerpoint/2010/main" val="4181145715"/>
+      </p:ext>
+    </p:extLst>
+  </p:cSld>
+  <p:clrMapOvr>
+    <a:masterClrMapping/>
+  </p:clrMapOvr>
+  <mc:AlternateContent xmlns:mc="http://schemas.openxmlformats.org/markup-compatibility/2006" xmlns:p14="http://schemas.microsoft.com/office/powerpoint/2010/main">
+    <mc:Choice Requires="p14">
+      <p:transition p14:dur="0"/>
+    </mc:Choice>
+    <mc:Fallback xmlns="">
+      <p:transition/>
+    </mc:Fallback>
+  </mc:AlternateContent>
+  <p:timing>
+    <p:tnLst>
+      <p:par>
+        <p:cTn id="1" dur="indefinite" restart="never" nodeType="tmRoot"/>
+      </p:par>
+    </p:tnLst>
+  </p:timing>
+</p:sld>
+</file>
+
+<file path=ppt/slides/slide22.xml><?xml version="1.0" encoding="utf-8"?>
+<p:sld xmlns:a="http://schemas.openxmlformats.org/drawingml/2006/main" xmlns:r="http://schemas.openxmlformats.org/officeDocument/2006/relationships" xmlns:p="http://schemas.openxmlformats.org/presentationml/2006/main">
+  <p:cSld>
+    <p:spTree>
+      <p:nvGrpSpPr>
+        <p:cNvPr id="1" name=""/>
+        <p:cNvGrpSpPr/>
+        <p:nvPr/>
+      </p:nvGrpSpPr>
+      <p:grpSpPr>
+        <a:xfrm>
+          <a:off x="0" y="0"/>
+          <a:ext cx="0" cy="0"/>
+          <a:chOff x="0" y="0"/>
+          <a:chExt cx="0" cy="0"/>
+        </a:xfrm>
+      </p:grpSpPr>
+      <p:sp>
+        <p:nvSpPr>
+          <p:cNvPr id="2" name="タイトル 1"/>
+          <p:cNvSpPr>
+            <a:spLocks noGrp="1"/>
+          </p:cNvSpPr>
+          <p:nvPr>
+            <p:ph type="title"/>
+          </p:nvPr>
+        </p:nvSpPr>
+        <p:spPr/>
+        <p:txBody>
+          <a:bodyPr/>
+          <a:lstStyle/>
+          <a:p>
+            <a:r>
+              <a:rPr kumimoji="1" lang="en-US" altLang="ja-JP" dirty="0" smtClean="0"/>
+              <a:t>Future of refinements</a:t>
+            </a:r>
+            <a:endParaRPr kumimoji="1" lang="ja-JP" altLang="en-US" dirty="0"/>
+          </a:p>
+        </p:txBody>
+      </p:sp>
+      <p:sp>
+        <p:nvSpPr>
+          <p:cNvPr id="3" name="コンテンツ プレースホルダー 2"/>
+          <p:cNvSpPr>
+            <a:spLocks noGrp="1"/>
+          </p:cNvSpPr>
+          <p:nvPr>
+            <p:ph idx="1"/>
+          </p:nvPr>
+        </p:nvSpPr>
+        <p:spPr/>
+        <p:txBody>
+          <a:bodyPr/>
+          <a:lstStyle/>
+          <a:p>
+            <a:endParaRPr kumimoji="1" lang="ja-JP" altLang="en-US"/>
+          </a:p>
+        </p:txBody>
+      </p:sp>
+      <p:sp>
+        <p:nvSpPr>
+          <p:cNvPr id="4" name="スライド番号プレースホルダー 3"/>
+          <p:cNvSpPr>
+            <a:spLocks noGrp="1"/>
+          </p:cNvSpPr>
+          <p:nvPr>
+            <p:ph type="sldNum" sz="quarter" idx="12"/>
+          </p:nvPr>
+        </p:nvSpPr>
+        <p:spPr/>
+        <p:txBody>
+          <a:bodyPr/>
+          <a:lstStyle/>
+          <a:p>
+            <a:fld id="{D2D8002D-B5B0-4BAC-B1F6-782DDCCE6D9C}" type="slidenum">
+              <a:rPr kumimoji="1" lang="ja-JP" altLang="en-US" smtClean="0"/>
+              <a:t>21</a:t>
+            </a:fld>
+            <a:endParaRPr kumimoji="1" lang="ja-JP" altLang="en-US" dirty="0"/>
+          </a:p>
+        </p:txBody>
+      </p:sp>
+    </p:spTree>
+    <p:extLst>
+      <p:ext uri="{BB962C8B-B14F-4D97-AF65-F5344CB8AC3E}">
+        <p14:creationId xmlns:p14="http://schemas.microsoft.com/office/powerpoint/2010/main" val="3970479005"/>
+      </p:ext>
+    </p:extLst>
+  </p:cSld>
+  <p:clrMapOvr>
+    <a:masterClrMapping/>
+  </p:clrMapOvr>
+  <mc:AlternateContent xmlns:mc="http://schemas.openxmlformats.org/markup-compatibility/2006" xmlns:p14="http://schemas.microsoft.com/office/powerpoint/2010/main">
+    <mc:Choice Requires="p14">
+      <p:transition p14:dur="0"/>
+    </mc:Choice>
+    <mc:Fallback xmlns="">
+      <p:transition/>
+    </mc:Fallback>
+  </mc:AlternateContent>
+  <p:timing>
+    <p:tnLst>
+      <p:par>
+        <p:cTn id="1" dur="indefinite" restart="never" nodeType="tmRoot"/>
+      </p:par>
+    </p:tnLst>
+  </p:timing>
+</p:sld>
+</file>
+
+<file path=ppt/slides/slide23.xml><?xml version="1.0" encoding="utf-8"?>
+<p:sld xmlns:a="http://schemas.openxmlformats.org/drawingml/2006/main" xmlns:r="http://schemas.openxmlformats.org/officeDocument/2006/relationships" xmlns:p="http://schemas.openxmlformats.org/presentationml/2006/main">
+  <p:cSld>
+    <p:spTree>
+      <p:nvGrpSpPr>
+        <p:cNvPr id="1" name=""/>
+        <p:cNvGrpSpPr/>
+        <p:nvPr/>
+      </p:nvGrpSpPr>
+      <p:grpSpPr>
+        <a:xfrm>
+          <a:off x="0" y="0"/>
+          <a:ext cx="0" cy="0"/>
+          <a:chOff x="0" y="0"/>
+          <a:chExt cx="0" cy="0"/>
+        </a:xfrm>
+      </p:grpSpPr>
+      <p:sp>
+        <p:nvSpPr>
+          <p:cNvPr id="2" name="タイトル 1"/>
+          <p:cNvSpPr>
+            <a:spLocks noGrp="1"/>
+          </p:cNvSpPr>
+          <p:nvPr>
+            <p:ph type="title"/>
+          </p:nvPr>
+        </p:nvSpPr>
+        <p:spPr/>
+        <p:txBody>
+          <a:bodyPr/>
+          <a:lstStyle/>
+          <a:p>
+            <a:r>
+              <a:rPr kumimoji="1" lang="en-US" altLang="ja-JP" dirty="0" smtClean="0"/>
+              <a:t>Problems other than refinements</a:t>
+            </a:r>
+            <a:endParaRPr kumimoji="1" lang="ja-JP" altLang="en-US" dirty="0"/>
+          </a:p>
+        </p:txBody>
+      </p:sp>
+      <p:sp>
+        <p:nvSpPr>
+          <p:cNvPr id="3" name="コンテンツ プレースホルダー 2"/>
+          <p:cNvSpPr>
+            <a:spLocks noGrp="1"/>
+          </p:cNvSpPr>
+          <p:nvPr>
+            <p:ph idx="1"/>
+          </p:nvPr>
+        </p:nvSpPr>
+        <p:spPr/>
+        <p:txBody>
+          <a:bodyPr/>
+          <a:lstStyle/>
+          <a:p>
+            <a:endParaRPr kumimoji="1" lang="ja-JP" altLang="en-US"/>
+          </a:p>
+        </p:txBody>
+      </p:sp>
+      <p:sp>
+        <p:nvSpPr>
+          <p:cNvPr id="4" name="スライド番号プレースホルダー 3"/>
+          <p:cNvSpPr>
+            <a:spLocks noGrp="1"/>
+          </p:cNvSpPr>
+          <p:nvPr>
+            <p:ph type="sldNum" sz="quarter" idx="12"/>
+          </p:nvPr>
+        </p:nvSpPr>
+        <p:spPr/>
+        <p:txBody>
+          <a:bodyPr/>
+          <a:lstStyle/>
+          <a:p>
+            <a:fld id="{D2D8002D-B5B0-4BAC-B1F6-782DDCCE6D9C}" type="slidenum">
+              <a:rPr kumimoji="1" lang="ja-JP" altLang="en-US" smtClean="0"/>
+              <a:t>22</a:t>
+            </a:fld>
+            <a:endParaRPr kumimoji="1" lang="ja-JP" altLang="en-US" dirty="0"/>
+          </a:p>
+        </p:txBody>
+      </p:sp>
+    </p:spTree>
+    <p:extLst>
+      <p:ext uri="{BB962C8B-B14F-4D97-AF65-F5344CB8AC3E}">
+        <p14:creationId xmlns:p14="http://schemas.microsoft.com/office/powerpoint/2010/main" val="2331218378"/>
+      </p:ext>
+    </p:extLst>
+  </p:cSld>
+  <p:clrMapOvr>
+    <a:masterClrMapping/>
+  </p:clrMapOvr>
+  <mc:AlternateContent xmlns:mc="http://schemas.openxmlformats.org/markup-compatibility/2006" xmlns:p14="http://schemas.microsoft.com/office/powerpoint/2010/main">
+    <mc:Choice Requires="p14">
+      <p:transition p14:dur="0"/>
+    </mc:Choice>
+    <mc:Fallback xmlns="">
+      <p:transition/>
+    </mc:Fallback>
+  </mc:AlternateContent>
+  <p:timing>
+    <p:tnLst>
+      <p:par>
+        <p:cTn id="1" dur="indefinite" restart="never" nodeType="tmRoot"/>
+      </p:par>
+    </p:tnLst>
+  </p:timing>
+</p:sld>
+</file>
+
+<file path=ppt/slides/slide24.xml><?xml version="1.0" encoding="utf-8"?>
+<p:sld xmlns:a="http://schemas.openxmlformats.org/drawingml/2006/main" xmlns:r="http://schemas.openxmlformats.org/officeDocument/2006/relationships" xmlns:p="http://schemas.openxmlformats.org/presentationml/2006/main">
+  <p:cSld>
+    <p:spTree>
+      <p:nvGrpSpPr>
+        <p:cNvPr id="1" name=""/>
+        <p:cNvGrpSpPr/>
+        <p:nvPr/>
+      </p:nvGrpSpPr>
+      <p:grpSpPr>
+        <a:xfrm>
+          <a:off x="0" y="0"/>
+          <a:ext cx="0" cy="0"/>
+          <a:chOff x="0" y="0"/>
+          <a:chExt cx="0" cy="0"/>
+        </a:xfrm>
+      </p:grpSpPr>
+      <p:sp>
+        <p:nvSpPr>
+          <p:cNvPr id="2" name="タイトル 1"/>
+          <p:cNvSpPr>
+            <a:spLocks noGrp="1"/>
+          </p:cNvSpPr>
+          <p:nvPr>
+            <p:ph type="title"/>
+          </p:nvPr>
+        </p:nvSpPr>
+        <p:spPr/>
+        <p:txBody>
+          <a:bodyPr/>
+          <a:lstStyle/>
+          <a:p>
+            <a:r>
+              <a:rPr kumimoji="1" lang="en-US" altLang="ja-JP" dirty="0" smtClean="0"/>
+              <a:t>Conclusion</a:t>
+            </a:r>
+            <a:endParaRPr kumimoji="1" lang="ja-JP" altLang="en-US" dirty="0"/>
+          </a:p>
+        </p:txBody>
+      </p:sp>
+      <p:sp>
+        <p:nvSpPr>
+          <p:cNvPr id="3" name="コンテンツ プレースホルダー 2"/>
+          <p:cNvSpPr>
+            <a:spLocks noGrp="1"/>
+          </p:cNvSpPr>
+          <p:nvPr>
+            <p:ph idx="1"/>
+          </p:nvPr>
+        </p:nvSpPr>
+        <p:spPr/>
+        <p:txBody>
+          <a:bodyPr/>
+          <a:lstStyle/>
+          <a:p>
+            <a:endParaRPr kumimoji="1" lang="ja-JP" altLang="en-US"/>
+          </a:p>
+        </p:txBody>
+      </p:sp>
+      <p:sp>
+        <p:nvSpPr>
+          <p:cNvPr id="4" name="スライド番号プレースホルダー 3"/>
+          <p:cNvSpPr>
+            <a:spLocks noGrp="1"/>
+          </p:cNvSpPr>
+          <p:nvPr>
+            <p:ph type="sldNum" sz="quarter" idx="12"/>
+          </p:nvPr>
+        </p:nvSpPr>
+        <p:spPr/>
+        <p:txBody>
+          <a:bodyPr/>
+          <a:lstStyle/>
+          <a:p>
+            <a:fld id="{D2D8002D-B5B0-4BAC-B1F6-782DDCCE6D9C}" type="slidenum">
+              <a:rPr kumimoji="1" lang="ja-JP" altLang="en-US" smtClean="0"/>
+              <a:t>23</a:t>
+            </a:fld>
+            <a:endParaRPr kumimoji="1" lang="ja-JP" altLang="en-US" dirty="0"/>
+          </a:p>
+        </p:txBody>
+      </p:sp>
+    </p:spTree>
+    <p:extLst>
+      <p:ext uri="{BB962C8B-B14F-4D97-AF65-F5344CB8AC3E}">
+        <p14:creationId xmlns:p14="http://schemas.microsoft.com/office/powerpoint/2010/main" val="1077620214"/>
+      </p:ext>
+    </p:extLst>
+  </p:cSld>
+  <p:clrMapOvr>
+    <a:masterClrMapping/>
+  </p:clrMapOvr>
+  <mc:AlternateContent xmlns:mc="http://schemas.openxmlformats.org/markup-compatibility/2006" xmlns:p14="http://schemas.microsoft.com/office/powerpoint/2010/main">
+    <mc:Choice Requires="p14">
+      <p:transition p14:dur="0"/>
+    </mc:Choice>
+    <mc:Fallback xmlns="">
+      <p:transition/>
+    </mc:Fallback>
+  </mc:AlternateContent>
+  <p:timing>
+    <p:tnLst>
+      <p:par>
+        <p:cTn id="1" dur="indefinite" restart="never" nodeType="tmRoot"/>
+      </p:par>
+    </p:tnLst>
+  </p:timing>
+</p:sld>
+</file>
+
+<file path=ppt/slides/slide25.xml><?xml version="1.0" encoding="utf-8"?>
+<p:sld xmlns:a="http://schemas.openxmlformats.org/drawingml/2006/main" xmlns:r="http://schemas.openxmlformats.org/officeDocument/2006/relationships" xmlns:p="http://schemas.openxmlformats.org/presentationml/2006/main">
+  <p:cSld>
+    <p:spTree>
+      <p:nvGrpSpPr>
+        <p:cNvPr id="1" name=""/>
+        <p:cNvGrpSpPr/>
+        <p:nvPr/>
+      </p:nvGrpSpPr>
+      <p:grpSpPr>
+        <a:xfrm>
+          <a:off x="0" y="0"/>
+          <a:ext cx="0" cy="0"/>
+          <a:chOff x="0" y="0"/>
+          <a:chExt cx="0" cy="0"/>
+        </a:xfrm>
+      </p:grpSpPr>
+      <p:sp>
+        <p:nvSpPr>
+          <p:cNvPr id="2" name="タイトル 1"/>
+          <p:cNvSpPr>
+            <a:spLocks noGrp="1"/>
+          </p:cNvSpPr>
+          <p:nvPr>
+            <p:ph type="title"/>
+          </p:nvPr>
+        </p:nvSpPr>
+        <p:spPr/>
+        <p:txBody>
+          <a:bodyPr/>
+          <a:lstStyle/>
+          <a:p>
+            <a:r>
+              <a:rPr kumimoji="1" lang="en-US" altLang="ja-JP" dirty="0" smtClean="0"/>
+              <a:t>Thank you!</a:t>
+            </a:r>
+            <a:endParaRPr kumimoji="1" lang="ja-JP" altLang="en-US" dirty="0"/>
+          </a:p>
+        </p:txBody>
+      </p:sp>
+      <p:sp>
+        <p:nvSpPr>
+          <p:cNvPr id="3" name="コンテンツ プレースホルダー 2"/>
+          <p:cNvSpPr>
+            <a:spLocks noGrp="1"/>
+          </p:cNvSpPr>
+          <p:nvPr>
+            <p:ph idx="1"/>
+          </p:nvPr>
+        </p:nvSpPr>
+        <p:spPr/>
+        <p:txBody>
+          <a:bodyPr/>
+          <a:lstStyle/>
+          <a:p>
+            <a:r>
+              <a:rPr kumimoji="1" lang="en-US" altLang="ja-JP" dirty="0" smtClean="0"/>
+              <a:t>Any questions?</a:t>
+            </a:r>
+            <a:endParaRPr kumimoji="1" lang="ja-JP" altLang="en-US" dirty="0"/>
+          </a:p>
+        </p:txBody>
+      </p:sp>
+      <p:sp>
+        <p:nvSpPr>
+          <p:cNvPr id="4" name="スライド番号プレースホルダー 3"/>
+          <p:cNvSpPr>
+            <a:spLocks noGrp="1"/>
+          </p:cNvSpPr>
+          <p:nvPr>
+            <p:ph type="sldNum" sz="quarter" idx="12"/>
+          </p:nvPr>
+        </p:nvSpPr>
+        <p:spPr/>
+        <p:txBody>
+          <a:bodyPr/>
+          <a:lstStyle/>
+          <a:p>
+            <a:fld id="{D2D8002D-B5B0-4BAC-B1F6-782DDCCE6D9C}" type="slidenum">
+              <a:rPr kumimoji="1" lang="ja-JP" altLang="en-US" smtClean="0"/>
+              <a:t>24</a:t>
+            </a:fld>
+            <a:endParaRPr kumimoji="1" lang="ja-JP" altLang="en-US" dirty="0"/>
+          </a:p>
+        </p:txBody>
+      </p:sp>
+    </p:spTree>
+    <p:extLst>
+      <p:ext uri="{BB962C8B-B14F-4D97-AF65-F5344CB8AC3E}">
+        <p14:creationId xmlns:p14="http://schemas.microsoft.com/office/powerpoint/2010/main" val="671822625"/>
+      </p:ext>
+    </p:extLst>
+  </p:cSld>
+  <p:clrMapOvr>
+    <a:masterClrMapping/>
+  </p:clrMapOvr>
+  <mc:AlternateContent xmlns:mc="http://schemas.openxmlformats.org/markup-compatibility/2006" xmlns:p14="http://schemas.microsoft.com/office/powerpoint/2010/main">
+    <mc:Choice Requires="p14">
+      <p:transition p14:dur="0"/>
+    </mc:Choice>
+    <mc:Fallback xmlns="">
+      <p:transition/>
+    </mc:Fallback>
+  </mc:AlternateContent>
+  <p:timing>
+    <p:tnLst>
+      <p:par>
+        <p:cTn id="1" dur="indefinite" restart="never" nodeType="tmRoot"/>
+      </p:par>
+    </p:tnLst>
+  </p:timing>
+</p:sld>
+</file>
+
+<file path=ppt/slides/slide3.xml><?xml version="1.0" encoding="utf-8"?>
+<p:sld xmlns:a="http://schemas.openxmlformats.org/drawingml/2006/main" xmlns:r="http://schemas.openxmlformats.org/officeDocument/2006/relationships" xmlns:p="http://schemas.openxmlformats.org/presentationml/2006/main">
+  <p:cSld>
+    <p:spTree>
+      <p:nvGrpSpPr>
+        <p:cNvPr id="1" name=""/>
+        <p:cNvGrpSpPr/>
+        <p:nvPr/>
+      </p:nvGrpSpPr>
+      <p:grpSpPr>
+        <a:xfrm>
+          <a:off x="0" y="0"/>
+          <a:ext cx="0" cy="0"/>
+          <a:chOff x="0" y="0"/>
+          <a:chExt cx="0" cy="0"/>
+        </a:xfrm>
+      </p:grpSpPr>
+      <p:sp>
+        <p:nvSpPr>
+          <p:cNvPr id="2" name="タイトル 1"/>
+          <p:cNvSpPr>
+            <a:spLocks noGrp="1"/>
+          </p:cNvSpPr>
+          <p:nvPr>
+            <p:ph type="title"/>
+          </p:nvPr>
+        </p:nvSpPr>
+        <p:spPr/>
+        <p:txBody>
+          <a:bodyPr/>
+          <a:lstStyle/>
+          <a:p>
+            <a:r>
+              <a:rPr kumimoji="1" lang="en-US" altLang="ja-JP" dirty="0" smtClean="0"/>
+              <a:t>Example</a:t>
+            </a:r>
+            <a:endParaRPr kumimoji="1" lang="ja-JP" altLang="en-US" dirty="0"/>
+          </a:p>
+        </p:txBody>
+      </p:sp>
+      <p:sp>
+        <p:nvSpPr>
+          <p:cNvPr id="3" name="スライド番号プレースホルダー 2"/>
+          <p:cNvSpPr>
+            <a:spLocks noGrp="1"/>
+          </p:cNvSpPr>
+          <p:nvPr>
+            <p:ph type="sldNum" sz="quarter" idx="12"/>
+          </p:nvPr>
+        </p:nvSpPr>
+        <p:spPr/>
+        <p:txBody>
+          <a:bodyPr/>
+          <a:lstStyle/>
+          <a:p>
+            <a:fld id="{D2D8002D-B5B0-4BAC-B1F6-782DDCCE6D9C}" type="slidenum">
+              <a:rPr kumimoji="1" lang="ja-JP" altLang="en-US" smtClean="0"/>
+              <a:t>2</a:t>
+            </a:fld>
+            <a:endParaRPr kumimoji="1" lang="ja-JP" altLang="en-US" dirty="0"/>
+          </a:p>
+        </p:txBody>
+      </p:sp>
+      <p:sp>
+        <p:nvSpPr>
+          <p:cNvPr id="7" name="コンテンツ プレースホルダー 2"/>
+          <p:cNvSpPr txBox="1">
+            <a:spLocks/>
+          </p:cNvSpPr>
+          <p:nvPr/>
+        </p:nvSpPr>
+        <p:spPr>
+          <a:xfrm>
+            <a:off x="584388" y="1628800"/>
+            <a:ext cx="7130752" cy="4248472"/>
+          </a:xfrm>
+          <a:prstGeom prst="rect">
+            <a:avLst/>
+          </a:prstGeom>
+          <a:solidFill>
+            <a:schemeClr val="accent4">
+              <a:lumMod val="40000"/>
+              <a:lumOff val="60000"/>
+            </a:schemeClr>
+          </a:solidFill>
+        </p:spPr>
+        <p:txBody>
+          <a:bodyPr vert="horz" lIns="180000" tIns="144000" rIns="180000" bIns="72000" rtlCol="0">
+            <a:normAutofit/>
+          </a:bodyPr>
+          <a:lstStyle>
+            <a:lvl1pPr marL="0" indent="0" algn="l" defTabSz="914400" rtl="0" eaLnBrk="1" latinLnBrk="0" hangingPunct="1">
+              <a:spcBef>
+                <a:spcPct val="20000"/>
+              </a:spcBef>
+              <a:spcAft>
+                <a:spcPts val="600"/>
+              </a:spcAft>
+              <a:buFont typeface="Arial" pitchFamily="34" charset="0"/>
+              <a:buNone/>
+              <a:defRPr kumimoji="1" sz="2000" b="1" kern="1200">
+                <a:solidFill>
+                  <a:schemeClr val="tx1"/>
+                </a:solidFill>
+                <a:latin typeface="+mn-lt"/>
+                <a:ea typeface="+mn-ea"/>
+                <a:cs typeface="+mn-cs"/>
+              </a:defRPr>
+            </a:lvl1pPr>
+            <a:lvl2pPr marL="457200" indent="-182880" algn="l" defTabSz="914400" rtl="0" eaLnBrk="1" latinLnBrk="0" hangingPunct="1">
+              <a:spcBef>
+                <a:spcPct val="20000"/>
+              </a:spcBef>
+              <a:buClr>
+                <a:schemeClr val="tx2"/>
+              </a:buClr>
+              <a:buFont typeface="Arial" pitchFamily="34" charset="0"/>
+              <a:buChar char="•"/>
+              <a:defRPr kumimoji="1" sz="2000" kern="1200">
+                <a:solidFill>
+                  <a:schemeClr val="tx1"/>
+                </a:solidFill>
+                <a:latin typeface="+mn-lt"/>
+                <a:ea typeface="+mn-ea"/>
+                <a:cs typeface="+mn-cs"/>
+              </a:defRPr>
+            </a:lvl2pPr>
+            <a:lvl3pPr marL="1143000" indent="-228600" algn="l" defTabSz="914400" rtl="0" eaLnBrk="1" latinLnBrk="0" hangingPunct="1">
+              <a:spcBef>
+                <a:spcPct val="20000"/>
+              </a:spcBef>
+              <a:buClr>
+                <a:schemeClr val="tx2"/>
+              </a:buClr>
+              <a:buFont typeface="Arial" pitchFamily="34" charset="0"/>
+              <a:buChar char="•"/>
+              <a:defRPr kumimoji="1" sz="1800" kern="1200">
+                <a:solidFill>
+                  <a:schemeClr val="tx1"/>
+                </a:solidFill>
+                <a:latin typeface="+mn-lt"/>
+                <a:ea typeface="+mn-ea"/>
+                <a:cs typeface="+mn-cs"/>
+              </a:defRPr>
+            </a:lvl3pPr>
+            <a:lvl4pPr marL="1600200" indent="-228600" algn="l" defTabSz="914400" rtl="0" eaLnBrk="1" latinLnBrk="0" hangingPunct="1">
+              <a:spcBef>
+                <a:spcPct val="20000"/>
+              </a:spcBef>
+              <a:buClr>
+                <a:schemeClr val="tx2"/>
+              </a:buClr>
+              <a:buFont typeface="Arial" pitchFamily="34" charset="0"/>
+              <a:buChar char="•"/>
+              <a:defRPr kumimoji="1" sz="1800" kern="1200">
+                <a:solidFill>
+                  <a:schemeClr val="tx1"/>
+                </a:solidFill>
+                <a:latin typeface="+mn-lt"/>
+                <a:ea typeface="+mn-ea"/>
+                <a:cs typeface="+mn-cs"/>
+              </a:defRPr>
+            </a:lvl4pPr>
+            <a:lvl5pPr marL="2057400" indent="-228600" algn="l" defTabSz="914400" rtl="0" eaLnBrk="1" latinLnBrk="0" hangingPunct="1">
+              <a:spcBef>
+                <a:spcPct val="20000"/>
+              </a:spcBef>
+              <a:buClr>
+                <a:schemeClr val="tx2"/>
+              </a:buClr>
+              <a:buFont typeface="Arial" pitchFamily="34" charset="0"/>
+              <a:buChar char="•"/>
+              <a:defRPr kumimoji="1" sz="1800" kern="1200" baseline="0">
+                <a:solidFill>
+                  <a:schemeClr val="tx1"/>
+                </a:solidFill>
+                <a:latin typeface="+mn-lt"/>
+                <a:ea typeface="+mn-ea"/>
+                <a:cs typeface="+mn-cs"/>
+              </a:defRPr>
+            </a:lvl5pPr>
+            <a:lvl6pPr marL="2514600" indent="-228600" algn="l" defTabSz="914400" rtl="0" eaLnBrk="1" latinLnBrk="0" hangingPunct="1">
+              <a:spcBef>
+                <a:spcPct val="20000"/>
+              </a:spcBef>
+              <a:buClr>
+                <a:schemeClr val="tx2"/>
+              </a:buClr>
+              <a:buFont typeface="Arial" pitchFamily="34" charset="0"/>
+              <a:buChar char="•"/>
+              <a:defRPr kumimoji="1" sz="1600" kern="1200">
+                <a:solidFill>
+                  <a:schemeClr val="tx1"/>
+                </a:solidFill>
+                <a:latin typeface="+mn-lt"/>
+                <a:ea typeface="+mn-ea"/>
+                <a:cs typeface="+mn-cs"/>
+              </a:defRPr>
+            </a:lvl6pPr>
+            <a:lvl7pPr marL="2971800" indent="-228600" algn="l" defTabSz="914400" rtl="0" eaLnBrk="1" latinLnBrk="0" hangingPunct="1">
+              <a:spcBef>
+                <a:spcPct val="20000"/>
+              </a:spcBef>
+              <a:buClr>
+                <a:schemeClr val="tx2"/>
+              </a:buClr>
+              <a:buFont typeface="Arial" pitchFamily="34" charset="0"/>
+              <a:buChar char="•"/>
+              <a:defRPr kumimoji="1" sz="1600" kern="1200">
+                <a:solidFill>
+                  <a:schemeClr val="tx1"/>
+                </a:solidFill>
+                <a:latin typeface="+mn-lt"/>
+                <a:ea typeface="+mn-ea"/>
+                <a:cs typeface="+mn-cs"/>
+              </a:defRPr>
+            </a:lvl7pPr>
+            <a:lvl8pPr marL="3429000" indent="-228600" algn="l" defTabSz="914400" rtl="0" eaLnBrk="1" latinLnBrk="0" hangingPunct="1">
+              <a:spcBef>
+                <a:spcPct val="20000"/>
+              </a:spcBef>
+              <a:buClr>
+                <a:schemeClr val="tx2"/>
+              </a:buClr>
+              <a:buFont typeface="Arial" pitchFamily="34" charset="0"/>
+              <a:buChar char="•"/>
+              <a:defRPr kumimoji="1" sz="1600" kern="1200">
+                <a:solidFill>
+                  <a:schemeClr val="tx1"/>
+                </a:solidFill>
+                <a:latin typeface="+mn-lt"/>
+                <a:ea typeface="+mn-ea"/>
+                <a:cs typeface="+mn-cs"/>
+              </a:defRPr>
+            </a:lvl8pPr>
+            <a:lvl9pPr marL="3886200" indent="-228600" algn="l" defTabSz="914400" rtl="0" eaLnBrk="1" latinLnBrk="0" hangingPunct="1">
+              <a:spcBef>
+                <a:spcPct val="20000"/>
+              </a:spcBef>
+              <a:buClr>
+                <a:schemeClr val="tx2"/>
+              </a:buClr>
+              <a:buFont typeface="Arial" pitchFamily="34" charset="0"/>
+              <a:buChar char="•"/>
+              <a:defRPr kumimoji="1" sz="1600" kern="1200">
+                <a:solidFill>
+                  <a:schemeClr val="tx1"/>
+                </a:solidFill>
+                <a:latin typeface="+mn-lt"/>
+                <a:ea typeface="+mn-ea"/>
+                <a:cs typeface="+mn-cs"/>
+              </a:defRPr>
+            </a:lvl9pPr>
+          </a:lstStyle>
+          <a:p>
+            <a:r>
+              <a:rPr lang="en-US" altLang="ja-JP" dirty="0" smtClean="0">
+                <a:latin typeface="Courier New" pitchFamily="49" charset="0"/>
+                <a:cs typeface="Courier New" pitchFamily="49" charset="0"/>
+              </a:rPr>
               <a:t>module Rationalize</a:t>
             </a:r>
             <a:endParaRPr lang="en-US" altLang="ja-JP" dirty="0">
@@ -10136,13 +10218,8 @@
           <a:p>
             <a:r>
               <a:rPr lang="en-US" altLang="ja-JP" dirty="0" smtClean="0"/>
-              <a:t>For internal </a:t>
-            </a:r>
-            <a:r>
-              <a:rPr lang="en-US" altLang="ja-JP" dirty="0" smtClean="0"/>
-              <a:t>DSL</a:t>
-            </a:r>
-            <a:endParaRPr lang="en-US" altLang="ja-JP" dirty="0" smtClean="0"/>
+              <a:t>For internal DSL</a:t>
+            </a:r>
           </a:p>
           <a:p>
             <a:pPr lvl="1"/>
@@ -10623,11 +10700,11 @@
   <p:clrMapOvr>
     <a:masterClrMapping/>
   </p:clrMapOvr>
-  <mc:AlternateContent xmlns:mc="http://schemas.openxmlformats.org/markup-compatibility/2006">
-    <mc:Choice xmlns:p14="http://schemas.microsoft.com/office/powerpoint/2010/main" Requires="p14">
+  <mc:AlternateContent xmlns:mc="http://schemas.openxmlformats.org/markup-compatibility/2006" xmlns:p14="http://schemas.microsoft.com/office/powerpoint/2010/main">
+    <mc:Choice Requires="p14">
       <p:transition p14:dur="0"/>
     </mc:Choice>
-    <mc:Fallback>
+    <mc:Fallback xmlns="">
       <p:transition/>
     </mc:Fallback>
   </mc:AlternateContent>
@@ -10715,6 +10792,34 @@
                 <a:hlinkClick r:id="rId2"/>
               </a:rPr>
               <a:t>github.com/shugo/radd_djur</a:t>
+            </a:r>
+            <a:endParaRPr lang="en-US" altLang="ja-JP" dirty="0" smtClean="0"/>
+          </a:p>
+          <a:p>
+            <a:pPr lvl="1"/>
+            <a:r>
+              <a:rPr lang="en-US" altLang="ja-JP" dirty="0"/>
+              <a:t>P</a:t>
+            </a:r>
+            <a:r>
+              <a:rPr lang="en-US" altLang="ja-JP" dirty="0" smtClean="0"/>
+              <a:t>ackrat </a:t>
+            </a:r>
+            <a:r>
+              <a:rPr lang="en-US" altLang="ja-JP" dirty="0"/>
+              <a:t>parser </a:t>
+            </a:r>
+            <a:r>
+              <a:rPr lang="en-US" altLang="ja-JP" dirty="0" err="1"/>
+              <a:t>combinator</a:t>
+            </a:r>
+            <a:r>
+              <a:rPr lang="en-US" altLang="ja-JP" dirty="0"/>
+              <a:t> </a:t>
+            </a:r>
+            <a:r>
+              <a:rPr lang="en-US" altLang="ja-JP" dirty="0" smtClean="0"/>
+              <a:t>library</a:t>
             </a:r>
             <a:endParaRPr lang="en-US" altLang="ja-JP" dirty="0"/>
           </a:p>

--- a/refining_refinements.pptx
+++ b/refining_refinements.pptx
@@ -5,7 +5,7 @@
     <p:sldMasterId id="2147483684" r:id="rId1"/>
   </p:sldMasterIdLst>
   <p:notesMasterIdLst>
-    <p:notesMasterId r:id="rId27"/>
+    <p:notesMasterId r:id="rId28"/>
   </p:notesMasterIdLst>
   <p:sldIdLst>
     <p:sldId id="256" r:id="rId2"/>
@@ -28,11 +28,12 @@
     <p:sldId id="339" r:id="rId19"/>
     <p:sldId id="340" r:id="rId20"/>
     <p:sldId id="341" r:id="rId21"/>
-    <p:sldId id="343" r:id="rId22"/>
-    <p:sldId id="345" r:id="rId23"/>
-    <p:sldId id="344" r:id="rId24"/>
-    <p:sldId id="342" r:id="rId25"/>
-    <p:sldId id="328" r:id="rId26"/>
+    <p:sldId id="347" r:id="rId22"/>
+    <p:sldId id="343" r:id="rId23"/>
+    <p:sldId id="345" r:id="rId24"/>
+    <p:sldId id="344" r:id="rId25"/>
+    <p:sldId id="342" r:id="rId26"/>
+    <p:sldId id="328" r:id="rId27"/>
   </p:sldIdLst>
   <p:sldSz cx="9144000" cy="6858000" type="screen4x3"/>
   <p:notesSz cx="6858000" cy="9144000"/>
@@ -232,7 +233,7 @@
           <a:p>
             <a:fld id="{2824A956-B84A-4963-A5A1-07FF5674870B}" type="datetimeFigureOut">
               <a:rPr kumimoji="1" lang="ja-JP" altLang="en-US" smtClean="0"/>
-              <a:t>2013/5/20</a:t>
+              <a:t>2013/5/25</a:t>
             </a:fld>
             <a:endParaRPr kumimoji="1" lang="ja-JP" altLang="en-US"/>
           </a:p>
@@ -725,7 +726,7 @@
           <a:p>
             <a:fld id="{BEB2A44C-4838-48A1-8CCC-56B31324CD36}" type="datetime1">
               <a:rPr kumimoji="1" lang="ja-JP" altLang="en-US" smtClean="0"/>
-              <a:t>2013/5/20</a:t>
+              <a:t>2013/5/25</a:t>
             </a:fld>
             <a:endParaRPr kumimoji="1" lang="ja-JP" altLang="en-US"/>
           </a:p>
@@ -1115,7 +1116,7 @@
           <a:p>
             <a:fld id="{D6055D4B-96D3-4275-B22A-7550BE743D12}" type="datetime1">
               <a:rPr kumimoji="1" lang="ja-JP" altLang="en-US" smtClean="0"/>
-              <a:t>2013/5/20</a:t>
+              <a:t>2013/5/25</a:t>
             </a:fld>
             <a:endParaRPr kumimoji="1" lang="ja-JP" altLang="en-US"/>
           </a:p>
@@ -1412,7 +1413,7 @@
           <a:p>
             <a:fld id="{F09345D9-E47B-41FE-9D53-8206BA0721AD}" type="datetime1">
               <a:rPr kumimoji="1" lang="ja-JP" altLang="en-US" smtClean="0"/>
-              <a:t>2013/5/20</a:t>
+              <a:t>2013/5/25</a:t>
             </a:fld>
             <a:endParaRPr kumimoji="1" lang="ja-JP" altLang="en-US"/>
           </a:p>
@@ -1631,7 +1632,7 @@
           <a:p>
             <a:fld id="{203475DF-70B1-4C70-B488-86679E08279F}" type="datetime1">
               <a:rPr kumimoji="1" lang="ja-JP" altLang="en-US" smtClean="0"/>
-              <a:t>2013/5/20</a:t>
+              <a:t>2013/5/25</a:t>
             </a:fld>
             <a:endParaRPr kumimoji="1" lang="ja-JP" altLang="en-US"/>
           </a:p>
@@ -1844,7 +1845,7 @@
           <a:p>
             <a:fld id="{A6300FBA-32EC-48A0-B846-53E50F22EDC6}" type="datetime1">
               <a:rPr kumimoji="1" lang="ja-JP" altLang="en-US" smtClean="0"/>
-              <a:t>2013/5/20</a:t>
+              <a:t>2013/5/25</a:t>
             </a:fld>
             <a:endParaRPr kumimoji="1" lang="ja-JP" altLang="en-US"/>
           </a:p>
@@ -2065,7 +2066,7 @@
           <a:p>
             <a:fld id="{5F48B954-E802-41CF-A23B-AF4001D9A985}" type="datetime1">
               <a:rPr kumimoji="1" lang="ja-JP" altLang="en-US" smtClean="0"/>
-              <a:t>2013/5/20</a:t>
+              <a:t>2013/5/25</a:t>
             </a:fld>
             <a:endParaRPr kumimoji="1" lang="ja-JP" altLang="en-US"/>
           </a:p>
@@ -2338,7 +2339,7 @@
           <a:p>
             <a:fld id="{9E7B2D17-F2F6-4F58-A5BA-B4327B220303}" type="datetime1">
               <a:rPr kumimoji="1" lang="ja-JP" altLang="en-US" smtClean="0"/>
-              <a:t>2013/5/20</a:t>
+              <a:t>2013/5/25</a:t>
             </a:fld>
             <a:endParaRPr kumimoji="1" lang="ja-JP" altLang="en-US"/>
           </a:p>
@@ -2704,7 +2705,7 @@
           <a:p>
             <a:fld id="{A9E9C874-8A2A-417D-8190-0EEAE08A6CBC}" type="datetime1">
               <a:rPr kumimoji="1" lang="ja-JP" altLang="en-US" smtClean="0"/>
-              <a:t>2013/5/20</a:t>
+              <a:t>2013/5/25</a:t>
             </a:fld>
             <a:endParaRPr kumimoji="1" lang="ja-JP" altLang="en-US"/>
           </a:p>
@@ -3219,7 +3220,7 @@
           <a:p>
             <a:fld id="{A55BE7E1-4417-46D1-A1D7-5676DF5662EE}" type="datetime1">
               <a:rPr kumimoji="1" lang="ja-JP" altLang="en-US" smtClean="0"/>
-              <a:t>2013/5/20</a:t>
+              <a:t>2013/5/25</a:t>
             </a:fld>
             <a:endParaRPr kumimoji="1" lang="ja-JP" altLang="en-US"/>
           </a:p>
@@ -3344,7 +3345,7 @@
           <a:p>
             <a:fld id="{FE11AAFE-9511-4B75-BEE3-5AB426959440}" type="datetime1">
               <a:rPr kumimoji="1" lang="ja-JP" altLang="en-US" smtClean="0"/>
-              <a:t>2013/5/20</a:t>
+              <a:t>2013/5/25</a:t>
             </a:fld>
             <a:endParaRPr kumimoji="1" lang="ja-JP" altLang="en-US"/>
           </a:p>
@@ -3446,7 +3447,7 @@
           <a:p>
             <a:fld id="{BE67106B-0A95-46B3-B66A-1A5A0A78CD79}" type="datetime1">
               <a:rPr kumimoji="1" lang="ja-JP" altLang="en-US" smtClean="0"/>
-              <a:t>2013/5/20</a:t>
+              <a:t>2013/5/25</a:t>
             </a:fld>
             <a:endParaRPr kumimoji="1" lang="ja-JP" altLang="en-US"/>
           </a:p>
@@ -3732,7 +3733,7 @@
           <a:p>
             <a:fld id="{FDD83BBB-F8BD-4C2C-A7A1-30EF8887FC58}" type="datetime1">
               <a:rPr kumimoji="1" lang="ja-JP" altLang="en-US" smtClean="0"/>
-              <a:t>2013/5/20</a:t>
+              <a:t>2013/5/25</a:t>
             </a:fld>
             <a:endParaRPr kumimoji="1" lang="ja-JP" altLang="en-US"/>
           </a:p>
@@ -4005,7 +4006,7 @@
           <a:p>
             <a:fld id="{BB5A1D04-C170-4F36-A596-1B147592CAD8}" type="datetime1">
               <a:rPr kumimoji="1" lang="ja-JP" altLang="en-US" smtClean="0"/>
-              <a:t>2013/5/20</a:t>
+              <a:t>2013/5/25</a:t>
             </a:fld>
             <a:endParaRPr kumimoji="1" lang="ja-JP" altLang="en-US"/>
           </a:p>
@@ -4619,18 +4620,10 @@
           <a:lstStyle/>
           <a:p>
             <a:r>
-              <a:rPr kumimoji="1" lang="en-US" altLang="ja-JP" sz="1600" dirty="0" smtClean="0">
-                <a:solidFill>
-                  <a:srgbClr val="002060"/>
-                </a:solidFill>
-              </a:rPr>
+              <a:rPr kumimoji="1" lang="en-US" altLang="ja-JP" sz="1600" i="1" dirty="0" smtClean="0"/>
               <a:t>Network Applied Communication Laboratory Ltd.</a:t>
             </a:r>
-            <a:endParaRPr kumimoji="1" lang="ja-JP" altLang="en-US" sz="1600" dirty="0">
-              <a:solidFill>
-                <a:srgbClr val="002060"/>
-              </a:solidFill>
-            </a:endParaRPr>
+            <a:endParaRPr kumimoji="1" lang="ja-JP" altLang="en-US" sz="1600" i="1" dirty="0"/>
           </a:p>
         </p:txBody>
       </p:sp>
@@ -4859,11 +4852,7 @@
           <a:p>
             <a:r>
               <a:rPr kumimoji="1" lang="en-US" altLang="ja-JP" dirty="0" smtClean="0"/>
-              <a:t>Allows </a:t>
-            </a:r>
-            <a:r>
-              <a:rPr kumimoji="1" lang="en-US" altLang="ja-JP" dirty="0" smtClean="0"/>
-              <a:t>you to combine small parsers into one big parser</a:t>
+              <a:t>Allows you to combine small parsers into one big parser</a:t>
             </a:r>
           </a:p>
           <a:p>
@@ -4876,11 +4865,7 @@
           <a:p>
             <a:r>
               <a:rPr lang="en-US" altLang="ja-JP" dirty="0" smtClean="0"/>
-              <a:t>What's a monad</a:t>
-            </a:r>
-            <a:r>
-              <a:rPr lang="en-US" altLang="ja-JP" dirty="0" smtClean="0"/>
-              <a:t>?</a:t>
+              <a:t>What's a monad?</a:t>
             </a:r>
           </a:p>
           <a:p>
@@ -5000,8 +4985,40 @@
           <a:lstStyle/>
           <a:p>
             <a:r>
+              <a:rPr kumimoji="1" lang="en-US" altLang="ja-JP" dirty="0" smtClean="0">
+                <a:solidFill>
+                  <a:schemeClr val="tx2"/>
+                </a:solidFill>
+              </a:rPr>
+              <a:t>P</a:t>
+            </a:r>
+            <a:r>
               <a:rPr kumimoji="1" lang="en-US" altLang="ja-JP" dirty="0" smtClean="0"/>
-              <a:t>Parsing Expression Grammar</a:t>
+              <a:t>arsing </a:t>
+            </a:r>
+            <a:r>
+              <a:rPr kumimoji="1" lang="en-US" altLang="ja-JP" dirty="0" smtClean="0">
+                <a:solidFill>
+                  <a:schemeClr val="tx2"/>
+                </a:solidFill>
+              </a:rPr>
+              <a:t>E</a:t>
+            </a:r>
+            <a:r>
+              <a:rPr kumimoji="1" lang="en-US" altLang="ja-JP" dirty="0" smtClean="0"/>
+              <a:t>xpression </a:t>
+            </a:r>
+            <a:r>
+              <a:rPr kumimoji="1" lang="en-US" altLang="ja-JP" dirty="0" smtClean="0">
+                <a:solidFill>
+                  <a:schemeClr val="tx2"/>
+                </a:solidFill>
+              </a:rPr>
+              <a:t>G</a:t>
+            </a:r>
+            <a:r>
+              <a:rPr kumimoji="1" lang="en-US" altLang="ja-JP" dirty="0" smtClean="0"/>
+              <a:t>rammar</a:t>
             </a:r>
           </a:p>
           <a:p>
@@ -7294,11 +7311,7 @@
             </a:r>
             <a:r>
               <a:rPr kumimoji="1" lang="en-US" altLang="ja-JP" dirty="0" smtClean="0"/>
-              <a:t>efine </a:t>
-            </a:r>
-            <a:r>
-              <a:rPr kumimoji="1" lang="en-US" altLang="ja-JP" dirty="0" smtClean="0"/>
-              <a:t>a new nonterminal and its rule</a:t>
+              <a:t>efine a new nonterminal and its rule</a:t>
             </a:r>
             <a:endParaRPr kumimoji="1" lang="ja-JP" altLang="en-US" dirty="0"/>
           </a:p>
@@ -7337,8 +7350,8 @@
         </p:nvSpPr>
         <p:spPr>
           <a:xfrm>
-            <a:off x="584388" y="1628800"/>
-            <a:ext cx="7130752" cy="1152128"/>
+            <a:off x="584388" y="1700808"/>
+            <a:ext cx="7130752" cy="1080120"/>
           </a:xfrm>
           <a:prstGeom prst="rect">
             <a:avLst/>
@@ -8055,7 +8068,33 @@
               <a:rPr lang="en-US" altLang="ja-JP" dirty="0" smtClean="0"/>
               <a:t>sed to return the parsing result</a:t>
             </a:r>
-            <a:endParaRPr lang="ja-JP" altLang="en-US" dirty="0"/>
+          </a:p>
+          <a:p>
+            <a:r>
+              <a:rPr lang="en-US" altLang="ja-JP" dirty="0" smtClean="0"/>
+              <a:t>Example:</a:t>
+            </a:r>
+          </a:p>
+          <a:p>
+            <a:endParaRPr lang="en-US" altLang="ja-JP" dirty="0"/>
+          </a:p>
+          <a:p>
+            <a:endParaRPr lang="en-US" altLang="ja-JP" dirty="0" smtClean="0"/>
+          </a:p>
+          <a:p>
+            <a:pPr lvl="1"/>
+            <a:r>
+              <a:rPr lang="en-US" altLang="ja-JP" dirty="0" smtClean="0"/>
+              <a:t>Return the value of </a:t>
+            </a:r>
+            <a:r>
+              <a:rPr lang="en-US" altLang="ja-JP" dirty="0" err="1" smtClean="0"/>
+              <a:t>x.to_i</a:t>
+            </a:r>
+            <a:r>
+              <a:rPr lang="en-US" altLang="ja-JP" dirty="0" smtClean="0"/>
+              <a:t> as the parsing result of (?0..?9).</a:t>
+            </a:r>
           </a:p>
         </p:txBody>
       </p:sp>
@@ -8082,183 +8121,6 @@
           </a:p>
         </p:txBody>
       </p:sp>
-    </p:spTree>
-    <p:extLst>
-      <p:ext uri="{BB962C8B-B14F-4D97-AF65-F5344CB8AC3E}">
-        <p14:creationId xmlns:p14="http://schemas.microsoft.com/office/powerpoint/2010/main" val="1126654010"/>
-      </p:ext>
-    </p:extLst>
-  </p:cSld>
-  <p:clrMapOvr>
-    <a:masterClrMapping/>
-  </p:clrMapOvr>
-  <mc:AlternateContent xmlns:mc="http://schemas.openxmlformats.org/markup-compatibility/2006" xmlns:p14="http://schemas.microsoft.com/office/powerpoint/2010/main">
-    <mc:Choice Requires="p14">
-      <p:transition p14:dur="0"/>
-    </mc:Choice>
-    <mc:Fallback xmlns="">
-      <p:transition/>
-    </mc:Fallback>
-  </mc:AlternateContent>
-  <p:timing>
-    <p:tnLst>
-      <p:par>
-        <p:cTn id="1" dur="indefinite" restart="never" nodeType="tmRoot"/>
-      </p:par>
-    </p:tnLst>
-  </p:timing>
-</p:sld>
-</file>
-
-<file path=ppt/slides/slide18.xml><?xml version="1.0" encoding="utf-8"?>
-<p:sld xmlns:a="http://schemas.openxmlformats.org/drawingml/2006/main" xmlns:r="http://schemas.openxmlformats.org/officeDocument/2006/relationships" xmlns:p="http://schemas.openxmlformats.org/presentationml/2006/main">
-  <p:cSld>
-    <p:spTree>
-      <p:nvGrpSpPr>
-        <p:cNvPr id="1" name=""/>
-        <p:cNvGrpSpPr/>
-        <p:nvPr/>
-      </p:nvGrpSpPr>
-      <p:grpSpPr>
-        <a:xfrm>
-          <a:off x="0" y="0"/>
-          <a:ext cx="0" cy="0"/>
-          <a:chOff x="0" y="0"/>
-          <a:chExt cx="0" cy="0"/>
-        </a:xfrm>
-      </p:grpSpPr>
-      <p:sp>
-        <p:nvSpPr>
-          <p:cNvPr id="2" name="タイトル 1"/>
-          <p:cNvSpPr>
-            <a:spLocks noGrp="1"/>
-          </p:cNvSpPr>
-          <p:nvPr>
-            <p:ph type="title"/>
-          </p:nvPr>
-        </p:nvSpPr>
-        <p:spPr/>
-        <p:txBody>
-          <a:bodyPr/>
-          <a:lstStyle/>
-          <a:p>
-            <a:r>
-              <a:rPr kumimoji="1" lang="en-US" altLang="ja-JP" dirty="0" smtClean="0"/>
-              <a:t>/</a:t>
-            </a:r>
-            <a:endParaRPr kumimoji="1" lang="ja-JP" altLang="en-US" dirty="0"/>
-          </a:p>
-        </p:txBody>
-      </p:sp>
-      <p:sp>
-        <p:nvSpPr>
-          <p:cNvPr id="3" name="コンテンツ プレースホルダー 2"/>
-          <p:cNvSpPr>
-            <a:spLocks noGrp="1"/>
-          </p:cNvSpPr>
-          <p:nvPr>
-            <p:ph idx="1"/>
-          </p:nvPr>
-        </p:nvSpPr>
-        <p:spPr/>
-        <p:txBody>
-          <a:bodyPr/>
-          <a:lstStyle/>
-          <a:p>
-            <a:r>
-              <a:rPr lang="en-US" altLang="ja-JP" dirty="0" smtClean="0">
-                <a:solidFill>
-                  <a:schemeClr val="tx2"/>
-                </a:solidFill>
-              </a:rPr>
-              <a:t>/</a:t>
-            </a:r>
-            <a:r>
-              <a:rPr lang="en-US" altLang="ja-JP" dirty="0" smtClean="0"/>
-              <a:t> </a:t>
-            </a:r>
-            <a:r>
-              <a:rPr lang="en-US" altLang="ja-JP" dirty="0"/>
-              <a:t>in PEG (e.g., </a:t>
-            </a:r>
-            <a:r>
-              <a:rPr lang="en-US" altLang="ja-JP" dirty="0" smtClean="0"/>
-              <a:t>a / </a:t>
-            </a:r>
-            <a:r>
-              <a:rPr lang="en-US" altLang="ja-JP" dirty="0"/>
-              <a:t>b)</a:t>
-            </a:r>
-          </a:p>
-          <a:p>
-            <a:r>
-              <a:rPr kumimoji="1" lang="en-US" altLang="ja-JP" dirty="0" smtClean="0"/>
-              <a:t>Example:</a:t>
-            </a:r>
-          </a:p>
-          <a:p>
-            <a:endParaRPr lang="en-US" altLang="ja-JP" dirty="0"/>
-          </a:p>
-          <a:p>
-            <a:endParaRPr kumimoji="1" lang="en-US" altLang="ja-JP" dirty="0" smtClean="0"/>
-          </a:p>
-          <a:p>
-            <a:pPr lvl="1"/>
-            <a:r>
-              <a:rPr lang="en-US" altLang="ja-JP" dirty="0" smtClean="0"/>
-              <a:t>First invoke the parser a</a:t>
-            </a:r>
-          </a:p>
-          <a:p>
-            <a:pPr lvl="1"/>
-            <a:r>
-              <a:rPr lang="en-US" altLang="ja-JP" dirty="0" smtClean="0"/>
-              <a:t>If succeeded, return a's result</a:t>
-            </a:r>
-          </a:p>
-          <a:p>
-            <a:pPr lvl="1"/>
-            <a:r>
-              <a:rPr lang="en-US" altLang="ja-JP" dirty="0" smtClean="0"/>
-              <a:t>Otherwise, invoke the parser b</a:t>
-            </a:r>
-          </a:p>
-          <a:p>
-            <a:pPr lvl="1"/>
-            <a:r>
-              <a:rPr lang="en-US" altLang="ja-JP" dirty="0" smtClean="0"/>
-              <a:t>If succeeded, return b's result</a:t>
-            </a:r>
-          </a:p>
-          <a:p>
-            <a:pPr lvl="1"/>
-            <a:endParaRPr kumimoji="1" lang="ja-JP" altLang="en-US" dirty="0"/>
-          </a:p>
-        </p:txBody>
-      </p:sp>
-      <p:sp>
-        <p:nvSpPr>
-          <p:cNvPr id="4" name="スライド番号プレースホルダー 3"/>
-          <p:cNvSpPr>
-            <a:spLocks noGrp="1"/>
-          </p:cNvSpPr>
-          <p:nvPr>
-            <p:ph type="sldNum" sz="quarter" idx="12"/>
-          </p:nvPr>
-        </p:nvSpPr>
-        <p:spPr/>
-        <p:txBody>
-          <a:bodyPr/>
-          <a:lstStyle/>
-          <a:p>
-            <a:fld id="{D2D8002D-B5B0-4BAC-B1F6-782DDCCE6D9C}" type="slidenum">
-              <a:rPr kumimoji="1" lang="ja-JP" altLang="en-US" smtClean="0"/>
-              <a:t>17</a:t>
-            </a:fld>
-            <a:endParaRPr kumimoji="1" lang="ja-JP" altLang="en-US" dirty="0"/>
-          </a:p>
-        </p:txBody>
-      </p:sp>
       <p:sp>
         <p:nvSpPr>
           <p:cNvPr id="5" name="コンテンツ プレースホルダー 2"/>
@@ -8269,8 +8131,8 @@
         </p:nvSpPr>
         <p:spPr>
           <a:xfrm>
-            <a:off x="584388" y="2780927"/>
-            <a:ext cx="7130752" cy="576065"/>
+            <a:off x="584388" y="3212976"/>
+            <a:ext cx="7130752" cy="576064"/>
           </a:xfrm>
           <a:prstGeom prst="rect">
             <a:avLst/>
@@ -8456,6 +8318,403 @@
                 <a:latin typeface="Courier New" pitchFamily="49" charset="0"/>
                 <a:cs typeface="Courier New" pitchFamily="49" charset="0"/>
               </a:rPr>
+              <a:t>(?0..?9).bind { |x| ret </a:t>
+            </a:r>
+            <a:r>
+              <a:rPr lang="en-US" altLang="ja-JP" dirty="0" err="1" smtClean="0">
+                <a:latin typeface="Courier New" pitchFamily="49" charset="0"/>
+                <a:cs typeface="Courier New" pitchFamily="49" charset="0"/>
+              </a:rPr>
+              <a:t>x.to_i</a:t>
+            </a:r>
+            <a:r>
+              <a:rPr lang="en-US" altLang="ja-JP" dirty="0" smtClean="0">
+                <a:latin typeface="Courier New" pitchFamily="49" charset="0"/>
+                <a:cs typeface="Courier New" pitchFamily="49" charset="0"/>
+              </a:rPr>
+              <a:t> }</a:t>
+            </a:r>
+            <a:endParaRPr lang="en-US" altLang="ja-JP" dirty="0">
+              <a:latin typeface="Courier New" pitchFamily="49" charset="0"/>
+              <a:cs typeface="Courier New" pitchFamily="49" charset="0"/>
+            </a:endParaRPr>
+          </a:p>
+        </p:txBody>
+      </p:sp>
+    </p:spTree>
+    <p:extLst>
+      <p:ext uri="{BB962C8B-B14F-4D97-AF65-F5344CB8AC3E}">
+        <p14:creationId xmlns:p14="http://schemas.microsoft.com/office/powerpoint/2010/main" val="1126654010"/>
+      </p:ext>
+    </p:extLst>
+  </p:cSld>
+  <p:clrMapOvr>
+    <a:masterClrMapping/>
+  </p:clrMapOvr>
+  <mc:AlternateContent xmlns:mc="http://schemas.openxmlformats.org/markup-compatibility/2006" xmlns:p14="http://schemas.microsoft.com/office/powerpoint/2010/main">
+    <mc:Choice Requires="p14">
+      <p:transition p14:dur="0"/>
+    </mc:Choice>
+    <mc:Fallback xmlns="">
+      <p:transition/>
+    </mc:Fallback>
+  </mc:AlternateContent>
+  <p:timing>
+    <p:tnLst>
+      <p:par>
+        <p:cTn id="1" dur="indefinite" restart="never" nodeType="tmRoot"/>
+      </p:par>
+    </p:tnLst>
+  </p:timing>
+</p:sld>
+</file>
+
+<file path=ppt/slides/slide18.xml><?xml version="1.0" encoding="utf-8"?>
+<p:sld xmlns:a="http://schemas.openxmlformats.org/drawingml/2006/main" xmlns:r="http://schemas.openxmlformats.org/officeDocument/2006/relationships" xmlns:p="http://schemas.openxmlformats.org/presentationml/2006/main">
+  <p:cSld>
+    <p:spTree>
+      <p:nvGrpSpPr>
+        <p:cNvPr id="1" name=""/>
+        <p:cNvGrpSpPr/>
+        <p:nvPr/>
+      </p:nvGrpSpPr>
+      <p:grpSpPr>
+        <a:xfrm>
+          <a:off x="0" y="0"/>
+          <a:ext cx="0" cy="0"/>
+          <a:chOff x="0" y="0"/>
+          <a:chExt cx="0" cy="0"/>
+        </a:xfrm>
+      </p:grpSpPr>
+      <p:sp>
+        <p:nvSpPr>
+          <p:cNvPr id="2" name="タイトル 1"/>
+          <p:cNvSpPr>
+            <a:spLocks noGrp="1"/>
+          </p:cNvSpPr>
+          <p:nvPr>
+            <p:ph type="title"/>
+          </p:nvPr>
+        </p:nvSpPr>
+        <p:spPr/>
+        <p:txBody>
+          <a:bodyPr/>
+          <a:lstStyle/>
+          <a:p>
+            <a:r>
+              <a:rPr kumimoji="1" lang="en-US" altLang="ja-JP" dirty="0" smtClean="0"/>
+              <a:t>/</a:t>
+            </a:r>
+            <a:endParaRPr kumimoji="1" lang="ja-JP" altLang="en-US" dirty="0"/>
+          </a:p>
+        </p:txBody>
+      </p:sp>
+      <p:sp>
+        <p:nvSpPr>
+          <p:cNvPr id="3" name="コンテンツ プレースホルダー 2"/>
+          <p:cNvSpPr>
+            <a:spLocks noGrp="1"/>
+          </p:cNvSpPr>
+          <p:nvPr>
+            <p:ph idx="1"/>
+          </p:nvPr>
+        </p:nvSpPr>
+        <p:spPr/>
+        <p:txBody>
+          <a:bodyPr/>
+          <a:lstStyle/>
+          <a:p>
+            <a:r>
+              <a:rPr lang="en-US" altLang="ja-JP" dirty="0" smtClean="0">
+                <a:solidFill>
+                  <a:schemeClr val="tx2"/>
+                </a:solidFill>
+              </a:rPr>
+              <a:t>/</a:t>
+            </a:r>
+            <a:r>
+              <a:rPr lang="en-US" altLang="ja-JP" dirty="0" smtClean="0"/>
+              <a:t> </a:t>
+            </a:r>
+            <a:r>
+              <a:rPr lang="en-US" altLang="ja-JP" dirty="0"/>
+              <a:t>in PEG (e.g., </a:t>
+            </a:r>
+            <a:r>
+              <a:rPr lang="en-US" altLang="ja-JP" dirty="0" smtClean="0"/>
+              <a:t>a / </a:t>
+            </a:r>
+            <a:r>
+              <a:rPr lang="en-US" altLang="ja-JP" dirty="0"/>
+              <a:t>b)</a:t>
+            </a:r>
+          </a:p>
+          <a:p>
+            <a:r>
+              <a:rPr kumimoji="1" lang="en-US" altLang="ja-JP" dirty="0" smtClean="0"/>
+              <a:t>Example:</a:t>
+            </a:r>
+          </a:p>
+          <a:p>
+            <a:endParaRPr lang="en-US" altLang="ja-JP" dirty="0"/>
+          </a:p>
+          <a:p>
+            <a:endParaRPr kumimoji="1" lang="en-US" altLang="ja-JP" dirty="0" smtClean="0"/>
+          </a:p>
+          <a:p>
+            <a:pPr lvl="1"/>
+            <a:r>
+              <a:rPr lang="en-US" altLang="ja-JP" dirty="0" smtClean="0"/>
+              <a:t>First invoke the parser a</a:t>
+            </a:r>
+          </a:p>
+          <a:p>
+            <a:pPr lvl="1"/>
+            <a:r>
+              <a:rPr lang="en-US" altLang="ja-JP" dirty="0" smtClean="0"/>
+              <a:t>If succeeded, return a's result</a:t>
+            </a:r>
+          </a:p>
+          <a:p>
+            <a:pPr lvl="1"/>
+            <a:r>
+              <a:rPr lang="en-US" altLang="ja-JP" dirty="0" smtClean="0"/>
+              <a:t>Otherwise, invoke the parser b</a:t>
+            </a:r>
+          </a:p>
+          <a:p>
+            <a:pPr lvl="1"/>
+            <a:r>
+              <a:rPr lang="en-US" altLang="ja-JP" dirty="0" smtClean="0"/>
+              <a:t>If succeeded, return b's result</a:t>
+            </a:r>
+          </a:p>
+          <a:p>
+            <a:pPr lvl="1"/>
+            <a:endParaRPr kumimoji="1" lang="ja-JP" altLang="en-US" dirty="0"/>
+          </a:p>
+        </p:txBody>
+      </p:sp>
+      <p:sp>
+        <p:nvSpPr>
+          <p:cNvPr id="4" name="スライド番号プレースホルダー 3"/>
+          <p:cNvSpPr>
+            <a:spLocks noGrp="1"/>
+          </p:cNvSpPr>
+          <p:nvPr>
+            <p:ph type="sldNum" sz="quarter" idx="12"/>
+          </p:nvPr>
+        </p:nvSpPr>
+        <p:spPr/>
+        <p:txBody>
+          <a:bodyPr/>
+          <a:lstStyle/>
+          <a:p>
+            <a:fld id="{D2D8002D-B5B0-4BAC-B1F6-782DDCCE6D9C}" type="slidenum">
+              <a:rPr kumimoji="1" lang="ja-JP" altLang="en-US" smtClean="0"/>
+              <a:t>17</a:t>
+            </a:fld>
+            <a:endParaRPr kumimoji="1" lang="ja-JP" altLang="en-US" dirty="0"/>
+          </a:p>
+        </p:txBody>
+      </p:sp>
+      <p:sp>
+        <p:nvSpPr>
+          <p:cNvPr id="5" name="コンテンツ プレースホルダー 2"/>
+          <p:cNvSpPr txBox="1">
+            <a:spLocks/>
+          </p:cNvSpPr>
+          <p:nvPr/>
+        </p:nvSpPr>
+        <p:spPr>
+          <a:xfrm>
+            <a:off x="584388" y="2780927"/>
+            <a:ext cx="7130752" cy="576065"/>
+          </a:xfrm>
+          <a:prstGeom prst="rect">
+            <a:avLst/>
+          </a:prstGeom>
+          <a:solidFill>
+            <a:schemeClr val="accent4">
+              <a:lumMod val="40000"/>
+              <a:lumOff val="60000"/>
+            </a:schemeClr>
+          </a:solidFill>
+        </p:spPr>
+        <p:txBody>
+          <a:bodyPr vert="horz" lIns="180000" tIns="144000" rIns="180000" bIns="72000" rtlCol="0">
+            <a:normAutofit/>
+          </a:bodyPr>
+          <a:lstStyle>
+            <a:lvl1pPr marL="0" indent="0" algn="l" defTabSz="914400" rtl="0" eaLnBrk="1" latinLnBrk="0" hangingPunct="1">
+              <a:spcBef>
+                <a:spcPct val="20000"/>
+              </a:spcBef>
+              <a:spcAft>
+                <a:spcPts val="600"/>
+              </a:spcAft>
+              <a:buFont typeface="Arial" pitchFamily="34" charset="0"/>
+              <a:buNone/>
+              <a:defRPr kumimoji="1" sz="2000" b="1" kern="1200">
+                <a:solidFill>
+                  <a:schemeClr val="tx1"/>
+                </a:solidFill>
+                <a:latin typeface="+mn-lt"/>
+                <a:ea typeface="+mn-ea"/>
+                <a:cs typeface="+mn-cs"/>
+              </a:defRPr>
+            </a:lvl1pPr>
+            <a:lvl2pPr marL="457200" indent="-182880" algn="l" defTabSz="914400" rtl="0" eaLnBrk="1" latinLnBrk="0" hangingPunct="1">
+              <a:spcBef>
+                <a:spcPct val="20000"/>
+              </a:spcBef>
+              <a:buClr>
+                <a:schemeClr val="tx2"/>
+              </a:buClr>
+              <a:buFont typeface="Arial" pitchFamily="34" charset="0"/>
+              <a:buChar char="•"/>
+              <a:defRPr kumimoji="1" sz="2000" kern="1200">
+                <a:solidFill>
+                  <a:schemeClr val="tx1"/>
+                </a:solidFill>
+                <a:latin typeface="+mn-lt"/>
+                <a:ea typeface="+mn-ea"/>
+                <a:cs typeface="+mn-cs"/>
+              </a:defRPr>
+            </a:lvl2pPr>
+            <a:lvl3pPr marL="1143000" indent="-228600" algn="l" defTabSz="914400" rtl="0" eaLnBrk="1" latinLnBrk="0" hangingPunct="1">
+              <a:spcBef>
+                <a:spcPct val="20000"/>
+              </a:spcBef>
+              <a:buClr>
+                <a:schemeClr val="tx2"/>
+              </a:buClr>
+              <a:buFont typeface="Arial" pitchFamily="34" charset="0"/>
+              <a:buChar char="•"/>
+              <a:defRPr kumimoji="1" sz="1800" kern="1200">
+                <a:solidFill>
+                  <a:schemeClr val="tx1"/>
+                </a:solidFill>
+                <a:latin typeface="+mn-lt"/>
+                <a:ea typeface="+mn-ea"/>
+                <a:cs typeface="+mn-cs"/>
+              </a:defRPr>
+            </a:lvl3pPr>
+            <a:lvl4pPr marL="1600200" indent="-228600" algn="l" defTabSz="914400" rtl="0" eaLnBrk="1" latinLnBrk="0" hangingPunct="1">
+              <a:spcBef>
+                <a:spcPct val="20000"/>
+              </a:spcBef>
+              <a:buClr>
+                <a:schemeClr val="tx2"/>
+              </a:buClr>
+              <a:buFont typeface="Arial" pitchFamily="34" charset="0"/>
+              <a:buChar char="•"/>
+              <a:defRPr kumimoji="1" sz="1800" kern="1200">
+                <a:solidFill>
+                  <a:schemeClr val="tx1"/>
+                </a:solidFill>
+                <a:latin typeface="+mn-lt"/>
+                <a:ea typeface="+mn-ea"/>
+                <a:cs typeface="+mn-cs"/>
+              </a:defRPr>
+            </a:lvl4pPr>
+            <a:lvl5pPr marL="2057400" indent="-228600" algn="l" defTabSz="914400" rtl="0" eaLnBrk="1" latinLnBrk="0" hangingPunct="1">
+              <a:spcBef>
+                <a:spcPct val="20000"/>
+              </a:spcBef>
+              <a:buClr>
+                <a:schemeClr val="tx2"/>
+              </a:buClr>
+              <a:buFont typeface="Arial" pitchFamily="34" charset="0"/>
+              <a:buChar char="•"/>
+              <a:defRPr kumimoji="1" sz="1800" kern="1200" baseline="0">
+                <a:solidFill>
+                  <a:schemeClr val="tx1"/>
+                </a:solidFill>
+                <a:latin typeface="+mn-lt"/>
+                <a:ea typeface="+mn-ea"/>
+                <a:cs typeface="+mn-cs"/>
+              </a:defRPr>
+            </a:lvl5pPr>
+            <a:lvl6pPr marL="2514600" indent="-228600" algn="l" defTabSz="914400" rtl="0" eaLnBrk="1" latinLnBrk="0" hangingPunct="1">
+              <a:spcBef>
+                <a:spcPct val="20000"/>
+              </a:spcBef>
+              <a:buClr>
+                <a:schemeClr val="tx2"/>
+              </a:buClr>
+              <a:buFont typeface="Arial" pitchFamily="34" charset="0"/>
+              <a:buChar char="•"/>
+              <a:defRPr kumimoji="1" sz="1600" kern="1200">
+                <a:solidFill>
+                  <a:schemeClr val="tx1"/>
+                </a:solidFill>
+                <a:latin typeface="+mn-lt"/>
+                <a:ea typeface="+mn-ea"/>
+                <a:cs typeface="+mn-cs"/>
+              </a:defRPr>
+            </a:lvl6pPr>
+            <a:lvl7pPr marL="2971800" indent="-228600" algn="l" defTabSz="914400" rtl="0" eaLnBrk="1" latinLnBrk="0" hangingPunct="1">
+              <a:spcBef>
+                <a:spcPct val="20000"/>
+              </a:spcBef>
+              <a:buClr>
+                <a:schemeClr val="tx2"/>
+              </a:buClr>
+              <a:buFont typeface="Arial" pitchFamily="34" charset="0"/>
+              <a:buChar char="•"/>
+              <a:defRPr kumimoji="1" sz="1600" kern="1200">
+                <a:solidFill>
+                  <a:schemeClr val="tx1"/>
+                </a:solidFill>
+                <a:latin typeface="+mn-lt"/>
+                <a:ea typeface="+mn-ea"/>
+                <a:cs typeface="+mn-cs"/>
+              </a:defRPr>
+            </a:lvl7pPr>
+            <a:lvl8pPr marL="3429000" indent="-228600" algn="l" defTabSz="914400" rtl="0" eaLnBrk="1" latinLnBrk="0" hangingPunct="1">
+              <a:spcBef>
+                <a:spcPct val="20000"/>
+              </a:spcBef>
+              <a:buClr>
+                <a:schemeClr val="tx2"/>
+              </a:buClr>
+              <a:buFont typeface="Arial" pitchFamily="34" charset="0"/>
+              <a:buChar char="•"/>
+              <a:defRPr kumimoji="1" sz="1600" kern="1200">
+                <a:solidFill>
+                  <a:schemeClr val="tx1"/>
+                </a:solidFill>
+                <a:latin typeface="+mn-lt"/>
+                <a:ea typeface="+mn-ea"/>
+                <a:cs typeface="+mn-cs"/>
+              </a:defRPr>
+            </a:lvl8pPr>
+            <a:lvl9pPr marL="3886200" indent="-228600" algn="l" defTabSz="914400" rtl="0" eaLnBrk="1" latinLnBrk="0" hangingPunct="1">
+              <a:spcBef>
+                <a:spcPct val="20000"/>
+              </a:spcBef>
+              <a:buClr>
+                <a:schemeClr val="tx2"/>
+              </a:buClr>
+              <a:buFont typeface="Arial" pitchFamily="34" charset="0"/>
+              <a:buChar char="•"/>
+              <a:defRPr kumimoji="1" sz="1600" kern="1200">
+                <a:solidFill>
+                  <a:schemeClr val="tx1"/>
+                </a:solidFill>
+                <a:latin typeface="+mn-lt"/>
+                <a:ea typeface="+mn-ea"/>
+                <a:cs typeface="+mn-cs"/>
+              </a:defRPr>
+            </a:lvl9pPr>
+          </a:lstStyle>
+          <a:p>
+            <a:r>
+              <a:rPr lang="en-US" altLang="ja-JP" dirty="0" smtClean="0">
+                <a:latin typeface="Courier New" pitchFamily="49" charset="0"/>
+                <a:cs typeface="Courier New" pitchFamily="49" charset="0"/>
+              </a:rPr>
               <a:t>a / b</a:t>
             </a:r>
             <a:endParaRPr lang="en-US" altLang="ja-JP" dirty="0">
@@ -8837,25 +9096,6 @@
       </p:sp>
       <p:sp>
         <p:nvSpPr>
-          <p:cNvPr id="3" name="コンテンツ プレースホルダー 2"/>
-          <p:cNvSpPr>
-            <a:spLocks noGrp="1"/>
-          </p:cNvSpPr>
-          <p:nvPr>
-            <p:ph idx="1"/>
-          </p:nvPr>
-        </p:nvSpPr>
-        <p:spPr/>
-        <p:txBody>
-          <a:bodyPr/>
-          <a:lstStyle/>
-          <a:p>
-            <a:endParaRPr kumimoji="1" lang="ja-JP" altLang="en-US"/>
-          </a:p>
-        </p:txBody>
-      </p:sp>
-      <p:sp>
-        <p:nvSpPr>
           <p:cNvPr id="4" name="スライド番号プレースホルダー 3"/>
           <p:cNvSpPr>
             <a:spLocks noGrp="1"/>
@@ -8874,6 +9114,346 @@
               <a:t>19</a:t>
             </a:fld>
             <a:endParaRPr kumimoji="1" lang="ja-JP" altLang="en-US" dirty="0"/>
+          </a:p>
+        </p:txBody>
+      </p:sp>
+      <p:sp>
+        <p:nvSpPr>
+          <p:cNvPr id="5" name="コンテンツ プレースホルダー 2"/>
+          <p:cNvSpPr txBox="1">
+            <a:spLocks/>
+          </p:cNvSpPr>
+          <p:nvPr/>
+        </p:nvSpPr>
+        <p:spPr>
+          <a:xfrm>
+            <a:off x="584388" y="1628800"/>
+            <a:ext cx="7130752" cy="4176464"/>
+          </a:xfrm>
+          <a:prstGeom prst="rect">
+            <a:avLst/>
+          </a:prstGeom>
+          <a:solidFill>
+            <a:schemeClr val="accent4">
+              <a:lumMod val="40000"/>
+              <a:lumOff val="60000"/>
+            </a:schemeClr>
+          </a:solidFill>
+        </p:spPr>
+        <p:txBody>
+          <a:bodyPr vert="horz" lIns="180000" tIns="144000" rIns="180000" bIns="72000" rtlCol="0">
+            <a:normAutofit/>
+          </a:bodyPr>
+          <a:lstStyle>
+            <a:lvl1pPr marL="0" indent="0" algn="l" defTabSz="914400" rtl="0" eaLnBrk="1" latinLnBrk="0" hangingPunct="1">
+              <a:spcBef>
+                <a:spcPct val="20000"/>
+              </a:spcBef>
+              <a:spcAft>
+                <a:spcPts val="600"/>
+              </a:spcAft>
+              <a:buFont typeface="Arial" pitchFamily="34" charset="0"/>
+              <a:buNone/>
+              <a:defRPr kumimoji="1" sz="2000" b="1" kern="1200">
+                <a:solidFill>
+                  <a:schemeClr val="tx1"/>
+                </a:solidFill>
+                <a:latin typeface="+mn-lt"/>
+                <a:ea typeface="+mn-ea"/>
+                <a:cs typeface="+mn-cs"/>
+              </a:defRPr>
+            </a:lvl1pPr>
+            <a:lvl2pPr marL="457200" indent="-182880" algn="l" defTabSz="914400" rtl="0" eaLnBrk="1" latinLnBrk="0" hangingPunct="1">
+              <a:spcBef>
+                <a:spcPct val="20000"/>
+              </a:spcBef>
+              <a:buClr>
+                <a:schemeClr val="tx2"/>
+              </a:buClr>
+              <a:buFont typeface="Arial" pitchFamily="34" charset="0"/>
+              <a:buChar char="•"/>
+              <a:defRPr kumimoji="1" sz="2000" kern="1200">
+                <a:solidFill>
+                  <a:schemeClr val="tx1"/>
+                </a:solidFill>
+                <a:latin typeface="+mn-lt"/>
+                <a:ea typeface="+mn-ea"/>
+                <a:cs typeface="+mn-cs"/>
+              </a:defRPr>
+            </a:lvl2pPr>
+            <a:lvl3pPr marL="1143000" indent="-228600" algn="l" defTabSz="914400" rtl="0" eaLnBrk="1" latinLnBrk="0" hangingPunct="1">
+              <a:spcBef>
+                <a:spcPct val="20000"/>
+              </a:spcBef>
+              <a:buClr>
+                <a:schemeClr val="tx2"/>
+              </a:buClr>
+              <a:buFont typeface="Arial" pitchFamily="34" charset="0"/>
+              <a:buChar char="•"/>
+              <a:defRPr kumimoji="1" sz="1800" kern="1200">
+                <a:solidFill>
+                  <a:schemeClr val="tx1"/>
+                </a:solidFill>
+                <a:latin typeface="+mn-lt"/>
+                <a:ea typeface="+mn-ea"/>
+                <a:cs typeface="+mn-cs"/>
+              </a:defRPr>
+            </a:lvl3pPr>
+            <a:lvl4pPr marL="1600200" indent="-228600" algn="l" defTabSz="914400" rtl="0" eaLnBrk="1" latinLnBrk="0" hangingPunct="1">
+              <a:spcBef>
+                <a:spcPct val="20000"/>
+              </a:spcBef>
+              <a:buClr>
+                <a:schemeClr val="tx2"/>
+              </a:buClr>
+              <a:buFont typeface="Arial" pitchFamily="34" charset="0"/>
+              <a:buChar char="•"/>
+              <a:defRPr kumimoji="1" sz="1800" kern="1200">
+                <a:solidFill>
+                  <a:schemeClr val="tx1"/>
+                </a:solidFill>
+                <a:latin typeface="+mn-lt"/>
+                <a:ea typeface="+mn-ea"/>
+                <a:cs typeface="+mn-cs"/>
+              </a:defRPr>
+            </a:lvl4pPr>
+            <a:lvl5pPr marL="2057400" indent="-228600" algn="l" defTabSz="914400" rtl="0" eaLnBrk="1" latinLnBrk="0" hangingPunct="1">
+              <a:spcBef>
+                <a:spcPct val="20000"/>
+              </a:spcBef>
+              <a:buClr>
+                <a:schemeClr val="tx2"/>
+              </a:buClr>
+              <a:buFont typeface="Arial" pitchFamily="34" charset="0"/>
+              <a:buChar char="•"/>
+              <a:defRPr kumimoji="1" sz="1800" kern="1200" baseline="0">
+                <a:solidFill>
+                  <a:schemeClr val="tx1"/>
+                </a:solidFill>
+                <a:latin typeface="+mn-lt"/>
+                <a:ea typeface="+mn-ea"/>
+                <a:cs typeface="+mn-cs"/>
+              </a:defRPr>
+            </a:lvl5pPr>
+            <a:lvl6pPr marL="2514600" indent="-228600" algn="l" defTabSz="914400" rtl="0" eaLnBrk="1" latinLnBrk="0" hangingPunct="1">
+              <a:spcBef>
+                <a:spcPct val="20000"/>
+              </a:spcBef>
+              <a:buClr>
+                <a:schemeClr val="tx2"/>
+              </a:buClr>
+              <a:buFont typeface="Arial" pitchFamily="34" charset="0"/>
+              <a:buChar char="•"/>
+              <a:defRPr kumimoji="1" sz="1600" kern="1200">
+                <a:solidFill>
+                  <a:schemeClr val="tx1"/>
+                </a:solidFill>
+                <a:latin typeface="+mn-lt"/>
+                <a:ea typeface="+mn-ea"/>
+                <a:cs typeface="+mn-cs"/>
+              </a:defRPr>
+            </a:lvl6pPr>
+            <a:lvl7pPr marL="2971800" indent="-228600" algn="l" defTabSz="914400" rtl="0" eaLnBrk="1" latinLnBrk="0" hangingPunct="1">
+              <a:spcBef>
+                <a:spcPct val="20000"/>
+              </a:spcBef>
+              <a:buClr>
+                <a:schemeClr val="tx2"/>
+              </a:buClr>
+              <a:buFont typeface="Arial" pitchFamily="34" charset="0"/>
+              <a:buChar char="•"/>
+              <a:defRPr kumimoji="1" sz="1600" kern="1200">
+                <a:solidFill>
+                  <a:schemeClr val="tx1"/>
+                </a:solidFill>
+                <a:latin typeface="+mn-lt"/>
+                <a:ea typeface="+mn-ea"/>
+                <a:cs typeface="+mn-cs"/>
+              </a:defRPr>
+            </a:lvl7pPr>
+            <a:lvl8pPr marL="3429000" indent="-228600" algn="l" defTabSz="914400" rtl="0" eaLnBrk="1" latinLnBrk="0" hangingPunct="1">
+              <a:spcBef>
+                <a:spcPct val="20000"/>
+              </a:spcBef>
+              <a:buClr>
+                <a:schemeClr val="tx2"/>
+              </a:buClr>
+              <a:buFont typeface="Arial" pitchFamily="34" charset="0"/>
+              <a:buChar char="•"/>
+              <a:defRPr kumimoji="1" sz="1600" kern="1200">
+                <a:solidFill>
+                  <a:schemeClr val="tx1"/>
+                </a:solidFill>
+                <a:latin typeface="+mn-lt"/>
+                <a:ea typeface="+mn-ea"/>
+                <a:cs typeface="+mn-cs"/>
+              </a:defRPr>
+            </a:lvl8pPr>
+            <a:lvl9pPr marL="3886200" indent="-228600" algn="l" defTabSz="914400" rtl="0" eaLnBrk="1" latinLnBrk="0" hangingPunct="1">
+              <a:spcBef>
+                <a:spcPct val="20000"/>
+              </a:spcBef>
+              <a:buClr>
+                <a:schemeClr val="tx2"/>
+              </a:buClr>
+              <a:buFont typeface="Arial" pitchFamily="34" charset="0"/>
+              <a:buChar char="•"/>
+              <a:defRPr kumimoji="1" sz="1600" kern="1200">
+                <a:solidFill>
+                  <a:schemeClr val="tx1"/>
+                </a:solidFill>
+                <a:latin typeface="+mn-lt"/>
+                <a:ea typeface="+mn-ea"/>
+                <a:cs typeface="+mn-cs"/>
+              </a:defRPr>
+            </a:lvl9pPr>
+          </a:lstStyle>
+          <a:p>
+            <a:r>
+              <a:rPr lang="en-US" altLang="ja-JP" dirty="0" smtClean="0">
+                <a:latin typeface="Courier New" pitchFamily="49" charset="0"/>
+                <a:cs typeface="Courier New" pitchFamily="49" charset="0"/>
+              </a:rPr>
+              <a:t>refine </a:t>
+            </a:r>
+            <a:r>
+              <a:rPr lang="en-US" altLang="ja-JP" dirty="0">
+                <a:latin typeface="Courier New" pitchFamily="49" charset="0"/>
+                <a:cs typeface="Courier New" pitchFamily="49" charset="0"/>
+              </a:rPr>
+              <a:t>Object do</a:t>
+            </a:r>
+          </a:p>
+          <a:p>
+            <a:r>
+              <a:rPr lang="en-US" altLang="ja-JP" dirty="0" smtClean="0">
+                <a:latin typeface="Courier New" pitchFamily="49" charset="0"/>
+                <a:cs typeface="Courier New" pitchFamily="49" charset="0"/>
+              </a:rPr>
+              <a:t>  </a:t>
+            </a:r>
+            <a:r>
+              <a:rPr lang="en-US" altLang="ja-JP" dirty="0" err="1">
+                <a:latin typeface="Courier New" pitchFamily="49" charset="0"/>
+                <a:cs typeface="Courier New" pitchFamily="49" charset="0"/>
+              </a:rPr>
+              <a:t>def</a:t>
+            </a:r>
+            <a:r>
+              <a:rPr lang="en-US" altLang="ja-JP" dirty="0">
+                <a:latin typeface="Courier New" pitchFamily="49" charset="0"/>
+                <a:cs typeface="Courier New" pitchFamily="49" charset="0"/>
+              </a:rPr>
+              <a:t> bind(&amp;block)</a:t>
+            </a:r>
+          </a:p>
+          <a:p>
+            <a:r>
+              <a:rPr lang="en-US" altLang="ja-JP" dirty="0" smtClean="0">
+                <a:latin typeface="Courier New" pitchFamily="49" charset="0"/>
+                <a:cs typeface="Courier New" pitchFamily="49" charset="0"/>
+              </a:rPr>
+              <a:t>    </a:t>
+            </a:r>
+            <a:r>
+              <a:rPr lang="en-US" altLang="ja-JP" dirty="0" err="1">
+                <a:latin typeface="Courier New" pitchFamily="49" charset="0"/>
+                <a:cs typeface="Courier New" pitchFamily="49" charset="0"/>
+              </a:rPr>
+              <a:t>to_parser.bind</a:t>
+            </a:r>
+            <a:r>
+              <a:rPr lang="en-US" altLang="ja-JP" dirty="0">
+                <a:latin typeface="Courier New" pitchFamily="49" charset="0"/>
+                <a:cs typeface="Courier New" pitchFamily="49" charset="0"/>
+              </a:rPr>
+              <a:t>(&amp;block)</a:t>
+            </a:r>
+          </a:p>
+          <a:p>
+            <a:r>
+              <a:rPr lang="en-US" altLang="ja-JP" dirty="0" smtClean="0">
+                <a:latin typeface="Courier New" pitchFamily="49" charset="0"/>
+                <a:cs typeface="Courier New" pitchFamily="49" charset="0"/>
+              </a:rPr>
+              <a:t>  end</a:t>
+            </a:r>
+          </a:p>
+          <a:p>
+            <a:r>
+              <a:rPr lang="en-US" altLang="ja-JP" smtClean="0">
+                <a:latin typeface="Courier New" pitchFamily="49" charset="0"/>
+                <a:cs typeface="Courier New" pitchFamily="49" charset="0"/>
+              </a:rPr>
+              <a:t>  def</a:t>
+            </a:r>
+            <a:r>
+              <a:rPr lang="en-US" altLang="ja-JP" dirty="0" smtClean="0">
+                <a:latin typeface="Courier New" pitchFamily="49" charset="0"/>
+                <a:cs typeface="Courier New" pitchFamily="49" charset="0"/>
+              </a:rPr>
+              <a:t> </a:t>
+            </a:r>
+            <a:r>
+              <a:rPr lang="en-US" altLang="ja-JP" dirty="0" err="1">
+                <a:latin typeface="Courier New" pitchFamily="49" charset="0"/>
+                <a:cs typeface="Courier New" pitchFamily="49" charset="0"/>
+              </a:rPr>
+              <a:t>to_parser</a:t>
+            </a:r>
+            <a:endParaRPr lang="en-US" altLang="ja-JP" dirty="0">
+              <a:latin typeface="Courier New" pitchFamily="49" charset="0"/>
+              <a:cs typeface="Courier New" pitchFamily="49" charset="0"/>
+            </a:endParaRPr>
+          </a:p>
+          <a:p>
+            <a:r>
+              <a:rPr lang="en-US" altLang="ja-JP" dirty="0" smtClean="0">
+                <a:latin typeface="Courier New" pitchFamily="49" charset="0"/>
+                <a:cs typeface="Courier New" pitchFamily="49" charset="0"/>
+              </a:rPr>
+              <a:t>    </a:t>
+            </a:r>
+            <a:r>
+              <a:rPr lang="en-US" altLang="ja-JP" dirty="0">
+                <a:latin typeface="Courier New" pitchFamily="49" charset="0"/>
+                <a:cs typeface="Courier New" pitchFamily="49" charset="0"/>
+              </a:rPr>
+              <a:t>raise </a:t>
+            </a:r>
+            <a:r>
+              <a:rPr lang="en-US" altLang="ja-JP" dirty="0" err="1" smtClean="0">
+                <a:latin typeface="Courier New" pitchFamily="49" charset="0"/>
+                <a:cs typeface="Courier New" pitchFamily="49" charset="0"/>
+              </a:rPr>
+              <a:t>TypeError</a:t>
+            </a:r>
+            <a:endParaRPr lang="en-US" altLang="ja-JP" dirty="0" smtClean="0">
+              <a:latin typeface="Courier New" pitchFamily="49" charset="0"/>
+              <a:cs typeface="Courier New" pitchFamily="49" charset="0"/>
+            </a:endParaRPr>
+          </a:p>
+          <a:p>
+            <a:r>
+              <a:rPr lang="en-US" altLang="ja-JP" dirty="0" smtClean="0">
+                <a:latin typeface="Courier New" pitchFamily="49" charset="0"/>
+                <a:cs typeface="Courier New" pitchFamily="49" charset="0"/>
+              </a:rPr>
+              <a:t>  end</a:t>
+            </a:r>
+          </a:p>
+          <a:p>
+            <a:r>
+              <a:rPr lang="en-US" altLang="ja-JP" dirty="0" smtClean="0">
+                <a:latin typeface="Courier New" pitchFamily="49" charset="0"/>
+                <a:cs typeface="Courier New" pitchFamily="49" charset="0"/>
+              </a:rPr>
+              <a:t>end</a:t>
+            </a:r>
+            <a:endParaRPr lang="en-US" altLang="ja-JP" dirty="0">
+              <a:latin typeface="Courier New" pitchFamily="49" charset="0"/>
+              <a:cs typeface="Courier New" pitchFamily="49" charset="0"/>
+            </a:endParaRPr>
           </a:p>
         </p:txBody>
       </p:sp>
@@ -8938,28 +9518,13 @@
           <a:lstStyle/>
           <a:p>
             <a:r>
+              <a:rPr lang="en-US" altLang="ja-JP" dirty="0"/>
+              <a:t>Implementation of parser </a:t>
+            </a:r>
+            <a:r>
               <a:rPr lang="en-US" altLang="ja-JP" dirty="0" smtClean="0"/>
-              <a:t>Limitations of refinements</a:t>
-            </a:r>
-            <a:endParaRPr kumimoji="1" lang="ja-JP" altLang="en-US" dirty="0"/>
-          </a:p>
-        </p:txBody>
-      </p:sp>
-      <p:sp>
-        <p:nvSpPr>
-          <p:cNvPr id="3" name="コンテンツ プレースホルダー 2"/>
-          <p:cNvSpPr>
-            <a:spLocks noGrp="1"/>
-          </p:cNvSpPr>
-          <p:nvPr>
-            <p:ph idx="1"/>
-          </p:nvPr>
-        </p:nvSpPr>
-        <p:spPr/>
-        <p:txBody>
-          <a:bodyPr/>
-          <a:lstStyle/>
-          <a:p>
+              <a:t>literals (cont'd)</a:t>
+            </a:r>
             <a:endParaRPr kumimoji="1" lang="ja-JP" altLang="en-US" dirty="0"/>
           </a:p>
         </p:txBody>
@@ -8987,10 +9552,421 @@
           </a:p>
         </p:txBody>
       </p:sp>
+      <p:sp>
+        <p:nvSpPr>
+          <p:cNvPr id="5" name="コンテンツ プレースホルダー 2"/>
+          <p:cNvSpPr txBox="1">
+            <a:spLocks/>
+          </p:cNvSpPr>
+          <p:nvPr/>
+        </p:nvSpPr>
+        <p:spPr>
+          <a:xfrm>
+            <a:off x="584388" y="1628800"/>
+            <a:ext cx="7130752" cy="4536504"/>
+          </a:xfrm>
+          <a:prstGeom prst="rect">
+            <a:avLst/>
+          </a:prstGeom>
+          <a:solidFill>
+            <a:schemeClr val="accent4">
+              <a:lumMod val="40000"/>
+              <a:lumOff val="60000"/>
+            </a:schemeClr>
+          </a:solidFill>
+        </p:spPr>
+        <p:txBody>
+          <a:bodyPr vert="horz" lIns="180000" tIns="144000" rIns="180000" bIns="72000" rtlCol="0">
+            <a:normAutofit/>
+          </a:bodyPr>
+          <a:lstStyle>
+            <a:lvl1pPr marL="0" indent="0" algn="l" defTabSz="914400" rtl="0" eaLnBrk="1" latinLnBrk="0" hangingPunct="1">
+              <a:spcBef>
+                <a:spcPct val="20000"/>
+              </a:spcBef>
+              <a:spcAft>
+                <a:spcPts val="600"/>
+              </a:spcAft>
+              <a:buFont typeface="Arial" pitchFamily="34" charset="0"/>
+              <a:buNone/>
+              <a:defRPr kumimoji="1" sz="2000" b="1" kern="1200">
+                <a:solidFill>
+                  <a:schemeClr val="tx1"/>
+                </a:solidFill>
+                <a:latin typeface="+mn-lt"/>
+                <a:ea typeface="+mn-ea"/>
+                <a:cs typeface="+mn-cs"/>
+              </a:defRPr>
+            </a:lvl1pPr>
+            <a:lvl2pPr marL="457200" indent="-182880" algn="l" defTabSz="914400" rtl="0" eaLnBrk="1" latinLnBrk="0" hangingPunct="1">
+              <a:spcBef>
+                <a:spcPct val="20000"/>
+              </a:spcBef>
+              <a:buClr>
+                <a:schemeClr val="tx2"/>
+              </a:buClr>
+              <a:buFont typeface="Arial" pitchFamily="34" charset="0"/>
+              <a:buChar char="•"/>
+              <a:defRPr kumimoji="1" sz="2000" kern="1200">
+                <a:solidFill>
+                  <a:schemeClr val="tx1"/>
+                </a:solidFill>
+                <a:latin typeface="+mn-lt"/>
+                <a:ea typeface="+mn-ea"/>
+                <a:cs typeface="+mn-cs"/>
+              </a:defRPr>
+            </a:lvl2pPr>
+            <a:lvl3pPr marL="1143000" indent="-228600" algn="l" defTabSz="914400" rtl="0" eaLnBrk="1" latinLnBrk="0" hangingPunct="1">
+              <a:spcBef>
+                <a:spcPct val="20000"/>
+              </a:spcBef>
+              <a:buClr>
+                <a:schemeClr val="tx2"/>
+              </a:buClr>
+              <a:buFont typeface="Arial" pitchFamily="34" charset="0"/>
+              <a:buChar char="•"/>
+              <a:defRPr kumimoji="1" sz="1800" kern="1200">
+                <a:solidFill>
+                  <a:schemeClr val="tx1"/>
+                </a:solidFill>
+                <a:latin typeface="+mn-lt"/>
+                <a:ea typeface="+mn-ea"/>
+                <a:cs typeface="+mn-cs"/>
+              </a:defRPr>
+            </a:lvl3pPr>
+            <a:lvl4pPr marL="1600200" indent="-228600" algn="l" defTabSz="914400" rtl="0" eaLnBrk="1" latinLnBrk="0" hangingPunct="1">
+              <a:spcBef>
+                <a:spcPct val="20000"/>
+              </a:spcBef>
+              <a:buClr>
+                <a:schemeClr val="tx2"/>
+              </a:buClr>
+              <a:buFont typeface="Arial" pitchFamily="34" charset="0"/>
+              <a:buChar char="•"/>
+              <a:defRPr kumimoji="1" sz="1800" kern="1200">
+                <a:solidFill>
+                  <a:schemeClr val="tx1"/>
+                </a:solidFill>
+                <a:latin typeface="+mn-lt"/>
+                <a:ea typeface="+mn-ea"/>
+                <a:cs typeface="+mn-cs"/>
+              </a:defRPr>
+            </a:lvl4pPr>
+            <a:lvl5pPr marL="2057400" indent="-228600" algn="l" defTabSz="914400" rtl="0" eaLnBrk="1" latinLnBrk="0" hangingPunct="1">
+              <a:spcBef>
+                <a:spcPct val="20000"/>
+              </a:spcBef>
+              <a:buClr>
+                <a:schemeClr val="tx2"/>
+              </a:buClr>
+              <a:buFont typeface="Arial" pitchFamily="34" charset="0"/>
+              <a:buChar char="•"/>
+              <a:defRPr kumimoji="1" sz="1800" kern="1200" baseline="0">
+                <a:solidFill>
+                  <a:schemeClr val="tx1"/>
+                </a:solidFill>
+                <a:latin typeface="+mn-lt"/>
+                <a:ea typeface="+mn-ea"/>
+                <a:cs typeface="+mn-cs"/>
+              </a:defRPr>
+            </a:lvl5pPr>
+            <a:lvl6pPr marL="2514600" indent="-228600" algn="l" defTabSz="914400" rtl="0" eaLnBrk="1" latinLnBrk="0" hangingPunct="1">
+              <a:spcBef>
+                <a:spcPct val="20000"/>
+              </a:spcBef>
+              <a:buClr>
+                <a:schemeClr val="tx2"/>
+              </a:buClr>
+              <a:buFont typeface="Arial" pitchFamily="34" charset="0"/>
+              <a:buChar char="•"/>
+              <a:defRPr kumimoji="1" sz="1600" kern="1200">
+                <a:solidFill>
+                  <a:schemeClr val="tx1"/>
+                </a:solidFill>
+                <a:latin typeface="+mn-lt"/>
+                <a:ea typeface="+mn-ea"/>
+                <a:cs typeface="+mn-cs"/>
+              </a:defRPr>
+            </a:lvl6pPr>
+            <a:lvl7pPr marL="2971800" indent="-228600" algn="l" defTabSz="914400" rtl="0" eaLnBrk="1" latinLnBrk="0" hangingPunct="1">
+              <a:spcBef>
+                <a:spcPct val="20000"/>
+              </a:spcBef>
+              <a:buClr>
+                <a:schemeClr val="tx2"/>
+              </a:buClr>
+              <a:buFont typeface="Arial" pitchFamily="34" charset="0"/>
+              <a:buChar char="•"/>
+              <a:defRPr kumimoji="1" sz="1600" kern="1200">
+                <a:solidFill>
+                  <a:schemeClr val="tx1"/>
+                </a:solidFill>
+                <a:latin typeface="+mn-lt"/>
+                <a:ea typeface="+mn-ea"/>
+                <a:cs typeface="+mn-cs"/>
+              </a:defRPr>
+            </a:lvl7pPr>
+            <a:lvl8pPr marL="3429000" indent="-228600" algn="l" defTabSz="914400" rtl="0" eaLnBrk="1" latinLnBrk="0" hangingPunct="1">
+              <a:spcBef>
+                <a:spcPct val="20000"/>
+              </a:spcBef>
+              <a:buClr>
+                <a:schemeClr val="tx2"/>
+              </a:buClr>
+              <a:buFont typeface="Arial" pitchFamily="34" charset="0"/>
+              <a:buChar char="•"/>
+              <a:defRPr kumimoji="1" sz="1600" kern="1200">
+                <a:solidFill>
+                  <a:schemeClr val="tx1"/>
+                </a:solidFill>
+                <a:latin typeface="+mn-lt"/>
+                <a:ea typeface="+mn-ea"/>
+                <a:cs typeface="+mn-cs"/>
+              </a:defRPr>
+            </a:lvl8pPr>
+            <a:lvl9pPr marL="3886200" indent="-228600" algn="l" defTabSz="914400" rtl="0" eaLnBrk="1" latinLnBrk="0" hangingPunct="1">
+              <a:spcBef>
+                <a:spcPct val="20000"/>
+              </a:spcBef>
+              <a:buClr>
+                <a:schemeClr val="tx2"/>
+              </a:buClr>
+              <a:buFont typeface="Arial" pitchFamily="34" charset="0"/>
+              <a:buChar char="•"/>
+              <a:defRPr kumimoji="1" sz="1600" kern="1200">
+                <a:solidFill>
+                  <a:schemeClr val="tx1"/>
+                </a:solidFill>
+                <a:latin typeface="+mn-lt"/>
+                <a:ea typeface="+mn-ea"/>
+                <a:cs typeface="+mn-cs"/>
+              </a:defRPr>
+            </a:lvl9pPr>
+          </a:lstStyle>
+          <a:p>
+            <a:r>
+              <a:rPr lang="en-US" altLang="ja-JP" dirty="0" smtClean="0">
+                <a:latin typeface="Courier New" pitchFamily="49" charset="0"/>
+                <a:cs typeface="Courier New" pitchFamily="49" charset="0"/>
+              </a:rPr>
+              <a:t>refine </a:t>
+            </a:r>
+            <a:r>
+              <a:rPr lang="en-US" altLang="ja-JP" dirty="0">
+                <a:latin typeface="Courier New" pitchFamily="49" charset="0"/>
+                <a:cs typeface="Courier New" pitchFamily="49" charset="0"/>
+              </a:rPr>
+              <a:t>Symbol do</a:t>
+            </a:r>
+          </a:p>
+          <a:p>
+            <a:r>
+              <a:rPr lang="en-US" altLang="ja-JP" dirty="0" smtClean="0">
+                <a:latin typeface="Courier New" pitchFamily="49" charset="0"/>
+                <a:cs typeface="Courier New" pitchFamily="49" charset="0"/>
+              </a:rPr>
+              <a:t>  </a:t>
+            </a:r>
+            <a:r>
+              <a:rPr lang="en-US" altLang="ja-JP" dirty="0" err="1">
+                <a:latin typeface="Courier New" pitchFamily="49" charset="0"/>
+                <a:cs typeface="Courier New" pitchFamily="49" charset="0"/>
+              </a:rPr>
+              <a:t>def</a:t>
+            </a:r>
+            <a:r>
+              <a:rPr lang="en-US" altLang="ja-JP" dirty="0">
+                <a:latin typeface="Courier New" pitchFamily="49" charset="0"/>
+                <a:cs typeface="Courier New" pitchFamily="49" charset="0"/>
+              </a:rPr>
+              <a:t> </a:t>
+            </a:r>
+            <a:r>
+              <a:rPr lang="en-US" altLang="ja-JP" dirty="0" err="1">
+                <a:latin typeface="Courier New" pitchFamily="49" charset="0"/>
+                <a:cs typeface="Courier New" pitchFamily="49" charset="0"/>
+              </a:rPr>
+              <a:t>to_parser</a:t>
+            </a:r>
+            <a:endParaRPr lang="en-US" altLang="ja-JP" dirty="0">
+              <a:latin typeface="Courier New" pitchFamily="49" charset="0"/>
+              <a:cs typeface="Courier New" pitchFamily="49" charset="0"/>
+            </a:endParaRPr>
+          </a:p>
+          <a:p>
+            <a:r>
+              <a:rPr lang="en-US" altLang="ja-JP" dirty="0" smtClean="0">
+                <a:latin typeface="Courier New" pitchFamily="49" charset="0"/>
+                <a:cs typeface="Courier New" pitchFamily="49" charset="0"/>
+              </a:rPr>
+              <a:t>    </a:t>
+            </a:r>
+            <a:r>
+              <a:rPr lang="en-US" altLang="ja-JP" dirty="0">
+                <a:latin typeface="Courier New" pitchFamily="49" charset="0"/>
+                <a:cs typeface="Courier New" pitchFamily="49" charset="0"/>
+              </a:rPr>
+              <a:t>Grammar::</a:t>
+            </a:r>
+            <a:r>
+              <a:rPr lang="en-US" altLang="ja-JP" dirty="0" err="1">
+                <a:latin typeface="Courier New" pitchFamily="49" charset="0"/>
+                <a:cs typeface="Courier New" pitchFamily="49" charset="0"/>
+              </a:rPr>
+              <a:t>Parser.new</a:t>
+            </a:r>
+            <a:r>
+              <a:rPr lang="en-US" altLang="ja-JP" dirty="0">
+                <a:latin typeface="Courier New" pitchFamily="49" charset="0"/>
+                <a:cs typeface="Courier New" pitchFamily="49" charset="0"/>
+              </a:rPr>
+              <a:t>(&amp;self)</a:t>
+            </a:r>
+          </a:p>
+          <a:p>
+            <a:r>
+              <a:rPr lang="en-US" altLang="ja-JP" dirty="0" smtClean="0">
+                <a:latin typeface="Courier New" pitchFamily="49" charset="0"/>
+                <a:cs typeface="Courier New" pitchFamily="49" charset="0"/>
+              </a:rPr>
+              <a:t>  </a:t>
+            </a:r>
+            <a:r>
+              <a:rPr lang="en-US" altLang="ja-JP" dirty="0">
+                <a:latin typeface="Courier New" pitchFamily="49" charset="0"/>
+                <a:cs typeface="Courier New" pitchFamily="49" charset="0"/>
+              </a:rPr>
+              <a:t>end</a:t>
+            </a:r>
+          </a:p>
+          <a:p>
+            <a:r>
+              <a:rPr lang="en-US" altLang="ja-JP" dirty="0" smtClean="0">
+                <a:latin typeface="Courier New" pitchFamily="49" charset="0"/>
+                <a:cs typeface="Courier New" pitchFamily="49" charset="0"/>
+              </a:rPr>
+              <a:t>end</a:t>
+            </a:r>
+            <a:endParaRPr lang="en-US" altLang="ja-JP" dirty="0">
+              <a:latin typeface="Courier New" pitchFamily="49" charset="0"/>
+              <a:cs typeface="Courier New" pitchFamily="49" charset="0"/>
+            </a:endParaRPr>
+          </a:p>
+          <a:p>
+            <a:r>
+              <a:rPr lang="en-US" altLang="ja-JP" dirty="0" smtClean="0">
+                <a:latin typeface="Courier New" pitchFamily="49" charset="0"/>
+                <a:cs typeface="Courier New" pitchFamily="49" charset="0"/>
+              </a:rPr>
+              <a:t>refine </a:t>
+            </a:r>
+            <a:r>
+              <a:rPr lang="en-US" altLang="ja-JP" dirty="0">
+                <a:latin typeface="Courier New" pitchFamily="49" charset="0"/>
+                <a:cs typeface="Courier New" pitchFamily="49" charset="0"/>
+              </a:rPr>
+              <a:t>String do</a:t>
+            </a:r>
+          </a:p>
+          <a:p>
+            <a:r>
+              <a:rPr lang="en-US" altLang="ja-JP" dirty="0" smtClean="0">
+                <a:latin typeface="Courier New" pitchFamily="49" charset="0"/>
+                <a:cs typeface="Courier New" pitchFamily="49" charset="0"/>
+              </a:rPr>
+              <a:t>  </a:t>
+            </a:r>
+            <a:r>
+              <a:rPr lang="en-US" altLang="ja-JP" dirty="0" err="1">
+                <a:latin typeface="Courier New" pitchFamily="49" charset="0"/>
+                <a:cs typeface="Courier New" pitchFamily="49" charset="0"/>
+              </a:rPr>
+              <a:t>def</a:t>
+            </a:r>
+            <a:r>
+              <a:rPr lang="en-US" altLang="ja-JP" dirty="0">
+                <a:latin typeface="Courier New" pitchFamily="49" charset="0"/>
+                <a:cs typeface="Courier New" pitchFamily="49" charset="0"/>
+              </a:rPr>
+              <a:t> </a:t>
+            </a:r>
+            <a:r>
+              <a:rPr lang="en-US" altLang="ja-JP" dirty="0" err="1">
+                <a:latin typeface="Courier New" pitchFamily="49" charset="0"/>
+                <a:cs typeface="Courier New" pitchFamily="49" charset="0"/>
+              </a:rPr>
+              <a:t>to_parser</a:t>
+            </a:r>
+            <a:endParaRPr lang="en-US" altLang="ja-JP" dirty="0">
+              <a:latin typeface="Courier New" pitchFamily="49" charset="0"/>
+              <a:cs typeface="Courier New" pitchFamily="49" charset="0"/>
+            </a:endParaRPr>
+          </a:p>
+          <a:p>
+            <a:r>
+              <a:rPr lang="en-US" altLang="ja-JP" dirty="0" smtClean="0">
+                <a:latin typeface="Courier New" pitchFamily="49" charset="0"/>
+                <a:cs typeface="Courier New" pitchFamily="49" charset="0"/>
+              </a:rPr>
+              <a:t>    </a:t>
+            </a:r>
+            <a:r>
+              <a:rPr lang="en-US" altLang="ja-JP" dirty="0">
+                <a:latin typeface="Courier New" pitchFamily="49" charset="0"/>
+                <a:cs typeface="Courier New" pitchFamily="49" charset="0"/>
+              </a:rPr>
+              <a:t>Grammar::</a:t>
+            </a:r>
+            <a:r>
+              <a:rPr lang="en-US" altLang="ja-JP" dirty="0" err="1">
+                <a:latin typeface="Courier New" pitchFamily="49" charset="0"/>
+                <a:cs typeface="Courier New" pitchFamily="49" charset="0"/>
+              </a:rPr>
+              <a:t>Parsers.string</a:t>
+            </a:r>
+            <a:r>
+              <a:rPr lang="en-US" altLang="ja-JP" dirty="0">
+                <a:latin typeface="Courier New" pitchFamily="49" charset="0"/>
+                <a:cs typeface="Courier New" pitchFamily="49" charset="0"/>
+              </a:rPr>
+              <a:t>(self)</a:t>
+            </a:r>
+          </a:p>
+          <a:p>
+            <a:r>
+              <a:rPr lang="en-US" altLang="ja-JP" dirty="0" smtClean="0">
+                <a:latin typeface="Courier New" pitchFamily="49" charset="0"/>
+                <a:cs typeface="Courier New" pitchFamily="49" charset="0"/>
+              </a:rPr>
+              <a:t>  </a:t>
+            </a:r>
+            <a:r>
+              <a:rPr lang="en-US" altLang="ja-JP" dirty="0">
+                <a:latin typeface="Courier New" pitchFamily="49" charset="0"/>
+                <a:cs typeface="Courier New" pitchFamily="49" charset="0"/>
+              </a:rPr>
+              <a:t>end</a:t>
+            </a:r>
+          </a:p>
+          <a:p>
+            <a:r>
+              <a:rPr lang="en-US" altLang="ja-JP" dirty="0" smtClean="0">
+                <a:latin typeface="Courier New" pitchFamily="49" charset="0"/>
+                <a:cs typeface="Courier New" pitchFamily="49" charset="0"/>
+              </a:rPr>
+              <a:t>end</a:t>
+            </a:r>
+            <a:endParaRPr lang="en-US" altLang="ja-JP" dirty="0">
+              <a:latin typeface="Courier New" pitchFamily="49" charset="0"/>
+              <a:cs typeface="Courier New" pitchFamily="49" charset="0"/>
+            </a:endParaRPr>
+          </a:p>
+        </p:txBody>
+      </p:sp>
     </p:spTree>
     <p:extLst>
       <p:ext uri="{BB962C8B-B14F-4D97-AF65-F5344CB8AC3E}">
-        <p14:creationId xmlns:p14="http://schemas.microsoft.com/office/powerpoint/2010/main" val="4181145715"/>
+        <p14:creationId xmlns:p14="http://schemas.microsoft.com/office/powerpoint/2010/main" val="1741596110"/>
       </p:ext>
     </p:extLst>
   </p:cSld>
@@ -9005,13 +9981,6 @@
       <p:transition/>
     </mc:Fallback>
   </mc:AlternateContent>
-  <p:timing>
-    <p:tnLst>
-      <p:par>
-        <p:cTn id="1" dur="indefinite" restart="never" nodeType="tmRoot"/>
-      </p:par>
-    </p:tnLst>
-  </p:timing>
 </p:sld>
 </file>
 
@@ -9048,29 +10017,56 @@
           <a:lstStyle/>
           <a:p>
             <a:r>
+              <a:rPr lang="en-US" altLang="ja-JP" dirty="0" smtClean="0"/>
+              <a:t>Limitations of refinements</a:t>
+            </a:r>
+            <a:endParaRPr kumimoji="1" lang="ja-JP" altLang="en-US" dirty="0"/>
+          </a:p>
+        </p:txBody>
+      </p:sp>
+      <p:sp>
+        <p:nvSpPr>
+          <p:cNvPr id="3" name="コンテンツ プレースホルダー 2"/>
+          <p:cNvSpPr>
+            <a:spLocks noGrp="1"/>
+          </p:cNvSpPr>
+          <p:nvPr>
+            <p:ph idx="1"/>
+          </p:nvPr>
+        </p:nvSpPr>
+        <p:spPr/>
+        <p:txBody>
+          <a:bodyPr/>
+          <a:lstStyle/>
+          <a:p>
+            <a:r>
+              <a:rPr lang="en-US" altLang="ja-JP" dirty="0"/>
+              <a:t>F</a:t>
+            </a:r>
+            <a:r>
               <a:rPr kumimoji="1" lang="en-US" altLang="ja-JP" dirty="0" smtClean="0"/>
-              <a:t>Future of refinements</a:t>
-            </a:r>
-            <a:endParaRPr kumimoji="1" lang="ja-JP" altLang="en-US" dirty="0"/>
-          </a:p>
-        </p:txBody>
-      </p:sp>
-      <p:sp>
-        <p:nvSpPr>
-          <p:cNvPr id="3" name="コンテンツ プレースホルダー 2"/>
-          <p:cNvSpPr>
-            <a:spLocks noGrp="1"/>
-          </p:cNvSpPr>
-          <p:nvPr>
-            <p:ph idx="1"/>
-          </p:nvPr>
-        </p:nvSpPr>
-        <p:spPr/>
-        <p:txBody>
-          <a:bodyPr/>
-          <a:lstStyle/>
-          <a:p>
-            <a:endParaRPr kumimoji="1" lang="ja-JP" altLang="en-US"/>
+              <a:t>ile-scoped refinement activation only</a:t>
+            </a:r>
+          </a:p>
+          <a:p>
+            <a:r>
+              <a:rPr lang="en-US" altLang="ja-JP" dirty="0" smtClean="0"/>
+              <a:t>Inheritance </a:t>
+            </a:r>
+            <a:r>
+              <a:rPr lang="en-US" altLang="ja-JP" smtClean="0"/>
+              <a:t>and refinements</a:t>
+            </a:r>
+            <a:endParaRPr lang="en-US" altLang="ja-JP" dirty="0" smtClean="0"/>
+          </a:p>
+          <a:p>
+            <a:r>
+              <a:rPr kumimoji="1" lang="en-US" altLang="ja-JP" dirty="0" smtClean="0"/>
+              <a:t>Lookup order</a:t>
+            </a:r>
+          </a:p>
+          <a:p>
+            <a:endParaRPr kumimoji="1" lang="en-US" altLang="ja-JP" dirty="0" smtClean="0"/>
           </a:p>
         </p:txBody>
       </p:sp>
@@ -9100,7 +10096,7 @@
     </p:spTree>
     <p:extLst>
       <p:ext uri="{BB962C8B-B14F-4D97-AF65-F5344CB8AC3E}">
-        <p14:creationId xmlns:p14="http://schemas.microsoft.com/office/powerpoint/2010/main" val="3970479005"/>
+        <p14:creationId xmlns:p14="http://schemas.microsoft.com/office/powerpoint/2010/main" val="4181145715"/>
       </p:ext>
     </p:extLst>
   </p:cSld>
@@ -9158,8 +10154,12 @@
           <a:lstStyle/>
           <a:p>
             <a:r>
+              <a:rPr lang="en-US" altLang="ja-JP" dirty="0" smtClean="0"/>
+              <a:t>How </a:t>
+            </a:r>
+            <a:r>
               <a:rPr kumimoji="1" lang="en-US" altLang="ja-JP" dirty="0" smtClean="0"/>
-              <a:t>Problems other than refinements</a:t>
+              <a:t>refinements should be refined?</a:t>
             </a:r>
             <a:endParaRPr kumimoji="1" lang="ja-JP" altLang="en-US" dirty="0"/>
           </a:p>
@@ -9180,7 +10180,16 @@
           <a:bodyPr/>
           <a:lstStyle/>
           <a:p>
-            <a:endParaRPr kumimoji="1" lang="ja-JP" altLang="en-US"/>
+            <a:r>
+              <a:rPr lang="en-US" altLang="ja-JP" dirty="0" smtClean="0"/>
+              <a:t>Block-scoped using</a:t>
+            </a:r>
+          </a:p>
+          <a:p>
+            <a:endParaRPr lang="en-US" altLang="ja-JP" dirty="0" smtClean="0"/>
+          </a:p>
+          <a:p>
+            <a:endParaRPr kumimoji="1" lang="ja-JP" altLang="en-US" dirty="0"/>
           </a:p>
         </p:txBody>
       </p:sp>
@@ -9210,7 +10219,7 @@
     </p:spTree>
     <p:extLst>
       <p:ext uri="{BB962C8B-B14F-4D97-AF65-F5344CB8AC3E}">
-        <p14:creationId xmlns:p14="http://schemas.microsoft.com/office/powerpoint/2010/main" val="2331218378"/>
+        <p14:creationId xmlns:p14="http://schemas.microsoft.com/office/powerpoint/2010/main" val="3970479005"/>
       </p:ext>
     </p:extLst>
   </p:cSld>
@@ -9269,7 +10278,7 @@
           <a:p>
             <a:r>
               <a:rPr kumimoji="1" lang="en-US" altLang="ja-JP" dirty="0" smtClean="0"/>
-              <a:t>Conclusion</a:t>
+              <a:t>Problems other than refinements</a:t>
             </a:r>
             <a:endParaRPr kumimoji="1" lang="ja-JP" altLang="en-US" dirty="0"/>
           </a:p>
@@ -9290,7 +10299,7 @@
           <a:bodyPr/>
           <a:lstStyle/>
           <a:p>
-            <a:endParaRPr kumimoji="1" lang="ja-JP" altLang="en-US"/>
+            <a:endParaRPr kumimoji="1" lang="ja-JP" altLang="en-US" dirty="0"/>
           </a:p>
         </p:txBody>
       </p:sp>
@@ -9320,7 +10329,7 @@
     </p:spTree>
     <p:extLst>
       <p:ext uri="{BB962C8B-B14F-4D97-AF65-F5344CB8AC3E}">
-        <p14:creationId xmlns:p14="http://schemas.microsoft.com/office/powerpoint/2010/main" val="1077620214"/>
+        <p14:creationId xmlns:p14="http://schemas.microsoft.com/office/powerpoint/2010/main" val="2331218378"/>
       </p:ext>
     </p:extLst>
   </p:cSld>
@@ -9379,7 +10388,7 @@
           <a:p>
             <a:r>
               <a:rPr kumimoji="1" lang="en-US" altLang="ja-JP" dirty="0" smtClean="0"/>
-              <a:t>Thank you!</a:t>
+              <a:t>Conclusion</a:t>
             </a:r>
             <a:endParaRPr kumimoji="1" lang="ja-JP" altLang="en-US" dirty="0"/>
           </a:p>
@@ -9400,11 +10409,7 @@
           <a:bodyPr/>
           <a:lstStyle/>
           <a:p>
-            <a:r>
-              <a:rPr kumimoji="1" lang="en-US" altLang="ja-JP" dirty="0" smtClean="0"/>
-              <a:t>Any questions?</a:t>
-            </a:r>
-            <a:endParaRPr kumimoji="1" lang="ja-JP" altLang="en-US" dirty="0"/>
+            <a:endParaRPr kumimoji="1" lang="ja-JP" altLang="en-US"/>
           </a:p>
         </p:txBody>
       </p:sp>
@@ -9426,6 +10431,120 @@
             <a:fld id="{D2D8002D-B5B0-4BAC-B1F6-782DDCCE6D9C}" type="slidenum">
               <a:rPr kumimoji="1" lang="ja-JP" altLang="en-US" smtClean="0"/>
               <a:t>24</a:t>
+            </a:fld>
+            <a:endParaRPr kumimoji="1" lang="ja-JP" altLang="en-US" dirty="0"/>
+          </a:p>
+        </p:txBody>
+      </p:sp>
+    </p:spTree>
+    <p:extLst>
+      <p:ext uri="{BB962C8B-B14F-4D97-AF65-F5344CB8AC3E}">
+        <p14:creationId xmlns:p14="http://schemas.microsoft.com/office/powerpoint/2010/main" val="1077620214"/>
+      </p:ext>
+    </p:extLst>
+  </p:cSld>
+  <p:clrMapOvr>
+    <a:masterClrMapping/>
+  </p:clrMapOvr>
+  <mc:AlternateContent xmlns:mc="http://schemas.openxmlformats.org/markup-compatibility/2006" xmlns:p14="http://schemas.microsoft.com/office/powerpoint/2010/main">
+    <mc:Choice Requires="p14">
+      <p:transition p14:dur="0"/>
+    </mc:Choice>
+    <mc:Fallback xmlns="">
+      <p:transition/>
+    </mc:Fallback>
+  </mc:AlternateContent>
+  <p:timing>
+    <p:tnLst>
+      <p:par>
+        <p:cTn id="1" dur="indefinite" restart="never" nodeType="tmRoot"/>
+      </p:par>
+    </p:tnLst>
+  </p:timing>
+</p:sld>
+</file>
+
+<file path=ppt/slides/slide26.xml><?xml version="1.0" encoding="utf-8"?>
+<p:sld xmlns:a="http://schemas.openxmlformats.org/drawingml/2006/main" xmlns:r="http://schemas.openxmlformats.org/officeDocument/2006/relationships" xmlns:p="http://schemas.openxmlformats.org/presentationml/2006/main">
+  <p:cSld>
+    <p:spTree>
+      <p:nvGrpSpPr>
+        <p:cNvPr id="1" name=""/>
+        <p:cNvGrpSpPr/>
+        <p:nvPr/>
+      </p:nvGrpSpPr>
+      <p:grpSpPr>
+        <a:xfrm>
+          <a:off x="0" y="0"/>
+          <a:ext cx="0" cy="0"/>
+          <a:chOff x="0" y="0"/>
+          <a:chExt cx="0" cy="0"/>
+        </a:xfrm>
+      </p:grpSpPr>
+      <p:sp>
+        <p:nvSpPr>
+          <p:cNvPr id="2" name="タイトル 1"/>
+          <p:cNvSpPr>
+            <a:spLocks noGrp="1"/>
+          </p:cNvSpPr>
+          <p:nvPr>
+            <p:ph type="title"/>
+          </p:nvPr>
+        </p:nvSpPr>
+        <p:spPr/>
+        <p:txBody>
+          <a:bodyPr/>
+          <a:lstStyle/>
+          <a:p>
+            <a:r>
+              <a:rPr kumimoji="1" lang="en-US" altLang="ja-JP" dirty="0" smtClean="0"/>
+              <a:t>Thank you!</a:t>
+            </a:r>
+            <a:endParaRPr kumimoji="1" lang="ja-JP" altLang="en-US" dirty="0"/>
+          </a:p>
+        </p:txBody>
+      </p:sp>
+      <p:sp>
+        <p:nvSpPr>
+          <p:cNvPr id="3" name="コンテンツ プレースホルダー 2"/>
+          <p:cNvSpPr>
+            <a:spLocks noGrp="1"/>
+          </p:cNvSpPr>
+          <p:nvPr>
+            <p:ph idx="1"/>
+          </p:nvPr>
+        </p:nvSpPr>
+        <p:spPr/>
+        <p:txBody>
+          <a:bodyPr/>
+          <a:lstStyle/>
+          <a:p>
+            <a:r>
+              <a:rPr kumimoji="1" lang="en-US" altLang="ja-JP" dirty="0" smtClean="0"/>
+              <a:t>Any questions?</a:t>
+            </a:r>
+            <a:endParaRPr kumimoji="1" lang="ja-JP" altLang="en-US" dirty="0"/>
+          </a:p>
+        </p:txBody>
+      </p:sp>
+      <p:sp>
+        <p:nvSpPr>
+          <p:cNvPr id="4" name="スライド番号プレースホルダー 3"/>
+          <p:cNvSpPr>
+            <a:spLocks noGrp="1"/>
+          </p:cNvSpPr>
+          <p:nvPr>
+            <p:ph type="sldNum" sz="quarter" idx="12"/>
+          </p:nvPr>
+        </p:nvSpPr>
+        <p:spPr/>
+        <p:txBody>
+          <a:bodyPr/>
+          <a:lstStyle/>
+          <a:p>
+            <a:fld id="{D2D8002D-B5B0-4BAC-B1F6-782DDCCE6D9C}" type="slidenum">
+              <a:rPr kumimoji="1" lang="ja-JP" altLang="en-US" smtClean="0"/>
+              <a:t>25</a:t>
             </a:fld>
             <a:endParaRPr kumimoji="1" lang="ja-JP" altLang="en-US" dirty="0"/>
           </a:p>

--- a/refining_refinements.pptx
+++ b/refining_refinements.pptx
@@ -29,9 +29,9 @@
     <p:sldId id="340" r:id="rId20"/>
     <p:sldId id="341" r:id="rId21"/>
     <p:sldId id="347" r:id="rId22"/>
-    <p:sldId id="343" r:id="rId23"/>
-    <p:sldId id="345" r:id="rId24"/>
-    <p:sldId id="344" r:id="rId25"/>
+    <p:sldId id="348" r:id="rId23"/>
+    <p:sldId id="343" r:id="rId24"/>
+    <p:sldId id="345" r:id="rId25"/>
     <p:sldId id="342" r:id="rId26"/>
     <p:sldId id="328" r:id="rId27"/>
   </p:sldIdLst>
@@ -233,7 +233,7 @@
           <a:p>
             <a:fld id="{2824A956-B84A-4963-A5A1-07FF5674870B}" type="datetimeFigureOut">
               <a:rPr kumimoji="1" lang="ja-JP" altLang="en-US" smtClean="0"/>
-              <a:t>2013/5/25</a:t>
+              <a:t>2013/5/27</a:t>
             </a:fld>
             <a:endParaRPr kumimoji="1" lang="ja-JP" altLang="en-US"/>
           </a:p>
@@ -726,7 +726,7 @@
           <a:p>
             <a:fld id="{BEB2A44C-4838-48A1-8CCC-56B31324CD36}" type="datetime1">
               <a:rPr kumimoji="1" lang="ja-JP" altLang="en-US" smtClean="0"/>
-              <a:t>2013/5/25</a:t>
+              <a:t>2013/5/27</a:t>
             </a:fld>
             <a:endParaRPr kumimoji="1" lang="ja-JP" altLang="en-US"/>
           </a:p>
@@ -1116,7 +1116,7 @@
           <a:p>
             <a:fld id="{D6055D4B-96D3-4275-B22A-7550BE743D12}" type="datetime1">
               <a:rPr kumimoji="1" lang="ja-JP" altLang="en-US" smtClean="0"/>
-              <a:t>2013/5/25</a:t>
+              <a:t>2013/5/27</a:t>
             </a:fld>
             <a:endParaRPr kumimoji="1" lang="ja-JP" altLang="en-US"/>
           </a:p>
@@ -1413,7 +1413,7 @@
           <a:p>
             <a:fld id="{F09345D9-E47B-41FE-9D53-8206BA0721AD}" type="datetime1">
               <a:rPr kumimoji="1" lang="ja-JP" altLang="en-US" smtClean="0"/>
-              <a:t>2013/5/25</a:t>
+              <a:t>2013/5/27</a:t>
             </a:fld>
             <a:endParaRPr kumimoji="1" lang="ja-JP" altLang="en-US"/>
           </a:p>
@@ -1632,7 +1632,7 @@
           <a:p>
             <a:fld id="{203475DF-70B1-4C70-B488-86679E08279F}" type="datetime1">
               <a:rPr kumimoji="1" lang="ja-JP" altLang="en-US" smtClean="0"/>
-              <a:t>2013/5/25</a:t>
+              <a:t>2013/5/27</a:t>
             </a:fld>
             <a:endParaRPr kumimoji="1" lang="ja-JP" altLang="en-US"/>
           </a:p>
@@ -1845,7 +1845,7 @@
           <a:p>
             <a:fld id="{A6300FBA-32EC-48A0-B846-53E50F22EDC6}" type="datetime1">
               <a:rPr kumimoji="1" lang="ja-JP" altLang="en-US" smtClean="0"/>
-              <a:t>2013/5/25</a:t>
+              <a:t>2013/5/27</a:t>
             </a:fld>
             <a:endParaRPr kumimoji="1" lang="ja-JP" altLang="en-US"/>
           </a:p>
@@ -2066,7 +2066,7 @@
           <a:p>
             <a:fld id="{5F48B954-E802-41CF-A23B-AF4001D9A985}" type="datetime1">
               <a:rPr kumimoji="1" lang="ja-JP" altLang="en-US" smtClean="0"/>
-              <a:t>2013/5/25</a:t>
+              <a:t>2013/5/27</a:t>
             </a:fld>
             <a:endParaRPr kumimoji="1" lang="ja-JP" altLang="en-US"/>
           </a:p>
@@ -2339,7 +2339,7 @@
           <a:p>
             <a:fld id="{9E7B2D17-F2F6-4F58-A5BA-B4327B220303}" type="datetime1">
               <a:rPr kumimoji="1" lang="ja-JP" altLang="en-US" smtClean="0"/>
-              <a:t>2013/5/25</a:t>
+              <a:t>2013/5/27</a:t>
             </a:fld>
             <a:endParaRPr kumimoji="1" lang="ja-JP" altLang="en-US"/>
           </a:p>
@@ -2705,7 +2705,7 @@
           <a:p>
             <a:fld id="{A9E9C874-8A2A-417D-8190-0EEAE08A6CBC}" type="datetime1">
               <a:rPr kumimoji="1" lang="ja-JP" altLang="en-US" smtClean="0"/>
-              <a:t>2013/5/25</a:t>
+              <a:t>2013/5/27</a:t>
             </a:fld>
             <a:endParaRPr kumimoji="1" lang="ja-JP" altLang="en-US"/>
           </a:p>
@@ -3220,7 +3220,7 @@
           <a:p>
             <a:fld id="{A55BE7E1-4417-46D1-A1D7-5676DF5662EE}" type="datetime1">
               <a:rPr kumimoji="1" lang="ja-JP" altLang="en-US" smtClean="0"/>
-              <a:t>2013/5/25</a:t>
+              <a:t>2013/5/27</a:t>
             </a:fld>
             <a:endParaRPr kumimoji="1" lang="ja-JP" altLang="en-US"/>
           </a:p>
@@ -3345,7 +3345,7 @@
           <a:p>
             <a:fld id="{FE11AAFE-9511-4B75-BEE3-5AB426959440}" type="datetime1">
               <a:rPr kumimoji="1" lang="ja-JP" altLang="en-US" smtClean="0"/>
-              <a:t>2013/5/25</a:t>
+              <a:t>2013/5/27</a:t>
             </a:fld>
             <a:endParaRPr kumimoji="1" lang="ja-JP" altLang="en-US"/>
           </a:p>
@@ -3447,7 +3447,7 @@
           <a:p>
             <a:fld id="{BE67106B-0A95-46B3-B66A-1A5A0A78CD79}" type="datetime1">
               <a:rPr kumimoji="1" lang="ja-JP" altLang="en-US" smtClean="0"/>
-              <a:t>2013/5/25</a:t>
+              <a:t>2013/5/27</a:t>
             </a:fld>
             <a:endParaRPr kumimoji="1" lang="ja-JP" altLang="en-US"/>
           </a:p>
@@ -3733,7 +3733,7 @@
           <a:p>
             <a:fld id="{FDD83BBB-F8BD-4C2C-A7A1-30EF8887FC58}" type="datetime1">
               <a:rPr kumimoji="1" lang="ja-JP" altLang="en-US" smtClean="0"/>
-              <a:t>2013/5/25</a:t>
+              <a:t>2013/5/27</a:t>
             </a:fld>
             <a:endParaRPr kumimoji="1" lang="ja-JP" altLang="en-US"/>
           </a:p>
@@ -4006,7 +4006,7 @@
           <a:p>
             <a:fld id="{BB5A1D04-C170-4F36-A596-1B147592CAD8}" type="datetime1">
               <a:rPr kumimoji="1" lang="ja-JP" altLang="en-US" smtClean="0"/>
-              <a:t>2013/5/25</a:t>
+              <a:t>2013/5/27</a:t>
             </a:fld>
             <a:endParaRPr kumimoji="1" lang="ja-JP" altLang="en-US"/>
           </a:p>
@@ -10017,56 +10017,75 @@
           <a:lstStyle/>
           <a:p>
             <a:r>
+              <a:rPr kumimoji="1" lang="en-US" altLang="ja-JP" dirty="0" smtClean="0"/>
+              <a:t>pros/cons</a:t>
+            </a:r>
+            <a:endParaRPr kumimoji="1" lang="ja-JP" altLang="en-US" dirty="0"/>
+          </a:p>
+        </p:txBody>
+      </p:sp>
+      <p:sp>
+        <p:nvSpPr>
+          <p:cNvPr id="7" name="コンテンツ プレースホルダー 6"/>
+          <p:cNvSpPr>
+            <a:spLocks noGrp="1"/>
+          </p:cNvSpPr>
+          <p:nvPr>
+            <p:ph idx="1"/>
+          </p:nvPr>
+        </p:nvSpPr>
+        <p:spPr/>
+        <p:txBody>
+          <a:bodyPr/>
+          <a:lstStyle/>
+          <a:p>
+            <a:r>
               <a:rPr lang="en-US" altLang="ja-JP" dirty="0" smtClean="0"/>
-              <a:t>Limitations of refinements</a:t>
-            </a:r>
-            <a:endParaRPr kumimoji="1" lang="ja-JP" altLang="en-US" dirty="0"/>
-          </a:p>
-        </p:txBody>
-      </p:sp>
-      <p:sp>
-        <p:nvSpPr>
-          <p:cNvPr id="3" name="コンテンツ プレースホルダー 2"/>
-          <p:cNvSpPr>
-            <a:spLocks noGrp="1"/>
-          </p:cNvSpPr>
-          <p:nvPr>
-            <p:ph idx="1"/>
-          </p:nvPr>
-        </p:nvSpPr>
-        <p:spPr/>
-        <p:txBody>
-          <a:bodyPr/>
-          <a:lstStyle/>
-          <a:p>
-            <a:r>
-              <a:rPr lang="en-US" altLang="ja-JP" dirty="0"/>
-              <a:t>F</a:t>
+              <a:t>p</a:t>
             </a:r>
             <a:r>
               <a:rPr kumimoji="1" lang="en-US" altLang="ja-JP" dirty="0" smtClean="0"/>
-              <a:t>ile-scoped refinement activation only</a:t>
-            </a:r>
-          </a:p>
-          <a:p>
+              <a:t>ros</a:t>
+            </a:r>
+          </a:p>
+          <a:p>
+            <a:pPr lvl="1"/>
             <a:r>
               <a:rPr lang="en-US" altLang="ja-JP" dirty="0" smtClean="0"/>
-              <a:t>Inheritance </a:t>
-            </a:r>
+              <a:t>Intuitive notation</a:t>
+            </a:r>
+          </a:p>
+          <a:p>
+            <a:pPr lvl="1"/>
+            <a:r>
+              <a:rPr lang="en-US" altLang="ja-JP" dirty="0" smtClean="0"/>
+              <a:t>Isolation</a:t>
+            </a:r>
+          </a:p>
+          <a:p>
+            <a:r>
+              <a:rPr lang="en-US" altLang="ja-JP" dirty="0" smtClean="0"/>
+              <a:t>cons</a:t>
+            </a:r>
+          </a:p>
+          <a:p>
+            <a:pPr lvl="1"/>
             <a:r>
               <a:rPr lang="en-US" altLang="ja-JP" smtClean="0"/>
-              <a:t>and refinements</a:t>
-            </a:r>
+              <a:t>High context</a:t>
+            </a:r>
+          </a:p>
+          <a:p>
+            <a:pPr lvl="1"/>
             <a:endParaRPr lang="en-US" altLang="ja-JP" dirty="0" smtClean="0"/>
           </a:p>
           <a:p>
-            <a:r>
-              <a:rPr kumimoji="1" lang="en-US" altLang="ja-JP" dirty="0" smtClean="0"/>
-              <a:t>Lookup order</a:t>
-            </a:r>
-          </a:p>
-          <a:p>
-            <a:endParaRPr kumimoji="1" lang="en-US" altLang="ja-JP" dirty="0" smtClean="0"/>
+            <a:pPr lvl="1"/>
+            <a:endParaRPr lang="en-US" altLang="ja-JP" dirty="0" smtClean="0"/>
+          </a:p>
+          <a:p>
+            <a:pPr lvl="1"/>
+            <a:endParaRPr kumimoji="1" lang="en-US" altLang="ja-JP" dirty="0"/>
           </a:p>
         </p:txBody>
       </p:sp>
@@ -10096,28 +10115,21 @@
     </p:spTree>
     <p:extLst>
       <p:ext uri="{BB962C8B-B14F-4D97-AF65-F5344CB8AC3E}">
-        <p14:creationId xmlns:p14="http://schemas.microsoft.com/office/powerpoint/2010/main" val="4181145715"/>
+        <p14:creationId xmlns:p14="http://schemas.microsoft.com/office/powerpoint/2010/main" val="618275670"/>
       </p:ext>
     </p:extLst>
   </p:cSld>
   <p:clrMapOvr>
     <a:masterClrMapping/>
   </p:clrMapOvr>
-  <mc:AlternateContent xmlns:mc="http://schemas.openxmlformats.org/markup-compatibility/2006" xmlns:p14="http://schemas.microsoft.com/office/powerpoint/2010/main">
-    <mc:Choice Requires="p14">
+  <mc:AlternateContent xmlns:mc="http://schemas.openxmlformats.org/markup-compatibility/2006">
+    <mc:Choice xmlns:p14="http://schemas.microsoft.com/office/powerpoint/2010/main" Requires="p14">
       <p:transition p14:dur="0"/>
     </mc:Choice>
-    <mc:Fallback xmlns="">
+    <mc:Fallback>
       <p:transition/>
     </mc:Fallback>
   </mc:AlternateContent>
-  <p:timing>
-    <p:tnLst>
-      <p:par>
-        <p:cTn id="1" dur="indefinite" restart="never" nodeType="tmRoot"/>
-      </p:par>
-    </p:tnLst>
-  </p:timing>
 </p:sld>
 </file>
 
@@ -10155,41 +10167,69 @@
           <a:p>
             <a:r>
               <a:rPr lang="en-US" altLang="ja-JP" dirty="0" smtClean="0"/>
-              <a:t>How </a:t>
-            </a:r>
+              <a:t>A limitation </a:t>
+            </a:r>
+            <a:r>
+              <a:rPr lang="en-US" altLang="ja-JP" dirty="0" smtClean="0"/>
+              <a:t>of refinements</a:t>
+            </a:r>
+            <a:endParaRPr kumimoji="1" lang="ja-JP" altLang="en-US" dirty="0"/>
+          </a:p>
+        </p:txBody>
+      </p:sp>
+      <p:sp>
+        <p:nvSpPr>
+          <p:cNvPr id="3" name="コンテンツ プレースホルダー 2"/>
+          <p:cNvSpPr>
+            <a:spLocks noGrp="1"/>
+          </p:cNvSpPr>
+          <p:nvPr>
+            <p:ph idx="1"/>
+          </p:nvPr>
+        </p:nvSpPr>
+        <p:spPr/>
+        <p:txBody>
+          <a:bodyPr/>
+          <a:lstStyle/>
+          <a:p>
             <a:r>
               <a:rPr kumimoji="1" lang="en-US" altLang="ja-JP" dirty="0" smtClean="0"/>
-              <a:t>refinements should be refined?</a:t>
-            </a:r>
-            <a:endParaRPr kumimoji="1" lang="ja-JP" altLang="en-US" dirty="0"/>
-          </a:p>
-        </p:txBody>
-      </p:sp>
-      <p:sp>
-        <p:nvSpPr>
-          <p:cNvPr id="3" name="コンテンツ プレースホルダー 2"/>
-          <p:cNvSpPr>
-            <a:spLocks noGrp="1"/>
-          </p:cNvSpPr>
-          <p:nvPr>
-            <p:ph idx="1"/>
-          </p:nvPr>
-        </p:nvSpPr>
-        <p:spPr/>
-        <p:txBody>
-          <a:bodyPr/>
-          <a:lstStyle/>
-          <a:p>
+              <a:t>File scoped</a:t>
+            </a:r>
+          </a:p>
+          <a:p>
+            <a:endParaRPr lang="en-US" altLang="ja-JP" dirty="0"/>
+          </a:p>
+          <a:p>
+            <a:endParaRPr kumimoji="1" lang="en-US" altLang="ja-JP" dirty="0" smtClean="0"/>
+          </a:p>
+          <a:p>
+            <a:endParaRPr lang="en-US" altLang="ja-JP" dirty="0"/>
+          </a:p>
+          <a:p>
+            <a:endParaRPr kumimoji="1" lang="en-US" altLang="ja-JP" dirty="0" smtClean="0"/>
+          </a:p>
+          <a:p>
+            <a:endParaRPr lang="en-US" altLang="ja-JP" dirty="0"/>
+          </a:p>
+          <a:p>
+            <a:pPr lvl="1"/>
+            <a:r>
+              <a:rPr kumimoji="1" lang="en-US" altLang="ja-JP" dirty="0" smtClean="0"/>
+              <a:t>using is necessary for each file</a:t>
+            </a:r>
+          </a:p>
+          <a:p>
+            <a:pPr lvl="1"/>
             <a:r>
               <a:rPr lang="en-US" altLang="ja-JP" dirty="0" smtClean="0"/>
-              <a:t>Block-scoped using</a:t>
-            </a:r>
-          </a:p>
-          <a:p>
-            <a:endParaRPr lang="en-US" altLang="ja-JP" dirty="0" smtClean="0"/>
-          </a:p>
-          <a:p>
-            <a:endParaRPr kumimoji="1" lang="ja-JP" altLang="en-US" dirty="0"/>
+              <a:t>Incompatible refinements can't be used in the same file</a:t>
+            </a:r>
+            <a:endParaRPr kumimoji="1" lang="en-US" altLang="ja-JP" dirty="0" smtClean="0"/>
+          </a:p>
+          <a:p>
+            <a:pPr lvl="1"/>
+            <a:endParaRPr kumimoji="1" lang="en-US" altLang="ja-JP" dirty="0" smtClean="0"/>
           </a:p>
         </p:txBody>
       </p:sp>
@@ -10216,10 +10256,303 @@
           </a:p>
         </p:txBody>
       </p:sp>
+      <p:sp>
+        <p:nvSpPr>
+          <p:cNvPr id="5" name="コンテンツ プレースホルダー 2"/>
+          <p:cNvSpPr txBox="1">
+            <a:spLocks/>
+          </p:cNvSpPr>
+          <p:nvPr/>
+        </p:nvSpPr>
+        <p:spPr>
+          <a:xfrm>
+            <a:off x="584388" y="2276872"/>
+            <a:ext cx="7130752" cy="2016224"/>
+          </a:xfrm>
+          <a:prstGeom prst="rect">
+            <a:avLst/>
+          </a:prstGeom>
+          <a:solidFill>
+            <a:schemeClr val="accent4">
+              <a:lumMod val="40000"/>
+              <a:lumOff val="60000"/>
+            </a:schemeClr>
+          </a:solidFill>
+        </p:spPr>
+        <p:txBody>
+          <a:bodyPr vert="horz" lIns="180000" tIns="144000" rIns="180000" bIns="72000" rtlCol="0">
+            <a:normAutofit/>
+          </a:bodyPr>
+          <a:lstStyle>
+            <a:lvl1pPr marL="0" indent="0" algn="l" defTabSz="914400" rtl="0" eaLnBrk="1" latinLnBrk="0" hangingPunct="1">
+              <a:spcBef>
+                <a:spcPct val="20000"/>
+              </a:spcBef>
+              <a:spcAft>
+                <a:spcPts val="600"/>
+              </a:spcAft>
+              <a:buFont typeface="Arial" pitchFamily="34" charset="0"/>
+              <a:buNone/>
+              <a:defRPr kumimoji="1" sz="2000" b="1" kern="1200">
+                <a:solidFill>
+                  <a:schemeClr val="tx1"/>
+                </a:solidFill>
+                <a:latin typeface="+mn-lt"/>
+                <a:ea typeface="+mn-ea"/>
+                <a:cs typeface="+mn-cs"/>
+              </a:defRPr>
+            </a:lvl1pPr>
+            <a:lvl2pPr marL="457200" indent="-182880" algn="l" defTabSz="914400" rtl="0" eaLnBrk="1" latinLnBrk="0" hangingPunct="1">
+              <a:spcBef>
+                <a:spcPct val="20000"/>
+              </a:spcBef>
+              <a:buClr>
+                <a:schemeClr val="tx2"/>
+              </a:buClr>
+              <a:buFont typeface="Arial" pitchFamily="34" charset="0"/>
+              <a:buChar char="•"/>
+              <a:defRPr kumimoji="1" sz="2000" kern="1200">
+                <a:solidFill>
+                  <a:schemeClr val="tx1"/>
+                </a:solidFill>
+                <a:latin typeface="+mn-lt"/>
+                <a:ea typeface="+mn-ea"/>
+                <a:cs typeface="+mn-cs"/>
+              </a:defRPr>
+            </a:lvl2pPr>
+            <a:lvl3pPr marL="1143000" indent="-228600" algn="l" defTabSz="914400" rtl="0" eaLnBrk="1" latinLnBrk="0" hangingPunct="1">
+              <a:spcBef>
+                <a:spcPct val="20000"/>
+              </a:spcBef>
+              <a:buClr>
+                <a:schemeClr val="tx2"/>
+              </a:buClr>
+              <a:buFont typeface="Arial" pitchFamily="34" charset="0"/>
+              <a:buChar char="•"/>
+              <a:defRPr kumimoji="1" sz="1800" kern="1200">
+                <a:solidFill>
+                  <a:schemeClr val="tx1"/>
+                </a:solidFill>
+                <a:latin typeface="+mn-lt"/>
+                <a:ea typeface="+mn-ea"/>
+                <a:cs typeface="+mn-cs"/>
+              </a:defRPr>
+            </a:lvl3pPr>
+            <a:lvl4pPr marL="1600200" indent="-228600" algn="l" defTabSz="914400" rtl="0" eaLnBrk="1" latinLnBrk="0" hangingPunct="1">
+              <a:spcBef>
+                <a:spcPct val="20000"/>
+              </a:spcBef>
+              <a:buClr>
+                <a:schemeClr val="tx2"/>
+              </a:buClr>
+              <a:buFont typeface="Arial" pitchFamily="34" charset="0"/>
+              <a:buChar char="•"/>
+              <a:defRPr kumimoji="1" sz="1800" kern="1200">
+                <a:solidFill>
+                  <a:schemeClr val="tx1"/>
+                </a:solidFill>
+                <a:latin typeface="+mn-lt"/>
+                <a:ea typeface="+mn-ea"/>
+                <a:cs typeface="+mn-cs"/>
+              </a:defRPr>
+            </a:lvl4pPr>
+            <a:lvl5pPr marL="2057400" indent="-228600" algn="l" defTabSz="914400" rtl="0" eaLnBrk="1" latinLnBrk="0" hangingPunct="1">
+              <a:spcBef>
+                <a:spcPct val="20000"/>
+              </a:spcBef>
+              <a:buClr>
+                <a:schemeClr val="tx2"/>
+              </a:buClr>
+              <a:buFont typeface="Arial" pitchFamily="34" charset="0"/>
+              <a:buChar char="•"/>
+              <a:defRPr kumimoji="1" sz="1800" kern="1200" baseline="0">
+                <a:solidFill>
+                  <a:schemeClr val="tx1"/>
+                </a:solidFill>
+                <a:latin typeface="+mn-lt"/>
+                <a:ea typeface="+mn-ea"/>
+                <a:cs typeface="+mn-cs"/>
+              </a:defRPr>
+            </a:lvl5pPr>
+            <a:lvl6pPr marL="2514600" indent="-228600" algn="l" defTabSz="914400" rtl="0" eaLnBrk="1" latinLnBrk="0" hangingPunct="1">
+              <a:spcBef>
+                <a:spcPct val="20000"/>
+              </a:spcBef>
+              <a:buClr>
+                <a:schemeClr val="tx2"/>
+              </a:buClr>
+              <a:buFont typeface="Arial" pitchFamily="34" charset="0"/>
+              <a:buChar char="•"/>
+              <a:defRPr kumimoji="1" sz="1600" kern="1200">
+                <a:solidFill>
+                  <a:schemeClr val="tx1"/>
+                </a:solidFill>
+                <a:latin typeface="+mn-lt"/>
+                <a:ea typeface="+mn-ea"/>
+                <a:cs typeface="+mn-cs"/>
+              </a:defRPr>
+            </a:lvl6pPr>
+            <a:lvl7pPr marL="2971800" indent="-228600" algn="l" defTabSz="914400" rtl="0" eaLnBrk="1" latinLnBrk="0" hangingPunct="1">
+              <a:spcBef>
+                <a:spcPct val="20000"/>
+              </a:spcBef>
+              <a:buClr>
+                <a:schemeClr val="tx2"/>
+              </a:buClr>
+              <a:buFont typeface="Arial" pitchFamily="34" charset="0"/>
+              <a:buChar char="•"/>
+              <a:defRPr kumimoji="1" sz="1600" kern="1200">
+                <a:solidFill>
+                  <a:schemeClr val="tx1"/>
+                </a:solidFill>
+                <a:latin typeface="+mn-lt"/>
+                <a:ea typeface="+mn-ea"/>
+                <a:cs typeface="+mn-cs"/>
+              </a:defRPr>
+            </a:lvl7pPr>
+            <a:lvl8pPr marL="3429000" indent="-228600" algn="l" defTabSz="914400" rtl="0" eaLnBrk="1" latinLnBrk="0" hangingPunct="1">
+              <a:spcBef>
+                <a:spcPct val="20000"/>
+              </a:spcBef>
+              <a:buClr>
+                <a:schemeClr val="tx2"/>
+              </a:buClr>
+              <a:buFont typeface="Arial" pitchFamily="34" charset="0"/>
+              <a:buChar char="•"/>
+              <a:defRPr kumimoji="1" sz="1600" kern="1200">
+                <a:solidFill>
+                  <a:schemeClr val="tx1"/>
+                </a:solidFill>
+                <a:latin typeface="+mn-lt"/>
+                <a:ea typeface="+mn-ea"/>
+                <a:cs typeface="+mn-cs"/>
+              </a:defRPr>
+            </a:lvl8pPr>
+            <a:lvl9pPr marL="3886200" indent="-228600" algn="l" defTabSz="914400" rtl="0" eaLnBrk="1" latinLnBrk="0" hangingPunct="1">
+              <a:spcBef>
+                <a:spcPct val="20000"/>
+              </a:spcBef>
+              <a:buClr>
+                <a:schemeClr val="tx2"/>
+              </a:buClr>
+              <a:buFont typeface="Arial" pitchFamily="34" charset="0"/>
+              <a:buChar char="•"/>
+              <a:defRPr kumimoji="1" sz="1600" kern="1200">
+                <a:solidFill>
+                  <a:schemeClr val="tx1"/>
+                </a:solidFill>
+                <a:latin typeface="+mn-lt"/>
+                <a:ea typeface="+mn-ea"/>
+                <a:cs typeface="+mn-cs"/>
+              </a:defRPr>
+            </a:lvl9pPr>
+          </a:lstStyle>
+          <a:p>
+            <a:r>
+              <a:rPr lang="en-US" altLang="ja-JP" dirty="0" smtClean="0">
+                <a:latin typeface="Courier New" pitchFamily="49" charset="0"/>
+                <a:cs typeface="Courier New" pitchFamily="49" charset="0"/>
+              </a:rPr>
+              <a:t>using </a:t>
+            </a:r>
+            <a:r>
+              <a:rPr lang="en-US" altLang="ja-JP" dirty="0" err="1" smtClean="0">
+                <a:latin typeface="Courier New" pitchFamily="49" charset="0"/>
+                <a:cs typeface="Courier New" pitchFamily="49" charset="0"/>
+              </a:rPr>
+              <a:t>RaddDjur</a:t>
+            </a:r>
+            <a:r>
+              <a:rPr lang="en-US" altLang="ja-JP" dirty="0" smtClean="0">
+                <a:latin typeface="Courier New" pitchFamily="49" charset="0"/>
+                <a:cs typeface="Courier New" pitchFamily="49" charset="0"/>
+              </a:rPr>
+              <a:t>::DSL</a:t>
+            </a:r>
+          </a:p>
+          <a:p>
+            <a:r>
+              <a:rPr lang="en-US" altLang="ja-JP" dirty="0" smtClean="0">
+                <a:latin typeface="Courier New" pitchFamily="49" charset="0"/>
+                <a:cs typeface="Courier New" pitchFamily="49" charset="0"/>
+              </a:rPr>
+              <a:t>g </a:t>
+            </a:r>
+            <a:r>
+              <a:rPr lang="en-US" altLang="ja-JP" dirty="0">
+                <a:latin typeface="Courier New" pitchFamily="49" charset="0"/>
+                <a:cs typeface="Courier New" pitchFamily="49" charset="0"/>
+              </a:rPr>
+              <a:t>= </a:t>
+            </a:r>
+            <a:r>
+              <a:rPr lang="en-US" altLang="ja-JP" dirty="0" err="1">
+                <a:latin typeface="Courier New" pitchFamily="49" charset="0"/>
+                <a:cs typeface="Courier New" pitchFamily="49" charset="0"/>
+              </a:rPr>
+              <a:t>RaddDjur</a:t>
+            </a:r>
+            <a:r>
+              <a:rPr lang="en-US" altLang="ja-JP" dirty="0">
+                <a:latin typeface="Courier New" pitchFamily="49" charset="0"/>
+                <a:cs typeface="Courier New" pitchFamily="49" charset="0"/>
+              </a:rPr>
+              <a:t>::</a:t>
+            </a:r>
+            <a:r>
+              <a:rPr lang="en-US" altLang="ja-JP" dirty="0" err="1">
+                <a:latin typeface="Courier New" pitchFamily="49" charset="0"/>
+                <a:cs typeface="Courier New" pitchFamily="49" charset="0"/>
+              </a:rPr>
+              <a:t>Grammar.new</a:t>
+            </a:r>
+            <a:r>
+              <a:rPr lang="en-US" altLang="ja-JP" dirty="0">
+                <a:latin typeface="Courier New" pitchFamily="49" charset="0"/>
+                <a:cs typeface="Courier New" pitchFamily="49" charset="0"/>
+              </a:rPr>
+              <a:t>(:additive) </a:t>
+            </a:r>
+            <a:r>
+              <a:rPr lang="en-US" altLang="ja-JP" dirty="0" smtClean="0">
+                <a:latin typeface="Courier New" pitchFamily="49" charset="0"/>
+                <a:cs typeface="Courier New" pitchFamily="49" charset="0"/>
+              </a:rPr>
+              <a:t>{</a:t>
+            </a:r>
+          </a:p>
+          <a:p>
+            <a:r>
+              <a:rPr lang="en-US" altLang="ja-JP" dirty="0" smtClean="0">
+                <a:latin typeface="Courier New" pitchFamily="49" charset="0"/>
+                <a:cs typeface="Courier New" pitchFamily="49" charset="0"/>
+              </a:rPr>
+              <a:t>  ...</a:t>
+            </a:r>
+            <a:endParaRPr lang="en-US" altLang="ja-JP" dirty="0" smtClean="0">
+              <a:latin typeface="Courier New" pitchFamily="49" charset="0"/>
+              <a:cs typeface="Courier New" pitchFamily="49" charset="0"/>
+            </a:endParaRPr>
+          </a:p>
+          <a:p>
+            <a:r>
+              <a:rPr lang="en-US" altLang="ja-JP" dirty="0" smtClean="0">
+                <a:latin typeface="Courier New" pitchFamily="49" charset="0"/>
+                <a:cs typeface="Courier New" pitchFamily="49" charset="0"/>
+              </a:rPr>
+              <a:t>}</a:t>
+            </a:r>
+            <a:endParaRPr lang="en-US" altLang="ja-JP" dirty="0" smtClean="0">
+              <a:latin typeface="Courier New" pitchFamily="49" charset="0"/>
+              <a:cs typeface="Courier New" pitchFamily="49" charset="0"/>
+            </a:endParaRPr>
+          </a:p>
+        </p:txBody>
+      </p:sp>
     </p:spTree>
     <p:extLst>
       <p:ext uri="{BB962C8B-B14F-4D97-AF65-F5344CB8AC3E}">
-        <p14:creationId xmlns:p14="http://schemas.microsoft.com/office/powerpoint/2010/main" val="3970479005"/>
+        <p14:creationId xmlns:p14="http://schemas.microsoft.com/office/powerpoint/2010/main" val="4181145715"/>
       </p:ext>
     </p:extLst>
   </p:cSld>
@@ -10277,8 +10610,12 @@
           <a:lstStyle/>
           <a:p>
             <a:r>
+              <a:rPr lang="en-US" altLang="ja-JP" dirty="0" smtClean="0"/>
+              <a:t>How </a:t>
+            </a:r>
+            <a:r>
               <a:rPr kumimoji="1" lang="en-US" altLang="ja-JP" dirty="0" smtClean="0"/>
-              <a:t>Problems other than refinements</a:t>
+              <a:t>refinements should be refined?</a:t>
             </a:r>
             <a:endParaRPr kumimoji="1" lang="ja-JP" altLang="en-US" dirty="0"/>
           </a:p>
@@ -10298,6 +10635,15 @@
         <p:txBody>
           <a:bodyPr/>
           <a:lstStyle/>
+          <a:p>
+            <a:r>
+              <a:rPr lang="en-US" altLang="ja-JP" dirty="0" smtClean="0"/>
+              <a:t>Block-scoped using</a:t>
+            </a:r>
+          </a:p>
+          <a:p>
+            <a:endParaRPr lang="en-US" altLang="ja-JP" dirty="0" smtClean="0"/>
+          </a:p>
           <a:p>
             <a:endParaRPr kumimoji="1" lang="ja-JP" altLang="en-US" dirty="0"/>
           </a:p>
@@ -10329,7 +10675,7 @@
     </p:spTree>
     <p:extLst>
       <p:ext uri="{BB962C8B-B14F-4D97-AF65-F5344CB8AC3E}">
-        <p14:creationId xmlns:p14="http://schemas.microsoft.com/office/powerpoint/2010/main" val="2331218378"/>
+        <p14:creationId xmlns:p14="http://schemas.microsoft.com/office/powerpoint/2010/main" val="3970479005"/>
       </p:ext>
     </p:extLst>
   </p:cSld>
@@ -11520,8 +11866,26 @@
           <a:p>
             <a:r>
               <a:rPr lang="en-US" altLang="ja-JP" dirty="0" smtClean="0"/>
-              <a:t>Then, make them global if necessary</a:t>
-            </a:r>
+              <a:t>Then, make them global if </a:t>
+            </a:r>
+            <a:r>
+              <a:rPr lang="en-US" altLang="ja-JP" dirty="0" smtClean="0"/>
+              <a:t>necessary</a:t>
+            </a:r>
+          </a:p>
+          <a:p>
+            <a:r>
+              <a:rPr lang="en-US" altLang="ja-JP" dirty="0" smtClean="0"/>
+              <a:t>Example</a:t>
+            </a:r>
+          </a:p>
+          <a:p>
+            <a:pPr lvl="1"/>
+            <a:r>
+              <a:rPr lang="en-US" altLang="ja-JP" dirty="0" smtClean="0"/>
+              <a:t>Integer#/</a:t>
+            </a:r>
+            <a:endParaRPr lang="en-US" altLang="ja-JP" dirty="0" smtClean="0"/>
           </a:p>
         </p:txBody>
       </p:sp>
@@ -11633,7 +11997,17 @@
           <a:p>
             <a:r>
               <a:rPr kumimoji="1" lang="en-US" altLang="ja-JP" dirty="0" smtClean="0"/>
-              <a:t>Save existing code from braking changes</a:t>
+              <a:t>Save existing code from braking </a:t>
+            </a:r>
+            <a:r>
+              <a:rPr kumimoji="1" lang="en-US" altLang="ja-JP" dirty="0" smtClean="0"/>
+              <a:t>changes</a:t>
+            </a:r>
+          </a:p>
+          <a:p>
+            <a:r>
+              <a:rPr lang="en-US" altLang="ja-JP" dirty="0" smtClean="0"/>
+              <a:t>Example</a:t>
             </a:r>
             <a:endParaRPr kumimoji="1" lang="ja-JP" altLang="en-US" dirty="0"/>
           </a:p>
@@ -11659,6 +12033,395 @@
               <a:t>6</a:t>
             </a:fld>
             <a:endParaRPr kumimoji="1" lang="ja-JP" altLang="en-US" dirty="0"/>
+          </a:p>
+        </p:txBody>
+      </p:sp>
+      <p:sp>
+        <p:nvSpPr>
+          <p:cNvPr id="5" name="コンテンツ プレースホルダー 2"/>
+          <p:cNvSpPr txBox="1">
+            <a:spLocks/>
+          </p:cNvSpPr>
+          <p:nvPr/>
+        </p:nvSpPr>
+        <p:spPr>
+          <a:xfrm>
+            <a:off x="584388" y="2708920"/>
+            <a:ext cx="7299980" cy="3312368"/>
+          </a:xfrm>
+          <a:prstGeom prst="rect">
+            <a:avLst/>
+          </a:prstGeom>
+          <a:solidFill>
+            <a:schemeClr val="accent4">
+              <a:lumMod val="40000"/>
+              <a:lumOff val="60000"/>
+            </a:schemeClr>
+          </a:solidFill>
+        </p:spPr>
+        <p:txBody>
+          <a:bodyPr vert="horz" lIns="180000" tIns="144000" rIns="180000" bIns="72000" rtlCol="0">
+            <a:normAutofit fontScale="92500" lnSpcReduction="10000"/>
+          </a:bodyPr>
+          <a:lstStyle>
+            <a:lvl1pPr marL="0" indent="0" algn="l" defTabSz="914400" rtl="0" eaLnBrk="1" latinLnBrk="0" hangingPunct="1">
+              <a:spcBef>
+                <a:spcPct val="20000"/>
+              </a:spcBef>
+              <a:spcAft>
+                <a:spcPts val="600"/>
+              </a:spcAft>
+              <a:buFont typeface="Arial" pitchFamily="34" charset="0"/>
+              <a:buNone/>
+              <a:defRPr kumimoji="1" sz="2000" b="1" kern="1200">
+                <a:solidFill>
+                  <a:schemeClr val="tx1"/>
+                </a:solidFill>
+                <a:latin typeface="+mn-lt"/>
+                <a:ea typeface="+mn-ea"/>
+                <a:cs typeface="+mn-cs"/>
+              </a:defRPr>
+            </a:lvl1pPr>
+            <a:lvl2pPr marL="457200" indent="-182880" algn="l" defTabSz="914400" rtl="0" eaLnBrk="1" latinLnBrk="0" hangingPunct="1">
+              <a:spcBef>
+                <a:spcPct val="20000"/>
+              </a:spcBef>
+              <a:buClr>
+                <a:schemeClr val="tx2"/>
+              </a:buClr>
+              <a:buFont typeface="Arial" pitchFamily="34" charset="0"/>
+              <a:buChar char="•"/>
+              <a:defRPr kumimoji="1" sz="2000" kern="1200">
+                <a:solidFill>
+                  <a:schemeClr val="tx1"/>
+                </a:solidFill>
+                <a:latin typeface="+mn-lt"/>
+                <a:ea typeface="+mn-ea"/>
+                <a:cs typeface="+mn-cs"/>
+              </a:defRPr>
+            </a:lvl2pPr>
+            <a:lvl3pPr marL="1143000" indent="-228600" algn="l" defTabSz="914400" rtl="0" eaLnBrk="1" latinLnBrk="0" hangingPunct="1">
+              <a:spcBef>
+                <a:spcPct val="20000"/>
+              </a:spcBef>
+              <a:buClr>
+                <a:schemeClr val="tx2"/>
+              </a:buClr>
+              <a:buFont typeface="Arial" pitchFamily="34" charset="0"/>
+              <a:buChar char="•"/>
+              <a:defRPr kumimoji="1" sz="1800" kern="1200">
+                <a:solidFill>
+                  <a:schemeClr val="tx1"/>
+                </a:solidFill>
+                <a:latin typeface="+mn-lt"/>
+                <a:ea typeface="+mn-ea"/>
+                <a:cs typeface="+mn-cs"/>
+              </a:defRPr>
+            </a:lvl3pPr>
+            <a:lvl4pPr marL="1600200" indent="-228600" algn="l" defTabSz="914400" rtl="0" eaLnBrk="1" latinLnBrk="0" hangingPunct="1">
+              <a:spcBef>
+                <a:spcPct val="20000"/>
+              </a:spcBef>
+              <a:buClr>
+                <a:schemeClr val="tx2"/>
+              </a:buClr>
+              <a:buFont typeface="Arial" pitchFamily="34" charset="0"/>
+              <a:buChar char="•"/>
+              <a:defRPr kumimoji="1" sz="1800" kern="1200">
+                <a:solidFill>
+                  <a:schemeClr val="tx1"/>
+                </a:solidFill>
+                <a:latin typeface="+mn-lt"/>
+                <a:ea typeface="+mn-ea"/>
+                <a:cs typeface="+mn-cs"/>
+              </a:defRPr>
+            </a:lvl4pPr>
+            <a:lvl5pPr marL="2057400" indent="-228600" algn="l" defTabSz="914400" rtl="0" eaLnBrk="1" latinLnBrk="0" hangingPunct="1">
+              <a:spcBef>
+                <a:spcPct val="20000"/>
+              </a:spcBef>
+              <a:buClr>
+                <a:schemeClr val="tx2"/>
+              </a:buClr>
+              <a:buFont typeface="Arial" pitchFamily="34" charset="0"/>
+              <a:buChar char="•"/>
+              <a:defRPr kumimoji="1" sz="1800" kern="1200" baseline="0">
+                <a:solidFill>
+                  <a:schemeClr val="tx1"/>
+                </a:solidFill>
+                <a:latin typeface="+mn-lt"/>
+                <a:ea typeface="+mn-ea"/>
+                <a:cs typeface="+mn-cs"/>
+              </a:defRPr>
+            </a:lvl5pPr>
+            <a:lvl6pPr marL="2514600" indent="-228600" algn="l" defTabSz="914400" rtl="0" eaLnBrk="1" latinLnBrk="0" hangingPunct="1">
+              <a:spcBef>
+                <a:spcPct val="20000"/>
+              </a:spcBef>
+              <a:buClr>
+                <a:schemeClr val="tx2"/>
+              </a:buClr>
+              <a:buFont typeface="Arial" pitchFamily="34" charset="0"/>
+              <a:buChar char="•"/>
+              <a:defRPr kumimoji="1" sz="1600" kern="1200">
+                <a:solidFill>
+                  <a:schemeClr val="tx1"/>
+                </a:solidFill>
+                <a:latin typeface="+mn-lt"/>
+                <a:ea typeface="+mn-ea"/>
+                <a:cs typeface="+mn-cs"/>
+              </a:defRPr>
+            </a:lvl6pPr>
+            <a:lvl7pPr marL="2971800" indent="-228600" algn="l" defTabSz="914400" rtl="0" eaLnBrk="1" latinLnBrk="0" hangingPunct="1">
+              <a:spcBef>
+                <a:spcPct val="20000"/>
+              </a:spcBef>
+              <a:buClr>
+                <a:schemeClr val="tx2"/>
+              </a:buClr>
+              <a:buFont typeface="Arial" pitchFamily="34" charset="0"/>
+              <a:buChar char="•"/>
+              <a:defRPr kumimoji="1" sz="1600" kern="1200">
+                <a:solidFill>
+                  <a:schemeClr val="tx1"/>
+                </a:solidFill>
+                <a:latin typeface="+mn-lt"/>
+                <a:ea typeface="+mn-ea"/>
+                <a:cs typeface="+mn-cs"/>
+              </a:defRPr>
+            </a:lvl7pPr>
+            <a:lvl8pPr marL="3429000" indent="-228600" algn="l" defTabSz="914400" rtl="0" eaLnBrk="1" latinLnBrk="0" hangingPunct="1">
+              <a:spcBef>
+                <a:spcPct val="20000"/>
+              </a:spcBef>
+              <a:buClr>
+                <a:schemeClr val="tx2"/>
+              </a:buClr>
+              <a:buFont typeface="Arial" pitchFamily="34" charset="0"/>
+              <a:buChar char="•"/>
+              <a:defRPr kumimoji="1" sz="1600" kern="1200">
+                <a:solidFill>
+                  <a:schemeClr val="tx1"/>
+                </a:solidFill>
+                <a:latin typeface="+mn-lt"/>
+                <a:ea typeface="+mn-ea"/>
+                <a:cs typeface="+mn-cs"/>
+              </a:defRPr>
+            </a:lvl8pPr>
+            <a:lvl9pPr marL="3886200" indent="-228600" algn="l" defTabSz="914400" rtl="0" eaLnBrk="1" latinLnBrk="0" hangingPunct="1">
+              <a:spcBef>
+                <a:spcPct val="20000"/>
+              </a:spcBef>
+              <a:buClr>
+                <a:schemeClr val="tx2"/>
+              </a:buClr>
+              <a:buFont typeface="Arial" pitchFamily="34" charset="0"/>
+              <a:buChar char="•"/>
+              <a:defRPr kumimoji="1" sz="1600" kern="1200">
+                <a:solidFill>
+                  <a:schemeClr val="tx1"/>
+                </a:solidFill>
+                <a:latin typeface="+mn-lt"/>
+                <a:ea typeface="+mn-ea"/>
+                <a:cs typeface="+mn-cs"/>
+              </a:defRPr>
+            </a:lvl9pPr>
+          </a:lstStyle>
+          <a:p>
+            <a:r>
+              <a:rPr lang="en-US" altLang="ja-JP" dirty="0" smtClean="0">
+                <a:latin typeface="Courier New" pitchFamily="49" charset="0"/>
+                <a:cs typeface="Courier New" pitchFamily="49" charset="0"/>
+              </a:rPr>
+              <a:t>module </a:t>
+            </a:r>
+            <a:r>
+              <a:rPr lang="en-US" altLang="ja-JP" dirty="0" err="1" smtClean="0">
+                <a:latin typeface="Courier New" pitchFamily="49" charset="0"/>
+                <a:cs typeface="Courier New" pitchFamily="49" charset="0"/>
+              </a:rPr>
+              <a:t>OldChars</a:t>
+            </a:r>
+            <a:endParaRPr lang="en-US" altLang="ja-JP" dirty="0" smtClean="0">
+              <a:latin typeface="Courier New" pitchFamily="49" charset="0"/>
+              <a:cs typeface="Courier New" pitchFamily="49" charset="0"/>
+            </a:endParaRPr>
+          </a:p>
+          <a:p>
+            <a:r>
+              <a:rPr lang="en-US" altLang="ja-JP" dirty="0">
+                <a:latin typeface="Courier New" pitchFamily="49" charset="0"/>
+                <a:cs typeface="Courier New" pitchFamily="49" charset="0"/>
+              </a:rPr>
+              <a:t> </a:t>
+            </a:r>
+            <a:r>
+              <a:rPr lang="en-US" altLang="ja-JP" dirty="0" smtClean="0">
+                <a:latin typeface="Courier New" pitchFamily="49" charset="0"/>
+                <a:cs typeface="Courier New" pitchFamily="49" charset="0"/>
+              </a:rPr>
+              <a:t> refine String do</a:t>
+            </a:r>
+          </a:p>
+          <a:p>
+            <a:r>
+              <a:rPr lang="en-US" altLang="ja-JP" dirty="0">
+                <a:latin typeface="Courier New" pitchFamily="49" charset="0"/>
+                <a:cs typeface="Courier New" pitchFamily="49" charset="0"/>
+              </a:rPr>
+              <a:t> </a:t>
+            </a:r>
+            <a:r>
+              <a:rPr lang="en-US" altLang="ja-JP" dirty="0" smtClean="0">
+                <a:latin typeface="Courier New" pitchFamily="49" charset="0"/>
+                <a:cs typeface="Courier New" pitchFamily="49" charset="0"/>
+              </a:rPr>
+              <a:t>   </a:t>
+            </a:r>
+            <a:r>
+              <a:rPr lang="en-US" altLang="ja-JP" dirty="0" err="1" smtClean="0">
+                <a:latin typeface="Courier New" pitchFamily="49" charset="0"/>
+                <a:cs typeface="Courier New" pitchFamily="49" charset="0"/>
+              </a:rPr>
+              <a:t>def</a:t>
+            </a:r>
+            <a:r>
+              <a:rPr lang="en-US" altLang="ja-JP" dirty="0" smtClean="0">
+                <a:latin typeface="Courier New" pitchFamily="49" charset="0"/>
+                <a:cs typeface="Courier New" pitchFamily="49" charset="0"/>
+              </a:rPr>
+              <a:t> chars; </a:t>
+            </a:r>
+            <a:r>
+              <a:rPr lang="en-US" altLang="ja-JP" dirty="0" err="1" smtClean="0">
+                <a:latin typeface="Courier New" pitchFamily="49" charset="0"/>
+                <a:cs typeface="Courier New" pitchFamily="49" charset="0"/>
+              </a:rPr>
+              <a:t>each_char</a:t>
+            </a:r>
+            <a:r>
+              <a:rPr lang="en-US" altLang="ja-JP" dirty="0" smtClean="0">
+                <a:latin typeface="Courier New" pitchFamily="49" charset="0"/>
+                <a:cs typeface="Courier New" pitchFamily="49" charset="0"/>
+              </a:rPr>
+              <a:t>; end</a:t>
+            </a:r>
+          </a:p>
+          <a:p>
+            <a:r>
+              <a:rPr lang="en-US" altLang="ja-JP" dirty="0">
+                <a:latin typeface="Courier New" pitchFamily="49" charset="0"/>
+                <a:cs typeface="Courier New" pitchFamily="49" charset="0"/>
+              </a:rPr>
+              <a:t> </a:t>
+            </a:r>
+            <a:r>
+              <a:rPr lang="en-US" altLang="ja-JP" dirty="0" smtClean="0">
+                <a:latin typeface="Courier New" pitchFamily="49" charset="0"/>
+                <a:cs typeface="Courier New" pitchFamily="49" charset="0"/>
+              </a:rPr>
+              <a:t> end</a:t>
+            </a:r>
+          </a:p>
+          <a:p>
+            <a:r>
+              <a:rPr lang="en-US" altLang="ja-JP" dirty="0" smtClean="0">
+                <a:latin typeface="Courier New" pitchFamily="49" charset="0"/>
+                <a:cs typeface="Courier New" pitchFamily="49" charset="0"/>
+              </a:rPr>
+              <a:t>end</a:t>
+            </a:r>
+          </a:p>
+          <a:p>
+            <a:r>
+              <a:rPr lang="en-US" altLang="ja-JP" dirty="0" smtClean="0">
+                <a:latin typeface="Courier New" pitchFamily="49" charset="0"/>
+                <a:cs typeface="Courier New" pitchFamily="49" charset="0"/>
+              </a:rPr>
+              <a:t>p "</a:t>
+            </a:r>
+            <a:r>
+              <a:rPr lang="en-US" altLang="ja-JP" dirty="0" err="1" smtClean="0">
+                <a:latin typeface="Courier New" pitchFamily="49" charset="0"/>
+                <a:cs typeface="Courier New" pitchFamily="49" charset="0"/>
+              </a:rPr>
+              <a:t>foo".chars</a:t>
+            </a:r>
+            <a:r>
+              <a:rPr lang="en-US" altLang="ja-JP" dirty="0" smtClean="0">
+                <a:latin typeface="Courier New" pitchFamily="49" charset="0"/>
+                <a:cs typeface="Courier New" pitchFamily="49" charset="0"/>
+              </a:rPr>
+              <a:t> #=&gt; ["f", "o", "o"]</a:t>
+            </a:r>
+          </a:p>
+          <a:p>
+            <a:r>
+              <a:rPr lang="en-US" altLang="ja-JP" dirty="0" smtClean="0">
+                <a:latin typeface="Courier New" pitchFamily="49" charset="0"/>
+                <a:cs typeface="Courier New" pitchFamily="49" charset="0"/>
+              </a:rPr>
+              <a:t>using </a:t>
+            </a:r>
+            <a:r>
+              <a:rPr lang="en-US" altLang="ja-JP" dirty="0" err="1" smtClean="0">
+                <a:latin typeface="Courier New" pitchFamily="49" charset="0"/>
+                <a:cs typeface="Courier New" pitchFamily="49" charset="0"/>
+              </a:rPr>
+              <a:t>OldChars</a:t>
+            </a:r>
+            <a:endParaRPr lang="en-US" altLang="ja-JP" dirty="0" smtClean="0">
+              <a:latin typeface="Courier New" pitchFamily="49" charset="0"/>
+              <a:cs typeface="Courier New" pitchFamily="49" charset="0"/>
+            </a:endParaRPr>
+          </a:p>
+          <a:p>
+            <a:r>
+              <a:rPr lang="en-US" altLang="ja-JP" dirty="0" smtClean="0">
+                <a:latin typeface="Courier New" pitchFamily="49" charset="0"/>
+                <a:cs typeface="Courier New" pitchFamily="49" charset="0"/>
+              </a:rPr>
+              <a:t>p "</a:t>
+            </a:r>
+            <a:r>
+              <a:rPr lang="en-US" altLang="ja-JP" dirty="0" err="1" smtClean="0">
+                <a:latin typeface="Courier New" pitchFamily="49" charset="0"/>
+                <a:cs typeface="Courier New" pitchFamily="49" charset="0"/>
+              </a:rPr>
+              <a:t>foo".chars</a:t>
+            </a:r>
+            <a:r>
+              <a:rPr lang="en-US" altLang="ja-JP" dirty="0">
+                <a:latin typeface="Courier New" pitchFamily="49" charset="0"/>
+                <a:cs typeface="Courier New" pitchFamily="49" charset="0"/>
+              </a:rPr>
+              <a:t> </a:t>
+            </a:r>
+            <a:r>
+              <a:rPr lang="en-US" altLang="ja-JP" dirty="0" smtClean="0">
+                <a:latin typeface="Courier New" pitchFamily="49" charset="0"/>
+                <a:cs typeface="Courier New" pitchFamily="49" charset="0"/>
+              </a:rPr>
+              <a:t>#=&gt; #&lt;Enumerator: "foo":</a:t>
+            </a:r>
+            <a:r>
+              <a:rPr lang="en-US" altLang="ja-JP" dirty="0" err="1" smtClean="0">
+                <a:latin typeface="Courier New" pitchFamily="49" charset="0"/>
+                <a:cs typeface="Courier New" pitchFamily="49" charset="0"/>
+              </a:rPr>
+              <a:t>each_car</a:t>
+            </a:r>
+            <a:r>
+              <a:rPr lang="en-US" altLang="ja-JP" dirty="0" smtClean="0">
+                <a:latin typeface="Courier New" pitchFamily="49" charset="0"/>
+                <a:cs typeface="Courier New" pitchFamily="49" charset="0"/>
+              </a:rPr>
+              <a:t>&gt;</a:t>
+            </a:r>
+            <a:endParaRPr lang="en-US" altLang="ja-JP" dirty="0">
+              <a:latin typeface="Courier New" pitchFamily="49" charset="0"/>
+              <a:cs typeface="Courier New" pitchFamily="49" charset="0"/>
+            </a:endParaRPr>
           </a:p>
         </p:txBody>
       </p:sp>

--- a/refining_refinements.pptx
+++ b/refining_refinements.pptx
@@ -5,7 +5,7 @@
     <p:sldMasterId id="2147483684" r:id="rId1"/>
   </p:sldMasterIdLst>
   <p:notesMasterIdLst>
-    <p:notesMasterId r:id="rId28"/>
+    <p:notesMasterId r:id="rId30"/>
   </p:notesMasterIdLst>
   <p:sldIdLst>
     <p:sldId id="256" r:id="rId2"/>
@@ -32,8 +32,10 @@
     <p:sldId id="348" r:id="rId23"/>
     <p:sldId id="343" r:id="rId24"/>
     <p:sldId id="345" r:id="rId25"/>
-    <p:sldId id="342" r:id="rId26"/>
-    <p:sldId id="328" r:id="rId27"/>
+    <p:sldId id="349" r:id="rId26"/>
+    <p:sldId id="350" r:id="rId27"/>
+    <p:sldId id="342" r:id="rId28"/>
+    <p:sldId id="328" r:id="rId29"/>
   </p:sldIdLst>
   <p:sldSz cx="9144000" cy="6858000" type="screen4x3"/>
   <p:notesSz cx="6858000" cy="9144000"/>
@@ -4589,8 +4591,8 @@
         </p:blipFill>
         <p:spPr>
           <a:xfrm>
-            <a:off x="5590938" y="5373216"/>
-            <a:ext cx="2941502" cy="780629"/>
+            <a:off x="6404942" y="5589240"/>
+            <a:ext cx="2127498" cy="564605"/>
           </a:xfrm>
           <a:prstGeom prst="rect">
             <a:avLst/>
@@ -9376,16 +9378,36 @@
                 <a:latin typeface="Courier New" pitchFamily="49" charset="0"/>
                 <a:cs typeface="Courier New" pitchFamily="49" charset="0"/>
               </a:rPr>
-              <a:t>  end</a:t>
-            </a:r>
-          </a:p>
-          <a:p>
-            <a:r>
-              <a:rPr lang="en-US" altLang="ja-JP" smtClean="0">
-                <a:latin typeface="Courier New" pitchFamily="49" charset="0"/>
-                <a:cs typeface="Courier New" pitchFamily="49" charset="0"/>
-              </a:rPr>
-              <a:t>  def</a:t>
+              <a:t>  </a:t>
+            </a:r>
+            <a:r>
+              <a:rPr lang="en-US" altLang="ja-JP" dirty="0" smtClean="0">
+                <a:latin typeface="Courier New" pitchFamily="49" charset="0"/>
+                <a:cs typeface="Courier New" pitchFamily="49" charset="0"/>
+              </a:rPr>
+              <a:t>end</a:t>
+            </a:r>
+          </a:p>
+          <a:p>
+            <a:endParaRPr lang="en-US" altLang="ja-JP" dirty="0" smtClean="0">
+              <a:latin typeface="Courier New" pitchFamily="49" charset="0"/>
+              <a:cs typeface="Courier New" pitchFamily="49" charset="0"/>
+            </a:endParaRPr>
+          </a:p>
+          <a:p>
+            <a:r>
+              <a:rPr lang="en-US" altLang="ja-JP" dirty="0" smtClean="0">
+                <a:latin typeface="Courier New" pitchFamily="49" charset="0"/>
+                <a:cs typeface="Courier New" pitchFamily="49" charset="0"/>
+              </a:rPr>
+              <a:t>  </a:t>
+            </a:r>
+            <a:r>
+              <a:rPr lang="en-US" altLang="ja-JP" dirty="0" err="1" smtClean="0">
+                <a:latin typeface="Courier New" pitchFamily="49" charset="0"/>
+                <a:cs typeface="Courier New" pitchFamily="49" charset="0"/>
+              </a:rPr>
+              <a:t>def</a:t>
             </a:r>
             <a:r>
               <a:rPr lang="en-US" altLang="ja-JP" dirty="0" smtClean="0">
@@ -9981,6 +10003,13 @@
       <p:transition/>
     </mc:Fallback>
   </mc:AlternateContent>
+  <p:timing>
+    <p:tnLst>
+      <p:par>
+        <p:cTn id="1" dur="indefinite" restart="never" nodeType="tmRoot"/>
+      </p:par>
+    </p:tnLst>
+  </p:timing>
 </p:sld>
 </file>
 
@@ -10017,8 +10046,12 @@
           <a:lstStyle/>
           <a:p>
             <a:r>
+              <a:rPr lang="en-US" altLang="ja-JP" dirty="0"/>
+              <a:t>P</a:t>
+            </a:r>
+            <a:r>
               <a:rPr kumimoji="1" lang="en-US" altLang="ja-JP" dirty="0" smtClean="0"/>
-              <a:t>pros/cons</a:t>
+              <a:t>ros/cons of refinements</a:t>
             </a:r>
             <a:endParaRPr kumimoji="1" lang="ja-JP" altLang="en-US" dirty="0"/>
           </a:p>
@@ -10040,40 +10073,65 @@
           <a:lstStyle/>
           <a:p>
             <a:r>
-              <a:rPr lang="en-US" altLang="ja-JP" dirty="0" smtClean="0"/>
-              <a:t>p</a:t>
+              <a:rPr lang="en-US" altLang="ja-JP" dirty="0"/>
+              <a:t>P</a:t>
             </a:r>
             <a:r>
               <a:rPr kumimoji="1" lang="en-US" altLang="ja-JP" dirty="0" smtClean="0"/>
               <a:t>ros</a:t>
             </a:r>
+            <a:endParaRPr kumimoji="1" lang="en-US" altLang="ja-JP" dirty="0" smtClean="0"/>
           </a:p>
           <a:p>
             <a:pPr lvl="1"/>
             <a:r>
               <a:rPr lang="en-US" altLang="ja-JP" dirty="0" smtClean="0"/>
-              <a:t>Intuitive notation</a:t>
-            </a:r>
+              <a:t>Intuitive </a:t>
+            </a:r>
+            <a:r>
+              <a:rPr lang="en-US" altLang="ja-JP" dirty="0" smtClean="0"/>
+              <a:t>notation for DSL</a:t>
+            </a:r>
+            <a:r>
+              <a:rPr lang="ja-JP" altLang="en-US" dirty="0" smtClean="0"/>
+              <a:t> </a:t>
+            </a:r>
+            <a:r>
+              <a:rPr lang="en-US" altLang="ja-JP" dirty="0" smtClean="0"/>
+              <a:t>(like monkey patching)</a:t>
+            </a:r>
+            <a:endParaRPr lang="en-US" altLang="ja-JP" dirty="0" smtClean="0"/>
           </a:p>
           <a:p>
             <a:pPr lvl="1"/>
             <a:r>
               <a:rPr lang="en-US" altLang="ja-JP" dirty="0" smtClean="0"/>
-              <a:t>Isolation</a:t>
-            </a:r>
-          </a:p>
-          <a:p>
+              <a:t>Isolation (unlike monkey patching)</a:t>
+            </a:r>
+            <a:endParaRPr lang="en-US" altLang="ja-JP" dirty="0" smtClean="0"/>
+          </a:p>
+          <a:p>
+            <a:r>
+              <a:rPr lang="en-US" altLang="ja-JP" dirty="0"/>
+              <a:t>C</a:t>
+            </a:r>
             <a:r>
               <a:rPr lang="en-US" altLang="ja-JP" dirty="0" smtClean="0"/>
-              <a:t>cons</a:t>
-            </a:r>
+              <a:t>ons</a:t>
+            </a:r>
+            <a:endParaRPr lang="en-US" altLang="ja-JP" dirty="0" smtClean="0"/>
           </a:p>
           <a:p>
             <a:pPr lvl="1"/>
             <a:r>
-              <a:rPr lang="en-US" altLang="ja-JP" smtClean="0"/>
-              <a:t>High context</a:t>
-            </a:r>
+              <a:rPr lang="en-US" altLang="ja-JP" dirty="0" smtClean="0"/>
+              <a:t>High </a:t>
+            </a:r>
+            <a:r>
+              <a:rPr lang="en-US" altLang="ja-JP" dirty="0"/>
+              <a:t>context (unlike monkey patching)</a:t>
+            </a:r>
+            <a:endParaRPr lang="en-US" altLang="ja-JP" dirty="0" smtClean="0"/>
           </a:p>
           <a:p>
             <a:pPr lvl="1"/>
@@ -10122,11 +10180,11 @@
   <p:clrMapOvr>
     <a:masterClrMapping/>
   </p:clrMapOvr>
-  <mc:AlternateContent xmlns:mc="http://schemas.openxmlformats.org/markup-compatibility/2006">
-    <mc:Choice xmlns:p14="http://schemas.microsoft.com/office/powerpoint/2010/main" Requires="p14">
+  <mc:AlternateContent xmlns:mc="http://schemas.openxmlformats.org/markup-compatibility/2006" xmlns:p14="http://schemas.microsoft.com/office/powerpoint/2010/main">
+    <mc:Choice Requires="p14">
       <p:transition p14:dur="0"/>
     </mc:Choice>
-    <mc:Fallback>
+    <mc:Fallback xmlns="">
       <p:transition/>
     </mc:Fallback>
   </mc:AlternateContent>
@@ -10167,11 +10225,7 @@
           <a:p>
             <a:r>
               <a:rPr lang="en-US" altLang="ja-JP" dirty="0" smtClean="0"/>
-              <a:t>A limitation </a:t>
-            </a:r>
-            <a:r>
-              <a:rPr lang="en-US" altLang="ja-JP" dirty="0" smtClean="0"/>
-              <a:t>of refinements</a:t>
+              <a:t>A limitation of refinements</a:t>
             </a:r>
             <a:endParaRPr kumimoji="1" lang="ja-JP" altLang="en-US" dirty="0"/>
           </a:p>
@@ -10194,8 +10248,13 @@
           <a:p>
             <a:r>
               <a:rPr kumimoji="1" lang="en-US" altLang="ja-JP" dirty="0" smtClean="0"/>
-              <a:t>File scoped</a:t>
-            </a:r>
+              <a:t>File </a:t>
+            </a:r>
+            <a:r>
+              <a:rPr kumimoji="1" lang="en-US" altLang="ja-JP" dirty="0" smtClean="0"/>
+              <a:t>scoped only</a:t>
+            </a:r>
+            <a:endParaRPr kumimoji="1" lang="en-US" altLang="ja-JP" dirty="0" smtClean="0"/>
           </a:p>
           <a:p>
             <a:endParaRPr lang="en-US" altLang="ja-JP" dirty="0"/>
@@ -10529,10 +10588,6 @@
               </a:rPr>
               <a:t>  ...</a:t>
             </a:r>
-            <a:endParaRPr lang="en-US" altLang="ja-JP" dirty="0" smtClean="0">
-              <a:latin typeface="Courier New" pitchFamily="49" charset="0"/>
-              <a:cs typeface="Courier New" pitchFamily="49" charset="0"/>
-            </a:endParaRPr>
           </a:p>
           <a:p>
             <a:r>
@@ -10542,10 +10597,6 @@
               </a:rPr>
               <a:t>}</a:t>
             </a:r>
-            <a:endParaRPr lang="en-US" altLang="ja-JP" dirty="0" smtClean="0">
-              <a:latin typeface="Courier New" pitchFamily="49" charset="0"/>
-              <a:cs typeface="Courier New" pitchFamily="49" charset="0"/>
-            </a:endParaRPr>
           </a:p>
         </p:txBody>
       </p:sp>
@@ -10611,11 +10662,11 @@
           <a:p>
             <a:r>
               <a:rPr lang="en-US" altLang="ja-JP" dirty="0" smtClean="0"/>
-              <a:t>How </a:t>
-            </a:r>
-            <a:r>
-              <a:rPr kumimoji="1" lang="en-US" altLang="ja-JP" dirty="0" smtClean="0"/>
-              <a:t>refinements should be refined?</a:t>
+              <a:t>How to refine </a:t>
+            </a:r>
+            <a:r>
+              <a:rPr lang="en-US" altLang="ja-JP" dirty="0" err="1" smtClean="0"/>
+              <a:t>refinments</a:t>
             </a:r>
             <a:endParaRPr kumimoji="1" lang="ja-JP" altLang="en-US" dirty="0"/>
           </a:p>
@@ -10633,13 +10684,51 @@
         </p:nvSpPr>
         <p:spPr/>
         <p:txBody>
-          <a:bodyPr/>
+          <a:bodyPr>
+            <a:noAutofit/>
+          </a:bodyPr>
           <a:lstStyle/>
           <a:p>
             <a:r>
               <a:rPr lang="en-US" altLang="ja-JP" dirty="0" smtClean="0"/>
-              <a:t>Block-scoped using</a:t>
-            </a:r>
+              <a:t>Block-scoped </a:t>
+            </a:r>
+            <a:r>
+              <a:rPr lang="en-US" altLang="ja-JP" dirty="0" smtClean="0"/>
+              <a:t>refinement activation</a:t>
+            </a:r>
+          </a:p>
+          <a:p>
+            <a:endParaRPr lang="en-US" altLang="ja-JP" dirty="0"/>
+          </a:p>
+          <a:p>
+            <a:endParaRPr lang="en-US" altLang="ja-JP" dirty="0" smtClean="0"/>
+          </a:p>
+          <a:p>
+            <a:endParaRPr lang="en-US" altLang="ja-JP" dirty="0"/>
+          </a:p>
+          <a:p>
+            <a:endParaRPr lang="en-US" altLang="ja-JP" dirty="0" smtClean="0"/>
+          </a:p>
+          <a:p>
+            <a:endParaRPr lang="en-US" altLang="ja-JP" dirty="0"/>
+          </a:p>
+          <a:p>
+            <a:endParaRPr lang="en-US" altLang="ja-JP" dirty="0" smtClean="0"/>
+          </a:p>
+          <a:p>
+            <a:endParaRPr lang="en-US" altLang="ja-JP" dirty="0"/>
+          </a:p>
+          <a:p>
+            <a:endParaRPr lang="en-US" altLang="ja-JP" dirty="0" smtClean="0"/>
+          </a:p>
+          <a:p>
+            <a:pPr lvl="1"/>
+            <a:r>
+              <a:rPr lang="en-US" altLang="ja-JP" dirty="0" smtClean="0"/>
+              <a:t>How to achieve this?</a:t>
+            </a:r>
+            <a:endParaRPr lang="en-US" altLang="ja-JP" dirty="0" smtClean="0"/>
           </a:p>
           <a:p>
             <a:endParaRPr lang="en-US" altLang="ja-JP" dirty="0" smtClean="0"/>
@@ -10669,6 +10758,361 @@
               <a:t>23</a:t>
             </a:fld>
             <a:endParaRPr kumimoji="1" lang="ja-JP" altLang="en-US" dirty="0"/>
+          </a:p>
+        </p:txBody>
+      </p:sp>
+      <p:sp>
+        <p:nvSpPr>
+          <p:cNvPr id="5" name="コンテンツ プレースホルダー 2"/>
+          <p:cNvSpPr txBox="1">
+            <a:spLocks/>
+          </p:cNvSpPr>
+          <p:nvPr/>
+        </p:nvSpPr>
+        <p:spPr>
+          <a:xfrm>
+            <a:off x="584388" y="2276872"/>
+            <a:ext cx="7130752" cy="3312368"/>
+          </a:xfrm>
+          <a:prstGeom prst="rect">
+            <a:avLst/>
+          </a:prstGeom>
+          <a:solidFill>
+            <a:schemeClr val="accent4">
+              <a:lumMod val="40000"/>
+              <a:lumOff val="60000"/>
+            </a:schemeClr>
+          </a:solidFill>
+        </p:spPr>
+        <p:txBody>
+          <a:bodyPr vert="horz" lIns="180000" tIns="144000" rIns="180000" bIns="72000" rtlCol="0">
+            <a:normAutofit/>
+          </a:bodyPr>
+          <a:lstStyle>
+            <a:lvl1pPr marL="0" indent="0" algn="l" defTabSz="914400" rtl="0" eaLnBrk="1" latinLnBrk="0" hangingPunct="1">
+              <a:spcBef>
+                <a:spcPct val="20000"/>
+              </a:spcBef>
+              <a:spcAft>
+                <a:spcPts val="600"/>
+              </a:spcAft>
+              <a:buFont typeface="Arial" pitchFamily="34" charset="0"/>
+              <a:buNone/>
+              <a:defRPr kumimoji="1" sz="2000" b="1" kern="1200">
+                <a:solidFill>
+                  <a:schemeClr val="tx1"/>
+                </a:solidFill>
+                <a:latin typeface="+mn-lt"/>
+                <a:ea typeface="+mn-ea"/>
+                <a:cs typeface="+mn-cs"/>
+              </a:defRPr>
+            </a:lvl1pPr>
+            <a:lvl2pPr marL="457200" indent="-182880" algn="l" defTabSz="914400" rtl="0" eaLnBrk="1" latinLnBrk="0" hangingPunct="1">
+              <a:spcBef>
+                <a:spcPct val="20000"/>
+              </a:spcBef>
+              <a:buClr>
+                <a:schemeClr val="tx2"/>
+              </a:buClr>
+              <a:buFont typeface="Arial" pitchFamily="34" charset="0"/>
+              <a:buChar char="•"/>
+              <a:defRPr kumimoji="1" sz="2000" kern="1200">
+                <a:solidFill>
+                  <a:schemeClr val="tx1"/>
+                </a:solidFill>
+                <a:latin typeface="+mn-lt"/>
+                <a:ea typeface="+mn-ea"/>
+                <a:cs typeface="+mn-cs"/>
+              </a:defRPr>
+            </a:lvl2pPr>
+            <a:lvl3pPr marL="1143000" indent="-228600" algn="l" defTabSz="914400" rtl="0" eaLnBrk="1" latinLnBrk="0" hangingPunct="1">
+              <a:spcBef>
+                <a:spcPct val="20000"/>
+              </a:spcBef>
+              <a:buClr>
+                <a:schemeClr val="tx2"/>
+              </a:buClr>
+              <a:buFont typeface="Arial" pitchFamily="34" charset="0"/>
+              <a:buChar char="•"/>
+              <a:defRPr kumimoji="1" sz="1800" kern="1200">
+                <a:solidFill>
+                  <a:schemeClr val="tx1"/>
+                </a:solidFill>
+                <a:latin typeface="+mn-lt"/>
+                <a:ea typeface="+mn-ea"/>
+                <a:cs typeface="+mn-cs"/>
+              </a:defRPr>
+            </a:lvl3pPr>
+            <a:lvl4pPr marL="1600200" indent="-228600" algn="l" defTabSz="914400" rtl="0" eaLnBrk="1" latinLnBrk="0" hangingPunct="1">
+              <a:spcBef>
+                <a:spcPct val="20000"/>
+              </a:spcBef>
+              <a:buClr>
+                <a:schemeClr val="tx2"/>
+              </a:buClr>
+              <a:buFont typeface="Arial" pitchFamily="34" charset="0"/>
+              <a:buChar char="•"/>
+              <a:defRPr kumimoji="1" sz="1800" kern="1200">
+                <a:solidFill>
+                  <a:schemeClr val="tx1"/>
+                </a:solidFill>
+                <a:latin typeface="+mn-lt"/>
+                <a:ea typeface="+mn-ea"/>
+                <a:cs typeface="+mn-cs"/>
+              </a:defRPr>
+            </a:lvl4pPr>
+            <a:lvl5pPr marL="2057400" indent="-228600" algn="l" defTabSz="914400" rtl="0" eaLnBrk="1" latinLnBrk="0" hangingPunct="1">
+              <a:spcBef>
+                <a:spcPct val="20000"/>
+              </a:spcBef>
+              <a:buClr>
+                <a:schemeClr val="tx2"/>
+              </a:buClr>
+              <a:buFont typeface="Arial" pitchFamily="34" charset="0"/>
+              <a:buChar char="•"/>
+              <a:defRPr kumimoji="1" sz="1800" kern="1200" baseline="0">
+                <a:solidFill>
+                  <a:schemeClr val="tx1"/>
+                </a:solidFill>
+                <a:latin typeface="+mn-lt"/>
+                <a:ea typeface="+mn-ea"/>
+                <a:cs typeface="+mn-cs"/>
+              </a:defRPr>
+            </a:lvl5pPr>
+            <a:lvl6pPr marL="2514600" indent="-228600" algn="l" defTabSz="914400" rtl="0" eaLnBrk="1" latinLnBrk="0" hangingPunct="1">
+              <a:spcBef>
+                <a:spcPct val="20000"/>
+              </a:spcBef>
+              <a:buClr>
+                <a:schemeClr val="tx2"/>
+              </a:buClr>
+              <a:buFont typeface="Arial" pitchFamily="34" charset="0"/>
+              <a:buChar char="•"/>
+              <a:defRPr kumimoji="1" sz="1600" kern="1200">
+                <a:solidFill>
+                  <a:schemeClr val="tx1"/>
+                </a:solidFill>
+                <a:latin typeface="+mn-lt"/>
+                <a:ea typeface="+mn-ea"/>
+                <a:cs typeface="+mn-cs"/>
+              </a:defRPr>
+            </a:lvl6pPr>
+            <a:lvl7pPr marL="2971800" indent="-228600" algn="l" defTabSz="914400" rtl="0" eaLnBrk="1" latinLnBrk="0" hangingPunct="1">
+              <a:spcBef>
+                <a:spcPct val="20000"/>
+              </a:spcBef>
+              <a:buClr>
+                <a:schemeClr val="tx2"/>
+              </a:buClr>
+              <a:buFont typeface="Arial" pitchFamily="34" charset="0"/>
+              <a:buChar char="•"/>
+              <a:defRPr kumimoji="1" sz="1600" kern="1200">
+                <a:solidFill>
+                  <a:schemeClr val="tx1"/>
+                </a:solidFill>
+                <a:latin typeface="+mn-lt"/>
+                <a:ea typeface="+mn-ea"/>
+                <a:cs typeface="+mn-cs"/>
+              </a:defRPr>
+            </a:lvl7pPr>
+            <a:lvl8pPr marL="3429000" indent="-228600" algn="l" defTabSz="914400" rtl="0" eaLnBrk="1" latinLnBrk="0" hangingPunct="1">
+              <a:spcBef>
+                <a:spcPct val="20000"/>
+              </a:spcBef>
+              <a:buClr>
+                <a:schemeClr val="tx2"/>
+              </a:buClr>
+              <a:buFont typeface="Arial" pitchFamily="34" charset="0"/>
+              <a:buChar char="•"/>
+              <a:defRPr kumimoji="1" sz="1600" kern="1200">
+                <a:solidFill>
+                  <a:schemeClr val="tx1"/>
+                </a:solidFill>
+                <a:latin typeface="+mn-lt"/>
+                <a:ea typeface="+mn-ea"/>
+                <a:cs typeface="+mn-cs"/>
+              </a:defRPr>
+            </a:lvl8pPr>
+            <a:lvl9pPr marL="3886200" indent="-228600" algn="l" defTabSz="914400" rtl="0" eaLnBrk="1" latinLnBrk="0" hangingPunct="1">
+              <a:spcBef>
+                <a:spcPct val="20000"/>
+              </a:spcBef>
+              <a:buClr>
+                <a:schemeClr val="tx2"/>
+              </a:buClr>
+              <a:buFont typeface="Arial" pitchFamily="34" charset="0"/>
+              <a:buChar char="•"/>
+              <a:defRPr kumimoji="1" sz="1600" kern="1200">
+                <a:solidFill>
+                  <a:schemeClr val="tx1"/>
+                </a:solidFill>
+                <a:latin typeface="+mn-lt"/>
+                <a:ea typeface="+mn-ea"/>
+                <a:cs typeface="+mn-cs"/>
+              </a:defRPr>
+            </a:lvl9pPr>
+          </a:lstStyle>
+          <a:p>
+            <a:r>
+              <a:rPr lang="en-US" altLang="ja-JP" dirty="0" smtClean="0">
+                <a:latin typeface="Courier New" pitchFamily="49" charset="0"/>
+                <a:cs typeface="Courier New" pitchFamily="49" charset="0"/>
+              </a:rPr>
+              <a:t>g </a:t>
+            </a:r>
+            <a:r>
+              <a:rPr lang="en-US" altLang="ja-JP" dirty="0">
+                <a:latin typeface="Courier New" pitchFamily="49" charset="0"/>
+                <a:cs typeface="Courier New" pitchFamily="49" charset="0"/>
+              </a:rPr>
+              <a:t>= </a:t>
+            </a:r>
+            <a:r>
+              <a:rPr lang="en-US" altLang="ja-JP" dirty="0" err="1">
+                <a:latin typeface="Courier New" pitchFamily="49" charset="0"/>
+                <a:cs typeface="Courier New" pitchFamily="49" charset="0"/>
+              </a:rPr>
+              <a:t>RaddDjur</a:t>
+            </a:r>
+            <a:r>
+              <a:rPr lang="en-US" altLang="ja-JP" dirty="0">
+                <a:latin typeface="Courier New" pitchFamily="49" charset="0"/>
+                <a:cs typeface="Courier New" pitchFamily="49" charset="0"/>
+              </a:rPr>
+              <a:t>::</a:t>
+            </a:r>
+            <a:r>
+              <a:rPr lang="en-US" altLang="ja-JP" dirty="0" err="1">
+                <a:latin typeface="Courier New" pitchFamily="49" charset="0"/>
+                <a:cs typeface="Courier New" pitchFamily="49" charset="0"/>
+              </a:rPr>
+              <a:t>Grammar.new</a:t>
+            </a:r>
+            <a:r>
+              <a:rPr lang="en-US" altLang="ja-JP" dirty="0">
+                <a:latin typeface="Courier New" pitchFamily="49" charset="0"/>
+                <a:cs typeface="Courier New" pitchFamily="49" charset="0"/>
+              </a:rPr>
+              <a:t>(:additive) </a:t>
+            </a:r>
+            <a:r>
+              <a:rPr lang="en-US" altLang="ja-JP" dirty="0" smtClean="0">
+                <a:latin typeface="Courier New" pitchFamily="49" charset="0"/>
+                <a:cs typeface="Courier New" pitchFamily="49" charset="0"/>
+              </a:rPr>
+              <a:t>{</a:t>
+            </a:r>
+          </a:p>
+          <a:p>
+            <a:r>
+              <a:rPr lang="en-US" altLang="ja-JP" dirty="0" smtClean="0">
+                <a:latin typeface="Courier New" pitchFamily="49" charset="0"/>
+                <a:cs typeface="Courier New" pitchFamily="49" charset="0"/>
+              </a:rPr>
+              <a:t>  </a:t>
+            </a:r>
+            <a:r>
+              <a:rPr lang="en-US" altLang="ja-JP" dirty="0" smtClean="0">
+                <a:latin typeface="Courier New" pitchFamily="49" charset="0"/>
+                <a:cs typeface="Courier New" pitchFamily="49" charset="0"/>
+              </a:rPr>
+              <a:t># </a:t>
+            </a:r>
+            <a:r>
+              <a:rPr lang="en-US" altLang="ja-JP" dirty="0" err="1">
+                <a:latin typeface="Courier New" pitchFamily="49" charset="0"/>
+                <a:cs typeface="Courier New" pitchFamily="49" charset="0"/>
+              </a:rPr>
+              <a:t>RaddDjur</a:t>
+            </a:r>
+            <a:r>
+              <a:rPr lang="en-US" altLang="ja-JP" dirty="0">
+                <a:latin typeface="Courier New" pitchFamily="49" charset="0"/>
+                <a:cs typeface="Courier New" pitchFamily="49" charset="0"/>
+              </a:rPr>
+              <a:t>::</a:t>
+            </a:r>
+            <a:r>
+              <a:rPr lang="en-US" altLang="ja-JP" dirty="0" smtClean="0">
+                <a:latin typeface="Courier New" pitchFamily="49" charset="0"/>
+                <a:cs typeface="Courier New" pitchFamily="49" charset="0"/>
+              </a:rPr>
+              <a:t>DSL is activated here</a:t>
+            </a:r>
+            <a:endParaRPr lang="en-US" altLang="ja-JP" dirty="0" smtClean="0">
+              <a:latin typeface="Courier New" pitchFamily="49" charset="0"/>
+              <a:cs typeface="Courier New" pitchFamily="49" charset="0"/>
+            </a:endParaRPr>
+          </a:p>
+          <a:p>
+            <a:r>
+              <a:rPr lang="en-US" altLang="ja-JP" dirty="0" smtClean="0">
+                <a:latin typeface="Courier New" pitchFamily="49" charset="0"/>
+                <a:cs typeface="Courier New" pitchFamily="49" charset="0"/>
+              </a:rPr>
+              <a:t>}</a:t>
+            </a:r>
+          </a:p>
+          <a:p>
+            <a:r>
+              <a:rPr lang="en-US" altLang="ja-JP" dirty="0" smtClean="0">
+                <a:latin typeface="Courier New" pitchFamily="49" charset="0"/>
+                <a:cs typeface="Courier New" pitchFamily="49" charset="0"/>
+              </a:rPr>
+              <a:t>x = </a:t>
+            </a:r>
+            <a:r>
+              <a:rPr lang="en-US" altLang="ja-JP" dirty="0" err="1" smtClean="0">
+                <a:latin typeface="Courier New" pitchFamily="49" charset="0"/>
+                <a:cs typeface="Courier New" pitchFamily="49" charset="0"/>
+              </a:rPr>
+              <a:t>Foo.new</a:t>
+            </a:r>
+            <a:r>
+              <a:rPr lang="en-US" altLang="ja-JP" dirty="0" smtClean="0">
+                <a:latin typeface="Courier New" pitchFamily="49" charset="0"/>
+                <a:cs typeface="Courier New" pitchFamily="49" charset="0"/>
+              </a:rPr>
+              <a:t> {</a:t>
+            </a:r>
+          </a:p>
+          <a:p>
+            <a:r>
+              <a:rPr lang="en-US" altLang="ja-JP" dirty="0">
+                <a:latin typeface="Courier New" pitchFamily="49" charset="0"/>
+                <a:cs typeface="Courier New" pitchFamily="49" charset="0"/>
+              </a:rPr>
+              <a:t> </a:t>
+            </a:r>
+            <a:r>
+              <a:rPr lang="en-US" altLang="ja-JP" dirty="0" smtClean="0">
+                <a:latin typeface="Courier New" pitchFamily="49" charset="0"/>
+                <a:cs typeface="Courier New" pitchFamily="49" charset="0"/>
+              </a:rPr>
+              <a:t> # another incompatible refinement is</a:t>
+            </a:r>
+          </a:p>
+          <a:p>
+            <a:r>
+              <a:rPr lang="en-US" altLang="ja-JP" dirty="0" smtClean="0">
+                <a:latin typeface="Courier New" pitchFamily="49" charset="0"/>
+                <a:cs typeface="Courier New" pitchFamily="49" charset="0"/>
+              </a:rPr>
+              <a:t>  # activated here.</a:t>
+            </a:r>
+          </a:p>
+          <a:p>
+            <a:r>
+              <a:rPr lang="en-US" altLang="ja-JP" dirty="0">
+                <a:latin typeface="Courier New" pitchFamily="49" charset="0"/>
+                <a:cs typeface="Courier New" pitchFamily="49" charset="0"/>
+              </a:rPr>
+              <a:t>}</a:t>
+            </a:r>
+            <a:endParaRPr lang="en-US" altLang="ja-JP" dirty="0" smtClean="0">
+              <a:latin typeface="Courier New" pitchFamily="49" charset="0"/>
+              <a:cs typeface="Courier New" pitchFamily="49" charset="0"/>
+            </a:endParaRPr>
           </a:p>
         </p:txBody>
       </p:sp>
@@ -10734,7 +11178,11 @@
           <a:p>
             <a:r>
               <a:rPr kumimoji="1" lang="en-US" altLang="ja-JP" dirty="0" smtClean="0"/>
-              <a:t>Conclusion</a:t>
+              <a:t>Proposal: using: option of </a:t>
+            </a:r>
+            <a:r>
+              <a:rPr kumimoji="1" lang="en-US" altLang="ja-JP" dirty="0" err="1" smtClean="0"/>
+              <a:t>instance_eval</a:t>
             </a:r>
             <a:endParaRPr kumimoji="1" lang="ja-JP" altLang="en-US" dirty="0"/>
           </a:p>
@@ -10752,10 +11200,45 @@
         </p:nvSpPr>
         <p:spPr/>
         <p:txBody>
-          <a:bodyPr/>
+          <a:bodyPr>
+            <a:noAutofit/>
+          </a:bodyPr>
           <a:lstStyle/>
           <a:p>
-            <a:endParaRPr kumimoji="1" lang="ja-JP" altLang="en-US"/>
+            <a:r>
+              <a:rPr kumimoji="1" lang="en-US" altLang="ja-JP" dirty="0" smtClean="0"/>
+              <a:t>Example</a:t>
+            </a:r>
+          </a:p>
+          <a:p>
+            <a:endParaRPr lang="en-US" altLang="ja-JP" dirty="0"/>
+          </a:p>
+          <a:p>
+            <a:endParaRPr kumimoji="1" lang="en-US" altLang="ja-JP" dirty="0" smtClean="0"/>
+          </a:p>
+          <a:p>
+            <a:endParaRPr lang="en-US" altLang="ja-JP" dirty="0"/>
+          </a:p>
+          <a:p>
+            <a:endParaRPr kumimoji="1" lang="en-US" altLang="ja-JP" dirty="0" smtClean="0"/>
+          </a:p>
+          <a:p>
+            <a:pPr lvl="1"/>
+            <a:r>
+              <a:rPr lang="en-US" altLang="ja-JP" dirty="0" smtClean="0"/>
+              <a:t>The value of using: option is a refinement, or an array of refinements</a:t>
+            </a:r>
+          </a:p>
+          <a:p>
+            <a:pPr lvl="1"/>
+            <a:r>
+              <a:rPr lang="en-US" altLang="ja-JP" dirty="0" smtClean="0"/>
+              <a:t>The refinement is activated only in the given block</a:t>
+            </a:r>
+          </a:p>
+          <a:p>
+            <a:pPr lvl="1"/>
+            <a:endParaRPr kumimoji="1" lang="en-US" altLang="ja-JP" dirty="0" smtClean="0"/>
           </a:p>
         </p:txBody>
       </p:sp>
@@ -10777,6 +11260,624 @@
             <a:fld id="{D2D8002D-B5B0-4BAC-B1F6-782DDCCE6D9C}" type="slidenum">
               <a:rPr kumimoji="1" lang="ja-JP" altLang="en-US" smtClean="0"/>
               <a:t>24</a:t>
+            </a:fld>
+            <a:endParaRPr kumimoji="1" lang="ja-JP" altLang="en-US" dirty="0"/>
+          </a:p>
+        </p:txBody>
+      </p:sp>
+      <p:sp>
+        <p:nvSpPr>
+          <p:cNvPr id="6" name="コンテンツ プレースホルダー 2"/>
+          <p:cNvSpPr txBox="1">
+            <a:spLocks/>
+          </p:cNvSpPr>
+          <p:nvPr/>
+        </p:nvSpPr>
+        <p:spPr>
+          <a:xfrm>
+            <a:off x="584388" y="2276872"/>
+            <a:ext cx="7299980" cy="1512168"/>
+          </a:xfrm>
+          <a:prstGeom prst="rect">
+            <a:avLst/>
+          </a:prstGeom>
+          <a:solidFill>
+            <a:schemeClr val="accent4">
+              <a:lumMod val="40000"/>
+              <a:lumOff val="60000"/>
+            </a:schemeClr>
+          </a:solidFill>
+        </p:spPr>
+        <p:txBody>
+          <a:bodyPr vert="horz" lIns="180000" tIns="144000" rIns="180000" bIns="72000" rtlCol="0">
+            <a:normAutofit/>
+          </a:bodyPr>
+          <a:lstStyle>
+            <a:lvl1pPr marL="0" indent="0" algn="l" defTabSz="914400" rtl="0" eaLnBrk="1" latinLnBrk="0" hangingPunct="1">
+              <a:spcBef>
+                <a:spcPct val="20000"/>
+              </a:spcBef>
+              <a:spcAft>
+                <a:spcPts val="600"/>
+              </a:spcAft>
+              <a:buFont typeface="Arial" pitchFamily="34" charset="0"/>
+              <a:buNone/>
+              <a:defRPr kumimoji="1" sz="2000" b="1" kern="1200">
+                <a:solidFill>
+                  <a:schemeClr val="tx1"/>
+                </a:solidFill>
+                <a:latin typeface="+mn-lt"/>
+                <a:ea typeface="+mn-ea"/>
+                <a:cs typeface="+mn-cs"/>
+              </a:defRPr>
+            </a:lvl1pPr>
+            <a:lvl2pPr marL="457200" indent="-182880" algn="l" defTabSz="914400" rtl="0" eaLnBrk="1" latinLnBrk="0" hangingPunct="1">
+              <a:spcBef>
+                <a:spcPct val="20000"/>
+              </a:spcBef>
+              <a:buClr>
+                <a:schemeClr val="tx2"/>
+              </a:buClr>
+              <a:buFont typeface="Arial" pitchFamily="34" charset="0"/>
+              <a:buChar char="•"/>
+              <a:defRPr kumimoji="1" sz="2000" kern="1200">
+                <a:solidFill>
+                  <a:schemeClr val="tx1"/>
+                </a:solidFill>
+                <a:latin typeface="+mn-lt"/>
+                <a:ea typeface="+mn-ea"/>
+                <a:cs typeface="+mn-cs"/>
+              </a:defRPr>
+            </a:lvl2pPr>
+            <a:lvl3pPr marL="1143000" indent="-228600" algn="l" defTabSz="914400" rtl="0" eaLnBrk="1" latinLnBrk="0" hangingPunct="1">
+              <a:spcBef>
+                <a:spcPct val="20000"/>
+              </a:spcBef>
+              <a:buClr>
+                <a:schemeClr val="tx2"/>
+              </a:buClr>
+              <a:buFont typeface="Arial" pitchFamily="34" charset="0"/>
+              <a:buChar char="•"/>
+              <a:defRPr kumimoji="1" sz="1800" kern="1200">
+                <a:solidFill>
+                  <a:schemeClr val="tx1"/>
+                </a:solidFill>
+                <a:latin typeface="+mn-lt"/>
+                <a:ea typeface="+mn-ea"/>
+                <a:cs typeface="+mn-cs"/>
+              </a:defRPr>
+            </a:lvl3pPr>
+            <a:lvl4pPr marL="1600200" indent="-228600" algn="l" defTabSz="914400" rtl="0" eaLnBrk="1" latinLnBrk="0" hangingPunct="1">
+              <a:spcBef>
+                <a:spcPct val="20000"/>
+              </a:spcBef>
+              <a:buClr>
+                <a:schemeClr val="tx2"/>
+              </a:buClr>
+              <a:buFont typeface="Arial" pitchFamily="34" charset="0"/>
+              <a:buChar char="•"/>
+              <a:defRPr kumimoji="1" sz="1800" kern="1200">
+                <a:solidFill>
+                  <a:schemeClr val="tx1"/>
+                </a:solidFill>
+                <a:latin typeface="+mn-lt"/>
+                <a:ea typeface="+mn-ea"/>
+                <a:cs typeface="+mn-cs"/>
+              </a:defRPr>
+            </a:lvl4pPr>
+            <a:lvl5pPr marL="2057400" indent="-228600" algn="l" defTabSz="914400" rtl="0" eaLnBrk="1" latinLnBrk="0" hangingPunct="1">
+              <a:spcBef>
+                <a:spcPct val="20000"/>
+              </a:spcBef>
+              <a:buClr>
+                <a:schemeClr val="tx2"/>
+              </a:buClr>
+              <a:buFont typeface="Arial" pitchFamily="34" charset="0"/>
+              <a:buChar char="•"/>
+              <a:defRPr kumimoji="1" sz="1800" kern="1200" baseline="0">
+                <a:solidFill>
+                  <a:schemeClr val="tx1"/>
+                </a:solidFill>
+                <a:latin typeface="+mn-lt"/>
+                <a:ea typeface="+mn-ea"/>
+                <a:cs typeface="+mn-cs"/>
+              </a:defRPr>
+            </a:lvl5pPr>
+            <a:lvl6pPr marL="2514600" indent="-228600" algn="l" defTabSz="914400" rtl="0" eaLnBrk="1" latinLnBrk="0" hangingPunct="1">
+              <a:spcBef>
+                <a:spcPct val="20000"/>
+              </a:spcBef>
+              <a:buClr>
+                <a:schemeClr val="tx2"/>
+              </a:buClr>
+              <a:buFont typeface="Arial" pitchFamily="34" charset="0"/>
+              <a:buChar char="•"/>
+              <a:defRPr kumimoji="1" sz="1600" kern="1200">
+                <a:solidFill>
+                  <a:schemeClr val="tx1"/>
+                </a:solidFill>
+                <a:latin typeface="+mn-lt"/>
+                <a:ea typeface="+mn-ea"/>
+                <a:cs typeface="+mn-cs"/>
+              </a:defRPr>
+            </a:lvl6pPr>
+            <a:lvl7pPr marL="2971800" indent="-228600" algn="l" defTabSz="914400" rtl="0" eaLnBrk="1" latinLnBrk="0" hangingPunct="1">
+              <a:spcBef>
+                <a:spcPct val="20000"/>
+              </a:spcBef>
+              <a:buClr>
+                <a:schemeClr val="tx2"/>
+              </a:buClr>
+              <a:buFont typeface="Arial" pitchFamily="34" charset="0"/>
+              <a:buChar char="•"/>
+              <a:defRPr kumimoji="1" sz="1600" kern="1200">
+                <a:solidFill>
+                  <a:schemeClr val="tx1"/>
+                </a:solidFill>
+                <a:latin typeface="+mn-lt"/>
+                <a:ea typeface="+mn-ea"/>
+                <a:cs typeface="+mn-cs"/>
+              </a:defRPr>
+            </a:lvl7pPr>
+            <a:lvl8pPr marL="3429000" indent="-228600" algn="l" defTabSz="914400" rtl="0" eaLnBrk="1" latinLnBrk="0" hangingPunct="1">
+              <a:spcBef>
+                <a:spcPct val="20000"/>
+              </a:spcBef>
+              <a:buClr>
+                <a:schemeClr val="tx2"/>
+              </a:buClr>
+              <a:buFont typeface="Arial" pitchFamily="34" charset="0"/>
+              <a:buChar char="•"/>
+              <a:defRPr kumimoji="1" sz="1600" kern="1200">
+                <a:solidFill>
+                  <a:schemeClr val="tx1"/>
+                </a:solidFill>
+                <a:latin typeface="+mn-lt"/>
+                <a:ea typeface="+mn-ea"/>
+                <a:cs typeface="+mn-cs"/>
+              </a:defRPr>
+            </a:lvl8pPr>
+            <a:lvl9pPr marL="3886200" indent="-228600" algn="l" defTabSz="914400" rtl="0" eaLnBrk="1" latinLnBrk="0" hangingPunct="1">
+              <a:spcBef>
+                <a:spcPct val="20000"/>
+              </a:spcBef>
+              <a:buClr>
+                <a:schemeClr val="tx2"/>
+              </a:buClr>
+              <a:buFont typeface="Arial" pitchFamily="34" charset="0"/>
+              <a:buChar char="•"/>
+              <a:defRPr kumimoji="1" sz="1600" kern="1200">
+                <a:solidFill>
+                  <a:schemeClr val="tx1"/>
+                </a:solidFill>
+                <a:latin typeface="+mn-lt"/>
+                <a:ea typeface="+mn-ea"/>
+                <a:cs typeface="+mn-cs"/>
+              </a:defRPr>
+            </a:lvl9pPr>
+          </a:lstStyle>
+          <a:p>
+            <a:r>
+              <a:rPr lang="en-US" altLang="ja-JP" dirty="0" err="1" smtClean="0">
+                <a:latin typeface="Courier New" pitchFamily="49" charset="0"/>
+                <a:cs typeface="Courier New" pitchFamily="49" charset="0"/>
+              </a:rPr>
+              <a:t>def</a:t>
+            </a:r>
+            <a:r>
+              <a:rPr lang="en-US" altLang="ja-JP" dirty="0" smtClean="0">
+                <a:latin typeface="Courier New" pitchFamily="49" charset="0"/>
+                <a:cs typeface="Courier New" pitchFamily="49" charset="0"/>
+              </a:rPr>
+              <a:t> initialize(&amp;block)</a:t>
+            </a:r>
+          </a:p>
+          <a:p>
+            <a:r>
+              <a:rPr lang="en-US" altLang="ja-JP" dirty="0">
+                <a:latin typeface="Courier New" pitchFamily="49" charset="0"/>
+                <a:cs typeface="Courier New" pitchFamily="49" charset="0"/>
+              </a:rPr>
+              <a:t> </a:t>
+            </a:r>
+            <a:r>
+              <a:rPr lang="en-US" altLang="ja-JP" dirty="0" smtClean="0">
+                <a:latin typeface="Courier New" pitchFamily="49" charset="0"/>
+                <a:cs typeface="Courier New" pitchFamily="49" charset="0"/>
+              </a:rPr>
+              <a:t> </a:t>
+            </a:r>
+            <a:r>
+              <a:rPr lang="en-US" altLang="ja-JP" dirty="0" err="1" smtClean="0">
+                <a:latin typeface="Courier New" pitchFamily="49" charset="0"/>
+                <a:cs typeface="Courier New" pitchFamily="49" charset="0"/>
+              </a:rPr>
+              <a:t>instance_eval</a:t>
+            </a:r>
+            <a:r>
+              <a:rPr lang="en-US" altLang="ja-JP" dirty="0" smtClean="0">
+                <a:latin typeface="Courier New" pitchFamily="49" charset="0"/>
+                <a:cs typeface="Courier New" pitchFamily="49" charset="0"/>
+              </a:rPr>
+              <a:t>(using: </a:t>
+            </a:r>
+            <a:r>
+              <a:rPr lang="en-US" altLang="ja-JP" dirty="0" err="1" smtClean="0">
+                <a:latin typeface="Courier New" pitchFamily="49" charset="0"/>
+                <a:cs typeface="Courier New" pitchFamily="49" charset="0"/>
+              </a:rPr>
+              <a:t>RaddDjur</a:t>
+            </a:r>
+            <a:r>
+              <a:rPr lang="en-US" altLang="ja-JP" dirty="0" smtClean="0">
+                <a:latin typeface="Courier New" pitchFamily="49" charset="0"/>
+                <a:cs typeface="Courier New" pitchFamily="49" charset="0"/>
+              </a:rPr>
+              <a:t>::DSL, &amp;block)</a:t>
+            </a:r>
+          </a:p>
+          <a:p>
+            <a:r>
+              <a:rPr lang="en-US" altLang="ja-JP" dirty="0" smtClean="0">
+                <a:latin typeface="Courier New" pitchFamily="49" charset="0"/>
+                <a:cs typeface="Courier New" pitchFamily="49" charset="0"/>
+              </a:rPr>
+              <a:t>end</a:t>
+            </a:r>
+            <a:endParaRPr lang="en-US" altLang="ja-JP" dirty="0" smtClean="0">
+              <a:latin typeface="Courier New" pitchFamily="49" charset="0"/>
+              <a:cs typeface="Courier New" pitchFamily="49" charset="0"/>
+            </a:endParaRPr>
+          </a:p>
+        </p:txBody>
+      </p:sp>
+    </p:spTree>
+    <p:extLst>
+      <p:ext uri="{BB962C8B-B14F-4D97-AF65-F5344CB8AC3E}">
+        <p14:creationId xmlns:p14="http://schemas.microsoft.com/office/powerpoint/2010/main" val="650337309"/>
+      </p:ext>
+    </p:extLst>
+  </p:cSld>
+  <p:clrMapOvr>
+    <a:masterClrMapping/>
+  </p:clrMapOvr>
+  <mc:AlternateContent xmlns:mc="http://schemas.openxmlformats.org/markup-compatibility/2006">
+    <mc:Choice xmlns:p14="http://schemas.microsoft.com/office/powerpoint/2010/main" Requires="p14">
+      <p:transition p14:dur="0"/>
+    </mc:Choice>
+    <mc:Fallback>
+      <p:transition/>
+    </mc:Fallback>
+  </mc:AlternateContent>
+</p:sld>
+</file>
+
+<file path=ppt/slides/slide26.xml><?xml version="1.0" encoding="utf-8"?>
+<p:sld xmlns:a="http://schemas.openxmlformats.org/drawingml/2006/main" xmlns:r="http://schemas.openxmlformats.org/officeDocument/2006/relationships" xmlns:p="http://schemas.openxmlformats.org/presentationml/2006/main">
+  <p:cSld>
+    <p:spTree>
+      <p:nvGrpSpPr>
+        <p:cNvPr id="1" name=""/>
+        <p:cNvGrpSpPr/>
+        <p:nvPr/>
+      </p:nvGrpSpPr>
+      <p:grpSpPr>
+        <a:xfrm>
+          <a:off x="0" y="0"/>
+          <a:ext cx="0" cy="0"/>
+          <a:chOff x="0" y="0"/>
+          <a:chExt cx="0" cy="0"/>
+        </a:xfrm>
+      </p:grpSpPr>
+      <p:sp>
+        <p:nvSpPr>
+          <p:cNvPr id="2" name="タイトル 1"/>
+          <p:cNvSpPr>
+            <a:spLocks noGrp="1"/>
+          </p:cNvSpPr>
+          <p:nvPr>
+            <p:ph type="title"/>
+          </p:nvPr>
+        </p:nvSpPr>
+        <p:spPr/>
+        <p:txBody>
+          <a:bodyPr/>
+          <a:lstStyle/>
+          <a:p>
+            <a:r>
+              <a:rPr lang="en-US" altLang="ja-JP" dirty="0" smtClean="0"/>
+              <a:t>Considerations</a:t>
+            </a:r>
+            <a:endParaRPr kumimoji="1" lang="ja-JP" altLang="en-US" dirty="0"/>
+          </a:p>
+        </p:txBody>
+      </p:sp>
+      <p:sp>
+        <p:nvSpPr>
+          <p:cNvPr id="3" name="コンテンツ プレースホルダー 2"/>
+          <p:cNvSpPr>
+            <a:spLocks noGrp="1"/>
+          </p:cNvSpPr>
+          <p:nvPr>
+            <p:ph idx="1"/>
+          </p:nvPr>
+        </p:nvSpPr>
+        <p:spPr/>
+        <p:txBody>
+          <a:bodyPr>
+            <a:normAutofit/>
+          </a:bodyPr>
+          <a:lstStyle/>
+          <a:p>
+            <a:r>
+              <a:rPr kumimoji="1" lang="en-US" altLang="ja-JP" dirty="0" smtClean="0"/>
+              <a:t>Why </a:t>
+            </a:r>
+            <a:r>
+              <a:rPr kumimoji="1" lang="en-US" altLang="ja-JP" dirty="0" err="1" smtClean="0"/>
+              <a:t>instance_eval</a:t>
+            </a:r>
+            <a:r>
+              <a:rPr lang="en-US" altLang="ja-JP" dirty="0" smtClean="0"/>
+              <a:t>?</a:t>
+            </a:r>
+          </a:p>
+          <a:p>
+            <a:pPr lvl="1"/>
+            <a:r>
+              <a:rPr lang="en-US" altLang="ja-JP" dirty="0" err="1" smtClean="0"/>
+              <a:t>instance_eval</a:t>
+            </a:r>
+            <a:r>
+              <a:rPr lang="en-US" altLang="ja-JP" dirty="0" smtClean="0"/>
+              <a:t> is often used for DSL</a:t>
+            </a:r>
+          </a:p>
+          <a:p>
+            <a:pPr lvl="1"/>
+            <a:r>
+              <a:rPr lang="en-US" altLang="ja-JP" dirty="0" smtClean="0"/>
+              <a:t>self switching and refinement activation should be used at the same time</a:t>
+            </a:r>
+          </a:p>
+          <a:p>
+            <a:r>
+              <a:rPr lang="en-US" altLang="ja-JP" dirty="0" smtClean="0"/>
+              <a:t>How about other </a:t>
+            </a:r>
+            <a:r>
+              <a:rPr lang="en-US" altLang="ja-JP" dirty="0" err="1" smtClean="0"/>
+              <a:t>eval</a:t>
+            </a:r>
+            <a:r>
+              <a:rPr lang="en-US" altLang="ja-JP" dirty="0" smtClean="0"/>
+              <a:t> methods?</a:t>
+            </a:r>
+          </a:p>
+          <a:p>
+            <a:pPr lvl="1"/>
+            <a:r>
+              <a:rPr lang="en-US" altLang="ja-JP" dirty="0" smtClean="0"/>
+              <a:t>I have no idea for </a:t>
+            </a:r>
+            <a:r>
+              <a:rPr lang="en-US" altLang="ja-JP" dirty="0" err="1" smtClean="0"/>
+              <a:t>eval</a:t>
+            </a:r>
+            <a:r>
+              <a:rPr lang="en-US" altLang="ja-JP" dirty="0" smtClean="0"/>
+              <a:t> and </a:t>
+            </a:r>
+            <a:r>
+              <a:rPr lang="en-US" altLang="ja-JP" dirty="0" err="1" smtClean="0"/>
+              <a:t>module_eval</a:t>
+            </a:r>
+            <a:endParaRPr lang="en-US" altLang="ja-JP" dirty="0" smtClean="0"/>
+          </a:p>
+          <a:p>
+            <a:pPr lvl="1"/>
+            <a:r>
+              <a:rPr lang="en-US" altLang="ja-JP" dirty="0" smtClean="0"/>
+              <a:t>But </a:t>
+            </a:r>
+            <a:r>
+              <a:rPr lang="en-US" altLang="ja-JP" dirty="0" err="1" smtClean="0"/>
+              <a:t>instance_exec</a:t>
+            </a:r>
+            <a:r>
+              <a:rPr lang="en-US" altLang="ja-JP" dirty="0" smtClean="0"/>
+              <a:t> should have the using: option</a:t>
+            </a:r>
+          </a:p>
+          <a:p>
+            <a:r>
+              <a:rPr lang="en-US" altLang="ja-JP" dirty="0" smtClean="0"/>
+              <a:t>Readability</a:t>
+            </a:r>
+          </a:p>
+          <a:p>
+            <a:pPr lvl="1"/>
+            <a:r>
+              <a:rPr lang="en-US" altLang="ja-JP" dirty="0" smtClean="0"/>
+              <a:t>Implicit refinement activation may be confusing for users</a:t>
+            </a:r>
+          </a:p>
+          <a:p>
+            <a:r>
+              <a:rPr kumimoji="1" lang="en-US" altLang="ja-JP" dirty="0" smtClean="0"/>
+              <a:t>Performance issue</a:t>
+            </a:r>
+          </a:p>
+          <a:p>
+            <a:pPr lvl="1"/>
+            <a:r>
+              <a:rPr lang="en-US" altLang="ja-JP" dirty="0" smtClean="0"/>
+              <a:t>Please help me, SASADA-san</a:t>
+            </a:r>
+            <a:endParaRPr kumimoji="1" lang="ja-JP" altLang="en-US" dirty="0"/>
+          </a:p>
+        </p:txBody>
+      </p:sp>
+      <p:sp>
+        <p:nvSpPr>
+          <p:cNvPr id="4" name="スライド番号プレースホルダー 3"/>
+          <p:cNvSpPr>
+            <a:spLocks noGrp="1"/>
+          </p:cNvSpPr>
+          <p:nvPr>
+            <p:ph type="sldNum" sz="quarter" idx="12"/>
+          </p:nvPr>
+        </p:nvSpPr>
+        <p:spPr/>
+        <p:txBody>
+          <a:bodyPr/>
+          <a:lstStyle/>
+          <a:p>
+            <a:fld id="{D2D8002D-B5B0-4BAC-B1F6-782DDCCE6D9C}" type="slidenum">
+              <a:rPr kumimoji="1" lang="ja-JP" altLang="en-US" smtClean="0"/>
+              <a:t>25</a:t>
+            </a:fld>
+            <a:endParaRPr kumimoji="1" lang="ja-JP" altLang="en-US" dirty="0"/>
+          </a:p>
+        </p:txBody>
+      </p:sp>
+    </p:spTree>
+    <p:extLst>
+      <p:ext uri="{BB962C8B-B14F-4D97-AF65-F5344CB8AC3E}">
+        <p14:creationId xmlns:p14="http://schemas.microsoft.com/office/powerpoint/2010/main" val="2838926945"/>
+      </p:ext>
+    </p:extLst>
+  </p:cSld>
+  <p:clrMapOvr>
+    <a:masterClrMapping/>
+  </p:clrMapOvr>
+  <mc:AlternateContent xmlns:mc="http://schemas.openxmlformats.org/markup-compatibility/2006">
+    <mc:Choice xmlns:p14="http://schemas.microsoft.com/office/powerpoint/2010/main" Requires="p14">
+      <p:transition p14:dur="0"/>
+    </mc:Choice>
+    <mc:Fallback>
+      <p:transition/>
+    </mc:Fallback>
+  </mc:AlternateContent>
+</p:sld>
+</file>
+
+<file path=ppt/slides/slide27.xml><?xml version="1.0" encoding="utf-8"?>
+<p:sld xmlns:a="http://schemas.openxmlformats.org/drawingml/2006/main" xmlns:r="http://schemas.openxmlformats.org/officeDocument/2006/relationships" xmlns:p="http://schemas.openxmlformats.org/presentationml/2006/main">
+  <p:cSld>
+    <p:spTree>
+      <p:nvGrpSpPr>
+        <p:cNvPr id="1" name=""/>
+        <p:cNvGrpSpPr/>
+        <p:nvPr/>
+      </p:nvGrpSpPr>
+      <p:grpSpPr>
+        <a:xfrm>
+          <a:off x="0" y="0"/>
+          <a:ext cx="0" cy="0"/>
+          <a:chOff x="0" y="0"/>
+          <a:chExt cx="0" cy="0"/>
+        </a:xfrm>
+      </p:grpSpPr>
+      <p:sp>
+        <p:nvSpPr>
+          <p:cNvPr id="2" name="タイトル 1"/>
+          <p:cNvSpPr>
+            <a:spLocks noGrp="1"/>
+          </p:cNvSpPr>
+          <p:nvPr>
+            <p:ph type="title"/>
+          </p:nvPr>
+        </p:nvSpPr>
+        <p:spPr/>
+        <p:txBody>
+          <a:bodyPr/>
+          <a:lstStyle/>
+          <a:p>
+            <a:r>
+              <a:rPr kumimoji="1" lang="en-US" altLang="ja-JP" dirty="0" smtClean="0"/>
+              <a:t>Conclusion</a:t>
+            </a:r>
+            <a:endParaRPr kumimoji="1" lang="ja-JP" altLang="en-US" dirty="0"/>
+          </a:p>
+        </p:txBody>
+      </p:sp>
+      <p:sp>
+        <p:nvSpPr>
+          <p:cNvPr id="3" name="コンテンツ プレースホルダー 2"/>
+          <p:cNvSpPr>
+            <a:spLocks noGrp="1"/>
+          </p:cNvSpPr>
+          <p:nvPr>
+            <p:ph idx="1"/>
+          </p:nvPr>
+        </p:nvSpPr>
+        <p:spPr/>
+        <p:txBody>
+          <a:bodyPr/>
+          <a:lstStyle/>
+          <a:p>
+            <a:r>
+              <a:rPr lang="en-US" altLang="ja-JP" dirty="0" smtClean="0"/>
+              <a:t>What a</a:t>
+            </a:r>
+            <a:r>
+              <a:rPr kumimoji="1" lang="en-US" altLang="ja-JP" dirty="0" smtClean="0"/>
+              <a:t>re refinements for?</a:t>
+            </a:r>
+          </a:p>
+          <a:p>
+            <a:pPr lvl="1"/>
+            <a:r>
+              <a:rPr kumimoji="1" lang="en-US" altLang="ja-JP" dirty="0" smtClean="0"/>
+              <a:t>For  better compatibility</a:t>
+            </a:r>
+          </a:p>
+          <a:p>
+            <a:pPr lvl="1"/>
+            <a:r>
+              <a:rPr lang="en-US" altLang="ja-JP" dirty="0" smtClean="0"/>
+              <a:t>For internal DSL</a:t>
+            </a:r>
+          </a:p>
+          <a:p>
+            <a:r>
+              <a:rPr kumimoji="1" lang="en-US" altLang="ja-JP" dirty="0" smtClean="0"/>
+              <a:t>How to refine refinements</a:t>
+            </a:r>
+          </a:p>
+          <a:p>
+            <a:pPr lvl="1"/>
+            <a:r>
+              <a:rPr lang="en-US" altLang="ja-JP" dirty="0" smtClean="0"/>
+              <a:t>using: option for </a:t>
+            </a:r>
+            <a:r>
+              <a:rPr lang="en-US" altLang="ja-JP" dirty="0" err="1" smtClean="0"/>
+              <a:t>instance_eval</a:t>
+            </a:r>
+            <a:endParaRPr lang="en-US" altLang="ja-JP" dirty="0" smtClean="0"/>
+          </a:p>
+        </p:txBody>
+      </p:sp>
+      <p:sp>
+        <p:nvSpPr>
+          <p:cNvPr id="4" name="スライド番号プレースホルダー 3"/>
+          <p:cNvSpPr>
+            <a:spLocks noGrp="1"/>
+          </p:cNvSpPr>
+          <p:nvPr>
+            <p:ph type="sldNum" sz="quarter" idx="12"/>
+          </p:nvPr>
+        </p:nvSpPr>
+        <p:spPr/>
+        <p:txBody>
+          <a:bodyPr/>
+          <a:lstStyle/>
+          <a:p>
+            <a:fld id="{D2D8002D-B5B0-4BAC-B1F6-782DDCCE6D9C}" type="slidenum">
+              <a:rPr kumimoji="1" lang="ja-JP" altLang="en-US" smtClean="0"/>
+              <a:t>26</a:t>
             </a:fld>
             <a:endParaRPr kumimoji="1" lang="ja-JP" altLang="en-US" dirty="0"/>
           </a:p>
@@ -10810,7 +11911,7 @@
 </p:sld>
 </file>
 
-<file path=ppt/slides/slide26.xml><?xml version="1.0" encoding="utf-8"?>
+<file path=ppt/slides/slide28.xml><?xml version="1.0" encoding="utf-8"?>
 <p:sld xmlns:a="http://schemas.openxmlformats.org/drawingml/2006/main" xmlns:r="http://schemas.openxmlformats.org/officeDocument/2006/relationships" xmlns:p="http://schemas.openxmlformats.org/presentationml/2006/main">
   <p:cSld>
     <p:spTree>
@@ -10890,7 +11991,7 @@
           <a:p>
             <a:fld id="{D2D8002D-B5B0-4BAC-B1F6-782DDCCE6D9C}" type="slidenum">
               <a:rPr kumimoji="1" lang="ja-JP" altLang="en-US" smtClean="0"/>
-              <a:t>25</a:t>
+              <a:t>27</a:t>
             </a:fld>
             <a:endParaRPr kumimoji="1" lang="ja-JP" altLang="en-US" dirty="0"/>
           </a:p>
@@ -11866,11 +12967,7 @@
           <a:p>
             <a:r>
               <a:rPr lang="en-US" altLang="ja-JP" dirty="0" smtClean="0"/>
-              <a:t>Then, make them global if </a:t>
-            </a:r>
-            <a:r>
-              <a:rPr lang="en-US" altLang="ja-JP" dirty="0" smtClean="0"/>
-              <a:t>necessary</a:t>
+              <a:t>Then, make them global if necessary</a:t>
             </a:r>
           </a:p>
           <a:p>
@@ -11885,7 +12982,6 @@
               <a:rPr lang="en-US" altLang="ja-JP" dirty="0" smtClean="0"/>
               <a:t>Integer#/</a:t>
             </a:r>
-            <a:endParaRPr lang="en-US" altLang="ja-JP" dirty="0" smtClean="0"/>
           </a:p>
         </p:txBody>
       </p:sp>
@@ -11997,11 +13093,7 @@
           <a:p>
             <a:r>
               <a:rPr kumimoji="1" lang="en-US" altLang="ja-JP" dirty="0" smtClean="0"/>
-              <a:t>Save existing code from braking </a:t>
-            </a:r>
-            <a:r>
-              <a:rPr kumimoji="1" lang="en-US" altLang="ja-JP" dirty="0" smtClean="0"/>
-              <a:t>changes</a:t>
+              <a:t>Save existing code from braking changes</a:t>
             </a:r>
           </a:p>
           <a:p>

--- a/refining_refinements.pptx
+++ b/refining_refinements.pptx
@@ -5,7 +5,7 @@
     <p:sldMasterId id="2147483684" r:id="rId1"/>
   </p:sldMasterIdLst>
   <p:notesMasterIdLst>
-    <p:notesMasterId r:id="rId30"/>
+    <p:notesMasterId r:id="rId31"/>
   </p:notesMasterIdLst>
   <p:sldIdLst>
     <p:sldId id="256" r:id="rId2"/>
@@ -29,13 +29,14 @@
     <p:sldId id="340" r:id="rId20"/>
     <p:sldId id="341" r:id="rId21"/>
     <p:sldId id="347" r:id="rId22"/>
-    <p:sldId id="348" r:id="rId23"/>
-    <p:sldId id="343" r:id="rId24"/>
-    <p:sldId id="345" r:id="rId25"/>
-    <p:sldId id="349" r:id="rId26"/>
-    <p:sldId id="350" r:id="rId27"/>
-    <p:sldId id="342" r:id="rId28"/>
-    <p:sldId id="328" r:id="rId29"/>
+    <p:sldId id="351" r:id="rId23"/>
+    <p:sldId id="348" r:id="rId24"/>
+    <p:sldId id="343" r:id="rId25"/>
+    <p:sldId id="345" r:id="rId26"/>
+    <p:sldId id="349" r:id="rId27"/>
+    <p:sldId id="350" r:id="rId28"/>
+    <p:sldId id="342" r:id="rId29"/>
+    <p:sldId id="328" r:id="rId30"/>
   </p:sldIdLst>
   <p:sldSz cx="9144000" cy="6858000" type="screen4x3"/>
   <p:notesSz cx="6858000" cy="9144000"/>
@@ -235,7 +236,7 @@
           <a:p>
             <a:fld id="{2824A956-B84A-4963-A5A1-07FF5674870B}" type="datetimeFigureOut">
               <a:rPr kumimoji="1" lang="ja-JP" altLang="en-US" smtClean="0"/>
-              <a:t>2013/5/27</a:t>
+              <a:t>2013/5/28</a:t>
             </a:fld>
             <a:endParaRPr kumimoji="1" lang="ja-JP" altLang="en-US"/>
           </a:p>
@@ -728,7 +729,7 @@
           <a:p>
             <a:fld id="{BEB2A44C-4838-48A1-8CCC-56B31324CD36}" type="datetime1">
               <a:rPr kumimoji="1" lang="ja-JP" altLang="en-US" smtClean="0"/>
-              <a:t>2013/5/27</a:t>
+              <a:t>2013/5/28</a:t>
             </a:fld>
             <a:endParaRPr kumimoji="1" lang="ja-JP" altLang="en-US"/>
           </a:p>
@@ -1118,7 +1119,7 @@
           <a:p>
             <a:fld id="{D6055D4B-96D3-4275-B22A-7550BE743D12}" type="datetime1">
               <a:rPr kumimoji="1" lang="ja-JP" altLang="en-US" smtClean="0"/>
-              <a:t>2013/5/27</a:t>
+              <a:t>2013/5/28</a:t>
             </a:fld>
             <a:endParaRPr kumimoji="1" lang="ja-JP" altLang="en-US"/>
           </a:p>
@@ -1415,7 +1416,7 @@
           <a:p>
             <a:fld id="{F09345D9-E47B-41FE-9D53-8206BA0721AD}" type="datetime1">
               <a:rPr kumimoji="1" lang="ja-JP" altLang="en-US" smtClean="0"/>
-              <a:t>2013/5/27</a:t>
+              <a:t>2013/5/28</a:t>
             </a:fld>
             <a:endParaRPr kumimoji="1" lang="ja-JP" altLang="en-US"/>
           </a:p>
@@ -1634,7 +1635,7 @@
           <a:p>
             <a:fld id="{203475DF-70B1-4C70-B488-86679E08279F}" type="datetime1">
               <a:rPr kumimoji="1" lang="ja-JP" altLang="en-US" smtClean="0"/>
-              <a:t>2013/5/27</a:t>
+              <a:t>2013/5/28</a:t>
             </a:fld>
             <a:endParaRPr kumimoji="1" lang="ja-JP" altLang="en-US"/>
           </a:p>
@@ -1847,7 +1848,7 @@
           <a:p>
             <a:fld id="{A6300FBA-32EC-48A0-B846-53E50F22EDC6}" type="datetime1">
               <a:rPr kumimoji="1" lang="ja-JP" altLang="en-US" smtClean="0"/>
-              <a:t>2013/5/27</a:t>
+              <a:t>2013/5/28</a:t>
             </a:fld>
             <a:endParaRPr kumimoji="1" lang="ja-JP" altLang="en-US"/>
           </a:p>
@@ -2068,7 +2069,7 @@
           <a:p>
             <a:fld id="{5F48B954-E802-41CF-A23B-AF4001D9A985}" type="datetime1">
               <a:rPr kumimoji="1" lang="ja-JP" altLang="en-US" smtClean="0"/>
-              <a:t>2013/5/27</a:t>
+              <a:t>2013/5/28</a:t>
             </a:fld>
             <a:endParaRPr kumimoji="1" lang="ja-JP" altLang="en-US"/>
           </a:p>
@@ -2341,7 +2342,7 @@
           <a:p>
             <a:fld id="{9E7B2D17-F2F6-4F58-A5BA-B4327B220303}" type="datetime1">
               <a:rPr kumimoji="1" lang="ja-JP" altLang="en-US" smtClean="0"/>
-              <a:t>2013/5/27</a:t>
+              <a:t>2013/5/28</a:t>
             </a:fld>
             <a:endParaRPr kumimoji="1" lang="ja-JP" altLang="en-US"/>
           </a:p>
@@ -2707,7 +2708,7 @@
           <a:p>
             <a:fld id="{A9E9C874-8A2A-417D-8190-0EEAE08A6CBC}" type="datetime1">
               <a:rPr kumimoji="1" lang="ja-JP" altLang="en-US" smtClean="0"/>
-              <a:t>2013/5/27</a:t>
+              <a:t>2013/5/28</a:t>
             </a:fld>
             <a:endParaRPr kumimoji="1" lang="ja-JP" altLang="en-US"/>
           </a:p>
@@ -3222,7 +3223,7 @@
           <a:p>
             <a:fld id="{A55BE7E1-4417-46D1-A1D7-5676DF5662EE}" type="datetime1">
               <a:rPr kumimoji="1" lang="ja-JP" altLang="en-US" smtClean="0"/>
-              <a:t>2013/5/27</a:t>
+              <a:t>2013/5/28</a:t>
             </a:fld>
             <a:endParaRPr kumimoji="1" lang="ja-JP" altLang="en-US"/>
           </a:p>
@@ -3347,7 +3348,7 @@
           <a:p>
             <a:fld id="{FE11AAFE-9511-4B75-BEE3-5AB426959440}" type="datetime1">
               <a:rPr kumimoji="1" lang="ja-JP" altLang="en-US" smtClean="0"/>
-              <a:t>2013/5/27</a:t>
+              <a:t>2013/5/28</a:t>
             </a:fld>
             <a:endParaRPr kumimoji="1" lang="ja-JP" altLang="en-US"/>
           </a:p>
@@ -3449,7 +3450,7 @@
           <a:p>
             <a:fld id="{BE67106B-0A95-46B3-B66A-1A5A0A78CD79}" type="datetime1">
               <a:rPr kumimoji="1" lang="ja-JP" altLang="en-US" smtClean="0"/>
-              <a:t>2013/5/27</a:t>
+              <a:t>2013/5/28</a:t>
             </a:fld>
             <a:endParaRPr kumimoji="1" lang="ja-JP" altLang="en-US"/>
           </a:p>
@@ -3735,7 +3736,7 @@
           <a:p>
             <a:fld id="{FDD83BBB-F8BD-4C2C-A7A1-30EF8887FC58}" type="datetime1">
               <a:rPr kumimoji="1" lang="ja-JP" altLang="en-US" smtClean="0"/>
-              <a:t>2013/5/27</a:t>
+              <a:t>2013/5/28</a:t>
             </a:fld>
             <a:endParaRPr kumimoji="1" lang="ja-JP" altLang="en-US"/>
           </a:p>
@@ -4008,7 +4009,7 @@
           <a:p>
             <a:fld id="{BB5A1D04-C170-4F36-A596-1B147592CAD8}" type="datetime1">
               <a:rPr kumimoji="1" lang="ja-JP" altLang="en-US" smtClean="0"/>
-              <a:t>2013/5/27</a:t>
+              <a:t>2013/5/28</a:t>
             </a:fld>
             <a:endParaRPr kumimoji="1" lang="ja-JP" altLang="en-US"/>
           </a:p>
@@ -8870,8 +8871,17 @@
             <a:pPr lvl="2"/>
             <a:r>
               <a:rPr lang="en-US" altLang="ja-JP" dirty="0" smtClean="0"/>
-              <a:t>e.g., ?0..?9</a:t>
-            </a:r>
+              <a:t>e.g., ?0..?</a:t>
+            </a:r>
+            <a:r>
+              <a:rPr lang="en-US" altLang="ja-JP" dirty="0" smtClean="0"/>
+              <a:t>9, ?</a:t>
+            </a:r>
+            <a:r>
+              <a:rPr lang="en-US" altLang="ja-JP" dirty="0" err="1" smtClean="0"/>
+              <a:t>a..?z</a:t>
+            </a:r>
+            <a:endParaRPr lang="en-US" altLang="ja-JP" dirty="0" smtClean="0"/>
           </a:p>
         </p:txBody>
       </p:sp>
@@ -9378,14 +9388,7 @@
                 <a:latin typeface="Courier New" pitchFamily="49" charset="0"/>
                 <a:cs typeface="Courier New" pitchFamily="49" charset="0"/>
               </a:rPr>
-              <a:t>  </a:t>
-            </a:r>
-            <a:r>
-              <a:rPr lang="en-US" altLang="ja-JP" dirty="0" smtClean="0">
-                <a:latin typeface="Courier New" pitchFamily="49" charset="0"/>
-                <a:cs typeface="Courier New" pitchFamily="49" charset="0"/>
-              </a:rPr>
-              <a:t>end</a:t>
+              <a:t>  end</a:t>
             </a:r>
           </a:p>
           <a:p>
@@ -10046,104 +10049,14 @@
           <a:lstStyle/>
           <a:p>
             <a:r>
-              <a:rPr lang="en-US" altLang="ja-JP" dirty="0"/>
-              <a:t>P</a:t>
-            </a:r>
-            <a:r>
               <a:rPr kumimoji="1" lang="en-US" altLang="ja-JP" dirty="0" smtClean="0"/>
-              <a:t>ros/cons of refinements</a:t>
+              <a:t>How does </a:t>
+            </a:r>
+            <a:r>
+              <a:rPr lang="en-US" altLang="ja-JP" dirty="0" smtClean="0"/>
+              <a:t>it work?</a:t>
             </a:r>
             <a:endParaRPr kumimoji="1" lang="ja-JP" altLang="en-US" dirty="0"/>
-          </a:p>
-        </p:txBody>
-      </p:sp>
-      <p:sp>
-        <p:nvSpPr>
-          <p:cNvPr id="7" name="コンテンツ プレースホルダー 6"/>
-          <p:cNvSpPr>
-            <a:spLocks noGrp="1"/>
-          </p:cNvSpPr>
-          <p:nvPr>
-            <p:ph idx="1"/>
-          </p:nvPr>
-        </p:nvSpPr>
-        <p:spPr/>
-        <p:txBody>
-          <a:bodyPr/>
-          <a:lstStyle/>
-          <a:p>
-            <a:r>
-              <a:rPr lang="en-US" altLang="ja-JP" dirty="0"/>
-              <a:t>P</a:t>
-            </a:r>
-            <a:r>
-              <a:rPr kumimoji="1" lang="en-US" altLang="ja-JP" dirty="0" smtClean="0"/>
-              <a:t>ros</a:t>
-            </a:r>
-            <a:endParaRPr kumimoji="1" lang="en-US" altLang="ja-JP" dirty="0" smtClean="0"/>
-          </a:p>
-          <a:p>
-            <a:pPr lvl="1"/>
-            <a:r>
-              <a:rPr lang="en-US" altLang="ja-JP" dirty="0" smtClean="0"/>
-              <a:t>Intuitive </a:t>
-            </a:r>
-            <a:r>
-              <a:rPr lang="en-US" altLang="ja-JP" dirty="0" smtClean="0"/>
-              <a:t>notation for DSL</a:t>
-            </a:r>
-            <a:r>
-              <a:rPr lang="ja-JP" altLang="en-US" dirty="0" smtClean="0"/>
-              <a:t> </a:t>
-            </a:r>
-            <a:r>
-              <a:rPr lang="en-US" altLang="ja-JP" dirty="0" smtClean="0"/>
-              <a:t>(like monkey patching)</a:t>
-            </a:r>
-            <a:endParaRPr lang="en-US" altLang="ja-JP" dirty="0" smtClean="0"/>
-          </a:p>
-          <a:p>
-            <a:pPr lvl="1"/>
-            <a:r>
-              <a:rPr lang="en-US" altLang="ja-JP" dirty="0" smtClean="0"/>
-              <a:t>Isolation (unlike monkey patching)</a:t>
-            </a:r>
-            <a:endParaRPr lang="en-US" altLang="ja-JP" dirty="0" smtClean="0"/>
-          </a:p>
-          <a:p>
-            <a:r>
-              <a:rPr lang="en-US" altLang="ja-JP" dirty="0"/>
-              <a:t>C</a:t>
-            </a:r>
-            <a:r>
-              <a:rPr lang="en-US" altLang="ja-JP" dirty="0" smtClean="0"/>
-              <a:t>ons</a:t>
-            </a:r>
-            <a:endParaRPr lang="en-US" altLang="ja-JP" dirty="0" smtClean="0"/>
-          </a:p>
-          <a:p>
-            <a:pPr lvl="1"/>
-            <a:r>
-              <a:rPr lang="en-US" altLang="ja-JP" dirty="0" smtClean="0"/>
-              <a:t>High </a:t>
-            </a:r>
-            <a:r>
-              <a:rPr lang="en-US" altLang="ja-JP" dirty="0"/>
-              <a:t>context (unlike monkey patching)</a:t>
-            </a:r>
-            <a:endParaRPr lang="en-US" altLang="ja-JP" dirty="0" smtClean="0"/>
-          </a:p>
-          <a:p>
-            <a:pPr lvl="1"/>
-            <a:endParaRPr lang="en-US" altLang="ja-JP" dirty="0" smtClean="0"/>
-          </a:p>
-          <a:p>
-            <a:pPr lvl="1"/>
-            <a:endParaRPr lang="en-US" altLang="ja-JP" dirty="0" smtClean="0"/>
-          </a:p>
-          <a:p>
-            <a:pPr lvl="1"/>
-            <a:endParaRPr kumimoji="1" lang="en-US" altLang="ja-JP" dirty="0"/>
           </a:p>
         </p:txBody>
       </p:sp>
@@ -10170,21 +10083,407 @@
           </a:p>
         </p:txBody>
       </p:sp>
+      <p:sp>
+        <p:nvSpPr>
+          <p:cNvPr id="6" name="コンテンツ プレースホルダー 2"/>
+          <p:cNvSpPr txBox="1">
+            <a:spLocks/>
+          </p:cNvSpPr>
+          <p:nvPr/>
+        </p:nvSpPr>
+        <p:spPr>
+          <a:xfrm>
+            <a:off x="584388" y="1628800"/>
+            <a:ext cx="7371988" cy="4176464"/>
+          </a:xfrm>
+          <a:prstGeom prst="rect">
+            <a:avLst/>
+          </a:prstGeom>
+          <a:solidFill>
+            <a:schemeClr val="accent4">
+              <a:lumMod val="40000"/>
+              <a:lumOff val="60000"/>
+            </a:schemeClr>
+          </a:solidFill>
+        </p:spPr>
+        <p:txBody>
+          <a:bodyPr vert="horz" lIns="180000" tIns="144000" rIns="180000" bIns="72000" rtlCol="0">
+            <a:normAutofit/>
+          </a:bodyPr>
+          <a:lstStyle>
+            <a:lvl1pPr marL="0" indent="0" algn="l" defTabSz="914400" rtl="0" eaLnBrk="1" latinLnBrk="0" hangingPunct="1">
+              <a:spcBef>
+                <a:spcPct val="20000"/>
+              </a:spcBef>
+              <a:spcAft>
+                <a:spcPts val="600"/>
+              </a:spcAft>
+              <a:buFont typeface="Arial" pitchFamily="34" charset="0"/>
+              <a:buNone/>
+              <a:defRPr kumimoji="1" sz="2000" b="1" kern="1200">
+                <a:solidFill>
+                  <a:schemeClr val="tx1"/>
+                </a:solidFill>
+                <a:latin typeface="+mn-lt"/>
+                <a:ea typeface="+mn-ea"/>
+                <a:cs typeface="+mn-cs"/>
+              </a:defRPr>
+            </a:lvl1pPr>
+            <a:lvl2pPr marL="457200" indent="-182880" algn="l" defTabSz="914400" rtl="0" eaLnBrk="1" latinLnBrk="0" hangingPunct="1">
+              <a:spcBef>
+                <a:spcPct val="20000"/>
+              </a:spcBef>
+              <a:buClr>
+                <a:schemeClr val="tx2"/>
+              </a:buClr>
+              <a:buFont typeface="Arial" pitchFamily="34" charset="0"/>
+              <a:buChar char="•"/>
+              <a:defRPr kumimoji="1" sz="2000" kern="1200">
+                <a:solidFill>
+                  <a:schemeClr val="tx1"/>
+                </a:solidFill>
+                <a:latin typeface="+mn-lt"/>
+                <a:ea typeface="+mn-ea"/>
+                <a:cs typeface="+mn-cs"/>
+              </a:defRPr>
+            </a:lvl2pPr>
+            <a:lvl3pPr marL="1143000" indent="-228600" algn="l" defTabSz="914400" rtl="0" eaLnBrk="1" latinLnBrk="0" hangingPunct="1">
+              <a:spcBef>
+                <a:spcPct val="20000"/>
+              </a:spcBef>
+              <a:buClr>
+                <a:schemeClr val="tx2"/>
+              </a:buClr>
+              <a:buFont typeface="Arial" pitchFamily="34" charset="0"/>
+              <a:buChar char="•"/>
+              <a:defRPr kumimoji="1" sz="1800" kern="1200">
+                <a:solidFill>
+                  <a:schemeClr val="tx1"/>
+                </a:solidFill>
+                <a:latin typeface="+mn-lt"/>
+                <a:ea typeface="+mn-ea"/>
+                <a:cs typeface="+mn-cs"/>
+              </a:defRPr>
+            </a:lvl3pPr>
+            <a:lvl4pPr marL="1600200" indent="-228600" algn="l" defTabSz="914400" rtl="0" eaLnBrk="1" latinLnBrk="0" hangingPunct="1">
+              <a:spcBef>
+                <a:spcPct val="20000"/>
+              </a:spcBef>
+              <a:buClr>
+                <a:schemeClr val="tx2"/>
+              </a:buClr>
+              <a:buFont typeface="Arial" pitchFamily="34" charset="0"/>
+              <a:buChar char="•"/>
+              <a:defRPr kumimoji="1" sz="1800" kern="1200">
+                <a:solidFill>
+                  <a:schemeClr val="tx1"/>
+                </a:solidFill>
+                <a:latin typeface="+mn-lt"/>
+                <a:ea typeface="+mn-ea"/>
+                <a:cs typeface="+mn-cs"/>
+              </a:defRPr>
+            </a:lvl4pPr>
+            <a:lvl5pPr marL="2057400" indent="-228600" algn="l" defTabSz="914400" rtl="0" eaLnBrk="1" latinLnBrk="0" hangingPunct="1">
+              <a:spcBef>
+                <a:spcPct val="20000"/>
+              </a:spcBef>
+              <a:buClr>
+                <a:schemeClr val="tx2"/>
+              </a:buClr>
+              <a:buFont typeface="Arial" pitchFamily="34" charset="0"/>
+              <a:buChar char="•"/>
+              <a:defRPr kumimoji="1" sz="1800" kern="1200" baseline="0">
+                <a:solidFill>
+                  <a:schemeClr val="tx1"/>
+                </a:solidFill>
+                <a:latin typeface="+mn-lt"/>
+                <a:ea typeface="+mn-ea"/>
+                <a:cs typeface="+mn-cs"/>
+              </a:defRPr>
+            </a:lvl5pPr>
+            <a:lvl6pPr marL="2514600" indent="-228600" algn="l" defTabSz="914400" rtl="0" eaLnBrk="1" latinLnBrk="0" hangingPunct="1">
+              <a:spcBef>
+                <a:spcPct val="20000"/>
+              </a:spcBef>
+              <a:buClr>
+                <a:schemeClr val="tx2"/>
+              </a:buClr>
+              <a:buFont typeface="Arial" pitchFamily="34" charset="0"/>
+              <a:buChar char="•"/>
+              <a:defRPr kumimoji="1" sz="1600" kern="1200">
+                <a:solidFill>
+                  <a:schemeClr val="tx1"/>
+                </a:solidFill>
+                <a:latin typeface="+mn-lt"/>
+                <a:ea typeface="+mn-ea"/>
+                <a:cs typeface="+mn-cs"/>
+              </a:defRPr>
+            </a:lvl6pPr>
+            <a:lvl7pPr marL="2971800" indent="-228600" algn="l" defTabSz="914400" rtl="0" eaLnBrk="1" latinLnBrk="0" hangingPunct="1">
+              <a:spcBef>
+                <a:spcPct val="20000"/>
+              </a:spcBef>
+              <a:buClr>
+                <a:schemeClr val="tx2"/>
+              </a:buClr>
+              <a:buFont typeface="Arial" pitchFamily="34" charset="0"/>
+              <a:buChar char="•"/>
+              <a:defRPr kumimoji="1" sz="1600" kern="1200">
+                <a:solidFill>
+                  <a:schemeClr val="tx1"/>
+                </a:solidFill>
+                <a:latin typeface="+mn-lt"/>
+                <a:ea typeface="+mn-ea"/>
+                <a:cs typeface="+mn-cs"/>
+              </a:defRPr>
+            </a:lvl7pPr>
+            <a:lvl8pPr marL="3429000" indent="-228600" algn="l" defTabSz="914400" rtl="0" eaLnBrk="1" latinLnBrk="0" hangingPunct="1">
+              <a:spcBef>
+                <a:spcPct val="20000"/>
+              </a:spcBef>
+              <a:buClr>
+                <a:schemeClr val="tx2"/>
+              </a:buClr>
+              <a:buFont typeface="Arial" pitchFamily="34" charset="0"/>
+              <a:buChar char="•"/>
+              <a:defRPr kumimoji="1" sz="1600" kern="1200">
+                <a:solidFill>
+                  <a:schemeClr val="tx1"/>
+                </a:solidFill>
+                <a:latin typeface="+mn-lt"/>
+                <a:ea typeface="+mn-ea"/>
+                <a:cs typeface="+mn-cs"/>
+              </a:defRPr>
+            </a:lvl8pPr>
+            <a:lvl9pPr marL="3886200" indent="-228600" algn="l" defTabSz="914400" rtl="0" eaLnBrk="1" latinLnBrk="0" hangingPunct="1">
+              <a:spcBef>
+                <a:spcPct val="20000"/>
+              </a:spcBef>
+              <a:buClr>
+                <a:schemeClr val="tx2"/>
+              </a:buClr>
+              <a:buFont typeface="Arial" pitchFamily="34" charset="0"/>
+              <a:buChar char="•"/>
+              <a:defRPr kumimoji="1" sz="1600" kern="1200">
+                <a:solidFill>
+                  <a:schemeClr val="tx1"/>
+                </a:solidFill>
+                <a:latin typeface="+mn-lt"/>
+                <a:ea typeface="+mn-ea"/>
+                <a:cs typeface="+mn-cs"/>
+              </a:defRPr>
+            </a:lvl9pPr>
+          </a:lstStyle>
+          <a:p>
+            <a:r>
+              <a:rPr lang="en-US" altLang="ja-JP" dirty="0" smtClean="0">
+                <a:latin typeface="Courier New" pitchFamily="49" charset="0"/>
+                <a:cs typeface="Courier New" pitchFamily="49" charset="0"/>
+              </a:rPr>
+              <a:t>using </a:t>
+            </a:r>
+            <a:r>
+              <a:rPr lang="en-US" altLang="ja-JP" dirty="0" err="1" smtClean="0">
+                <a:latin typeface="Courier New" pitchFamily="49" charset="0"/>
+                <a:cs typeface="Courier New" pitchFamily="49" charset="0"/>
+              </a:rPr>
+              <a:t>RaddDjur</a:t>
+            </a:r>
+            <a:r>
+              <a:rPr lang="en-US" altLang="ja-JP" dirty="0" smtClean="0">
+                <a:latin typeface="Courier New" pitchFamily="49" charset="0"/>
+                <a:cs typeface="Courier New" pitchFamily="49" charset="0"/>
+              </a:rPr>
+              <a:t>::DSL</a:t>
+            </a:r>
+          </a:p>
+          <a:p>
+            <a:endParaRPr lang="en-US" altLang="ja-JP" dirty="0" smtClean="0">
+              <a:latin typeface="Courier New" pitchFamily="49" charset="0"/>
+              <a:cs typeface="Courier New" pitchFamily="49" charset="0"/>
+            </a:endParaRPr>
+          </a:p>
+          <a:p>
+            <a:r>
+              <a:rPr lang="en-US" altLang="ja-JP" dirty="0" smtClean="0">
+                <a:latin typeface="Courier New" pitchFamily="49" charset="0"/>
+                <a:cs typeface="Courier New" pitchFamily="49" charset="0"/>
+              </a:rPr>
+              <a:t>"-".bind { :</a:t>
+            </a:r>
+            <a:r>
+              <a:rPr lang="en-US" altLang="ja-JP" dirty="0" err="1" smtClean="0">
+                <a:latin typeface="Courier New" pitchFamily="49" charset="0"/>
+                <a:cs typeface="Courier New" pitchFamily="49" charset="0"/>
+              </a:rPr>
+              <a:t>digits.bind</a:t>
+            </a:r>
+            <a:r>
+              <a:rPr lang="en-US" altLang="ja-JP" dirty="0" smtClean="0">
+                <a:latin typeface="Courier New" pitchFamily="49" charset="0"/>
+                <a:cs typeface="Courier New" pitchFamily="49" charset="0"/>
+              </a:rPr>
+              <a:t> { |x| ret -</a:t>
+            </a:r>
+            <a:r>
+              <a:rPr lang="en-US" altLang="ja-JP" dirty="0" err="1" smtClean="0">
+                <a:latin typeface="Courier New" pitchFamily="49" charset="0"/>
+                <a:cs typeface="Courier New" pitchFamily="49" charset="0"/>
+              </a:rPr>
+              <a:t>x.to_i</a:t>
+            </a:r>
+            <a:r>
+              <a:rPr lang="en-US" altLang="ja-JP" dirty="0" smtClean="0">
+                <a:latin typeface="Courier New" pitchFamily="49" charset="0"/>
+                <a:cs typeface="Courier New" pitchFamily="49" charset="0"/>
+              </a:rPr>
+              <a:t> } }</a:t>
+            </a:r>
+          </a:p>
+          <a:p>
+            <a:endParaRPr lang="en-US" altLang="ja-JP" dirty="0" smtClean="0">
+              <a:latin typeface="Courier New" pitchFamily="49" charset="0"/>
+              <a:cs typeface="Courier New" pitchFamily="49" charset="0"/>
+            </a:endParaRPr>
+          </a:p>
+          <a:p>
+            <a:r>
+              <a:rPr lang="en-US" altLang="ja-JP" dirty="0" smtClean="0">
+                <a:latin typeface="Courier New" pitchFamily="49" charset="0"/>
+                <a:cs typeface="Courier New" pitchFamily="49" charset="0"/>
+              </a:rPr>
+              <a:t>"-".</a:t>
+            </a:r>
+            <a:r>
+              <a:rPr lang="en-US" altLang="ja-JP" dirty="0" err="1" smtClean="0">
+                <a:latin typeface="Courier New" pitchFamily="49" charset="0"/>
+                <a:cs typeface="Courier New" pitchFamily="49" charset="0"/>
+              </a:rPr>
+              <a:t>to_parser.bind</a:t>
+            </a:r>
+            <a:r>
+              <a:rPr lang="en-US" altLang="ja-JP" dirty="0" smtClean="0">
+                <a:latin typeface="Courier New" pitchFamily="49" charset="0"/>
+                <a:cs typeface="Courier New" pitchFamily="49" charset="0"/>
+              </a:rPr>
+              <a:t> {</a:t>
+            </a:r>
+          </a:p>
+          <a:p>
+            <a:r>
+              <a:rPr lang="en-US" altLang="ja-JP" dirty="0" smtClean="0">
+                <a:latin typeface="Courier New" pitchFamily="49" charset="0"/>
+                <a:cs typeface="Courier New" pitchFamily="49" charset="0"/>
+              </a:rPr>
+              <a:t>  :</a:t>
+            </a:r>
+            <a:r>
+              <a:rPr lang="en-US" altLang="ja-JP" dirty="0" err="1" smtClean="0">
+                <a:latin typeface="Courier New" pitchFamily="49" charset="0"/>
+                <a:cs typeface="Courier New" pitchFamily="49" charset="0"/>
+              </a:rPr>
+              <a:t>digits.to_parser.bind</a:t>
+            </a:r>
+            <a:r>
+              <a:rPr lang="en-US" altLang="ja-JP" dirty="0" smtClean="0">
+                <a:latin typeface="Courier New" pitchFamily="49" charset="0"/>
+                <a:cs typeface="Courier New" pitchFamily="49" charset="0"/>
+              </a:rPr>
+              <a:t> { |x|</a:t>
+            </a:r>
+          </a:p>
+          <a:p>
+            <a:r>
+              <a:rPr lang="en-US" altLang="ja-JP" dirty="0" smtClean="0">
+                <a:latin typeface="Courier New" pitchFamily="49" charset="0"/>
+                <a:cs typeface="Courier New" pitchFamily="49" charset="0"/>
+              </a:rPr>
+              <a:t>    ret -</a:t>
+            </a:r>
+            <a:r>
+              <a:rPr lang="en-US" altLang="ja-JP" dirty="0" err="1" smtClean="0">
+                <a:latin typeface="Courier New" pitchFamily="49" charset="0"/>
+                <a:cs typeface="Courier New" pitchFamily="49" charset="0"/>
+              </a:rPr>
+              <a:t>x.to_i</a:t>
+            </a:r>
+            <a:endParaRPr lang="en-US" altLang="ja-JP" dirty="0" smtClean="0">
+              <a:latin typeface="Courier New" pitchFamily="49" charset="0"/>
+              <a:cs typeface="Courier New" pitchFamily="49" charset="0"/>
+            </a:endParaRPr>
+          </a:p>
+          <a:p>
+            <a:r>
+              <a:rPr lang="en-US" altLang="ja-JP" dirty="0" smtClean="0">
+                <a:latin typeface="Courier New" pitchFamily="49" charset="0"/>
+                <a:cs typeface="Courier New" pitchFamily="49" charset="0"/>
+              </a:rPr>
+              <a:t>  }</a:t>
+            </a:r>
+          </a:p>
+          <a:p>
+            <a:r>
+              <a:rPr lang="en-US" altLang="ja-JP" dirty="0" smtClean="0">
+                <a:latin typeface="Courier New" pitchFamily="49" charset="0"/>
+                <a:cs typeface="Courier New" pitchFamily="49" charset="0"/>
+              </a:rPr>
+              <a:t>}</a:t>
+            </a:r>
+            <a:endParaRPr lang="en-US" altLang="ja-JP" dirty="0">
+              <a:latin typeface="Courier New" pitchFamily="49" charset="0"/>
+              <a:cs typeface="Courier New" pitchFamily="49" charset="0"/>
+            </a:endParaRPr>
+          </a:p>
+        </p:txBody>
+      </p:sp>
+      <p:cxnSp>
+        <p:nvCxnSpPr>
+          <p:cNvPr id="8" name="直線矢印コネクタ 7"/>
+          <p:cNvCxnSpPr/>
+          <p:nvPr/>
+        </p:nvCxnSpPr>
+        <p:spPr>
+          <a:xfrm>
+            <a:off x="3635896" y="3068960"/>
+            <a:ext cx="0" cy="432048"/>
+          </a:xfrm>
+          <a:prstGeom prst="straightConnector1">
+            <a:avLst/>
+          </a:prstGeom>
+          <a:ln w="41275">
+            <a:tailEnd type="triangle" w="lg" len="lg"/>
+          </a:ln>
+        </p:spPr>
+        <p:style>
+          <a:lnRef idx="3">
+            <a:schemeClr val="accent5"/>
+          </a:lnRef>
+          <a:fillRef idx="0">
+            <a:schemeClr val="accent5"/>
+          </a:fillRef>
+          <a:effectRef idx="2">
+            <a:schemeClr val="accent5"/>
+          </a:effectRef>
+          <a:fontRef idx="minor">
+            <a:schemeClr val="tx1"/>
+          </a:fontRef>
+        </p:style>
+      </p:cxnSp>
     </p:spTree>
     <p:extLst>
       <p:ext uri="{BB962C8B-B14F-4D97-AF65-F5344CB8AC3E}">
-        <p14:creationId xmlns:p14="http://schemas.microsoft.com/office/powerpoint/2010/main" val="618275670"/>
+        <p14:creationId xmlns:p14="http://schemas.microsoft.com/office/powerpoint/2010/main" val="1394840309"/>
       </p:ext>
     </p:extLst>
   </p:cSld>
   <p:clrMapOvr>
     <a:masterClrMapping/>
   </p:clrMapOvr>
-  <mc:AlternateContent xmlns:mc="http://schemas.openxmlformats.org/markup-compatibility/2006" xmlns:p14="http://schemas.microsoft.com/office/powerpoint/2010/main">
-    <mc:Choice Requires="p14">
+  <mc:AlternateContent xmlns:mc="http://schemas.openxmlformats.org/markup-compatibility/2006">
+    <mc:Choice xmlns:p14="http://schemas.microsoft.com/office/powerpoint/2010/main" Requires="p14">
       <p:transition p14:dur="0"/>
     </mc:Choice>
-    <mc:Fallback xmlns="">
+    <mc:Fallback>
       <p:transition/>
     </mc:Fallback>
   </mc:AlternateContent>
@@ -10224,8 +10523,12 @@
           <a:lstStyle/>
           <a:p>
             <a:r>
-              <a:rPr lang="en-US" altLang="ja-JP" dirty="0" smtClean="0"/>
-              <a:t>A limitation of refinements</a:t>
+              <a:rPr lang="en-US" altLang="ja-JP" dirty="0"/>
+              <a:t>P</a:t>
+            </a:r>
+            <a:r>
+              <a:rPr kumimoji="1" lang="en-US" altLang="ja-JP" dirty="0" smtClean="0"/>
+              <a:t>ros/cons of refinements</a:t>
             </a:r>
             <a:endParaRPr kumimoji="1" lang="ja-JP" altLang="en-US" dirty="0"/>
           </a:p>
@@ -10233,7 +10536,7 @@
       </p:sp>
       <p:sp>
         <p:nvSpPr>
-          <p:cNvPr id="3" name="コンテンツ プレースホルダー 2"/>
+          <p:cNvPr id="7" name="コンテンツ プレースホルダー 6"/>
           <p:cNvSpPr>
             <a:spLocks noGrp="1"/>
           </p:cNvSpPr>
@@ -10247,48 +10550,69 @@
           <a:lstStyle/>
           <a:p>
             <a:r>
+              <a:rPr lang="en-US" altLang="ja-JP" dirty="0"/>
+              <a:t>P</a:t>
+            </a:r>
+            <a:r>
               <a:rPr kumimoji="1" lang="en-US" altLang="ja-JP" dirty="0" smtClean="0"/>
-              <a:t>File </a:t>
-            </a:r>
-            <a:r>
-              <a:rPr kumimoji="1" lang="en-US" altLang="ja-JP" dirty="0" smtClean="0"/>
-              <a:t>scoped only</a:t>
-            </a:r>
-            <a:endParaRPr kumimoji="1" lang="en-US" altLang="ja-JP" dirty="0" smtClean="0"/>
-          </a:p>
-          <a:p>
-            <a:endParaRPr lang="en-US" altLang="ja-JP" dirty="0"/>
-          </a:p>
-          <a:p>
-            <a:endParaRPr kumimoji="1" lang="en-US" altLang="ja-JP" dirty="0" smtClean="0"/>
-          </a:p>
-          <a:p>
-            <a:endParaRPr lang="en-US" altLang="ja-JP" dirty="0"/>
-          </a:p>
-          <a:p>
-            <a:endParaRPr kumimoji="1" lang="en-US" altLang="ja-JP" dirty="0" smtClean="0"/>
-          </a:p>
-          <a:p>
-            <a:endParaRPr lang="en-US" altLang="ja-JP" dirty="0"/>
+              <a:t>ros</a:t>
+            </a:r>
           </a:p>
           <a:p>
             <a:pPr lvl="1"/>
             <a:r>
-              <a:rPr kumimoji="1" lang="en-US" altLang="ja-JP" dirty="0" smtClean="0"/>
-              <a:t>using is necessary for each file</a:t>
+              <a:rPr lang="en-US" altLang="ja-JP" dirty="0" smtClean="0"/>
+              <a:t>Intuitive notation for DSL</a:t>
+            </a:r>
+            <a:r>
+              <a:rPr lang="ja-JP" altLang="en-US" dirty="0" smtClean="0"/>
+              <a:t> </a:t>
+            </a:r>
+            <a:r>
+              <a:rPr lang="en-US" altLang="ja-JP" dirty="0" smtClean="0"/>
+              <a:t>(like monkey patching)</a:t>
             </a:r>
           </a:p>
           <a:p>
             <a:pPr lvl="1"/>
             <a:r>
               <a:rPr lang="en-US" altLang="ja-JP" dirty="0" smtClean="0"/>
-              <a:t>Incompatible refinements can't be used in the same file</a:t>
-            </a:r>
-            <a:endParaRPr kumimoji="1" lang="en-US" altLang="ja-JP" dirty="0" smtClean="0"/>
+              <a:t>Isolation (unlike monkey patching)</a:t>
+            </a:r>
+          </a:p>
+          <a:p>
+            <a:r>
+              <a:rPr lang="en-US" altLang="ja-JP" dirty="0"/>
+              <a:t>C</a:t>
+            </a:r>
+            <a:r>
+              <a:rPr lang="en-US" altLang="ja-JP" dirty="0" smtClean="0"/>
+              <a:t>ons</a:t>
+            </a:r>
           </a:p>
           <a:p>
             <a:pPr lvl="1"/>
-            <a:endParaRPr kumimoji="1" lang="en-US" altLang="ja-JP" dirty="0" smtClean="0"/>
+            <a:r>
+              <a:rPr lang="en-US" altLang="ja-JP" dirty="0" smtClean="0"/>
+              <a:t>High </a:t>
+            </a:r>
+            <a:r>
+              <a:rPr lang="en-US" altLang="ja-JP" dirty="0"/>
+              <a:t>context (unlike monkey patching)</a:t>
+            </a:r>
+            <a:endParaRPr lang="en-US" altLang="ja-JP" dirty="0" smtClean="0"/>
+          </a:p>
+          <a:p>
+            <a:pPr lvl="1"/>
+            <a:endParaRPr lang="en-US" altLang="ja-JP" dirty="0" smtClean="0"/>
+          </a:p>
+          <a:p>
+            <a:pPr lvl="1"/>
+            <a:endParaRPr lang="en-US" altLang="ja-JP" dirty="0" smtClean="0"/>
+          </a:p>
+          <a:p>
+            <a:pPr lvl="1"/>
+            <a:endParaRPr kumimoji="1" lang="en-US" altLang="ja-JP" dirty="0"/>
           </a:p>
         </p:txBody>
       </p:sp>
@@ -10315,295 +10639,10 @@
           </a:p>
         </p:txBody>
       </p:sp>
-      <p:sp>
-        <p:nvSpPr>
-          <p:cNvPr id="5" name="コンテンツ プレースホルダー 2"/>
-          <p:cNvSpPr txBox="1">
-            <a:spLocks/>
-          </p:cNvSpPr>
-          <p:nvPr/>
-        </p:nvSpPr>
-        <p:spPr>
-          <a:xfrm>
-            <a:off x="584388" y="2276872"/>
-            <a:ext cx="7130752" cy="2016224"/>
-          </a:xfrm>
-          <a:prstGeom prst="rect">
-            <a:avLst/>
-          </a:prstGeom>
-          <a:solidFill>
-            <a:schemeClr val="accent4">
-              <a:lumMod val="40000"/>
-              <a:lumOff val="60000"/>
-            </a:schemeClr>
-          </a:solidFill>
-        </p:spPr>
-        <p:txBody>
-          <a:bodyPr vert="horz" lIns="180000" tIns="144000" rIns="180000" bIns="72000" rtlCol="0">
-            <a:normAutofit/>
-          </a:bodyPr>
-          <a:lstStyle>
-            <a:lvl1pPr marL="0" indent="0" algn="l" defTabSz="914400" rtl="0" eaLnBrk="1" latinLnBrk="0" hangingPunct="1">
-              <a:spcBef>
-                <a:spcPct val="20000"/>
-              </a:spcBef>
-              <a:spcAft>
-                <a:spcPts val="600"/>
-              </a:spcAft>
-              <a:buFont typeface="Arial" pitchFamily="34" charset="0"/>
-              <a:buNone/>
-              <a:defRPr kumimoji="1" sz="2000" b="1" kern="1200">
-                <a:solidFill>
-                  <a:schemeClr val="tx1"/>
-                </a:solidFill>
-                <a:latin typeface="+mn-lt"/>
-                <a:ea typeface="+mn-ea"/>
-                <a:cs typeface="+mn-cs"/>
-              </a:defRPr>
-            </a:lvl1pPr>
-            <a:lvl2pPr marL="457200" indent="-182880" algn="l" defTabSz="914400" rtl="0" eaLnBrk="1" latinLnBrk="0" hangingPunct="1">
-              <a:spcBef>
-                <a:spcPct val="20000"/>
-              </a:spcBef>
-              <a:buClr>
-                <a:schemeClr val="tx2"/>
-              </a:buClr>
-              <a:buFont typeface="Arial" pitchFamily="34" charset="0"/>
-              <a:buChar char="•"/>
-              <a:defRPr kumimoji="1" sz="2000" kern="1200">
-                <a:solidFill>
-                  <a:schemeClr val="tx1"/>
-                </a:solidFill>
-                <a:latin typeface="+mn-lt"/>
-                <a:ea typeface="+mn-ea"/>
-                <a:cs typeface="+mn-cs"/>
-              </a:defRPr>
-            </a:lvl2pPr>
-            <a:lvl3pPr marL="1143000" indent="-228600" algn="l" defTabSz="914400" rtl="0" eaLnBrk="1" latinLnBrk="0" hangingPunct="1">
-              <a:spcBef>
-                <a:spcPct val="20000"/>
-              </a:spcBef>
-              <a:buClr>
-                <a:schemeClr val="tx2"/>
-              </a:buClr>
-              <a:buFont typeface="Arial" pitchFamily="34" charset="0"/>
-              <a:buChar char="•"/>
-              <a:defRPr kumimoji="1" sz="1800" kern="1200">
-                <a:solidFill>
-                  <a:schemeClr val="tx1"/>
-                </a:solidFill>
-                <a:latin typeface="+mn-lt"/>
-                <a:ea typeface="+mn-ea"/>
-                <a:cs typeface="+mn-cs"/>
-              </a:defRPr>
-            </a:lvl3pPr>
-            <a:lvl4pPr marL="1600200" indent="-228600" algn="l" defTabSz="914400" rtl="0" eaLnBrk="1" latinLnBrk="0" hangingPunct="1">
-              <a:spcBef>
-                <a:spcPct val="20000"/>
-              </a:spcBef>
-              <a:buClr>
-                <a:schemeClr val="tx2"/>
-              </a:buClr>
-              <a:buFont typeface="Arial" pitchFamily="34" charset="0"/>
-              <a:buChar char="•"/>
-              <a:defRPr kumimoji="1" sz="1800" kern="1200">
-                <a:solidFill>
-                  <a:schemeClr val="tx1"/>
-                </a:solidFill>
-                <a:latin typeface="+mn-lt"/>
-                <a:ea typeface="+mn-ea"/>
-                <a:cs typeface="+mn-cs"/>
-              </a:defRPr>
-            </a:lvl4pPr>
-            <a:lvl5pPr marL="2057400" indent="-228600" algn="l" defTabSz="914400" rtl="0" eaLnBrk="1" latinLnBrk="0" hangingPunct="1">
-              <a:spcBef>
-                <a:spcPct val="20000"/>
-              </a:spcBef>
-              <a:buClr>
-                <a:schemeClr val="tx2"/>
-              </a:buClr>
-              <a:buFont typeface="Arial" pitchFamily="34" charset="0"/>
-              <a:buChar char="•"/>
-              <a:defRPr kumimoji="1" sz="1800" kern="1200" baseline="0">
-                <a:solidFill>
-                  <a:schemeClr val="tx1"/>
-                </a:solidFill>
-                <a:latin typeface="+mn-lt"/>
-                <a:ea typeface="+mn-ea"/>
-                <a:cs typeface="+mn-cs"/>
-              </a:defRPr>
-            </a:lvl5pPr>
-            <a:lvl6pPr marL="2514600" indent="-228600" algn="l" defTabSz="914400" rtl="0" eaLnBrk="1" latinLnBrk="0" hangingPunct="1">
-              <a:spcBef>
-                <a:spcPct val="20000"/>
-              </a:spcBef>
-              <a:buClr>
-                <a:schemeClr val="tx2"/>
-              </a:buClr>
-              <a:buFont typeface="Arial" pitchFamily="34" charset="0"/>
-              <a:buChar char="•"/>
-              <a:defRPr kumimoji="1" sz="1600" kern="1200">
-                <a:solidFill>
-                  <a:schemeClr val="tx1"/>
-                </a:solidFill>
-                <a:latin typeface="+mn-lt"/>
-                <a:ea typeface="+mn-ea"/>
-                <a:cs typeface="+mn-cs"/>
-              </a:defRPr>
-            </a:lvl6pPr>
-            <a:lvl7pPr marL="2971800" indent="-228600" algn="l" defTabSz="914400" rtl="0" eaLnBrk="1" latinLnBrk="0" hangingPunct="1">
-              <a:spcBef>
-                <a:spcPct val="20000"/>
-              </a:spcBef>
-              <a:buClr>
-                <a:schemeClr val="tx2"/>
-              </a:buClr>
-              <a:buFont typeface="Arial" pitchFamily="34" charset="0"/>
-              <a:buChar char="•"/>
-              <a:defRPr kumimoji="1" sz="1600" kern="1200">
-                <a:solidFill>
-                  <a:schemeClr val="tx1"/>
-                </a:solidFill>
-                <a:latin typeface="+mn-lt"/>
-                <a:ea typeface="+mn-ea"/>
-                <a:cs typeface="+mn-cs"/>
-              </a:defRPr>
-            </a:lvl7pPr>
-            <a:lvl8pPr marL="3429000" indent="-228600" algn="l" defTabSz="914400" rtl="0" eaLnBrk="1" latinLnBrk="0" hangingPunct="1">
-              <a:spcBef>
-                <a:spcPct val="20000"/>
-              </a:spcBef>
-              <a:buClr>
-                <a:schemeClr val="tx2"/>
-              </a:buClr>
-              <a:buFont typeface="Arial" pitchFamily="34" charset="0"/>
-              <a:buChar char="•"/>
-              <a:defRPr kumimoji="1" sz="1600" kern="1200">
-                <a:solidFill>
-                  <a:schemeClr val="tx1"/>
-                </a:solidFill>
-                <a:latin typeface="+mn-lt"/>
-                <a:ea typeface="+mn-ea"/>
-                <a:cs typeface="+mn-cs"/>
-              </a:defRPr>
-            </a:lvl8pPr>
-            <a:lvl9pPr marL="3886200" indent="-228600" algn="l" defTabSz="914400" rtl="0" eaLnBrk="1" latinLnBrk="0" hangingPunct="1">
-              <a:spcBef>
-                <a:spcPct val="20000"/>
-              </a:spcBef>
-              <a:buClr>
-                <a:schemeClr val="tx2"/>
-              </a:buClr>
-              <a:buFont typeface="Arial" pitchFamily="34" charset="0"/>
-              <a:buChar char="•"/>
-              <a:defRPr kumimoji="1" sz="1600" kern="1200">
-                <a:solidFill>
-                  <a:schemeClr val="tx1"/>
-                </a:solidFill>
-                <a:latin typeface="+mn-lt"/>
-                <a:ea typeface="+mn-ea"/>
-                <a:cs typeface="+mn-cs"/>
-              </a:defRPr>
-            </a:lvl9pPr>
-          </a:lstStyle>
-          <a:p>
-            <a:r>
-              <a:rPr lang="en-US" altLang="ja-JP" dirty="0" smtClean="0">
-                <a:latin typeface="Courier New" pitchFamily="49" charset="0"/>
-                <a:cs typeface="Courier New" pitchFamily="49" charset="0"/>
-              </a:rPr>
-              <a:t>using </a:t>
-            </a:r>
-            <a:r>
-              <a:rPr lang="en-US" altLang="ja-JP" dirty="0" err="1" smtClean="0">
-                <a:latin typeface="Courier New" pitchFamily="49" charset="0"/>
-                <a:cs typeface="Courier New" pitchFamily="49" charset="0"/>
-              </a:rPr>
-              <a:t>RaddDjur</a:t>
-            </a:r>
-            <a:r>
-              <a:rPr lang="en-US" altLang="ja-JP" dirty="0" smtClean="0">
-                <a:latin typeface="Courier New" pitchFamily="49" charset="0"/>
-                <a:cs typeface="Courier New" pitchFamily="49" charset="0"/>
-              </a:rPr>
-              <a:t>::DSL</a:t>
-            </a:r>
-          </a:p>
-          <a:p>
-            <a:r>
-              <a:rPr lang="en-US" altLang="ja-JP" dirty="0" smtClean="0">
-                <a:latin typeface="Courier New" pitchFamily="49" charset="0"/>
-                <a:cs typeface="Courier New" pitchFamily="49" charset="0"/>
-              </a:rPr>
-              <a:t>g </a:t>
-            </a:r>
-            <a:r>
-              <a:rPr lang="en-US" altLang="ja-JP" dirty="0">
-                <a:latin typeface="Courier New" pitchFamily="49" charset="0"/>
-                <a:cs typeface="Courier New" pitchFamily="49" charset="0"/>
-              </a:rPr>
-              <a:t>= </a:t>
-            </a:r>
-            <a:r>
-              <a:rPr lang="en-US" altLang="ja-JP" dirty="0" err="1">
-                <a:latin typeface="Courier New" pitchFamily="49" charset="0"/>
-                <a:cs typeface="Courier New" pitchFamily="49" charset="0"/>
-              </a:rPr>
-              <a:t>RaddDjur</a:t>
-            </a:r>
-            <a:r>
-              <a:rPr lang="en-US" altLang="ja-JP" dirty="0">
-                <a:latin typeface="Courier New" pitchFamily="49" charset="0"/>
-                <a:cs typeface="Courier New" pitchFamily="49" charset="0"/>
-              </a:rPr>
-              <a:t>::</a:t>
-            </a:r>
-            <a:r>
-              <a:rPr lang="en-US" altLang="ja-JP" dirty="0" err="1">
-                <a:latin typeface="Courier New" pitchFamily="49" charset="0"/>
-                <a:cs typeface="Courier New" pitchFamily="49" charset="0"/>
-              </a:rPr>
-              <a:t>Grammar.new</a:t>
-            </a:r>
-            <a:r>
-              <a:rPr lang="en-US" altLang="ja-JP" dirty="0">
-                <a:latin typeface="Courier New" pitchFamily="49" charset="0"/>
-                <a:cs typeface="Courier New" pitchFamily="49" charset="0"/>
-              </a:rPr>
-              <a:t>(:additive) </a:t>
-            </a:r>
-            <a:r>
-              <a:rPr lang="en-US" altLang="ja-JP" dirty="0" smtClean="0">
-                <a:latin typeface="Courier New" pitchFamily="49" charset="0"/>
-                <a:cs typeface="Courier New" pitchFamily="49" charset="0"/>
-              </a:rPr>
-              <a:t>{</a:t>
-            </a:r>
-          </a:p>
-          <a:p>
-            <a:r>
-              <a:rPr lang="en-US" altLang="ja-JP" dirty="0" smtClean="0">
-                <a:latin typeface="Courier New" pitchFamily="49" charset="0"/>
-                <a:cs typeface="Courier New" pitchFamily="49" charset="0"/>
-              </a:rPr>
-              <a:t>  ...</a:t>
-            </a:r>
-          </a:p>
-          <a:p>
-            <a:r>
-              <a:rPr lang="en-US" altLang="ja-JP" dirty="0" smtClean="0">
-                <a:latin typeface="Courier New" pitchFamily="49" charset="0"/>
-                <a:cs typeface="Courier New" pitchFamily="49" charset="0"/>
-              </a:rPr>
-              <a:t>}</a:t>
-            </a:r>
-          </a:p>
-        </p:txBody>
-      </p:sp>
     </p:spTree>
     <p:extLst>
       <p:ext uri="{BB962C8B-B14F-4D97-AF65-F5344CB8AC3E}">
-        <p14:creationId xmlns:p14="http://schemas.microsoft.com/office/powerpoint/2010/main" val="4181145715"/>
+        <p14:creationId xmlns:p14="http://schemas.microsoft.com/office/powerpoint/2010/main" val="618275670"/>
       </p:ext>
     </p:extLst>
   </p:cSld>
@@ -10662,11 +10701,7 @@
           <a:p>
             <a:r>
               <a:rPr lang="en-US" altLang="ja-JP" dirty="0" smtClean="0"/>
-              <a:t>How to refine </a:t>
-            </a:r>
-            <a:r>
-              <a:rPr lang="en-US" altLang="ja-JP" dirty="0" err="1" smtClean="0"/>
-              <a:t>refinments</a:t>
+              <a:t>A limitation of refinements</a:t>
             </a:r>
             <a:endParaRPr kumimoji="1" lang="ja-JP" altLang="en-US" dirty="0"/>
           </a:p>
@@ -10684,57 +10719,48 @@
         </p:nvSpPr>
         <p:spPr/>
         <p:txBody>
-          <a:bodyPr>
-            <a:noAutofit/>
-          </a:bodyPr>
+          <a:bodyPr/>
           <a:lstStyle/>
           <a:p>
             <a:r>
+              <a:rPr kumimoji="1" lang="en-US" altLang="ja-JP" dirty="0" smtClean="0"/>
+              <a:t>Only file-scoped refinement activation</a:t>
+            </a:r>
+            <a:endParaRPr kumimoji="1" lang="en-US" altLang="ja-JP" dirty="0" smtClean="0"/>
+          </a:p>
+          <a:p>
+            <a:endParaRPr lang="en-US" altLang="ja-JP" dirty="0"/>
+          </a:p>
+          <a:p>
+            <a:endParaRPr kumimoji="1" lang="en-US" altLang="ja-JP" dirty="0" smtClean="0"/>
+          </a:p>
+          <a:p>
+            <a:endParaRPr lang="en-US" altLang="ja-JP" dirty="0"/>
+          </a:p>
+          <a:p>
+            <a:endParaRPr kumimoji="1" lang="en-US" altLang="ja-JP" dirty="0" smtClean="0"/>
+          </a:p>
+          <a:p>
+            <a:endParaRPr lang="en-US" altLang="ja-JP" dirty="0"/>
+          </a:p>
+          <a:p>
+            <a:pPr lvl="1"/>
+            <a:r>
+              <a:rPr kumimoji="1" lang="en-US" altLang="ja-JP" dirty="0" smtClean="0"/>
+              <a:t>using is necessary for each file</a:t>
+            </a:r>
+          </a:p>
+          <a:p>
+            <a:pPr lvl="1"/>
+            <a:r>
               <a:rPr lang="en-US" altLang="ja-JP" dirty="0" smtClean="0"/>
-              <a:t>Block-scoped </a:t>
-            </a:r>
-            <a:r>
-              <a:rPr lang="en-US" altLang="ja-JP" dirty="0" smtClean="0"/>
-              <a:t>refinement activation</a:t>
-            </a:r>
-          </a:p>
-          <a:p>
-            <a:endParaRPr lang="en-US" altLang="ja-JP" dirty="0"/>
-          </a:p>
-          <a:p>
-            <a:endParaRPr lang="en-US" altLang="ja-JP" dirty="0" smtClean="0"/>
-          </a:p>
-          <a:p>
-            <a:endParaRPr lang="en-US" altLang="ja-JP" dirty="0"/>
-          </a:p>
-          <a:p>
-            <a:endParaRPr lang="en-US" altLang="ja-JP" dirty="0" smtClean="0"/>
-          </a:p>
-          <a:p>
-            <a:endParaRPr lang="en-US" altLang="ja-JP" dirty="0"/>
-          </a:p>
-          <a:p>
-            <a:endParaRPr lang="en-US" altLang="ja-JP" dirty="0" smtClean="0"/>
-          </a:p>
-          <a:p>
-            <a:endParaRPr lang="en-US" altLang="ja-JP" dirty="0"/>
-          </a:p>
-          <a:p>
-            <a:endParaRPr lang="en-US" altLang="ja-JP" dirty="0" smtClean="0"/>
+              <a:t>Incompatible refinements can't be used in the same file</a:t>
+            </a:r>
+            <a:endParaRPr kumimoji="1" lang="en-US" altLang="ja-JP" dirty="0" smtClean="0"/>
           </a:p>
           <a:p>
             <a:pPr lvl="1"/>
-            <a:r>
-              <a:rPr lang="en-US" altLang="ja-JP" dirty="0" smtClean="0"/>
-              <a:t>How to achieve this?</a:t>
-            </a:r>
-            <a:endParaRPr lang="en-US" altLang="ja-JP" dirty="0" smtClean="0"/>
-          </a:p>
-          <a:p>
-            <a:endParaRPr lang="en-US" altLang="ja-JP" dirty="0" smtClean="0"/>
-          </a:p>
-          <a:p>
-            <a:endParaRPr kumimoji="1" lang="ja-JP" altLang="en-US" dirty="0"/>
+            <a:endParaRPr kumimoji="1" lang="en-US" altLang="ja-JP" dirty="0" smtClean="0"/>
           </a:p>
         </p:txBody>
       </p:sp>
@@ -10772,7 +10798,7 @@
         <p:spPr>
           <a:xfrm>
             <a:off x="584388" y="2276872"/>
-            <a:ext cx="7130752" cy="3312368"/>
+            <a:ext cx="7130752" cy="2016224"/>
           </a:xfrm>
           <a:prstGeom prst="rect">
             <a:avLst/>
@@ -10958,6 +10984,29 @@
                 <a:latin typeface="Courier New" pitchFamily="49" charset="0"/>
                 <a:cs typeface="Courier New" pitchFamily="49" charset="0"/>
               </a:rPr>
+              <a:t>using </a:t>
+            </a:r>
+            <a:r>
+              <a:rPr lang="en-US" altLang="ja-JP" dirty="0" err="1" smtClean="0">
+                <a:latin typeface="Courier New" pitchFamily="49" charset="0"/>
+                <a:cs typeface="Courier New" pitchFamily="49" charset="0"/>
+              </a:rPr>
+              <a:t>RaddDjur</a:t>
+            </a:r>
+            <a:r>
+              <a:rPr lang="en-US" altLang="ja-JP" dirty="0" smtClean="0">
+                <a:latin typeface="Courier New" pitchFamily="49" charset="0"/>
+                <a:cs typeface="Courier New" pitchFamily="49" charset="0"/>
+              </a:rPr>
+              <a:t>::DSL</a:t>
+            </a:r>
+          </a:p>
+          <a:p>
+            <a:r>
+              <a:rPr lang="en-US" altLang="ja-JP" dirty="0" smtClean="0">
+                <a:latin typeface="Courier New" pitchFamily="49" charset="0"/>
+                <a:cs typeface="Courier New" pitchFamily="49" charset="0"/>
+              </a:rPr>
               <a:t>g </a:t>
             </a:r>
             <a:r>
@@ -11009,117 +11058,24 @@
                 <a:latin typeface="Courier New" pitchFamily="49" charset="0"/>
                 <a:cs typeface="Courier New" pitchFamily="49" charset="0"/>
               </a:rPr>
-              <a:t>  </a:t>
-            </a:r>
+              <a:t>  ...</a:t>
+            </a:r>
+          </a:p>
+          <a:p>
             <a:r>
               <a:rPr lang="en-US" altLang="ja-JP" dirty="0" smtClean="0">
                 <a:latin typeface="Courier New" pitchFamily="49" charset="0"/>
                 <a:cs typeface="Courier New" pitchFamily="49" charset="0"/>
               </a:rPr>
-              <a:t># </a:t>
-            </a:r>
-            <a:r>
-              <a:rPr lang="en-US" altLang="ja-JP" dirty="0" err="1">
-                <a:latin typeface="Courier New" pitchFamily="49" charset="0"/>
-                <a:cs typeface="Courier New" pitchFamily="49" charset="0"/>
-              </a:rPr>
-              <a:t>RaddDjur</a:t>
-            </a:r>
-            <a:r>
-              <a:rPr lang="en-US" altLang="ja-JP" dirty="0">
-                <a:latin typeface="Courier New" pitchFamily="49" charset="0"/>
-                <a:cs typeface="Courier New" pitchFamily="49" charset="0"/>
-              </a:rPr>
-              <a:t>::</a:t>
-            </a:r>
-            <a:r>
-              <a:rPr lang="en-US" altLang="ja-JP" dirty="0" smtClean="0">
-                <a:latin typeface="Courier New" pitchFamily="49" charset="0"/>
-                <a:cs typeface="Courier New" pitchFamily="49" charset="0"/>
-              </a:rPr>
-              <a:t>DSL is activated here</a:t>
-            </a:r>
-            <a:endParaRPr lang="en-US" altLang="ja-JP" dirty="0" smtClean="0">
-              <a:latin typeface="Courier New" pitchFamily="49" charset="0"/>
-              <a:cs typeface="Courier New" pitchFamily="49" charset="0"/>
-            </a:endParaRPr>
-          </a:p>
-          <a:p>
-            <a:r>
-              <a:rPr lang="en-US" altLang="ja-JP" dirty="0" smtClean="0">
-                <a:latin typeface="Courier New" pitchFamily="49" charset="0"/>
-                <a:cs typeface="Courier New" pitchFamily="49" charset="0"/>
-              </a:rPr>
               <a:t>}</a:t>
             </a:r>
-          </a:p>
-          <a:p>
-            <a:r>
-              <a:rPr lang="en-US" altLang="ja-JP" dirty="0" smtClean="0">
-                <a:latin typeface="Courier New" pitchFamily="49" charset="0"/>
-                <a:cs typeface="Courier New" pitchFamily="49" charset="0"/>
-              </a:rPr>
-              <a:t>x = </a:t>
-            </a:r>
-            <a:r>
-              <a:rPr lang="en-US" altLang="ja-JP" dirty="0" err="1" smtClean="0">
-                <a:latin typeface="Courier New" pitchFamily="49" charset="0"/>
-                <a:cs typeface="Courier New" pitchFamily="49" charset="0"/>
-              </a:rPr>
-              <a:t>Foo.new</a:t>
-            </a:r>
-            <a:r>
-              <a:rPr lang="en-US" altLang="ja-JP" dirty="0" smtClean="0">
-                <a:latin typeface="Courier New" pitchFamily="49" charset="0"/>
-                <a:cs typeface="Courier New" pitchFamily="49" charset="0"/>
-              </a:rPr>
-              <a:t> {</a:t>
-            </a:r>
-          </a:p>
-          <a:p>
-            <a:r>
-              <a:rPr lang="en-US" altLang="ja-JP" dirty="0">
-                <a:latin typeface="Courier New" pitchFamily="49" charset="0"/>
-                <a:cs typeface="Courier New" pitchFamily="49" charset="0"/>
-              </a:rPr>
-              <a:t> </a:t>
-            </a:r>
-            <a:r>
-              <a:rPr lang="en-US" altLang="ja-JP" dirty="0" smtClean="0">
-                <a:latin typeface="Courier New" pitchFamily="49" charset="0"/>
-                <a:cs typeface="Courier New" pitchFamily="49" charset="0"/>
-              </a:rPr>
-              <a:t> # another incompatible refinement is</a:t>
-            </a:r>
-          </a:p>
-          <a:p>
-            <a:r>
-              <a:rPr lang="en-US" altLang="ja-JP" dirty="0" smtClean="0">
-                <a:latin typeface="Courier New" pitchFamily="49" charset="0"/>
-                <a:cs typeface="Courier New" pitchFamily="49" charset="0"/>
-              </a:rPr>
-              <a:t>  # activated here.</a:t>
-            </a:r>
-          </a:p>
-          <a:p>
-            <a:r>
-              <a:rPr lang="en-US" altLang="ja-JP" dirty="0">
-                <a:latin typeface="Courier New" pitchFamily="49" charset="0"/>
-                <a:cs typeface="Courier New" pitchFamily="49" charset="0"/>
-              </a:rPr>
-              <a:t>}</a:t>
-            </a:r>
-            <a:endParaRPr lang="en-US" altLang="ja-JP" dirty="0" smtClean="0">
-              <a:latin typeface="Courier New" pitchFamily="49" charset="0"/>
-              <a:cs typeface="Courier New" pitchFamily="49" charset="0"/>
-            </a:endParaRPr>
           </a:p>
         </p:txBody>
       </p:sp>
     </p:spTree>
     <p:extLst>
       <p:ext uri="{BB962C8B-B14F-4D97-AF65-F5344CB8AC3E}">
-        <p14:creationId xmlns:p14="http://schemas.microsoft.com/office/powerpoint/2010/main" val="3970479005"/>
+        <p14:creationId xmlns:p14="http://schemas.microsoft.com/office/powerpoint/2010/main" val="4181145715"/>
       </p:ext>
     </p:extLst>
   </p:cSld>
@@ -11177,12 +11133,12 @@
           <a:lstStyle/>
           <a:p>
             <a:r>
-              <a:rPr kumimoji="1" lang="en-US" altLang="ja-JP" dirty="0" smtClean="0"/>
-              <a:t>Proposal: using: option of </a:t>
-            </a:r>
-            <a:r>
-              <a:rPr kumimoji="1" lang="en-US" altLang="ja-JP" dirty="0" err="1" smtClean="0"/>
-              <a:t>instance_eval</a:t>
+              <a:rPr lang="en-US" altLang="ja-JP" dirty="0" smtClean="0"/>
+              <a:t>How to refine </a:t>
+            </a:r>
+            <a:r>
+              <a:rPr lang="en-US" altLang="ja-JP" dirty="0" err="1" smtClean="0"/>
+              <a:t>refinments</a:t>
             </a:r>
             <a:endParaRPr kumimoji="1" lang="ja-JP" altLang="en-US" dirty="0"/>
           </a:p>
@@ -11206,39 +11162,46 @@
           <a:lstStyle/>
           <a:p>
             <a:r>
-              <a:rPr kumimoji="1" lang="en-US" altLang="ja-JP" dirty="0" smtClean="0"/>
-              <a:t>Example</a:t>
+              <a:rPr lang="en-US" altLang="ja-JP" dirty="0" smtClean="0"/>
+              <a:t>Block-scoped refinement activation</a:t>
             </a:r>
           </a:p>
           <a:p>
             <a:endParaRPr lang="en-US" altLang="ja-JP" dirty="0"/>
           </a:p>
           <a:p>
-            <a:endParaRPr kumimoji="1" lang="en-US" altLang="ja-JP" dirty="0" smtClean="0"/>
+            <a:endParaRPr lang="en-US" altLang="ja-JP" dirty="0" smtClean="0"/>
           </a:p>
           <a:p>
             <a:endParaRPr lang="en-US" altLang="ja-JP" dirty="0"/>
           </a:p>
           <a:p>
-            <a:endParaRPr kumimoji="1" lang="en-US" altLang="ja-JP" dirty="0" smtClean="0"/>
+            <a:endParaRPr lang="en-US" altLang="ja-JP" dirty="0" smtClean="0"/>
+          </a:p>
+          <a:p>
+            <a:endParaRPr lang="en-US" altLang="ja-JP" dirty="0"/>
+          </a:p>
+          <a:p>
+            <a:endParaRPr lang="en-US" altLang="ja-JP" dirty="0" smtClean="0"/>
+          </a:p>
+          <a:p>
+            <a:endParaRPr lang="en-US" altLang="ja-JP" dirty="0"/>
+          </a:p>
+          <a:p>
+            <a:endParaRPr lang="en-US" altLang="ja-JP" dirty="0" smtClean="0"/>
           </a:p>
           <a:p>
             <a:pPr lvl="1"/>
             <a:r>
               <a:rPr lang="en-US" altLang="ja-JP" dirty="0" smtClean="0"/>
-              <a:t>The value of using: option is a refinement, or an array of refinements</a:t>
-            </a:r>
-          </a:p>
-          <a:p>
-            <a:pPr lvl="1"/>
-            <a:r>
-              <a:rPr lang="en-US" altLang="ja-JP" dirty="0" smtClean="0"/>
-              <a:t>The refinement is activated only in the given block</a:t>
-            </a:r>
-          </a:p>
-          <a:p>
-            <a:pPr lvl="1"/>
-            <a:endParaRPr kumimoji="1" lang="en-US" altLang="ja-JP" dirty="0" smtClean="0"/>
+              <a:t>How to achieve this?</a:t>
+            </a:r>
+          </a:p>
+          <a:p>
+            <a:endParaRPr lang="en-US" altLang="ja-JP" dirty="0" smtClean="0"/>
+          </a:p>
+          <a:p>
+            <a:endParaRPr kumimoji="1" lang="ja-JP" altLang="en-US" dirty="0"/>
           </a:p>
         </p:txBody>
       </p:sp>
@@ -11267,7 +11230,7 @@
       </p:sp>
       <p:sp>
         <p:nvSpPr>
-          <p:cNvPr id="6" name="コンテンツ プレースホルダー 2"/>
+          <p:cNvPr id="5" name="コンテンツ プレースホルダー 2"/>
           <p:cNvSpPr txBox="1">
             <a:spLocks/>
           </p:cNvSpPr>
@@ -11276,7 +11239,7 @@
         <p:spPr>
           <a:xfrm>
             <a:off x="584388" y="2276872"/>
-            <a:ext cx="7299980" cy="1512168"/>
+            <a:ext cx="7130752" cy="3312368"/>
           </a:xfrm>
           <a:prstGeom prst="rect">
             <a:avLst/>
@@ -11458,18 +11421,115 @@
           </a:lstStyle>
           <a:p>
             <a:r>
+              <a:rPr lang="en-US" altLang="ja-JP" dirty="0" smtClean="0">
+                <a:latin typeface="Courier New" pitchFamily="49" charset="0"/>
+                <a:cs typeface="Courier New" pitchFamily="49" charset="0"/>
+              </a:rPr>
+              <a:t>g </a:t>
+            </a:r>
+            <a:r>
+              <a:rPr lang="en-US" altLang="ja-JP" dirty="0">
+                <a:latin typeface="Courier New" pitchFamily="49" charset="0"/>
+                <a:cs typeface="Courier New" pitchFamily="49" charset="0"/>
+              </a:rPr>
+              <a:t>= </a:t>
+            </a:r>
+            <a:r>
+              <a:rPr lang="en-US" altLang="ja-JP" dirty="0" err="1">
+                <a:latin typeface="Courier New" pitchFamily="49" charset="0"/>
+                <a:cs typeface="Courier New" pitchFamily="49" charset="0"/>
+              </a:rPr>
+              <a:t>RaddDjur</a:t>
+            </a:r>
+            <a:r>
+              <a:rPr lang="en-US" altLang="ja-JP" dirty="0">
+                <a:latin typeface="Courier New" pitchFamily="49" charset="0"/>
+                <a:cs typeface="Courier New" pitchFamily="49" charset="0"/>
+              </a:rPr>
+              <a:t>::</a:t>
+            </a:r>
+            <a:r>
+              <a:rPr lang="en-US" altLang="ja-JP" dirty="0" err="1">
+                <a:latin typeface="Courier New" pitchFamily="49" charset="0"/>
+                <a:cs typeface="Courier New" pitchFamily="49" charset="0"/>
+              </a:rPr>
+              <a:t>Grammar.new</a:t>
+            </a:r>
+            <a:r>
+              <a:rPr lang="en-US" altLang="ja-JP" dirty="0">
+                <a:latin typeface="Courier New" pitchFamily="49" charset="0"/>
+                <a:cs typeface="Courier New" pitchFamily="49" charset="0"/>
+              </a:rPr>
+              <a:t>(:additive) </a:t>
+            </a:r>
+            <a:r>
+              <a:rPr lang="en-US" altLang="ja-JP" dirty="0" smtClean="0">
+                <a:latin typeface="Courier New" pitchFamily="49" charset="0"/>
+                <a:cs typeface="Courier New" pitchFamily="49" charset="0"/>
+              </a:rPr>
+              <a:t>{</a:t>
+            </a:r>
+          </a:p>
+          <a:p>
+            <a:r>
+              <a:rPr lang="en-US" altLang="ja-JP" dirty="0" smtClean="0">
+                <a:latin typeface="Courier New" pitchFamily="49" charset="0"/>
+                <a:cs typeface="Courier New" pitchFamily="49" charset="0"/>
+              </a:rPr>
+              <a:t>  # </a:t>
+            </a:r>
+            <a:r>
+              <a:rPr lang="en-US" altLang="ja-JP" dirty="0" err="1">
+                <a:latin typeface="Courier New" pitchFamily="49" charset="0"/>
+                <a:cs typeface="Courier New" pitchFamily="49" charset="0"/>
+              </a:rPr>
+              <a:t>RaddDjur</a:t>
+            </a:r>
+            <a:r>
+              <a:rPr lang="en-US" altLang="ja-JP" dirty="0">
+                <a:latin typeface="Courier New" pitchFamily="49" charset="0"/>
+                <a:cs typeface="Courier New" pitchFamily="49" charset="0"/>
+              </a:rPr>
+              <a:t>::</a:t>
+            </a:r>
+            <a:r>
+              <a:rPr lang="en-US" altLang="ja-JP" dirty="0" smtClean="0">
+                <a:latin typeface="Courier New" pitchFamily="49" charset="0"/>
+                <a:cs typeface="Courier New" pitchFamily="49" charset="0"/>
+              </a:rPr>
+              <a:t>DSL is activated here</a:t>
+            </a:r>
+          </a:p>
+          <a:p>
+            <a:r>
+              <a:rPr lang="en-US" altLang="ja-JP" dirty="0" smtClean="0">
+                <a:latin typeface="Courier New" pitchFamily="49" charset="0"/>
+                <a:cs typeface="Courier New" pitchFamily="49" charset="0"/>
+              </a:rPr>
+              <a:t>}</a:t>
+            </a:r>
+          </a:p>
+          <a:p>
+            <a:r>
+              <a:rPr lang="en-US" altLang="ja-JP" dirty="0" smtClean="0">
+                <a:latin typeface="Courier New" pitchFamily="49" charset="0"/>
+                <a:cs typeface="Courier New" pitchFamily="49" charset="0"/>
+              </a:rPr>
+              <a:t>x = </a:t>
+            </a:r>
+            <a:r>
               <a:rPr lang="en-US" altLang="ja-JP" dirty="0" err="1" smtClean="0">
                 <a:latin typeface="Courier New" pitchFamily="49" charset="0"/>
                 <a:cs typeface="Courier New" pitchFamily="49" charset="0"/>
               </a:rPr>
-              <a:t>def</a:t>
+              <a:t>Foo.new</a:t>
             </a:r>
             <a:r>
               <a:rPr lang="en-US" altLang="ja-JP" dirty="0" smtClean="0">
                 <a:latin typeface="Courier New" pitchFamily="49" charset="0"/>
                 <a:cs typeface="Courier New" pitchFamily="49" charset="0"/>
               </a:rPr>
-              <a:t> initialize(&amp;block)</a:t>
+              <a:t> {</a:t>
             </a:r>
           </a:p>
           <a:p>
@@ -11485,44 +11545,25 @@
                 <a:latin typeface="Courier New" pitchFamily="49" charset="0"/>
                 <a:cs typeface="Courier New" pitchFamily="49" charset="0"/>
               </a:rPr>
-              <a:t> </a:t>
-            </a:r>
-            <a:r>
-              <a:rPr lang="en-US" altLang="ja-JP" dirty="0" err="1" smtClean="0">
-                <a:latin typeface="Courier New" pitchFamily="49" charset="0"/>
-                <a:cs typeface="Courier New" pitchFamily="49" charset="0"/>
-              </a:rPr>
-              <a:t>instance_eval</a:t>
-            </a:r>
+              <a:t> # another incompatible refinement is</a:t>
+            </a:r>
+          </a:p>
+          <a:p>
             <a:r>
               <a:rPr lang="en-US" altLang="ja-JP" dirty="0" smtClean="0">
                 <a:latin typeface="Courier New" pitchFamily="49" charset="0"/>
                 <a:cs typeface="Courier New" pitchFamily="49" charset="0"/>
               </a:rPr>
-              <a:t>(using: </a:t>
-            </a:r>
-            <a:r>
-              <a:rPr lang="en-US" altLang="ja-JP" dirty="0" err="1" smtClean="0">
-                <a:latin typeface="Courier New" pitchFamily="49" charset="0"/>
-                <a:cs typeface="Courier New" pitchFamily="49" charset="0"/>
-              </a:rPr>
-              <a:t>RaddDjur</a:t>
-            </a:r>
-            <a:r>
-              <a:rPr lang="en-US" altLang="ja-JP" dirty="0" smtClean="0">
-                <a:latin typeface="Courier New" pitchFamily="49" charset="0"/>
-                <a:cs typeface="Courier New" pitchFamily="49" charset="0"/>
-              </a:rPr>
-              <a:t>::DSL, &amp;block)</a:t>
-            </a:r>
-          </a:p>
-          <a:p>
-            <a:r>
-              <a:rPr lang="en-US" altLang="ja-JP" dirty="0" smtClean="0">
-                <a:latin typeface="Courier New" pitchFamily="49" charset="0"/>
-                <a:cs typeface="Courier New" pitchFamily="49" charset="0"/>
-              </a:rPr>
-              <a:t>end</a:t>
+              <a:t>  # activated here.</a:t>
+            </a:r>
+          </a:p>
+          <a:p>
+            <a:r>
+              <a:rPr lang="en-US" altLang="ja-JP" dirty="0">
+                <a:latin typeface="Courier New" pitchFamily="49" charset="0"/>
+                <a:cs typeface="Courier New" pitchFamily="49" charset="0"/>
+              </a:rPr>
+              <a:t>}</a:t>
             </a:r>
             <a:endParaRPr lang="en-US" altLang="ja-JP" dirty="0" smtClean="0">
               <a:latin typeface="Courier New" pitchFamily="49" charset="0"/>
@@ -11534,21 +11575,28 @@
     </p:spTree>
     <p:extLst>
       <p:ext uri="{BB962C8B-B14F-4D97-AF65-F5344CB8AC3E}">
-        <p14:creationId xmlns:p14="http://schemas.microsoft.com/office/powerpoint/2010/main" val="650337309"/>
+        <p14:creationId xmlns:p14="http://schemas.microsoft.com/office/powerpoint/2010/main" val="3970479005"/>
       </p:ext>
     </p:extLst>
   </p:cSld>
   <p:clrMapOvr>
     <a:masterClrMapping/>
   </p:clrMapOvr>
-  <mc:AlternateContent xmlns:mc="http://schemas.openxmlformats.org/markup-compatibility/2006">
-    <mc:Choice xmlns:p14="http://schemas.microsoft.com/office/powerpoint/2010/main" Requires="p14">
+  <mc:AlternateContent xmlns:mc="http://schemas.openxmlformats.org/markup-compatibility/2006" xmlns:p14="http://schemas.microsoft.com/office/powerpoint/2010/main">
+    <mc:Choice Requires="p14">
       <p:transition p14:dur="0"/>
     </mc:Choice>
-    <mc:Fallback>
+    <mc:Fallback xmlns="">
       <p:transition/>
     </mc:Fallback>
   </mc:AlternateContent>
+  <p:timing>
+    <p:tnLst>
+      <p:par>
+        <p:cTn id="1" dur="indefinite" restart="never" nodeType="tmRoot"/>
+      </p:par>
+    </p:tnLst>
+  </p:timing>
 </p:sld>
 </file>
 
@@ -11585,8 +11633,12 @@
           <a:lstStyle/>
           <a:p>
             <a:r>
-              <a:rPr lang="en-US" altLang="ja-JP" dirty="0" smtClean="0"/>
-              <a:t>Considerations</a:t>
+              <a:rPr kumimoji="1" lang="en-US" altLang="ja-JP" dirty="0" smtClean="0"/>
+              <a:t>Proposal: using: option of </a:t>
+            </a:r>
+            <a:r>
+              <a:rPr kumimoji="1" lang="en-US" altLang="ja-JP" dirty="0" err="1" smtClean="0"/>
+              <a:t>instance_eval</a:t>
             </a:r>
             <a:endParaRPr kumimoji="1" lang="ja-JP" altLang="en-US" dirty="0"/>
           </a:p>
@@ -11605,116 +11657,44 @@
         <p:spPr/>
         <p:txBody>
           <a:bodyPr>
-            <a:normAutofit/>
+            <a:noAutofit/>
           </a:bodyPr>
           <a:lstStyle/>
           <a:p>
             <a:r>
               <a:rPr kumimoji="1" lang="en-US" altLang="ja-JP" dirty="0" smtClean="0"/>
-              <a:t>Why </a:t>
-            </a:r>
-            <a:r>
-              <a:rPr kumimoji="1" lang="en-US" altLang="ja-JP" dirty="0" err="1" smtClean="0"/>
-              <a:t>instance_eval</a:t>
-            </a:r>
+              <a:t>Example</a:t>
+            </a:r>
+          </a:p>
+          <a:p>
+            <a:endParaRPr lang="en-US" altLang="ja-JP" dirty="0"/>
+          </a:p>
+          <a:p>
+            <a:endParaRPr kumimoji="1" lang="en-US" altLang="ja-JP" dirty="0" smtClean="0"/>
+          </a:p>
+          <a:p>
+            <a:endParaRPr lang="en-US" altLang="ja-JP" dirty="0"/>
+          </a:p>
+          <a:p>
+            <a:endParaRPr kumimoji="1" lang="en-US" altLang="ja-JP" dirty="0" smtClean="0"/>
+          </a:p>
+          <a:p>
+            <a:pPr lvl="1"/>
             <a:r>
               <a:rPr lang="en-US" altLang="ja-JP" dirty="0" smtClean="0"/>
-              <a:t>?</a:t>
+              <a:t>The value of using: option is a refinement, or an array of refinements</a:t>
             </a:r>
           </a:p>
           <a:p>
             <a:pPr lvl="1"/>
             <a:r>
-              <a:rPr lang="en-US" altLang="ja-JP" dirty="0" err="1" smtClean="0"/>
-              <a:t>instance_eval</a:t>
-            </a:r>
-            <a:r>
               <a:rPr lang="en-US" altLang="ja-JP" dirty="0" smtClean="0"/>
-              <a:t> is often used for DSL</a:t>
+              <a:t>The refinement is activated only in the given block</a:t>
             </a:r>
           </a:p>
           <a:p>
             <a:pPr lvl="1"/>
-            <a:r>
-              <a:rPr lang="en-US" altLang="ja-JP" dirty="0" smtClean="0"/>
-              <a:t>self switching and refinement activation should be used at the same time</a:t>
-            </a:r>
-          </a:p>
-          <a:p>
-            <a:r>
-              <a:rPr lang="en-US" altLang="ja-JP" dirty="0" smtClean="0"/>
-              <a:t>How about other </a:t>
-            </a:r>
-            <a:r>
-              <a:rPr lang="en-US" altLang="ja-JP" dirty="0" err="1" smtClean="0"/>
-              <a:t>eval</a:t>
-            </a:r>
-            <a:r>
-              <a:rPr lang="en-US" altLang="ja-JP" dirty="0" smtClean="0"/>
-              <a:t> methods?</a:t>
-            </a:r>
-          </a:p>
-          <a:p>
-            <a:pPr lvl="1"/>
-            <a:r>
-              <a:rPr lang="en-US" altLang="ja-JP" dirty="0" smtClean="0"/>
-              <a:t>I have no idea for </a:t>
-            </a:r>
-            <a:r>
-              <a:rPr lang="en-US" altLang="ja-JP" dirty="0" err="1" smtClean="0"/>
-              <a:t>eval</a:t>
-            </a:r>
-            <a:r>
-              <a:rPr lang="en-US" altLang="ja-JP" dirty="0" smtClean="0"/>
-              <a:t> and </a:t>
-            </a:r>
-            <a:r>
-              <a:rPr lang="en-US" altLang="ja-JP" dirty="0" err="1" smtClean="0"/>
-              <a:t>module_eval</a:t>
-            </a:r>
-            <a:endParaRPr lang="en-US" altLang="ja-JP" dirty="0" smtClean="0"/>
-          </a:p>
-          <a:p>
-            <a:pPr lvl="1"/>
-            <a:r>
-              <a:rPr lang="en-US" altLang="ja-JP" dirty="0" smtClean="0"/>
-              <a:t>But </a:t>
-            </a:r>
-            <a:r>
-              <a:rPr lang="en-US" altLang="ja-JP" dirty="0" err="1" smtClean="0"/>
-              <a:t>instance_exec</a:t>
-            </a:r>
-            <a:r>
-              <a:rPr lang="en-US" altLang="ja-JP" dirty="0" smtClean="0"/>
-              <a:t> should have the using: option</a:t>
-            </a:r>
-          </a:p>
-          <a:p>
-            <a:r>
-              <a:rPr lang="en-US" altLang="ja-JP" dirty="0" smtClean="0"/>
-              <a:t>Readability</a:t>
-            </a:r>
-          </a:p>
-          <a:p>
-            <a:pPr lvl="1"/>
-            <a:r>
-              <a:rPr lang="en-US" altLang="ja-JP" dirty="0" smtClean="0"/>
-              <a:t>Implicit refinement activation may be confusing for users</a:t>
-            </a:r>
-          </a:p>
-          <a:p>
-            <a:r>
-              <a:rPr kumimoji="1" lang="en-US" altLang="ja-JP" dirty="0" smtClean="0"/>
-              <a:t>Performance issue</a:t>
-            </a:r>
-          </a:p>
-          <a:p>
-            <a:pPr lvl="1"/>
-            <a:r>
-              <a:rPr lang="en-US" altLang="ja-JP" dirty="0" smtClean="0"/>
-              <a:t>Please help me, SASADA-san</a:t>
-            </a:r>
-            <a:endParaRPr kumimoji="1" lang="ja-JP" altLang="en-US" dirty="0"/>
+            <a:endParaRPr kumimoji="1" lang="en-US" altLang="ja-JP" dirty="0" smtClean="0"/>
           </a:p>
         </p:txBody>
       </p:sp>
@@ -11741,21 +11721,283 @@
           </a:p>
         </p:txBody>
       </p:sp>
+      <p:sp>
+        <p:nvSpPr>
+          <p:cNvPr id="6" name="コンテンツ プレースホルダー 2"/>
+          <p:cNvSpPr txBox="1">
+            <a:spLocks/>
+          </p:cNvSpPr>
+          <p:nvPr/>
+        </p:nvSpPr>
+        <p:spPr>
+          <a:xfrm>
+            <a:off x="584388" y="2276872"/>
+            <a:ext cx="7299980" cy="1512168"/>
+          </a:xfrm>
+          <a:prstGeom prst="rect">
+            <a:avLst/>
+          </a:prstGeom>
+          <a:solidFill>
+            <a:schemeClr val="accent4">
+              <a:lumMod val="40000"/>
+              <a:lumOff val="60000"/>
+            </a:schemeClr>
+          </a:solidFill>
+        </p:spPr>
+        <p:txBody>
+          <a:bodyPr vert="horz" lIns="180000" tIns="144000" rIns="180000" bIns="72000" rtlCol="0">
+            <a:normAutofit/>
+          </a:bodyPr>
+          <a:lstStyle>
+            <a:lvl1pPr marL="0" indent="0" algn="l" defTabSz="914400" rtl="0" eaLnBrk="1" latinLnBrk="0" hangingPunct="1">
+              <a:spcBef>
+                <a:spcPct val="20000"/>
+              </a:spcBef>
+              <a:spcAft>
+                <a:spcPts val="600"/>
+              </a:spcAft>
+              <a:buFont typeface="Arial" pitchFamily="34" charset="0"/>
+              <a:buNone/>
+              <a:defRPr kumimoji="1" sz="2000" b="1" kern="1200">
+                <a:solidFill>
+                  <a:schemeClr val="tx1"/>
+                </a:solidFill>
+                <a:latin typeface="+mn-lt"/>
+                <a:ea typeface="+mn-ea"/>
+                <a:cs typeface="+mn-cs"/>
+              </a:defRPr>
+            </a:lvl1pPr>
+            <a:lvl2pPr marL="457200" indent="-182880" algn="l" defTabSz="914400" rtl="0" eaLnBrk="1" latinLnBrk="0" hangingPunct="1">
+              <a:spcBef>
+                <a:spcPct val="20000"/>
+              </a:spcBef>
+              <a:buClr>
+                <a:schemeClr val="tx2"/>
+              </a:buClr>
+              <a:buFont typeface="Arial" pitchFamily="34" charset="0"/>
+              <a:buChar char="•"/>
+              <a:defRPr kumimoji="1" sz="2000" kern="1200">
+                <a:solidFill>
+                  <a:schemeClr val="tx1"/>
+                </a:solidFill>
+                <a:latin typeface="+mn-lt"/>
+                <a:ea typeface="+mn-ea"/>
+                <a:cs typeface="+mn-cs"/>
+              </a:defRPr>
+            </a:lvl2pPr>
+            <a:lvl3pPr marL="1143000" indent="-228600" algn="l" defTabSz="914400" rtl="0" eaLnBrk="1" latinLnBrk="0" hangingPunct="1">
+              <a:spcBef>
+                <a:spcPct val="20000"/>
+              </a:spcBef>
+              <a:buClr>
+                <a:schemeClr val="tx2"/>
+              </a:buClr>
+              <a:buFont typeface="Arial" pitchFamily="34" charset="0"/>
+              <a:buChar char="•"/>
+              <a:defRPr kumimoji="1" sz="1800" kern="1200">
+                <a:solidFill>
+                  <a:schemeClr val="tx1"/>
+                </a:solidFill>
+                <a:latin typeface="+mn-lt"/>
+                <a:ea typeface="+mn-ea"/>
+                <a:cs typeface="+mn-cs"/>
+              </a:defRPr>
+            </a:lvl3pPr>
+            <a:lvl4pPr marL="1600200" indent="-228600" algn="l" defTabSz="914400" rtl="0" eaLnBrk="1" latinLnBrk="0" hangingPunct="1">
+              <a:spcBef>
+                <a:spcPct val="20000"/>
+              </a:spcBef>
+              <a:buClr>
+                <a:schemeClr val="tx2"/>
+              </a:buClr>
+              <a:buFont typeface="Arial" pitchFamily="34" charset="0"/>
+              <a:buChar char="•"/>
+              <a:defRPr kumimoji="1" sz="1800" kern="1200">
+                <a:solidFill>
+                  <a:schemeClr val="tx1"/>
+                </a:solidFill>
+                <a:latin typeface="+mn-lt"/>
+                <a:ea typeface="+mn-ea"/>
+                <a:cs typeface="+mn-cs"/>
+              </a:defRPr>
+            </a:lvl4pPr>
+            <a:lvl5pPr marL="2057400" indent="-228600" algn="l" defTabSz="914400" rtl="0" eaLnBrk="1" latinLnBrk="0" hangingPunct="1">
+              <a:spcBef>
+                <a:spcPct val="20000"/>
+              </a:spcBef>
+              <a:buClr>
+                <a:schemeClr val="tx2"/>
+              </a:buClr>
+              <a:buFont typeface="Arial" pitchFamily="34" charset="0"/>
+              <a:buChar char="•"/>
+              <a:defRPr kumimoji="1" sz="1800" kern="1200" baseline="0">
+                <a:solidFill>
+                  <a:schemeClr val="tx1"/>
+                </a:solidFill>
+                <a:latin typeface="+mn-lt"/>
+                <a:ea typeface="+mn-ea"/>
+                <a:cs typeface="+mn-cs"/>
+              </a:defRPr>
+            </a:lvl5pPr>
+            <a:lvl6pPr marL="2514600" indent="-228600" algn="l" defTabSz="914400" rtl="0" eaLnBrk="1" latinLnBrk="0" hangingPunct="1">
+              <a:spcBef>
+                <a:spcPct val="20000"/>
+              </a:spcBef>
+              <a:buClr>
+                <a:schemeClr val="tx2"/>
+              </a:buClr>
+              <a:buFont typeface="Arial" pitchFamily="34" charset="0"/>
+              <a:buChar char="•"/>
+              <a:defRPr kumimoji="1" sz="1600" kern="1200">
+                <a:solidFill>
+                  <a:schemeClr val="tx1"/>
+                </a:solidFill>
+                <a:latin typeface="+mn-lt"/>
+                <a:ea typeface="+mn-ea"/>
+                <a:cs typeface="+mn-cs"/>
+              </a:defRPr>
+            </a:lvl6pPr>
+            <a:lvl7pPr marL="2971800" indent="-228600" algn="l" defTabSz="914400" rtl="0" eaLnBrk="1" latinLnBrk="0" hangingPunct="1">
+              <a:spcBef>
+                <a:spcPct val="20000"/>
+              </a:spcBef>
+              <a:buClr>
+                <a:schemeClr val="tx2"/>
+              </a:buClr>
+              <a:buFont typeface="Arial" pitchFamily="34" charset="0"/>
+              <a:buChar char="•"/>
+              <a:defRPr kumimoji="1" sz="1600" kern="1200">
+                <a:solidFill>
+                  <a:schemeClr val="tx1"/>
+                </a:solidFill>
+                <a:latin typeface="+mn-lt"/>
+                <a:ea typeface="+mn-ea"/>
+                <a:cs typeface="+mn-cs"/>
+              </a:defRPr>
+            </a:lvl7pPr>
+            <a:lvl8pPr marL="3429000" indent="-228600" algn="l" defTabSz="914400" rtl="0" eaLnBrk="1" latinLnBrk="0" hangingPunct="1">
+              <a:spcBef>
+                <a:spcPct val="20000"/>
+              </a:spcBef>
+              <a:buClr>
+                <a:schemeClr val="tx2"/>
+              </a:buClr>
+              <a:buFont typeface="Arial" pitchFamily="34" charset="0"/>
+              <a:buChar char="•"/>
+              <a:defRPr kumimoji="1" sz="1600" kern="1200">
+                <a:solidFill>
+                  <a:schemeClr val="tx1"/>
+                </a:solidFill>
+                <a:latin typeface="+mn-lt"/>
+                <a:ea typeface="+mn-ea"/>
+                <a:cs typeface="+mn-cs"/>
+              </a:defRPr>
+            </a:lvl8pPr>
+            <a:lvl9pPr marL="3886200" indent="-228600" algn="l" defTabSz="914400" rtl="0" eaLnBrk="1" latinLnBrk="0" hangingPunct="1">
+              <a:spcBef>
+                <a:spcPct val="20000"/>
+              </a:spcBef>
+              <a:buClr>
+                <a:schemeClr val="tx2"/>
+              </a:buClr>
+              <a:buFont typeface="Arial" pitchFamily="34" charset="0"/>
+              <a:buChar char="•"/>
+              <a:defRPr kumimoji="1" sz="1600" kern="1200">
+                <a:solidFill>
+                  <a:schemeClr val="tx1"/>
+                </a:solidFill>
+                <a:latin typeface="+mn-lt"/>
+                <a:ea typeface="+mn-ea"/>
+                <a:cs typeface="+mn-cs"/>
+              </a:defRPr>
+            </a:lvl9pPr>
+          </a:lstStyle>
+          <a:p>
+            <a:r>
+              <a:rPr lang="en-US" altLang="ja-JP" dirty="0" err="1" smtClean="0">
+                <a:latin typeface="Courier New" pitchFamily="49" charset="0"/>
+                <a:cs typeface="Courier New" pitchFamily="49" charset="0"/>
+              </a:rPr>
+              <a:t>def</a:t>
+            </a:r>
+            <a:r>
+              <a:rPr lang="en-US" altLang="ja-JP" dirty="0" smtClean="0">
+                <a:latin typeface="Courier New" pitchFamily="49" charset="0"/>
+                <a:cs typeface="Courier New" pitchFamily="49" charset="0"/>
+              </a:rPr>
+              <a:t> initialize(&amp;block)</a:t>
+            </a:r>
+          </a:p>
+          <a:p>
+            <a:r>
+              <a:rPr lang="en-US" altLang="ja-JP" dirty="0">
+                <a:latin typeface="Courier New" pitchFamily="49" charset="0"/>
+                <a:cs typeface="Courier New" pitchFamily="49" charset="0"/>
+              </a:rPr>
+              <a:t> </a:t>
+            </a:r>
+            <a:r>
+              <a:rPr lang="en-US" altLang="ja-JP" dirty="0" smtClean="0">
+                <a:latin typeface="Courier New" pitchFamily="49" charset="0"/>
+                <a:cs typeface="Courier New" pitchFamily="49" charset="0"/>
+              </a:rPr>
+              <a:t> </a:t>
+            </a:r>
+            <a:r>
+              <a:rPr lang="en-US" altLang="ja-JP" dirty="0" err="1" smtClean="0">
+                <a:latin typeface="Courier New" pitchFamily="49" charset="0"/>
+                <a:cs typeface="Courier New" pitchFamily="49" charset="0"/>
+              </a:rPr>
+              <a:t>instance_eval</a:t>
+            </a:r>
+            <a:r>
+              <a:rPr lang="en-US" altLang="ja-JP" dirty="0" smtClean="0">
+                <a:latin typeface="Courier New" pitchFamily="49" charset="0"/>
+                <a:cs typeface="Courier New" pitchFamily="49" charset="0"/>
+              </a:rPr>
+              <a:t>(using: </a:t>
+            </a:r>
+            <a:r>
+              <a:rPr lang="en-US" altLang="ja-JP" dirty="0" err="1" smtClean="0">
+                <a:latin typeface="Courier New" pitchFamily="49" charset="0"/>
+                <a:cs typeface="Courier New" pitchFamily="49" charset="0"/>
+              </a:rPr>
+              <a:t>RaddDjur</a:t>
+            </a:r>
+            <a:r>
+              <a:rPr lang="en-US" altLang="ja-JP" dirty="0" smtClean="0">
+                <a:latin typeface="Courier New" pitchFamily="49" charset="0"/>
+                <a:cs typeface="Courier New" pitchFamily="49" charset="0"/>
+              </a:rPr>
+              <a:t>::DSL, &amp;block)</a:t>
+            </a:r>
+          </a:p>
+          <a:p>
+            <a:r>
+              <a:rPr lang="en-US" altLang="ja-JP" dirty="0" smtClean="0">
+                <a:latin typeface="Courier New" pitchFamily="49" charset="0"/>
+                <a:cs typeface="Courier New" pitchFamily="49" charset="0"/>
+              </a:rPr>
+              <a:t>end</a:t>
+            </a:r>
+          </a:p>
+        </p:txBody>
+      </p:sp>
     </p:spTree>
     <p:extLst>
       <p:ext uri="{BB962C8B-B14F-4D97-AF65-F5344CB8AC3E}">
-        <p14:creationId xmlns:p14="http://schemas.microsoft.com/office/powerpoint/2010/main" val="2838926945"/>
+        <p14:creationId xmlns:p14="http://schemas.microsoft.com/office/powerpoint/2010/main" val="650337309"/>
       </p:ext>
     </p:extLst>
   </p:cSld>
   <p:clrMapOvr>
     <a:masterClrMapping/>
   </p:clrMapOvr>
-  <mc:AlternateContent xmlns:mc="http://schemas.openxmlformats.org/markup-compatibility/2006">
-    <mc:Choice xmlns:p14="http://schemas.microsoft.com/office/powerpoint/2010/main" Requires="p14">
+  <mc:AlternateContent xmlns:mc="http://schemas.openxmlformats.org/markup-compatibility/2006" xmlns:p14="http://schemas.microsoft.com/office/powerpoint/2010/main">
+    <mc:Choice Requires="p14">
       <p:transition p14:dur="0"/>
     </mc:Choice>
-    <mc:Fallback>
+    <mc:Fallback xmlns="">
       <p:transition/>
     </mc:Fallback>
   </mc:AlternateContent>
@@ -11795,68 +12037,136 @@
           <a:lstStyle/>
           <a:p>
             <a:r>
+              <a:rPr lang="en-US" altLang="ja-JP" dirty="0" smtClean="0"/>
+              <a:t>Considerations</a:t>
+            </a:r>
+            <a:endParaRPr kumimoji="1" lang="ja-JP" altLang="en-US" dirty="0"/>
+          </a:p>
+        </p:txBody>
+      </p:sp>
+      <p:sp>
+        <p:nvSpPr>
+          <p:cNvPr id="3" name="コンテンツ プレースホルダー 2"/>
+          <p:cNvSpPr>
+            <a:spLocks noGrp="1"/>
+          </p:cNvSpPr>
+          <p:nvPr>
+            <p:ph idx="1"/>
+          </p:nvPr>
+        </p:nvSpPr>
+        <p:spPr/>
+        <p:txBody>
+          <a:bodyPr>
+            <a:normAutofit/>
+          </a:bodyPr>
+          <a:lstStyle/>
+          <a:p>
+            <a:r>
               <a:rPr kumimoji="1" lang="en-US" altLang="ja-JP" dirty="0" smtClean="0"/>
-              <a:t>Conclusion</a:t>
-            </a:r>
-            <a:endParaRPr kumimoji="1" lang="ja-JP" altLang="en-US" dirty="0"/>
-          </a:p>
-        </p:txBody>
-      </p:sp>
-      <p:sp>
-        <p:nvSpPr>
-          <p:cNvPr id="3" name="コンテンツ プレースホルダー 2"/>
-          <p:cNvSpPr>
-            <a:spLocks noGrp="1"/>
-          </p:cNvSpPr>
-          <p:nvPr>
-            <p:ph idx="1"/>
-          </p:nvPr>
-        </p:nvSpPr>
-        <p:spPr/>
-        <p:txBody>
-          <a:bodyPr/>
-          <a:lstStyle/>
-          <a:p>
+              <a:t>Why </a:t>
+            </a:r>
+            <a:r>
+              <a:rPr kumimoji="1" lang="en-US" altLang="ja-JP" dirty="0" err="1" smtClean="0"/>
+              <a:t>instance_eval</a:t>
+            </a:r>
             <a:r>
               <a:rPr lang="en-US" altLang="ja-JP" dirty="0" smtClean="0"/>
-              <a:t>What a</a:t>
-            </a:r>
-            <a:r>
-              <a:rPr kumimoji="1" lang="en-US" altLang="ja-JP" dirty="0" smtClean="0"/>
-              <a:t>re refinements for?</a:t>
+              <a:t>?</a:t>
             </a:r>
           </a:p>
           <a:p>
             <a:pPr lvl="1"/>
-            <a:r>
-              <a:rPr kumimoji="1" lang="en-US" altLang="ja-JP" dirty="0" smtClean="0"/>
-              <a:t>For  better compatibility</a:t>
-            </a:r>
-          </a:p>
-          <a:p>
-            <a:pPr lvl="1"/>
-            <a:r>
-              <a:rPr lang="en-US" altLang="ja-JP" dirty="0" smtClean="0"/>
-              <a:t>For internal DSL</a:t>
-            </a:r>
-          </a:p>
-          <a:p>
-            <a:r>
-              <a:rPr kumimoji="1" lang="en-US" altLang="ja-JP" dirty="0" smtClean="0"/>
-              <a:t>How to refine refinements</a:t>
-            </a:r>
-          </a:p>
-          <a:p>
-            <a:pPr lvl="1"/>
-            <a:r>
-              <a:rPr lang="en-US" altLang="ja-JP" dirty="0" smtClean="0"/>
-              <a:t>using: option for </a:t>
-            </a:r>
             <a:r>
               <a:rPr lang="en-US" altLang="ja-JP" dirty="0" err="1" smtClean="0"/>
               <a:t>instance_eval</a:t>
             </a:r>
+            <a:r>
+              <a:rPr lang="en-US" altLang="ja-JP" dirty="0" smtClean="0"/>
+              <a:t> is often used for DSL</a:t>
+            </a:r>
+          </a:p>
+          <a:p>
+            <a:pPr lvl="1"/>
+            <a:r>
+              <a:rPr lang="en-US" altLang="ja-JP" dirty="0" smtClean="0"/>
+              <a:t>self switching and refinement activation should be used at the same time</a:t>
+            </a:r>
+          </a:p>
+          <a:p>
+            <a:r>
+              <a:rPr lang="en-US" altLang="ja-JP" dirty="0" smtClean="0"/>
+              <a:t>How about other </a:t>
+            </a:r>
+            <a:r>
+              <a:rPr lang="en-US" altLang="ja-JP" dirty="0" err="1" smtClean="0"/>
+              <a:t>eval</a:t>
+            </a:r>
+            <a:r>
+              <a:rPr lang="en-US" altLang="ja-JP" dirty="0" smtClean="0"/>
+              <a:t> methods?</a:t>
+            </a:r>
+          </a:p>
+          <a:p>
+            <a:pPr lvl="1"/>
+            <a:r>
+              <a:rPr lang="en-US" altLang="ja-JP" dirty="0" smtClean="0"/>
+              <a:t>I have no idea for </a:t>
+            </a:r>
+            <a:r>
+              <a:rPr lang="en-US" altLang="ja-JP" dirty="0" err="1" smtClean="0"/>
+              <a:t>eval</a:t>
+            </a:r>
+            <a:r>
+              <a:rPr lang="en-US" altLang="ja-JP" dirty="0" smtClean="0"/>
+              <a:t> and </a:t>
+            </a:r>
+            <a:r>
+              <a:rPr lang="en-US" altLang="ja-JP" dirty="0" err="1" smtClean="0"/>
+              <a:t>module_eval</a:t>
+            </a:r>
             <a:endParaRPr lang="en-US" altLang="ja-JP" dirty="0" smtClean="0"/>
+          </a:p>
+          <a:p>
+            <a:pPr lvl="1"/>
+            <a:r>
+              <a:rPr lang="en-US" altLang="ja-JP" dirty="0" smtClean="0"/>
+              <a:t>But </a:t>
+            </a:r>
+            <a:r>
+              <a:rPr lang="en-US" altLang="ja-JP" dirty="0" err="1" smtClean="0"/>
+              <a:t>instance_exec</a:t>
+            </a:r>
+            <a:r>
+              <a:rPr lang="en-US" altLang="ja-JP" dirty="0" smtClean="0"/>
+              <a:t> should have the using: option</a:t>
+            </a:r>
+          </a:p>
+          <a:p>
+            <a:r>
+              <a:rPr lang="en-US" altLang="ja-JP" dirty="0" smtClean="0"/>
+              <a:t>Readability</a:t>
+            </a:r>
+          </a:p>
+          <a:p>
+            <a:pPr lvl="1"/>
+            <a:r>
+              <a:rPr lang="en-US" altLang="ja-JP" dirty="0" smtClean="0"/>
+              <a:t>Implicit refinement activation may be confusing for users</a:t>
+            </a:r>
+          </a:p>
+          <a:p>
+            <a:r>
+              <a:rPr kumimoji="1" lang="en-US" altLang="ja-JP" dirty="0" smtClean="0"/>
+              <a:t>Performance issue</a:t>
+            </a:r>
+          </a:p>
+          <a:p>
+            <a:pPr lvl="1"/>
+            <a:r>
+              <a:rPr lang="en-US" altLang="ja-JP" dirty="0" smtClean="0"/>
+              <a:t>Please help me, SASADA-san</a:t>
+            </a:r>
+            <a:endParaRPr kumimoji="1" lang="ja-JP" altLang="en-US" dirty="0"/>
           </a:p>
         </p:txBody>
       </p:sp>
@@ -11878,6 +12188,148 @@
             <a:fld id="{D2D8002D-B5B0-4BAC-B1F6-782DDCCE6D9C}" type="slidenum">
               <a:rPr kumimoji="1" lang="ja-JP" altLang="en-US" smtClean="0"/>
               <a:t>26</a:t>
+            </a:fld>
+            <a:endParaRPr kumimoji="1" lang="ja-JP" altLang="en-US" dirty="0"/>
+          </a:p>
+        </p:txBody>
+      </p:sp>
+    </p:spTree>
+    <p:extLst>
+      <p:ext uri="{BB962C8B-B14F-4D97-AF65-F5344CB8AC3E}">
+        <p14:creationId xmlns:p14="http://schemas.microsoft.com/office/powerpoint/2010/main" val="2838926945"/>
+      </p:ext>
+    </p:extLst>
+  </p:cSld>
+  <p:clrMapOvr>
+    <a:masterClrMapping/>
+  </p:clrMapOvr>
+  <mc:AlternateContent xmlns:mc="http://schemas.openxmlformats.org/markup-compatibility/2006" xmlns:p14="http://schemas.microsoft.com/office/powerpoint/2010/main">
+    <mc:Choice Requires="p14">
+      <p:transition p14:dur="0"/>
+    </mc:Choice>
+    <mc:Fallback xmlns="">
+      <p:transition/>
+    </mc:Fallback>
+  </mc:AlternateContent>
+</p:sld>
+</file>
+
+<file path=ppt/slides/slide28.xml><?xml version="1.0" encoding="utf-8"?>
+<p:sld xmlns:a="http://schemas.openxmlformats.org/drawingml/2006/main" xmlns:r="http://schemas.openxmlformats.org/officeDocument/2006/relationships" xmlns:p="http://schemas.openxmlformats.org/presentationml/2006/main">
+  <p:cSld>
+    <p:spTree>
+      <p:nvGrpSpPr>
+        <p:cNvPr id="1" name=""/>
+        <p:cNvGrpSpPr/>
+        <p:nvPr/>
+      </p:nvGrpSpPr>
+      <p:grpSpPr>
+        <a:xfrm>
+          <a:off x="0" y="0"/>
+          <a:ext cx="0" cy="0"/>
+          <a:chOff x="0" y="0"/>
+          <a:chExt cx="0" cy="0"/>
+        </a:xfrm>
+      </p:grpSpPr>
+      <p:sp>
+        <p:nvSpPr>
+          <p:cNvPr id="2" name="タイトル 1"/>
+          <p:cNvSpPr>
+            <a:spLocks noGrp="1"/>
+          </p:cNvSpPr>
+          <p:nvPr>
+            <p:ph type="title"/>
+          </p:nvPr>
+        </p:nvSpPr>
+        <p:spPr/>
+        <p:txBody>
+          <a:bodyPr/>
+          <a:lstStyle/>
+          <a:p>
+            <a:r>
+              <a:rPr kumimoji="1" lang="en-US" altLang="ja-JP" dirty="0" smtClean="0"/>
+              <a:t>Conclusion</a:t>
+            </a:r>
+            <a:endParaRPr kumimoji="1" lang="ja-JP" altLang="en-US" dirty="0"/>
+          </a:p>
+        </p:txBody>
+      </p:sp>
+      <p:sp>
+        <p:nvSpPr>
+          <p:cNvPr id="3" name="コンテンツ プレースホルダー 2"/>
+          <p:cNvSpPr>
+            <a:spLocks noGrp="1"/>
+          </p:cNvSpPr>
+          <p:nvPr>
+            <p:ph idx="1"/>
+          </p:nvPr>
+        </p:nvSpPr>
+        <p:spPr/>
+        <p:txBody>
+          <a:bodyPr/>
+          <a:lstStyle/>
+          <a:p>
+            <a:r>
+              <a:rPr lang="en-US" altLang="ja-JP" dirty="0" smtClean="0"/>
+              <a:t>What a</a:t>
+            </a:r>
+            <a:r>
+              <a:rPr kumimoji="1" lang="en-US" altLang="ja-JP" dirty="0" smtClean="0"/>
+              <a:t>re refinements for?</a:t>
+            </a:r>
+          </a:p>
+          <a:p>
+            <a:pPr lvl="1"/>
+            <a:r>
+              <a:rPr kumimoji="1" lang="en-US" altLang="ja-JP" dirty="0" smtClean="0"/>
+              <a:t>For  better compatibility</a:t>
+            </a:r>
+          </a:p>
+          <a:p>
+            <a:pPr lvl="1"/>
+            <a:r>
+              <a:rPr lang="en-US" altLang="ja-JP" dirty="0" smtClean="0"/>
+              <a:t>For internal DSL</a:t>
+            </a:r>
+          </a:p>
+          <a:p>
+            <a:r>
+              <a:rPr kumimoji="1" lang="en-US" altLang="ja-JP" dirty="0" smtClean="0"/>
+              <a:t>How to refine refinements</a:t>
+            </a:r>
+          </a:p>
+          <a:p>
+            <a:pPr lvl="1"/>
+            <a:r>
+              <a:rPr lang="en-US" altLang="ja-JP" dirty="0" smtClean="0"/>
+              <a:t>using: option for </a:t>
+            </a:r>
+            <a:r>
+              <a:rPr lang="en-US" altLang="ja-JP" dirty="0" err="1" smtClean="0"/>
+              <a:t>instance_eval</a:t>
+            </a:r>
+            <a:endParaRPr lang="en-US" altLang="ja-JP" dirty="0" smtClean="0"/>
+          </a:p>
+        </p:txBody>
+      </p:sp>
+      <p:sp>
+        <p:nvSpPr>
+          <p:cNvPr id="4" name="スライド番号プレースホルダー 3"/>
+          <p:cNvSpPr>
+            <a:spLocks noGrp="1"/>
+          </p:cNvSpPr>
+          <p:nvPr>
+            <p:ph type="sldNum" sz="quarter" idx="12"/>
+          </p:nvPr>
+        </p:nvSpPr>
+        <p:spPr/>
+        <p:txBody>
+          <a:bodyPr/>
+          <a:lstStyle/>
+          <a:p>
+            <a:fld id="{D2D8002D-B5B0-4BAC-B1F6-782DDCCE6D9C}" type="slidenum">
+              <a:rPr kumimoji="1" lang="ja-JP" altLang="en-US" smtClean="0"/>
+              <a:t>27</a:t>
             </a:fld>
             <a:endParaRPr kumimoji="1" lang="ja-JP" altLang="en-US" dirty="0"/>
           </a:p>
@@ -11911,7 +12363,7 @@
 </p:sld>
 </file>
 
-<file path=ppt/slides/slide28.xml><?xml version="1.0" encoding="utf-8"?>
+<file path=ppt/slides/slide29.xml><?xml version="1.0" encoding="utf-8"?>
 <p:sld xmlns:a="http://schemas.openxmlformats.org/drawingml/2006/main" xmlns:r="http://schemas.openxmlformats.org/officeDocument/2006/relationships" xmlns:p="http://schemas.openxmlformats.org/presentationml/2006/main">
   <p:cSld>
     <p:spTree>
@@ -11991,7 +12443,7 @@
           <a:p>
             <a:fld id="{D2D8002D-B5B0-4BAC-B1F6-782DDCCE6D9C}" type="slidenum">
               <a:rPr kumimoji="1" lang="ja-JP" altLang="en-US" smtClean="0"/>
-              <a:t>27</a:t>
+              <a:t>28</a:t>
             </a:fld>
             <a:endParaRPr kumimoji="1" lang="ja-JP" altLang="en-US" dirty="0"/>
           </a:p>

--- a/refining_refinements.pptx
+++ b/refining_refinements.pptx
@@ -11137,8 +11137,8 @@
               <a:t>How to refine </a:t>
             </a:r>
             <a:r>
-              <a:rPr lang="en-US" altLang="ja-JP" dirty="0" err="1" smtClean="0"/>
-              <a:t>refinments</a:t>
+              <a:rPr lang="en-US" altLang="ja-JP" dirty="0" smtClean="0"/>
+              <a:t>refinements</a:t>
             </a:r>
             <a:endParaRPr kumimoji="1" lang="ja-JP" altLang="en-US" dirty="0"/>
           </a:p>
@@ -11629,12 +11629,18 @@
         </p:nvSpPr>
         <p:spPr/>
         <p:txBody>
-          <a:bodyPr/>
+          <a:bodyPr>
+            <a:normAutofit fontScale="90000"/>
+          </a:bodyPr>
           <a:lstStyle/>
           <a:p>
             <a:r>
               <a:rPr kumimoji="1" lang="en-US" altLang="ja-JP" dirty="0" smtClean="0"/>
-              <a:t>Proposal: using: option of </a:t>
+              <a:t>PROPOSAL using</a:t>
+            </a:r>
+            <a:r>
+              <a:rPr kumimoji="1" lang="en-US" altLang="ja-JP" dirty="0" smtClean="0"/>
+              <a:t>: option of </a:t>
             </a:r>
             <a:r>
               <a:rPr kumimoji="1" lang="en-US" altLang="ja-JP" dirty="0" err="1" smtClean="0"/>
@@ -11682,14 +11688,35 @@
             <a:pPr lvl="1"/>
             <a:r>
               <a:rPr lang="en-US" altLang="ja-JP" dirty="0" smtClean="0"/>
-              <a:t>The value of using: option is a refinement, or an array of refinements</a:t>
-            </a:r>
+              <a:t>The value of using: option is a </a:t>
+            </a:r>
+            <a:r>
+              <a:rPr lang="en-US" altLang="ja-JP" dirty="0" smtClean="0"/>
+              <a:t>module, </a:t>
+            </a:r>
+            <a:r>
+              <a:rPr lang="en-US" altLang="ja-JP" dirty="0" smtClean="0"/>
+              <a:t>or an array of </a:t>
+            </a:r>
+            <a:r>
+              <a:rPr lang="en-US" altLang="ja-JP" dirty="0" smtClean="0"/>
+              <a:t>module</a:t>
+            </a:r>
+            <a:endParaRPr lang="en-US" altLang="ja-JP" dirty="0" smtClean="0"/>
           </a:p>
           <a:p>
             <a:pPr lvl="1"/>
             <a:r>
               <a:rPr lang="en-US" altLang="ja-JP" dirty="0" smtClean="0"/>
-              <a:t>The refinement is activated only in the given block</a:t>
+              <a:t>The </a:t>
+            </a:r>
+            <a:r>
+              <a:rPr lang="en-US" altLang="ja-JP" dirty="0" smtClean="0"/>
+              <a:t>refinements defined in the module(s) are </a:t>
+            </a:r>
+            <a:r>
+              <a:rPr lang="en-US" altLang="ja-JP" dirty="0" smtClean="0"/>
+              <a:t>activated only in the given block</a:t>
             </a:r>
           </a:p>
           <a:p>
@@ -12001,6 +12028,13 @@
       <p:transition/>
     </mc:Fallback>
   </mc:AlternateContent>
+  <p:timing>
+    <p:tnLst>
+      <p:par>
+        <p:cTn id="1" dur="indefinite" restart="never" nodeType="tmRoot"/>
+      </p:par>
+    </p:tnLst>
+  </p:timing>
 </p:sld>
 </file>
 
@@ -12089,7 +12123,15 @@
             <a:pPr lvl="1"/>
             <a:r>
               <a:rPr lang="en-US" altLang="ja-JP" dirty="0" smtClean="0"/>
-              <a:t>self switching and refinement activation should be used at the same time</a:t>
+              <a:t>self switching and refinement activation should be </a:t>
+            </a:r>
+            <a:r>
+              <a:rPr lang="en-US" altLang="ja-JP" dirty="0" smtClean="0"/>
+              <a:t>able to be used </a:t>
+            </a:r>
+            <a:r>
+              <a:rPr lang="en-US" altLang="ja-JP" dirty="0" smtClean="0"/>
+              <a:t>at the same time</a:t>
             </a:r>
           </a:p>
           <a:p>
@@ -12130,7 +12172,7 @@
             <a:pPr lvl="1"/>
             <a:r>
               <a:rPr lang="en-US" altLang="ja-JP" dirty="0" smtClean="0"/>
-              <a:t>But </a:t>
+              <a:t>But, </a:t>
             </a:r>
             <a:r>
               <a:rPr lang="en-US" altLang="ja-JP" dirty="0" err="1" smtClean="0"/>
@@ -12211,6 +12253,13 @@
       <p:transition/>
     </mc:Fallback>
   </mc:AlternateContent>
+  <p:timing>
+    <p:tnLst>
+      <p:par>
+        <p:cTn id="1" dur="indefinite" restart="never" nodeType="tmRoot"/>
+      </p:par>
+    </p:tnLst>
+  </p:timing>
 </p:sld>
 </file>
 

--- a/refining_refinements.pptx
+++ b/refining_refinements.pptx
@@ -236,7 +236,7 @@
           <a:p>
             <a:fld id="{2824A956-B84A-4963-A5A1-07FF5674870B}" type="datetimeFigureOut">
               <a:rPr kumimoji="1" lang="ja-JP" altLang="en-US" smtClean="0"/>
-              <a:t>2013/5/28</a:t>
+              <a:t>2013/5/29</a:t>
             </a:fld>
             <a:endParaRPr kumimoji="1" lang="ja-JP" altLang="en-US"/>
           </a:p>
@@ -729,7 +729,7 @@
           <a:p>
             <a:fld id="{BEB2A44C-4838-48A1-8CCC-56B31324CD36}" type="datetime1">
               <a:rPr kumimoji="1" lang="ja-JP" altLang="en-US" smtClean="0"/>
-              <a:t>2013/5/28</a:t>
+              <a:t>2013/5/29</a:t>
             </a:fld>
             <a:endParaRPr kumimoji="1" lang="ja-JP" altLang="en-US"/>
           </a:p>
@@ -1119,7 +1119,7 @@
           <a:p>
             <a:fld id="{D6055D4B-96D3-4275-B22A-7550BE743D12}" type="datetime1">
               <a:rPr kumimoji="1" lang="ja-JP" altLang="en-US" smtClean="0"/>
-              <a:t>2013/5/28</a:t>
+              <a:t>2013/5/29</a:t>
             </a:fld>
             <a:endParaRPr kumimoji="1" lang="ja-JP" altLang="en-US"/>
           </a:p>
@@ -1416,7 +1416,7 @@
           <a:p>
             <a:fld id="{F09345D9-E47B-41FE-9D53-8206BA0721AD}" type="datetime1">
               <a:rPr kumimoji="1" lang="ja-JP" altLang="en-US" smtClean="0"/>
-              <a:t>2013/5/28</a:t>
+              <a:t>2013/5/29</a:t>
             </a:fld>
             <a:endParaRPr kumimoji="1" lang="ja-JP" altLang="en-US"/>
           </a:p>
@@ -1635,7 +1635,7 @@
           <a:p>
             <a:fld id="{203475DF-70B1-4C70-B488-86679E08279F}" type="datetime1">
               <a:rPr kumimoji="1" lang="ja-JP" altLang="en-US" smtClean="0"/>
-              <a:t>2013/5/28</a:t>
+              <a:t>2013/5/29</a:t>
             </a:fld>
             <a:endParaRPr kumimoji="1" lang="ja-JP" altLang="en-US"/>
           </a:p>
@@ -1848,7 +1848,7 @@
           <a:p>
             <a:fld id="{A6300FBA-32EC-48A0-B846-53E50F22EDC6}" type="datetime1">
               <a:rPr kumimoji="1" lang="ja-JP" altLang="en-US" smtClean="0"/>
-              <a:t>2013/5/28</a:t>
+              <a:t>2013/5/29</a:t>
             </a:fld>
             <a:endParaRPr kumimoji="1" lang="ja-JP" altLang="en-US"/>
           </a:p>
@@ -2069,7 +2069,7 @@
           <a:p>
             <a:fld id="{5F48B954-E802-41CF-A23B-AF4001D9A985}" type="datetime1">
               <a:rPr kumimoji="1" lang="ja-JP" altLang="en-US" smtClean="0"/>
-              <a:t>2013/5/28</a:t>
+              <a:t>2013/5/29</a:t>
             </a:fld>
             <a:endParaRPr kumimoji="1" lang="ja-JP" altLang="en-US"/>
           </a:p>
@@ -2342,7 +2342,7 @@
           <a:p>
             <a:fld id="{9E7B2D17-F2F6-4F58-A5BA-B4327B220303}" type="datetime1">
               <a:rPr kumimoji="1" lang="ja-JP" altLang="en-US" smtClean="0"/>
-              <a:t>2013/5/28</a:t>
+              <a:t>2013/5/29</a:t>
             </a:fld>
             <a:endParaRPr kumimoji="1" lang="ja-JP" altLang="en-US"/>
           </a:p>
@@ -2708,7 +2708,7 @@
           <a:p>
             <a:fld id="{A9E9C874-8A2A-417D-8190-0EEAE08A6CBC}" type="datetime1">
               <a:rPr kumimoji="1" lang="ja-JP" altLang="en-US" smtClean="0"/>
-              <a:t>2013/5/28</a:t>
+              <a:t>2013/5/29</a:t>
             </a:fld>
             <a:endParaRPr kumimoji="1" lang="ja-JP" altLang="en-US"/>
           </a:p>
@@ -3223,7 +3223,7 @@
           <a:p>
             <a:fld id="{A55BE7E1-4417-46D1-A1D7-5676DF5662EE}" type="datetime1">
               <a:rPr kumimoji="1" lang="ja-JP" altLang="en-US" smtClean="0"/>
-              <a:t>2013/5/28</a:t>
+              <a:t>2013/5/29</a:t>
             </a:fld>
             <a:endParaRPr kumimoji="1" lang="ja-JP" altLang="en-US"/>
           </a:p>
@@ -3348,7 +3348,7 @@
           <a:p>
             <a:fld id="{FE11AAFE-9511-4B75-BEE3-5AB426959440}" type="datetime1">
               <a:rPr kumimoji="1" lang="ja-JP" altLang="en-US" smtClean="0"/>
-              <a:t>2013/5/28</a:t>
+              <a:t>2013/5/29</a:t>
             </a:fld>
             <a:endParaRPr kumimoji="1" lang="ja-JP" altLang="en-US"/>
           </a:p>
@@ -3450,7 +3450,7 @@
           <a:p>
             <a:fld id="{BE67106B-0A95-46B3-B66A-1A5A0A78CD79}" type="datetime1">
               <a:rPr kumimoji="1" lang="ja-JP" altLang="en-US" smtClean="0"/>
-              <a:t>2013/5/28</a:t>
+              <a:t>2013/5/29</a:t>
             </a:fld>
             <a:endParaRPr kumimoji="1" lang="ja-JP" altLang="en-US"/>
           </a:p>
@@ -3736,7 +3736,7 @@
           <a:p>
             <a:fld id="{FDD83BBB-F8BD-4C2C-A7A1-30EF8887FC58}" type="datetime1">
               <a:rPr kumimoji="1" lang="ja-JP" altLang="en-US" smtClean="0"/>
-              <a:t>2013/5/28</a:t>
+              <a:t>2013/5/29</a:t>
             </a:fld>
             <a:endParaRPr kumimoji="1" lang="ja-JP" altLang="en-US"/>
           </a:p>
@@ -4009,7 +4009,7 @@
           <a:p>
             <a:fld id="{BB5A1D04-C170-4F36-A596-1B147592CAD8}" type="datetime1">
               <a:rPr kumimoji="1" lang="ja-JP" altLang="en-US" smtClean="0"/>
-              <a:t>2013/5/28</a:t>
+              <a:t>2013/5/29</a:t>
             </a:fld>
             <a:endParaRPr kumimoji="1" lang="ja-JP" altLang="en-US"/>
           </a:p>
@@ -5531,7 +5531,19 @@
           <a:p>
             <a:r>
               <a:rPr kumimoji="1" lang="en-US" altLang="ja-JP" dirty="0" smtClean="0"/>
-              <a:t>Example of parser</a:t>
+              <a:t>Example of </a:t>
+            </a:r>
+            <a:r>
+              <a:rPr kumimoji="1" lang="en-US" altLang="ja-JP" dirty="0" smtClean="0"/>
+              <a:t>a </a:t>
+            </a:r>
+            <a:r>
+              <a:rPr kumimoji="1" lang="en-US" altLang="ja-JP" dirty="0" err="1" smtClean="0"/>
+              <a:t>RaddDjur</a:t>
+            </a:r>
+            <a:r>
+              <a:rPr kumimoji="1" lang="en-US" altLang="ja-JP" dirty="0" smtClean="0"/>
+              <a:t> parser</a:t>
             </a:r>
             <a:endParaRPr kumimoji="1" lang="ja-JP" altLang="en-US" dirty="0"/>
           </a:p>
@@ -8871,11 +8883,7 @@
             <a:pPr lvl="2"/>
             <a:r>
               <a:rPr lang="en-US" altLang="ja-JP" dirty="0" smtClean="0"/>
-              <a:t>e.g., ?0..?</a:t>
-            </a:r>
-            <a:r>
-              <a:rPr lang="en-US" altLang="ja-JP" dirty="0" smtClean="0"/>
-              <a:t>9, ?</a:t>
+              <a:t>e.g., ?0..?9, ?</a:t>
             </a:r>
             <a:r>
               <a:rPr lang="en-US" altLang="ja-JP" dirty="0" err="1" smtClean="0"/>
@@ -10479,11 +10487,11 @@
   <p:clrMapOvr>
     <a:masterClrMapping/>
   </p:clrMapOvr>
-  <mc:AlternateContent xmlns:mc="http://schemas.openxmlformats.org/markup-compatibility/2006">
-    <mc:Choice xmlns:p14="http://schemas.microsoft.com/office/powerpoint/2010/main" Requires="p14">
+  <mc:AlternateContent xmlns:mc="http://schemas.openxmlformats.org/markup-compatibility/2006" xmlns:p14="http://schemas.microsoft.com/office/powerpoint/2010/main">
+    <mc:Choice Requires="p14">
       <p:transition p14:dur="0"/>
     </mc:Choice>
-    <mc:Fallback>
+    <mc:Fallback xmlns="">
       <p:transition/>
     </mc:Fallback>
   </mc:AlternateContent>
@@ -10726,7 +10734,6 @@
               <a:rPr kumimoji="1" lang="en-US" altLang="ja-JP" dirty="0" smtClean="0"/>
               <a:t>Only file-scoped refinement activation</a:t>
             </a:r>
-            <a:endParaRPr kumimoji="1" lang="en-US" altLang="ja-JP" dirty="0" smtClean="0"/>
           </a:p>
           <a:p>
             <a:endParaRPr lang="en-US" altLang="ja-JP" dirty="0"/>
@@ -11134,11 +11141,7 @@
           <a:p>
             <a:r>
               <a:rPr lang="en-US" altLang="ja-JP" dirty="0" smtClean="0"/>
-              <a:t>How to refine </a:t>
-            </a:r>
-            <a:r>
-              <a:rPr lang="en-US" altLang="ja-JP" dirty="0" smtClean="0"/>
-              <a:t>refinements</a:t>
+              <a:t>How to refine refinements</a:t>
             </a:r>
             <a:endParaRPr kumimoji="1" lang="ja-JP" altLang="en-US" dirty="0"/>
           </a:p>
@@ -11497,8 +11500,26 @@
                 <a:latin typeface="Courier New" pitchFamily="49" charset="0"/>
                 <a:cs typeface="Courier New" pitchFamily="49" charset="0"/>
               </a:rPr>
-              <a:t>DSL is activated here</a:t>
-            </a:r>
+              <a:t>DSL is </a:t>
+            </a:r>
+            <a:r>
+              <a:rPr lang="en-US" altLang="ja-JP" smtClean="0">
+                <a:latin typeface="Courier New" pitchFamily="49" charset="0"/>
+                <a:cs typeface="Courier New" pitchFamily="49" charset="0"/>
+              </a:rPr>
+              <a:t>activated </a:t>
+            </a:r>
+            <a:r>
+              <a:rPr lang="en-US" altLang="ja-JP" smtClean="0">
+                <a:latin typeface="Courier New" pitchFamily="49" charset="0"/>
+                <a:cs typeface="Courier New" pitchFamily="49" charset="0"/>
+              </a:rPr>
+              <a:t>here.</a:t>
+            </a:r>
+            <a:endParaRPr lang="en-US" altLang="ja-JP" dirty="0" smtClean="0">
+              <a:latin typeface="Courier New" pitchFamily="49" charset="0"/>
+              <a:cs typeface="Courier New" pitchFamily="49" charset="0"/>
+            </a:endParaRPr>
           </a:p>
           <a:p>
             <a:r>
@@ -11636,11 +11657,7 @@
           <a:p>
             <a:r>
               <a:rPr kumimoji="1" lang="en-US" altLang="ja-JP" dirty="0" smtClean="0"/>
-              <a:t>PROPOSAL using</a:t>
-            </a:r>
-            <a:r>
-              <a:rPr kumimoji="1" lang="en-US" altLang="ja-JP" dirty="0" smtClean="0"/>
-              <a:t>: option of </a:t>
+              <a:t>PROPOSAL using: option of </a:t>
             </a:r>
             <a:r>
               <a:rPr kumimoji="1" lang="en-US" altLang="ja-JP" dirty="0" err="1" smtClean="0"/>
@@ -11688,35 +11705,14 @@
             <a:pPr lvl="1"/>
             <a:r>
               <a:rPr lang="en-US" altLang="ja-JP" dirty="0" smtClean="0"/>
-              <a:t>The value of using: option is a </a:t>
-            </a:r>
+              <a:t>The value of using: option is a module, or an array of module</a:t>
+            </a:r>
+          </a:p>
+          <a:p>
+            <a:pPr lvl="1"/>
             <a:r>
               <a:rPr lang="en-US" altLang="ja-JP" dirty="0" smtClean="0"/>
-              <a:t>module, </a:t>
-            </a:r>
-            <a:r>
-              <a:rPr lang="en-US" altLang="ja-JP" dirty="0" smtClean="0"/>
-              <a:t>or an array of </a:t>
-            </a:r>
-            <a:r>
-              <a:rPr lang="en-US" altLang="ja-JP" dirty="0" smtClean="0"/>
-              <a:t>module</a:t>
-            </a:r>
-            <a:endParaRPr lang="en-US" altLang="ja-JP" dirty="0" smtClean="0"/>
-          </a:p>
-          <a:p>
-            <a:pPr lvl="1"/>
-            <a:r>
-              <a:rPr lang="en-US" altLang="ja-JP" dirty="0" smtClean="0"/>
-              <a:t>The </a:t>
-            </a:r>
-            <a:r>
-              <a:rPr lang="en-US" altLang="ja-JP" dirty="0" smtClean="0"/>
-              <a:t>refinements defined in the module(s) are </a:t>
-            </a:r>
-            <a:r>
-              <a:rPr lang="en-US" altLang="ja-JP" dirty="0" smtClean="0"/>
-              <a:t>activated only in the given block</a:t>
+              <a:t>The refinements defined in the module(s) are activated only in the given block</a:t>
             </a:r>
           </a:p>
           <a:p>
@@ -12123,15 +12119,7 @@
             <a:pPr lvl="1"/>
             <a:r>
               <a:rPr lang="en-US" altLang="ja-JP" dirty="0" smtClean="0"/>
-              <a:t>self switching and refinement activation should be </a:t>
-            </a:r>
-            <a:r>
-              <a:rPr lang="en-US" altLang="ja-JP" dirty="0" smtClean="0"/>
-              <a:t>able to be used </a:t>
-            </a:r>
-            <a:r>
-              <a:rPr lang="en-US" altLang="ja-JP" dirty="0" smtClean="0"/>
-              <a:t>at the same time</a:t>
+              <a:t>self switching and refinement activation should be able to be used at the same time</a:t>
             </a:r>
           </a:p>
           <a:p>
